--- a/slides/recurrences.pptx
+++ b/slides/recurrences.pptx
@@ -1030,7 +1030,7 @@
             <a:fld id="{7AA5AD8F-F3B0-42A1-BADE-3E121779D997}" type="datetime1">
               <a:rPr lang="en-US" smtClean="0"/>
               <a:pPr/>
-              <a:t>8/27/21</a:t>
+              <a:t>8/31/21</a:t>
             </a:fld>
             <a:endParaRPr lang="en-US"/>
           </a:p>
@@ -1390,7 +1390,7 @@
             <a:fld id="{70B371D5-F170-4574-829E-67713AA2AF8B}" type="datetime1">
               <a:rPr lang="en-US" smtClean="0"/>
               <a:pPr/>
-              <a:t>8/27/21</a:t>
+              <a:t>8/31/21</a:t>
             </a:fld>
             <a:endParaRPr lang="en-US"/>
           </a:p>
@@ -1566,7 +1566,7 @@
             <a:fld id="{41DEAF00-D1FE-4F71-8891-85EEE31B7478}" type="datetime1">
               <a:rPr lang="en-US" smtClean="0"/>
               <a:pPr/>
-              <a:t>8/27/21</a:t>
+              <a:t>8/31/21</a:t>
             </a:fld>
             <a:endParaRPr lang="en-US"/>
           </a:p>
@@ -1883,7 +1883,7 @@
             <a:fld id="{94B9C8BD-ED75-4439-AD6B-9DD62AAFC8D9}" type="datetime1">
               <a:rPr lang="en-US" smtClean="0"/>
               <a:pPr/>
-              <a:t>8/27/21</a:t>
+              <a:t>8/31/21</a:t>
             </a:fld>
             <a:endParaRPr lang="en-US"/>
           </a:p>
@@ -2169,7 +2169,7 @@
             <a:fld id="{ECD93607-5884-4A96-A08B-80229D166DF1}" type="datetime1">
               <a:rPr lang="en-US" smtClean="0"/>
               <a:pPr/>
-              <a:t>8/27/21</a:t>
+              <a:t>8/31/21</a:t>
             </a:fld>
             <a:endParaRPr lang="en-US"/>
           </a:p>
@@ -2390,7 +2390,7 @@
             <a:fld id="{6F102B80-C461-45FB-9371-DFC9B0CCC0E5}" type="datetime1">
               <a:rPr lang="en-US" smtClean="0"/>
               <a:pPr/>
-              <a:t>8/27/21</a:t>
+              <a:t>8/31/21</a:t>
             </a:fld>
             <a:endParaRPr lang="en-US"/>
           </a:p>
@@ -2743,7 +2743,7 @@
             <a:fld id="{EA9CD99D-5207-446B-9DC5-D0DDD2D44051}" type="datetime1">
               <a:rPr lang="en-US" smtClean="0"/>
               <a:pPr/>
-              <a:t>8/27/21</a:t>
+              <a:t>8/31/21</a:t>
             </a:fld>
             <a:endParaRPr lang="en-US"/>
           </a:p>
@@ -2976,7 +2976,7 @@
             <a:fld id="{72673F1E-8F53-44C8-9921-41D9D265AD14}" type="datetime1">
               <a:rPr lang="en-US" smtClean="0"/>
               <a:pPr/>
-              <a:t>8/27/21</a:t>
+              <a:t>8/31/21</a:t>
             </a:fld>
             <a:endParaRPr lang="en-US"/>
           </a:p>
@@ -3118,7 +3118,7 @@
             <a:fld id="{E298527C-C606-48C4-B4D5-2567D6898083}" type="datetime1">
               <a:rPr lang="en-US" smtClean="0"/>
               <a:pPr/>
-              <a:t>8/27/21</a:t>
+              <a:t>8/31/21</a:t>
             </a:fld>
             <a:endParaRPr lang="en-US"/>
           </a:p>
@@ -3396,7 +3396,7 @@
             <a:fld id="{1539330C-42EA-483B-AECF-1BED7029D168}" type="datetime1">
               <a:rPr lang="en-US" smtClean="0"/>
               <a:pPr/>
-              <a:t>8/27/21</a:t>
+              <a:t>8/31/21</a:t>
             </a:fld>
             <a:endParaRPr lang="en-US"/>
           </a:p>
@@ -3804,7 +3804,7 @@
             <a:fld id="{6164C552-CBA0-44FF-B21C-CCB2A0CE4F32}" type="datetime1">
               <a:rPr lang="en-US" smtClean="0"/>
               <a:pPr/>
-              <a:t>8/27/21</a:t>
+              <a:t>8/31/21</a:t>
             </a:fld>
             <a:endParaRPr lang="en-US"/>
           </a:p>
@@ -4143,7 +4143,7 @@
             <a:fld id="{616F3C91-9847-4E06-A788-F916DE9E864B}" type="datetime1">
               <a:rPr lang="en-US" smtClean="0"/>
               <a:pPr/>
-              <a:t>8/27/21</a:t>
+              <a:t>8/31/21</a:t>
             </a:fld>
             <a:endParaRPr lang="en-US"/>
           </a:p>
@@ -6609,7 +6609,7 @@
           <a:graphicData uri="http://schemas.openxmlformats.org/presentationml/2006/ole">
             <mc:AlternateContent xmlns:mc="http://schemas.openxmlformats.org/markup-compatibility/2006">
               <mc:Choice xmlns:v="urn:schemas-microsoft-com:vml" Requires="v">
-                <p:oleObj spid="_x0000_s39008" name="Photo Editor Photo" r:id="rId6" imgW="7658764" imgH="4031329" progId="">
+                <p:oleObj spid="_x0000_s39009" name="Photo Editor Photo" r:id="rId6" imgW="7658764" imgH="4031329" progId="">
                   <p:embed/>
                 </p:oleObj>
               </mc:Choice>
@@ -6651,14 +6651,14 @@
                       </a:ln>
                       <a:extLst>
                         <a:ext uri="{909E8E84-426E-40dd-AFC4-6F175D3DCCD1}">
-                          <a14:hiddenFill xmlns:a14="http://schemas.microsoft.com/office/drawing/2010/main" xmlns="">
+                          <a14:hiddenFill xmlns="" xmlns:a14="http://schemas.microsoft.com/office/drawing/2010/main">
                             <a:solidFill>
                               <a:schemeClr val="tx1"/>
                             </a:solidFill>
                           </a14:hiddenFill>
                         </a:ext>
                         <a:ext uri="{91240B29-F687-4f45-9708-019B960494DF}">
-                          <a14:hiddenLine xmlns:a14="http://schemas.microsoft.com/office/drawing/2010/main" xmlns="" w="9525">
+                          <a14:hiddenLine xmlns="" xmlns:a14="http://schemas.microsoft.com/office/drawing/2010/main" w="9525">
                             <a:solidFill>
                               <a:schemeClr val="tx1"/>
                             </a:solidFill>

--- a/slides/recurrences.pptx
+++ b/slides/recurrences.pptx
@@ -1030,7 +1030,7 @@
             <a:fld id="{7AA5AD8F-F3B0-42A1-BADE-3E121779D997}" type="datetime1">
               <a:rPr lang="en-US" smtClean="0"/>
               <a:pPr/>
-              <a:t>8/31/21</a:t>
+              <a:t>9/2/21</a:t>
             </a:fld>
             <a:endParaRPr lang="en-US"/>
           </a:p>
@@ -1390,7 +1390,7 @@
             <a:fld id="{70B371D5-F170-4574-829E-67713AA2AF8B}" type="datetime1">
               <a:rPr lang="en-US" smtClean="0"/>
               <a:pPr/>
-              <a:t>8/31/21</a:t>
+              <a:t>9/2/21</a:t>
             </a:fld>
             <a:endParaRPr lang="en-US"/>
           </a:p>
@@ -1566,7 +1566,7 @@
             <a:fld id="{41DEAF00-D1FE-4F71-8891-85EEE31B7478}" type="datetime1">
               <a:rPr lang="en-US" smtClean="0"/>
               <a:pPr/>
-              <a:t>8/31/21</a:t>
+              <a:t>9/2/21</a:t>
             </a:fld>
             <a:endParaRPr lang="en-US"/>
           </a:p>
@@ -1883,7 +1883,7 @@
             <a:fld id="{94B9C8BD-ED75-4439-AD6B-9DD62AAFC8D9}" type="datetime1">
               <a:rPr lang="en-US" smtClean="0"/>
               <a:pPr/>
-              <a:t>8/31/21</a:t>
+              <a:t>9/2/21</a:t>
             </a:fld>
             <a:endParaRPr lang="en-US"/>
           </a:p>
@@ -2169,7 +2169,7 @@
             <a:fld id="{ECD93607-5884-4A96-A08B-80229D166DF1}" type="datetime1">
               <a:rPr lang="en-US" smtClean="0"/>
               <a:pPr/>
-              <a:t>8/31/21</a:t>
+              <a:t>9/2/21</a:t>
             </a:fld>
             <a:endParaRPr lang="en-US"/>
           </a:p>
@@ -2390,7 +2390,7 @@
             <a:fld id="{6F102B80-C461-45FB-9371-DFC9B0CCC0E5}" type="datetime1">
               <a:rPr lang="en-US" smtClean="0"/>
               <a:pPr/>
-              <a:t>8/31/21</a:t>
+              <a:t>9/2/21</a:t>
             </a:fld>
             <a:endParaRPr lang="en-US"/>
           </a:p>
@@ -2743,7 +2743,7 @@
             <a:fld id="{EA9CD99D-5207-446B-9DC5-D0DDD2D44051}" type="datetime1">
               <a:rPr lang="en-US" smtClean="0"/>
               <a:pPr/>
-              <a:t>8/31/21</a:t>
+              <a:t>9/2/21</a:t>
             </a:fld>
             <a:endParaRPr lang="en-US"/>
           </a:p>
@@ -2976,7 +2976,7 @@
             <a:fld id="{72673F1E-8F53-44C8-9921-41D9D265AD14}" type="datetime1">
               <a:rPr lang="en-US" smtClean="0"/>
               <a:pPr/>
-              <a:t>8/31/21</a:t>
+              <a:t>9/2/21</a:t>
             </a:fld>
             <a:endParaRPr lang="en-US"/>
           </a:p>
@@ -3118,7 +3118,7 @@
             <a:fld id="{E298527C-C606-48C4-B4D5-2567D6898083}" type="datetime1">
               <a:rPr lang="en-US" smtClean="0"/>
               <a:pPr/>
-              <a:t>8/31/21</a:t>
+              <a:t>9/2/21</a:t>
             </a:fld>
             <a:endParaRPr lang="en-US"/>
           </a:p>
@@ -3396,7 +3396,7 @@
             <a:fld id="{1539330C-42EA-483B-AECF-1BED7029D168}" type="datetime1">
               <a:rPr lang="en-US" smtClean="0"/>
               <a:pPr/>
-              <a:t>8/31/21</a:t>
+              <a:t>9/2/21</a:t>
             </a:fld>
             <a:endParaRPr lang="en-US"/>
           </a:p>
@@ -3804,7 +3804,7 @@
             <a:fld id="{6164C552-CBA0-44FF-B21C-CCB2A0CE4F32}" type="datetime1">
               <a:rPr lang="en-US" smtClean="0"/>
               <a:pPr/>
-              <a:t>8/31/21</a:t>
+              <a:t>9/2/21</a:t>
             </a:fld>
             <a:endParaRPr lang="en-US"/>
           </a:p>
@@ -4143,7 +4143,7 @@
             <a:fld id="{616F3C91-9847-4E06-A788-F916DE9E864B}" type="datetime1">
               <a:rPr lang="en-US" smtClean="0"/>
               <a:pPr/>
-              <a:t>8/31/21</a:t>
+              <a:t>9/2/21</a:t>
             </a:fld>
             <a:endParaRPr lang="en-US"/>
           </a:p>
@@ -4856,8 +4856,17 @@
               <a:t> &lt;= 4*n = </a:t>
             </a:r>
             <a:r>
+              <a:rPr lang="en-US" altLang="en-US" b="1" dirty="0">
+                <a:latin typeface="Calibri" panose="020F0502020204030204" pitchFamily="34" charset="0"/>
+                <a:ea typeface="ＭＳ Ｐゴシック" panose="020B0600070205080204" pitchFamily="34" charset="-128"/>
+                <a:cs typeface="Calibri" panose="020F0502020204030204" pitchFamily="34" charset="0"/>
+                <a:sym typeface="Symbol" pitchFamily="2" charset="2"/>
+              </a:rPr>
+              <a:t></a:t>
+            </a:r>
+            <a:r>
               <a:rPr lang="en-US" b="1" dirty="0"/>
-              <a:t>Theta(n)</a:t>
+              <a:t>(n)</a:t>
             </a:r>
           </a:p>
         </p:txBody>
@@ -5010,7 +5019,20 @@
             </a:r>
             <a:r>
               <a:rPr lang="en-US" dirty="0"/>
-              <a:t> + Theta(n)</a:t>
+              <a:t> + </a:t>
+            </a:r>
+            <a:r>
+              <a:rPr lang="en-US" altLang="en-US" dirty="0">
+                <a:latin typeface="Calibri" panose="020F0502020204030204" pitchFamily="34" charset="0"/>
+                <a:ea typeface="ＭＳ Ｐゴシック" panose="020B0600070205080204" pitchFamily="34" charset="-128"/>
+                <a:cs typeface="Calibri" panose="020F0502020204030204" pitchFamily="34" charset="0"/>
+                <a:sym typeface="Symbol" pitchFamily="2" charset="2"/>
+              </a:rPr>
+              <a:t></a:t>
+            </a:r>
+            <a:r>
+              <a:rPr lang="en-US" dirty="0"/>
+              <a:t>(n)</a:t>
             </a:r>
           </a:p>
           <a:p>
@@ -5024,7 +5046,20 @@
             </a:r>
             <a:r>
               <a:rPr lang="en-US" dirty="0"/>
-              <a:t> + Theta(n)      //log rules</a:t>
+              <a:t> + </a:t>
+            </a:r>
+            <a:r>
+              <a:rPr lang="en-US" altLang="en-US" dirty="0">
+                <a:latin typeface="Calibri" panose="020F0502020204030204" pitchFamily="34" charset="0"/>
+                <a:ea typeface="ＭＳ Ｐゴシック" panose="020B0600070205080204" pitchFamily="34" charset="-128"/>
+                <a:cs typeface="Calibri" panose="020F0502020204030204" pitchFamily="34" charset="0"/>
+                <a:sym typeface="Symbol" pitchFamily="2" charset="2"/>
+              </a:rPr>
+              <a:t></a:t>
+            </a:r>
+            <a:r>
+              <a:rPr lang="en-US" dirty="0"/>
+              <a:t>(n)      //log rules</a:t>
             </a:r>
           </a:p>
           <a:p>
@@ -5033,7 +5068,20 @@
           <a:p>
             <a:r>
               <a:rPr lang="en-US" dirty="0"/>
-              <a:t>T(n) = o(n) + Theta(n)</a:t>
+              <a:t>T(n) = o(n) + </a:t>
+            </a:r>
+            <a:r>
+              <a:rPr lang="en-US" altLang="en-US" dirty="0">
+                <a:latin typeface="Calibri" panose="020F0502020204030204" pitchFamily="34" charset="0"/>
+                <a:ea typeface="ＭＳ Ｐゴシック" panose="020B0600070205080204" pitchFamily="34" charset="-128"/>
+                <a:cs typeface="Calibri" panose="020F0502020204030204" pitchFamily="34" charset="0"/>
+                <a:sym typeface="Symbol" pitchFamily="2" charset="2"/>
+              </a:rPr>
+              <a:t></a:t>
+            </a:r>
+            <a:r>
+              <a:rPr lang="en-US" dirty="0"/>
+              <a:t>(n)</a:t>
             </a:r>
           </a:p>
           <a:p>
@@ -5042,7 +5090,20 @@
           <a:p>
             <a:r>
               <a:rPr lang="en-US" b="1" i="1" u="sng" dirty="0"/>
-              <a:t>T(n) = Theta(n)</a:t>
+              <a:t>T(n) = </a:t>
+            </a:r>
+            <a:r>
+              <a:rPr lang="en-US" altLang="en-US" b="1" u="sng" dirty="0">
+                <a:latin typeface="Calibri" panose="020F0502020204030204" pitchFamily="34" charset="0"/>
+                <a:ea typeface="ＭＳ Ｐゴシック" panose="020B0600070205080204" pitchFamily="34" charset="-128"/>
+                <a:cs typeface="Calibri" panose="020F0502020204030204" pitchFamily="34" charset="0"/>
+                <a:sym typeface="Symbol" pitchFamily="2" charset="2"/>
+              </a:rPr>
+              <a:t></a:t>
+            </a:r>
+            <a:r>
+              <a:rPr lang="en-US" b="1" i="1" u="sng" dirty="0"/>
+              <a:t>(n)</a:t>
             </a:r>
           </a:p>
           <a:p>
@@ -6609,7 +6670,7 @@
           <a:graphicData uri="http://schemas.openxmlformats.org/presentationml/2006/ole">
             <mc:AlternateContent xmlns:mc="http://schemas.openxmlformats.org/markup-compatibility/2006">
               <mc:Choice xmlns:v="urn:schemas-microsoft-com:vml" Requires="v">
-                <p:oleObj spid="_x0000_s39009" name="Photo Editor Photo" r:id="rId6" imgW="7658764" imgH="4031329" progId="">
+                <p:oleObj spid="_x0000_s39010" name="Photo Editor Photo" r:id="rId6" imgW="7658764" imgH="4031329" progId="">
                   <p:embed/>
                 </p:oleObj>
               </mc:Choice>
@@ -6651,14 +6712,14 @@
                       </a:ln>
                       <a:extLst>
                         <a:ext uri="{909E8E84-426E-40dd-AFC4-6F175D3DCCD1}">
-                          <a14:hiddenFill xmlns="" xmlns:a14="http://schemas.microsoft.com/office/drawing/2010/main">
+                          <a14:hiddenFill xmlns:a14="http://schemas.microsoft.com/office/drawing/2010/main" xmlns="">
                             <a:solidFill>
                               <a:schemeClr val="tx1"/>
                             </a:solidFill>
                           </a14:hiddenFill>
                         </a:ext>
                         <a:ext uri="{91240B29-F687-4f45-9708-019B960494DF}">
-                          <a14:hiddenLine xmlns="" xmlns:a14="http://schemas.microsoft.com/office/drawing/2010/main" w="9525">
+                          <a14:hiddenLine xmlns:a14="http://schemas.microsoft.com/office/drawing/2010/main" xmlns="" w="9525">
                             <a:solidFill>
                               <a:schemeClr val="tx1"/>
                             </a:solidFill>

--- a/slides/recurrences.pptx
+++ b/slides/recurrences.pptx
@@ -5,10 +5,10 @@
     <p:sldMasterId id="2147483705" r:id="rId1"/>
   </p:sldMasterIdLst>
   <p:notesMasterIdLst>
-    <p:notesMasterId r:id="rId36"/>
+    <p:notesMasterId r:id="rId44"/>
   </p:notesMasterIdLst>
   <p:handoutMasterIdLst>
-    <p:handoutMasterId r:id="rId37"/>
+    <p:handoutMasterId r:id="rId45"/>
   </p:handoutMasterIdLst>
   <p:sldIdLst>
     <p:sldId id="512" r:id="rId2"/>
@@ -45,11 +45,19 @@
     <p:sldId id="596" r:id="rId33"/>
     <p:sldId id="582" r:id="rId34"/>
     <p:sldId id="597" r:id="rId35"/>
+    <p:sldId id="608" r:id="rId36"/>
+    <p:sldId id="609" r:id="rId37"/>
+    <p:sldId id="610" r:id="rId38"/>
+    <p:sldId id="611" r:id="rId39"/>
+    <p:sldId id="612" r:id="rId40"/>
+    <p:sldId id="613" r:id="rId41"/>
+    <p:sldId id="614" r:id="rId42"/>
+    <p:sldId id="615" r:id="rId43"/>
   </p:sldIdLst>
   <p:sldSz cx="9144000" cy="6858000" type="screen4x3"/>
   <p:notesSz cx="7315200" cy="9601200"/>
   <p:custDataLst>
-    <p:tags r:id="rId38"/>
+    <p:tags r:id="rId46"/>
   </p:custDataLst>
   <p:defaultTextStyle>
     <a:defPPr>
@@ -6670,7 +6678,7 @@
           <a:graphicData uri="http://schemas.openxmlformats.org/presentationml/2006/ole">
             <mc:AlternateContent xmlns:mc="http://schemas.openxmlformats.org/markup-compatibility/2006">
               <mc:Choice xmlns:v="urn:schemas-microsoft-com:vml" Requires="v">
-                <p:oleObj spid="_x0000_s39010" name="Photo Editor Photo" r:id="rId6" imgW="7658764" imgH="4031329" progId="">
+                <p:oleObj spid="_x0000_s39015" name="Photo Editor Photo" r:id="rId6" imgW="7658764" imgH="4031329" progId="">
                   <p:embed/>
                 </p:oleObj>
               </mc:Choice>
@@ -6712,14 +6720,14 @@
                       </a:ln>
                       <a:extLst>
                         <a:ext uri="{909E8E84-426E-40dd-AFC4-6F175D3DCCD1}">
-                          <a14:hiddenFill xmlns:a14="http://schemas.microsoft.com/office/drawing/2010/main" xmlns="">
+                          <a14:hiddenFill xmlns="" xmlns:a14="http://schemas.microsoft.com/office/drawing/2010/main">
                             <a:solidFill>
                               <a:schemeClr val="tx1"/>
                             </a:solidFill>
                           </a14:hiddenFill>
                         </a:ext>
                         <a:ext uri="{91240B29-F687-4f45-9708-019B960494DF}">
-                          <a14:hiddenLine xmlns:a14="http://schemas.microsoft.com/office/drawing/2010/main" xmlns="" w="9525">
+                          <a14:hiddenLine xmlns="" xmlns:a14="http://schemas.microsoft.com/office/drawing/2010/main" w="9525">
                             <a:solidFill>
                               <a:schemeClr val="tx1"/>
                             </a:solidFill>
@@ -9729,6 +9737,1922 @@
 </p:sld>
 </file>
 
+<file path=ppt/slides/slide35.xml><?xml version="1.0" encoding="utf-8"?>
+<p:sld xmlns:a="http://schemas.openxmlformats.org/drawingml/2006/main" xmlns:r="http://schemas.openxmlformats.org/officeDocument/2006/relationships" xmlns:p="http://schemas.openxmlformats.org/presentationml/2006/main">
+  <p:cSld>
+    <p:spTree>
+      <p:nvGrpSpPr>
+        <p:cNvPr id="1" name=""/>
+        <p:cNvGrpSpPr/>
+        <p:nvPr/>
+      </p:nvGrpSpPr>
+      <p:grpSpPr>
+        <a:xfrm>
+          <a:off x="0" y="0"/>
+          <a:ext cx="0" cy="0"/>
+          <a:chOff x="0" y="0"/>
+          <a:chExt cx="0" cy="0"/>
+        </a:xfrm>
+      </p:grpSpPr>
+      <p:sp>
+        <p:nvSpPr>
+          <p:cNvPr id="4" name="Title 3"/>
+          <p:cNvSpPr>
+            <a:spLocks noGrp="1"/>
+          </p:cNvSpPr>
+          <p:nvPr>
+            <p:ph type="title"/>
+          </p:nvPr>
+        </p:nvSpPr>
+        <p:spPr/>
+        <p:txBody>
+          <a:bodyPr/>
+          <a:lstStyle/>
+          <a:p>
+            <a:r>
+              <a:rPr lang="en-US" dirty="0"/>
+              <a:t>Solutions</a:t>
+            </a:r>
+          </a:p>
+        </p:txBody>
+      </p:sp>
+      <p:sp>
+        <p:nvSpPr>
+          <p:cNvPr id="5" name="Text Placeholder 4"/>
+          <p:cNvSpPr>
+            <a:spLocks noGrp="1"/>
+          </p:cNvSpPr>
+          <p:nvPr>
+            <p:ph type="body" idx="1"/>
+          </p:nvPr>
+        </p:nvSpPr>
+        <p:spPr/>
+        <p:txBody>
+          <a:bodyPr/>
+          <a:lstStyle/>
+          <a:p>
+            <a:r>
+              <a:rPr lang="en-US" dirty="0"/>
+              <a:t>Solutions to problems that aren’t directly in the slides above</a:t>
+            </a:r>
+          </a:p>
+        </p:txBody>
+      </p:sp>
+      <p:sp>
+        <p:nvSpPr>
+          <p:cNvPr id="6" name="Slide Number Placeholder 5"/>
+          <p:cNvSpPr>
+            <a:spLocks noGrp="1"/>
+          </p:cNvSpPr>
+          <p:nvPr>
+            <p:ph type="sldNum" sz="quarter" idx="12"/>
+          </p:nvPr>
+        </p:nvSpPr>
+        <p:spPr/>
+        <p:txBody>
+          <a:bodyPr/>
+          <a:lstStyle/>
+          <a:p>
+            <a:fld id="{0E0CE5E1-73E6-4EC0-A549-568A23C84235}" type="slidenum">
+              <a:rPr lang="en-US" smtClean="0"/>
+              <a:pPr/>
+              <a:t>35</a:t>
+            </a:fld>
+            <a:endParaRPr lang="en-US"/>
+          </a:p>
+        </p:txBody>
+      </p:sp>
+    </p:spTree>
+    <p:extLst>
+      <p:ext uri="{BB962C8B-B14F-4D97-AF65-F5344CB8AC3E}">
+        <p14:creationId xmlns:p14="http://schemas.microsoft.com/office/powerpoint/2010/main" val="666639560"/>
+      </p:ext>
+    </p:extLst>
+  </p:cSld>
+  <p:clrMapOvr>
+    <a:masterClrMapping/>
+  </p:clrMapOvr>
+</p:sld>
+</file>
+
+<file path=ppt/slides/slide36.xml><?xml version="1.0" encoding="utf-8"?>
+<p:sld xmlns:a="http://schemas.openxmlformats.org/drawingml/2006/main" xmlns:r="http://schemas.openxmlformats.org/officeDocument/2006/relationships" xmlns:p="http://schemas.openxmlformats.org/presentationml/2006/main">
+  <p:cSld>
+    <p:spTree>
+      <p:nvGrpSpPr>
+        <p:cNvPr id="1" name=""/>
+        <p:cNvGrpSpPr/>
+        <p:nvPr/>
+      </p:nvGrpSpPr>
+      <p:grpSpPr>
+        <a:xfrm>
+          <a:off x="0" y="0"/>
+          <a:ext cx="0" cy="0"/>
+          <a:chOff x="0" y="0"/>
+          <a:chExt cx="0" cy="0"/>
+        </a:xfrm>
+      </p:grpSpPr>
+      <p:sp>
+        <p:nvSpPr>
+          <p:cNvPr id="34818" name="Rectangle 2"/>
+          <p:cNvSpPr>
+            <a:spLocks noGrp="1" noChangeArrowheads="1"/>
+          </p:cNvSpPr>
+          <p:nvPr>
+            <p:ph type="title"/>
+            <p:custDataLst>
+              <p:tags r:id="rId1"/>
+            </p:custDataLst>
+          </p:nvPr>
+        </p:nvSpPr>
+        <p:spPr/>
+        <p:txBody>
+          <a:bodyPr/>
+          <a:lstStyle/>
+          <a:p>
+            <a:r>
+              <a:rPr lang="en-US" dirty="0"/>
+              <a:t>Directly Solve (unrolling the recurrence)</a:t>
+            </a:r>
+          </a:p>
+        </p:txBody>
+      </p:sp>
+      <p:sp>
+        <p:nvSpPr>
+          <p:cNvPr id="8" name="Slide Number Placeholder 7"/>
+          <p:cNvSpPr>
+            <a:spLocks noGrp="1"/>
+          </p:cNvSpPr>
+          <p:nvPr>
+            <p:ph type="sldNum" sz="quarter" idx="12"/>
+          </p:nvPr>
+        </p:nvSpPr>
+        <p:spPr/>
+        <p:txBody>
+          <a:bodyPr/>
+          <a:lstStyle/>
+          <a:p>
+            <a:fld id="{0E0CE5E1-73E6-4EC0-A549-568A23C84235}" type="slidenum">
+              <a:rPr lang="en-US" smtClean="0"/>
+              <a:pPr/>
+              <a:t>36</a:t>
+            </a:fld>
+            <a:endParaRPr lang="en-US"/>
+          </a:p>
+        </p:txBody>
+      </p:sp>
+      <p:sp>
+        <p:nvSpPr>
+          <p:cNvPr id="34819" name="Rectangle 3"/>
+          <p:cNvSpPr>
+            <a:spLocks noGrp="1" noChangeArrowheads="1"/>
+          </p:cNvSpPr>
+          <p:nvPr>
+            <p:ph sz="quarter" idx="1"/>
+            <p:custDataLst>
+              <p:tags r:id="rId2"/>
+            </p:custDataLst>
+          </p:nvPr>
+        </p:nvSpPr>
+        <p:spPr/>
+        <p:txBody>
+          <a:bodyPr>
+            <a:normAutofit/>
+          </a:bodyPr>
+          <a:lstStyle/>
+          <a:p>
+            <a:endParaRPr lang="en-US" dirty="0"/>
+          </a:p>
+          <a:p>
+            <a:r>
+              <a:rPr lang="en-US" dirty="0"/>
+              <a:t>For </a:t>
+            </a:r>
+            <a:r>
+              <a:rPr lang="en-US" dirty="0" err="1"/>
+              <a:t>Mergesort</a:t>
+            </a:r>
+            <a:r>
+              <a:rPr lang="en-US" dirty="0"/>
+              <a:t>:</a:t>
+            </a:r>
+          </a:p>
+          <a:p>
+            <a:pPr lvl="1"/>
+            <a:endParaRPr lang="en-US" dirty="0"/>
+          </a:p>
+          <a:p>
+            <a:pPr lvl="1"/>
+            <a:r>
+              <a:rPr lang="en-US" dirty="0"/>
+              <a:t>T(n) = 2*T(n/2) + n</a:t>
+            </a:r>
+          </a:p>
+          <a:p>
+            <a:pPr lvl="2"/>
+            <a:endParaRPr lang="en-US" dirty="0"/>
+          </a:p>
+          <a:p>
+            <a:pPr lvl="1"/>
+            <a:r>
+              <a:rPr lang="en-US" dirty="0"/>
+              <a:t>Do it on board </a:t>
+            </a:r>
+            <a:r>
+              <a:rPr lang="en-US" dirty="0">
+                <a:sym typeface="Wingdings" panose="05000000000000000000" pitchFamily="2" charset="2"/>
+              </a:rPr>
+              <a:t></a:t>
+            </a:r>
+            <a:endParaRPr lang="en-US" dirty="0"/>
+          </a:p>
+        </p:txBody>
+      </p:sp>
+    </p:spTree>
+    <p:extLst>
+      <p:ext uri="{BB962C8B-B14F-4D97-AF65-F5344CB8AC3E}">
+        <p14:creationId xmlns:p14="http://schemas.microsoft.com/office/powerpoint/2010/main" val="2735061364"/>
+      </p:ext>
+    </p:extLst>
+  </p:cSld>
+  <p:clrMapOvr>
+    <a:masterClrMapping/>
+  </p:clrMapOvr>
+</p:sld>
+</file>
+
+<file path=ppt/slides/slide37.xml><?xml version="1.0" encoding="utf-8"?>
+<p:sld xmlns:a="http://schemas.openxmlformats.org/drawingml/2006/main" xmlns:r="http://schemas.openxmlformats.org/officeDocument/2006/relationships" xmlns:p="http://schemas.openxmlformats.org/presentationml/2006/main">
+  <p:cSld>
+    <p:spTree>
+      <p:nvGrpSpPr>
+        <p:cNvPr id="1" name=""/>
+        <p:cNvGrpSpPr/>
+        <p:nvPr/>
+      </p:nvGrpSpPr>
+      <p:grpSpPr>
+        <a:xfrm>
+          <a:off x="0" y="0"/>
+          <a:ext cx="0" cy="0"/>
+          <a:chOff x="0" y="0"/>
+          <a:chExt cx="0" cy="0"/>
+        </a:xfrm>
+      </p:grpSpPr>
+      <p:sp>
+        <p:nvSpPr>
+          <p:cNvPr id="34818" name="Rectangle 2"/>
+          <p:cNvSpPr>
+            <a:spLocks noGrp="1" noChangeArrowheads="1"/>
+          </p:cNvSpPr>
+          <p:nvPr>
+            <p:ph type="title"/>
+            <p:custDataLst>
+              <p:tags r:id="rId1"/>
+            </p:custDataLst>
+          </p:nvPr>
+        </p:nvSpPr>
+        <p:spPr/>
+        <p:txBody>
+          <a:bodyPr/>
+          <a:lstStyle/>
+          <a:p>
+            <a:r>
+              <a:rPr lang="en-US" dirty="0"/>
+              <a:t>Directly Solve (unrolling the recurrence)</a:t>
+            </a:r>
+          </a:p>
+        </p:txBody>
+      </p:sp>
+      <p:sp>
+        <p:nvSpPr>
+          <p:cNvPr id="8" name="Slide Number Placeholder 7"/>
+          <p:cNvSpPr>
+            <a:spLocks noGrp="1"/>
+          </p:cNvSpPr>
+          <p:nvPr>
+            <p:ph type="sldNum" sz="quarter" idx="12"/>
+          </p:nvPr>
+        </p:nvSpPr>
+        <p:spPr/>
+        <p:txBody>
+          <a:bodyPr/>
+          <a:lstStyle/>
+          <a:p>
+            <a:fld id="{0E0CE5E1-73E6-4EC0-A549-568A23C84235}" type="slidenum">
+              <a:rPr lang="en-US" smtClean="0"/>
+              <a:pPr/>
+              <a:t>37</a:t>
+            </a:fld>
+            <a:endParaRPr lang="en-US"/>
+          </a:p>
+        </p:txBody>
+      </p:sp>
+      <p:sp>
+        <p:nvSpPr>
+          <p:cNvPr id="34819" name="Rectangle 3"/>
+          <p:cNvSpPr>
+            <a:spLocks noGrp="1" noChangeArrowheads="1"/>
+          </p:cNvSpPr>
+          <p:nvPr>
+            <p:ph sz="quarter" idx="1"/>
+            <p:custDataLst>
+              <p:tags r:id="rId2"/>
+            </p:custDataLst>
+          </p:nvPr>
+        </p:nvSpPr>
+        <p:spPr/>
+        <p:txBody>
+          <a:bodyPr>
+            <a:normAutofit/>
+          </a:bodyPr>
+          <a:lstStyle/>
+          <a:p>
+            <a:pPr marL="274320" lvl="1" indent="0">
+              <a:buNone/>
+            </a:pPr>
+            <a:r>
+              <a:rPr lang="en-US" dirty="0"/>
+              <a:t>T(n) = 2*T(n/2) + n</a:t>
+            </a:r>
+          </a:p>
+          <a:p>
+            <a:pPr marL="274320" lvl="1" indent="0">
+              <a:buNone/>
+            </a:pPr>
+            <a:endParaRPr lang="en-US" dirty="0"/>
+          </a:p>
+          <a:p>
+            <a:pPr marL="274320" lvl="1" indent="0">
+              <a:buNone/>
+            </a:pPr>
+            <a:r>
+              <a:rPr lang="en-US" dirty="0"/>
+              <a:t>T(n)	= 2*[2 * T(n/4) + n/2] + n	//unroll one level</a:t>
+            </a:r>
+          </a:p>
+          <a:p>
+            <a:pPr marL="274320" lvl="1" indent="0">
+              <a:buNone/>
+            </a:pPr>
+            <a:r>
+              <a:rPr lang="en-US" dirty="0"/>
+              <a:t>	= 4*T(n/4) + 2n</a:t>
+            </a:r>
+          </a:p>
+          <a:p>
+            <a:pPr marL="274320" lvl="1" indent="0">
+              <a:buNone/>
+            </a:pPr>
+            <a:endParaRPr lang="en-US" dirty="0"/>
+          </a:p>
+          <a:p>
+            <a:pPr marL="274320" lvl="1" indent="0">
+              <a:buNone/>
+            </a:pPr>
+            <a:r>
+              <a:rPr lang="en-US" dirty="0"/>
+              <a:t>	= 4*[2*T(n/8) + n/4] + 2n	//unroll another level</a:t>
+            </a:r>
+          </a:p>
+          <a:p>
+            <a:pPr marL="274320" lvl="1" indent="0">
+              <a:buNone/>
+            </a:pPr>
+            <a:r>
+              <a:rPr lang="en-US" dirty="0"/>
+              <a:t>	= 8*T(n/8) + 3n</a:t>
+            </a:r>
+          </a:p>
+          <a:p>
+            <a:pPr marL="274320" lvl="1" indent="0">
+              <a:buNone/>
+            </a:pPr>
+            <a:endParaRPr lang="en-US" dirty="0"/>
+          </a:p>
+          <a:p>
+            <a:pPr marL="274320" lvl="1" indent="0">
+              <a:buNone/>
+            </a:pPr>
+            <a:r>
+              <a:rPr lang="en-US" dirty="0"/>
+              <a:t>	= 8*[2*T(n/16) + n/8] + 3n	//one more time</a:t>
+            </a:r>
+          </a:p>
+          <a:p>
+            <a:pPr marL="274320" lvl="1" indent="0">
+              <a:buNone/>
+            </a:pPr>
+            <a:r>
+              <a:rPr lang="en-US" dirty="0"/>
+              <a:t>	= 16*T(n/16) + 4n</a:t>
+            </a:r>
+          </a:p>
+        </p:txBody>
+      </p:sp>
+    </p:spTree>
+    <p:extLst>
+      <p:ext uri="{BB962C8B-B14F-4D97-AF65-F5344CB8AC3E}">
+        <p14:creationId xmlns:p14="http://schemas.microsoft.com/office/powerpoint/2010/main" val="2530646967"/>
+      </p:ext>
+    </p:extLst>
+  </p:cSld>
+  <p:clrMapOvr>
+    <a:masterClrMapping/>
+  </p:clrMapOvr>
+</p:sld>
+</file>
+
+<file path=ppt/slides/slide38.xml><?xml version="1.0" encoding="utf-8"?>
+<p:sld xmlns:a="http://schemas.openxmlformats.org/drawingml/2006/main" xmlns:r="http://schemas.openxmlformats.org/officeDocument/2006/relationships" xmlns:p="http://schemas.openxmlformats.org/presentationml/2006/main">
+  <p:cSld>
+    <p:spTree>
+      <p:nvGrpSpPr>
+        <p:cNvPr id="1" name=""/>
+        <p:cNvGrpSpPr/>
+        <p:nvPr/>
+      </p:nvGrpSpPr>
+      <p:grpSpPr>
+        <a:xfrm>
+          <a:off x="0" y="0"/>
+          <a:ext cx="0" cy="0"/>
+          <a:chOff x="0" y="0"/>
+          <a:chExt cx="0" cy="0"/>
+        </a:xfrm>
+      </p:grpSpPr>
+      <p:sp>
+        <p:nvSpPr>
+          <p:cNvPr id="34818" name="Rectangle 2"/>
+          <p:cNvSpPr>
+            <a:spLocks noGrp="1" noChangeArrowheads="1"/>
+          </p:cNvSpPr>
+          <p:nvPr>
+            <p:ph type="title"/>
+            <p:custDataLst>
+              <p:tags r:id="rId1"/>
+            </p:custDataLst>
+          </p:nvPr>
+        </p:nvSpPr>
+        <p:spPr/>
+        <p:txBody>
+          <a:bodyPr/>
+          <a:lstStyle/>
+          <a:p>
+            <a:r>
+              <a:rPr lang="en-US" dirty="0"/>
+              <a:t>Directly Solve (unrolling the recurrence)</a:t>
+            </a:r>
+          </a:p>
+        </p:txBody>
+      </p:sp>
+      <p:sp>
+        <p:nvSpPr>
+          <p:cNvPr id="8" name="Slide Number Placeholder 7"/>
+          <p:cNvSpPr>
+            <a:spLocks noGrp="1"/>
+          </p:cNvSpPr>
+          <p:nvPr>
+            <p:ph type="sldNum" sz="quarter" idx="12"/>
+          </p:nvPr>
+        </p:nvSpPr>
+        <p:spPr/>
+        <p:txBody>
+          <a:bodyPr/>
+          <a:lstStyle/>
+          <a:p>
+            <a:fld id="{0E0CE5E1-73E6-4EC0-A549-568A23C84235}" type="slidenum">
+              <a:rPr lang="en-US" smtClean="0"/>
+              <a:pPr/>
+              <a:t>38</a:t>
+            </a:fld>
+            <a:endParaRPr lang="en-US"/>
+          </a:p>
+        </p:txBody>
+      </p:sp>
+      <mc:AlternateContent xmlns:mc="http://schemas.openxmlformats.org/markup-compatibility/2006">
+        <mc:Choice xmlns:a14="http://schemas.microsoft.com/office/drawing/2010/main" Requires="a14">
+          <p:sp>
+            <p:nvSpPr>
+              <p:cNvPr id="34819" name="Rectangle 3"/>
+              <p:cNvSpPr>
+                <a:spLocks noGrp="1" noChangeArrowheads="1"/>
+              </p:cNvSpPr>
+              <p:nvPr>
+                <p:ph sz="quarter" idx="1"/>
+                <p:custDataLst>
+                  <p:tags r:id="rId2"/>
+                </p:custDataLst>
+              </p:nvPr>
+            </p:nvSpPr>
+            <p:spPr>
+              <a:xfrm>
+                <a:off x="457200" y="1219200"/>
+                <a:ext cx="8553450" cy="4937760"/>
+              </a:xfrm>
+            </p:spPr>
+            <p:txBody>
+              <a:bodyPr>
+                <a:normAutofit/>
+              </a:bodyPr>
+              <a:lstStyle/>
+              <a:p>
+                <a:pPr marL="274320" lvl="1" indent="0">
+                  <a:buNone/>
+                </a:pPr>
+                <a:r>
+                  <a:rPr lang="en-US" dirty="0"/>
+                  <a:t>T(n)	= 4*T(n/4) + 2n</a:t>
+                </a:r>
+              </a:p>
+              <a:p>
+                <a:pPr marL="274320" lvl="1" indent="0">
+                  <a:buNone/>
+                </a:pPr>
+                <a:r>
+                  <a:rPr lang="en-US" dirty="0"/>
+                  <a:t>	= 8*T(n/8) + 3n</a:t>
+                </a:r>
+              </a:p>
+              <a:p>
+                <a:pPr marL="274320" lvl="1" indent="0">
+                  <a:buNone/>
+                </a:pPr>
+                <a:r>
+                  <a:rPr lang="en-US" dirty="0"/>
+                  <a:t>	= 16*T(n/16) + 4n</a:t>
+                </a:r>
+              </a:p>
+              <a:p>
+                <a:pPr marL="274320" lvl="1" indent="0">
+                  <a:buNone/>
+                </a:pPr>
+                <a:r>
+                  <a:rPr lang="en-US" dirty="0"/>
+                  <a:t>	= … 			//what is the general pattern??</a:t>
+                </a:r>
+              </a:p>
+              <a:p>
+                <a:pPr marL="274320" lvl="1" indent="0">
+                  <a:buNone/>
+                </a:pPr>
+                <a:endParaRPr lang="en-US" dirty="0"/>
+              </a:p>
+              <a:p>
+                <a:pPr marL="274320" lvl="1" indent="0">
+                  <a:buNone/>
+                </a:pPr>
+                <a:r>
+                  <a:rPr lang="en-US" dirty="0"/>
+                  <a:t>	= </a:t>
+                </a:r>
+                <a14:m>
+                  <m:oMath xmlns:m="http://schemas.openxmlformats.org/officeDocument/2006/math">
+                    <m:sSup>
+                      <m:sSupPr>
+                        <m:ctrlPr>
+                          <a:rPr lang="en-US" b="0" i="1" smtClean="0">
+                            <a:latin typeface="Cambria Math" panose="02040503050406030204" pitchFamily="18" charset="0"/>
+                          </a:rPr>
+                        </m:ctrlPr>
+                      </m:sSupPr>
+                      <m:e>
+                        <m:r>
+                          <a:rPr lang="en-US" b="0" i="1" smtClean="0">
+                            <a:latin typeface="Cambria Math" panose="02040503050406030204" pitchFamily="18" charset="0"/>
+                          </a:rPr>
+                          <m:t>2</m:t>
+                        </m:r>
+                      </m:e>
+                      <m:sup>
+                        <m:r>
+                          <a:rPr lang="en-US" b="0" i="1" smtClean="0">
+                            <a:latin typeface="Cambria Math" panose="02040503050406030204" pitchFamily="18" charset="0"/>
+                          </a:rPr>
+                          <m:t>𝑑</m:t>
+                        </m:r>
+                      </m:sup>
+                    </m:sSup>
+                    <m:r>
+                      <a:rPr lang="en-US" b="0" i="1" smtClean="0">
+                        <a:latin typeface="Cambria Math" panose="02040503050406030204" pitchFamily="18" charset="0"/>
+                      </a:rPr>
+                      <m:t>∗</m:t>
+                    </m:r>
+                    <m:r>
+                      <a:rPr lang="en-US" b="0" i="1" smtClean="0">
+                        <a:latin typeface="Cambria Math" panose="02040503050406030204" pitchFamily="18" charset="0"/>
+                      </a:rPr>
+                      <m:t>𝑇</m:t>
+                    </m:r>
+                    <m:d>
+                      <m:dPr>
+                        <m:ctrlPr>
+                          <a:rPr lang="en-US" b="0" i="1" smtClean="0">
+                            <a:latin typeface="Cambria Math" panose="02040503050406030204" pitchFamily="18" charset="0"/>
+                          </a:rPr>
+                        </m:ctrlPr>
+                      </m:dPr>
+                      <m:e>
+                        <m:f>
+                          <m:fPr>
+                            <m:ctrlPr>
+                              <a:rPr lang="en-US" b="0" i="1" smtClean="0">
+                                <a:latin typeface="Cambria Math" panose="02040503050406030204" pitchFamily="18" charset="0"/>
+                              </a:rPr>
+                            </m:ctrlPr>
+                          </m:fPr>
+                          <m:num>
+                            <m:r>
+                              <a:rPr lang="en-US" b="0" i="1" smtClean="0">
+                                <a:latin typeface="Cambria Math" panose="02040503050406030204" pitchFamily="18" charset="0"/>
+                              </a:rPr>
+                              <m:t>𝑛</m:t>
+                            </m:r>
+                          </m:num>
+                          <m:den>
+                            <m:sSup>
+                              <m:sSupPr>
+                                <m:ctrlPr>
+                                  <a:rPr lang="en-US" b="0" i="1" smtClean="0">
+                                    <a:latin typeface="Cambria Math" panose="02040503050406030204" pitchFamily="18" charset="0"/>
+                                  </a:rPr>
+                                </m:ctrlPr>
+                              </m:sSupPr>
+                              <m:e>
+                                <m:r>
+                                  <a:rPr lang="en-US" b="0" i="1" smtClean="0">
+                                    <a:latin typeface="Cambria Math" panose="02040503050406030204" pitchFamily="18" charset="0"/>
+                                  </a:rPr>
+                                  <m:t>2</m:t>
+                                </m:r>
+                              </m:e>
+                              <m:sup>
+                                <m:r>
+                                  <a:rPr lang="en-US" b="0" i="1" smtClean="0">
+                                    <a:latin typeface="Cambria Math" panose="02040503050406030204" pitchFamily="18" charset="0"/>
+                                  </a:rPr>
+                                  <m:t>𝑑</m:t>
+                                </m:r>
+                              </m:sup>
+                            </m:sSup>
+                          </m:den>
+                        </m:f>
+                      </m:e>
+                    </m:d>
+                    <m:r>
+                      <a:rPr lang="en-US" b="0" i="1" smtClean="0">
+                        <a:latin typeface="Cambria Math" panose="02040503050406030204" pitchFamily="18" charset="0"/>
+                      </a:rPr>
+                      <m:t>+</m:t>
+                    </m:r>
+                    <m:r>
+                      <a:rPr lang="en-US" b="0" i="1" smtClean="0">
+                        <a:latin typeface="Cambria Math" panose="02040503050406030204" pitchFamily="18" charset="0"/>
+                      </a:rPr>
+                      <m:t>𝑑𝑛</m:t>
+                    </m:r>
+                  </m:oMath>
+                </a14:m>
+                <a:r>
+                  <a:rPr lang="en-US" b="0" dirty="0"/>
+                  <a:t>	//where d is depth of recursion</a:t>
+                </a:r>
+              </a:p>
+              <a:p>
+                <a:pPr marL="274320" lvl="1" indent="0">
+                  <a:buNone/>
+                </a:pPr>
+                <a:endParaRPr lang="en-US" b="0" dirty="0"/>
+              </a:p>
+              <a:p>
+                <a:pPr marL="274320" lvl="1" indent="0">
+                  <a:buNone/>
+                </a:pPr>
+                <a:endParaRPr lang="en-US" dirty="0"/>
+              </a:p>
+            </p:txBody>
+          </p:sp>
+        </mc:Choice>
+        <mc:Fallback>
+          <p:sp>
+            <p:nvSpPr>
+              <p:cNvPr id="34819" name="Rectangle 3"/>
+              <p:cNvSpPr>
+                <a:spLocks noGrp="1" noRot="1" noChangeAspect="1" noMove="1" noResize="1" noEditPoints="1" noAdjustHandles="1" noChangeArrowheads="1" noChangeShapeType="1" noTextEdit="1"/>
+              </p:cNvSpPr>
+              <p:nvPr>
+                <p:ph sz="quarter" idx="1"/>
+                <p:custDataLst>
+                  <p:tags r:id="rId2"/>
+                </p:custDataLst>
+              </p:nvPr>
+            </p:nvSpPr>
+            <p:spPr>
+              <a:xfrm>
+                <a:off x="457200" y="1219200"/>
+                <a:ext cx="8553450" cy="4937760"/>
+              </a:xfrm>
+              <a:blipFill>
+                <a:blip r:embed="rId4"/>
+                <a:stretch>
+                  <a:fillRect t="-1028"/>
+                </a:stretch>
+              </a:blipFill>
+            </p:spPr>
+            <p:txBody>
+              <a:bodyPr/>
+              <a:lstStyle/>
+              <a:p>
+                <a:r>
+                  <a:rPr lang="en-US">
+                    <a:noFill/>
+                  </a:rPr>
+                  <a:t> </a:t>
+                </a:r>
+              </a:p>
+            </p:txBody>
+          </p:sp>
+        </mc:Fallback>
+      </mc:AlternateContent>
+    </p:spTree>
+    <p:extLst>
+      <p:ext uri="{BB962C8B-B14F-4D97-AF65-F5344CB8AC3E}">
+        <p14:creationId xmlns:p14="http://schemas.microsoft.com/office/powerpoint/2010/main" val="4028609635"/>
+      </p:ext>
+    </p:extLst>
+  </p:cSld>
+  <p:clrMapOvr>
+    <a:masterClrMapping/>
+  </p:clrMapOvr>
+</p:sld>
+</file>
+
+<file path=ppt/slides/slide39.xml><?xml version="1.0" encoding="utf-8"?>
+<p:sld xmlns:a="http://schemas.openxmlformats.org/drawingml/2006/main" xmlns:r="http://schemas.openxmlformats.org/officeDocument/2006/relationships" xmlns:p="http://schemas.openxmlformats.org/presentationml/2006/main">
+  <p:cSld>
+    <p:spTree>
+      <p:nvGrpSpPr>
+        <p:cNvPr id="1" name=""/>
+        <p:cNvGrpSpPr/>
+        <p:nvPr/>
+      </p:nvGrpSpPr>
+      <p:grpSpPr>
+        <a:xfrm>
+          <a:off x="0" y="0"/>
+          <a:ext cx="0" cy="0"/>
+          <a:chOff x="0" y="0"/>
+          <a:chExt cx="0" cy="0"/>
+        </a:xfrm>
+      </p:grpSpPr>
+      <p:sp>
+        <p:nvSpPr>
+          <p:cNvPr id="34818" name="Rectangle 2"/>
+          <p:cNvSpPr>
+            <a:spLocks noGrp="1" noChangeArrowheads="1"/>
+          </p:cNvSpPr>
+          <p:nvPr>
+            <p:ph type="title"/>
+            <p:custDataLst>
+              <p:tags r:id="rId1"/>
+            </p:custDataLst>
+          </p:nvPr>
+        </p:nvSpPr>
+        <p:spPr/>
+        <p:txBody>
+          <a:bodyPr/>
+          <a:lstStyle/>
+          <a:p>
+            <a:r>
+              <a:rPr lang="en-US" dirty="0"/>
+              <a:t>Directly Solve (unrolling the recurrence)</a:t>
+            </a:r>
+          </a:p>
+        </p:txBody>
+      </p:sp>
+      <p:sp>
+        <p:nvSpPr>
+          <p:cNvPr id="8" name="Slide Number Placeholder 7"/>
+          <p:cNvSpPr>
+            <a:spLocks noGrp="1"/>
+          </p:cNvSpPr>
+          <p:nvPr>
+            <p:ph type="sldNum" sz="quarter" idx="12"/>
+          </p:nvPr>
+        </p:nvSpPr>
+        <p:spPr/>
+        <p:txBody>
+          <a:bodyPr/>
+          <a:lstStyle/>
+          <a:p>
+            <a:fld id="{0E0CE5E1-73E6-4EC0-A549-568A23C84235}" type="slidenum">
+              <a:rPr lang="en-US" smtClean="0"/>
+              <a:pPr/>
+              <a:t>39</a:t>
+            </a:fld>
+            <a:endParaRPr lang="en-US"/>
+          </a:p>
+        </p:txBody>
+      </p:sp>
+      <mc:AlternateContent xmlns:mc="http://schemas.openxmlformats.org/markup-compatibility/2006">
+        <mc:Choice xmlns:a14="http://schemas.microsoft.com/office/drawing/2010/main" Requires="a14">
+          <p:sp>
+            <p:nvSpPr>
+              <p:cNvPr id="34819" name="Rectangle 3"/>
+              <p:cNvSpPr>
+                <a:spLocks noGrp="1" noChangeArrowheads="1"/>
+              </p:cNvSpPr>
+              <p:nvPr>
+                <p:ph sz="quarter" idx="1"/>
+                <p:custDataLst>
+                  <p:tags r:id="rId2"/>
+                </p:custDataLst>
+              </p:nvPr>
+            </p:nvSpPr>
+            <p:spPr>
+              <a:xfrm>
+                <a:off x="457200" y="1219200"/>
+                <a:ext cx="8553450" cy="5502910"/>
+              </a:xfrm>
+            </p:spPr>
+            <p:txBody>
+              <a:bodyPr>
+                <a:normAutofit/>
+              </a:bodyPr>
+              <a:lstStyle/>
+              <a:p>
+                <a:pPr marL="274320" lvl="1" indent="0">
+                  <a:buNone/>
+                </a:pPr>
+                <a:r>
+                  <a:rPr lang="en-US" dirty="0"/>
+                  <a:t>T(n)	= </a:t>
+                </a:r>
+                <a14:m>
+                  <m:oMath xmlns:m="http://schemas.openxmlformats.org/officeDocument/2006/math">
+                    <m:sSup>
+                      <m:sSupPr>
+                        <m:ctrlPr>
+                          <a:rPr lang="en-US" b="0" i="1" smtClean="0">
+                            <a:latin typeface="Cambria Math" panose="02040503050406030204" pitchFamily="18" charset="0"/>
+                          </a:rPr>
+                        </m:ctrlPr>
+                      </m:sSupPr>
+                      <m:e>
+                        <m:r>
+                          <a:rPr lang="en-US" b="0" i="1" smtClean="0">
+                            <a:latin typeface="Cambria Math" panose="02040503050406030204" pitchFamily="18" charset="0"/>
+                          </a:rPr>
+                          <m:t>2</m:t>
+                        </m:r>
+                      </m:e>
+                      <m:sup>
+                        <m:r>
+                          <a:rPr lang="en-US" b="0" i="1" smtClean="0">
+                            <a:latin typeface="Cambria Math" panose="02040503050406030204" pitchFamily="18" charset="0"/>
+                          </a:rPr>
+                          <m:t>𝑑</m:t>
+                        </m:r>
+                      </m:sup>
+                    </m:sSup>
+                    <m:r>
+                      <a:rPr lang="en-US" b="0" i="1" smtClean="0">
+                        <a:latin typeface="Cambria Math" panose="02040503050406030204" pitchFamily="18" charset="0"/>
+                      </a:rPr>
+                      <m:t>∗</m:t>
+                    </m:r>
+                    <m:r>
+                      <a:rPr lang="en-US" b="0" i="1" smtClean="0">
+                        <a:latin typeface="Cambria Math" panose="02040503050406030204" pitchFamily="18" charset="0"/>
+                      </a:rPr>
+                      <m:t>𝑇</m:t>
+                    </m:r>
+                    <m:d>
+                      <m:dPr>
+                        <m:ctrlPr>
+                          <a:rPr lang="en-US" b="0" i="1" smtClean="0">
+                            <a:latin typeface="Cambria Math" panose="02040503050406030204" pitchFamily="18" charset="0"/>
+                          </a:rPr>
+                        </m:ctrlPr>
+                      </m:dPr>
+                      <m:e>
+                        <m:f>
+                          <m:fPr>
+                            <m:ctrlPr>
+                              <a:rPr lang="en-US" b="0" i="1" smtClean="0">
+                                <a:latin typeface="Cambria Math" panose="02040503050406030204" pitchFamily="18" charset="0"/>
+                              </a:rPr>
+                            </m:ctrlPr>
+                          </m:fPr>
+                          <m:num>
+                            <m:r>
+                              <a:rPr lang="en-US" b="0" i="1" smtClean="0">
+                                <a:latin typeface="Cambria Math" panose="02040503050406030204" pitchFamily="18" charset="0"/>
+                              </a:rPr>
+                              <m:t>𝑛</m:t>
+                            </m:r>
+                          </m:num>
+                          <m:den>
+                            <m:sSup>
+                              <m:sSupPr>
+                                <m:ctrlPr>
+                                  <a:rPr lang="en-US" b="0" i="1" smtClean="0">
+                                    <a:latin typeface="Cambria Math" panose="02040503050406030204" pitchFamily="18" charset="0"/>
+                                  </a:rPr>
+                                </m:ctrlPr>
+                              </m:sSupPr>
+                              <m:e>
+                                <m:r>
+                                  <a:rPr lang="en-US" b="0" i="1" smtClean="0">
+                                    <a:latin typeface="Cambria Math" panose="02040503050406030204" pitchFamily="18" charset="0"/>
+                                  </a:rPr>
+                                  <m:t>2</m:t>
+                                </m:r>
+                              </m:e>
+                              <m:sup>
+                                <m:r>
+                                  <a:rPr lang="en-US" b="0" i="1" smtClean="0">
+                                    <a:latin typeface="Cambria Math" panose="02040503050406030204" pitchFamily="18" charset="0"/>
+                                  </a:rPr>
+                                  <m:t>𝑑</m:t>
+                                </m:r>
+                              </m:sup>
+                            </m:sSup>
+                          </m:den>
+                        </m:f>
+                      </m:e>
+                    </m:d>
+                    <m:r>
+                      <a:rPr lang="en-US" b="0" i="1" smtClean="0">
+                        <a:latin typeface="Cambria Math" panose="02040503050406030204" pitchFamily="18" charset="0"/>
+                      </a:rPr>
+                      <m:t>+</m:t>
+                    </m:r>
+                    <m:r>
+                      <a:rPr lang="en-US" b="0" i="1" smtClean="0">
+                        <a:latin typeface="Cambria Math" panose="02040503050406030204" pitchFamily="18" charset="0"/>
+                      </a:rPr>
+                      <m:t>𝑑𝑛</m:t>
+                    </m:r>
+                  </m:oMath>
+                </a14:m>
+                <a:r>
+                  <a:rPr lang="en-US" b="0" dirty="0"/>
+                  <a:t>	//where d is depth of recursion</a:t>
+                </a:r>
+              </a:p>
+              <a:p>
+                <a:pPr marL="274320" lvl="1" indent="0">
+                  <a:buNone/>
+                </a:pPr>
+                <a:endParaRPr lang="en-US" dirty="0"/>
+              </a:p>
+              <a:p>
+                <a:pPr marL="274320" lvl="1" indent="0">
+                  <a:buNone/>
+                </a:pPr>
+                <a14:m>
+                  <m:oMath xmlns:m="http://schemas.openxmlformats.org/officeDocument/2006/math">
+                    <m:f>
+                      <m:fPr>
+                        <m:ctrlPr>
+                          <a:rPr lang="en-US" b="0" i="1" smtClean="0">
+                            <a:latin typeface="Cambria Math" panose="02040503050406030204" pitchFamily="18" charset="0"/>
+                          </a:rPr>
+                        </m:ctrlPr>
+                      </m:fPr>
+                      <m:num>
+                        <m:r>
+                          <a:rPr lang="en-US" b="0" i="1" smtClean="0">
+                            <a:latin typeface="Cambria Math" panose="02040503050406030204" pitchFamily="18" charset="0"/>
+                          </a:rPr>
+                          <m:t>𝑛</m:t>
+                        </m:r>
+                      </m:num>
+                      <m:den>
+                        <m:sSup>
+                          <m:sSupPr>
+                            <m:ctrlPr>
+                              <a:rPr lang="en-US" b="0" i="1" smtClean="0">
+                                <a:latin typeface="Cambria Math" panose="02040503050406030204" pitchFamily="18" charset="0"/>
+                              </a:rPr>
+                            </m:ctrlPr>
+                          </m:sSupPr>
+                          <m:e>
+                            <m:r>
+                              <a:rPr lang="en-US" b="0" i="1" smtClean="0">
+                                <a:latin typeface="Cambria Math" panose="02040503050406030204" pitchFamily="18" charset="0"/>
+                              </a:rPr>
+                              <m:t>2</m:t>
+                            </m:r>
+                          </m:e>
+                          <m:sup>
+                            <m:r>
+                              <a:rPr lang="en-US" b="0" i="1" smtClean="0">
+                                <a:latin typeface="Cambria Math" panose="02040503050406030204" pitchFamily="18" charset="0"/>
+                              </a:rPr>
+                              <m:t>𝑑</m:t>
+                            </m:r>
+                          </m:sup>
+                        </m:sSup>
+                      </m:den>
+                    </m:f>
+                    <m:r>
+                      <a:rPr lang="en-US" b="0" i="1" smtClean="0">
+                        <a:latin typeface="Cambria Math" panose="02040503050406030204" pitchFamily="18" charset="0"/>
+                      </a:rPr>
+                      <m:t>=1</m:t>
+                    </m:r>
+                  </m:oMath>
+                </a14:m>
+                <a:r>
+                  <a:rPr lang="en-US" b="0" dirty="0"/>
+                  <a:t>			//when do we hit T(1)</a:t>
+                </a:r>
+              </a:p>
+              <a:p>
+                <a:pPr marL="274320" lvl="1" indent="0">
+                  <a:buNone/>
+                </a:pPr>
+                <a14:m>
+                  <m:oMathPara xmlns:m="http://schemas.openxmlformats.org/officeDocument/2006/math">
+                    <m:oMathParaPr>
+                      <m:jc m:val="left"/>
+                    </m:oMathParaPr>
+                    <m:oMath xmlns:m="http://schemas.openxmlformats.org/officeDocument/2006/math">
+                      <m:r>
+                        <a:rPr lang="en-US" b="0" i="1" smtClean="0">
+                          <a:latin typeface="Cambria Math" panose="02040503050406030204" pitchFamily="18" charset="0"/>
+                        </a:rPr>
+                        <m:t>𝑛</m:t>
+                      </m:r>
+                      <m:r>
+                        <a:rPr lang="en-US" b="0" i="1" smtClean="0">
+                          <a:latin typeface="Cambria Math" panose="02040503050406030204" pitchFamily="18" charset="0"/>
+                        </a:rPr>
+                        <m:t>=</m:t>
+                      </m:r>
+                      <m:sSup>
+                        <m:sSupPr>
+                          <m:ctrlPr>
+                            <a:rPr lang="en-US" b="0" i="1" smtClean="0">
+                              <a:latin typeface="Cambria Math" panose="02040503050406030204" pitchFamily="18" charset="0"/>
+                            </a:rPr>
+                          </m:ctrlPr>
+                        </m:sSupPr>
+                        <m:e>
+                          <m:r>
+                            <a:rPr lang="en-US" b="0" i="1" smtClean="0">
+                              <a:latin typeface="Cambria Math" panose="02040503050406030204" pitchFamily="18" charset="0"/>
+                            </a:rPr>
+                            <m:t>2</m:t>
+                          </m:r>
+                        </m:e>
+                        <m:sup>
+                          <m:r>
+                            <a:rPr lang="en-US" b="0" i="1" smtClean="0">
+                              <a:latin typeface="Cambria Math" panose="02040503050406030204" pitchFamily="18" charset="0"/>
+                            </a:rPr>
+                            <m:t>𝑑</m:t>
+                          </m:r>
+                        </m:sup>
+                      </m:sSup>
+                    </m:oMath>
+                  </m:oMathPara>
+                </a14:m>
+                <a:endParaRPr lang="en-US" b="0" dirty="0"/>
+              </a:p>
+              <a:p>
+                <a:pPr marL="274320" lvl="1" indent="0">
+                  <a:buNone/>
+                </a:pPr>
+                <a14:m>
+                  <m:oMath xmlns:m="http://schemas.openxmlformats.org/officeDocument/2006/math">
+                    <m:r>
+                      <a:rPr lang="en-US" b="0" i="1" smtClean="0">
+                        <a:latin typeface="Cambria Math" panose="02040503050406030204" pitchFamily="18" charset="0"/>
+                      </a:rPr>
+                      <m:t>𝑑</m:t>
+                    </m:r>
+                    <m:r>
+                      <a:rPr lang="en-US" b="0" i="1" smtClean="0">
+                        <a:latin typeface="Cambria Math" panose="02040503050406030204" pitchFamily="18" charset="0"/>
+                      </a:rPr>
+                      <m:t>=</m:t>
+                    </m:r>
+                    <m:func>
+                      <m:funcPr>
+                        <m:ctrlPr>
+                          <a:rPr lang="en-US" b="0" i="1" smtClean="0">
+                            <a:latin typeface="Cambria Math" panose="02040503050406030204" pitchFamily="18" charset="0"/>
+                          </a:rPr>
+                        </m:ctrlPr>
+                      </m:funcPr>
+                      <m:fName>
+                        <m:sSub>
+                          <m:sSubPr>
+                            <m:ctrlPr>
+                              <a:rPr lang="en-US" b="0" i="1" smtClean="0">
+                                <a:latin typeface="Cambria Math" panose="02040503050406030204" pitchFamily="18" charset="0"/>
+                              </a:rPr>
+                            </m:ctrlPr>
+                          </m:sSubPr>
+                          <m:e>
+                            <m:r>
+                              <m:rPr>
+                                <m:sty m:val="p"/>
+                              </m:rPr>
+                              <a:rPr lang="en-US" b="0" i="0" smtClean="0">
+                                <a:latin typeface="Cambria Math" panose="02040503050406030204" pitchFamily="18" charset="0"/>
+                              </a:rPr>
+                              <m:t>log</m:t>
+                            </m:r>
+                          </m:e>
+                          <m:sub>
+                            <m:r>
+                              <a:rPr lang="en-US" b="0" i="1" smtClean="0">
+                                <a:latin typeface="Cambria Math" panose="02040503050406030204" pitchFamily="18" charset="0"/>
+                              </a:rPr>
+                              <m:t>2</m:t>
+                            </m:r>
+                          </m:sub>
+                        </m:sSub>
+                      </m:fName>
+                      <m:e>
+                        <m:r>
+                          <a:rPr lang="en-US" b="0" i="1" smtClean="0">
+                            <a:latin typeface="Cambria Math" panose="02040503050406030204" pitchFamily="18" charset="0"/>
+                          </a:rPr>
+                          <m:t>𝑛</m:t>
+                        </m:r>
+                      </m:e>
+                    </m:func>
+                  </m:oMath>
+                </a14:m>
+                <a:r>
+                  <a:rPr lang="en-US" b="0" dirty="0"/>
+                  <a:t>			//recursion ends when d is log(n)</a:t>
+                </a:r>
+              </a:p>
+              <a:p>
+                <a:pPr marL="274320" lvl="1" indent="0">
+                  <a:buNone/>
+                </a:pPr>
+                <a:endParaRPr lang="en-US" dirty="0"/>
+              </a:p>
+              <a:p>
+                <a:pPr marL="274320" lvl="1" indent="0">
+                  <a:buNone/>
+                </a:pPr>
+                <a:r>
+                  <a:rPr lang="en-US" dirty="0"/>
+                  <a:t>T(n)	= </a:t>
+                </a:r>
+                <a14:m>
+                  <m:oMath xmlns:m="http://schemas.openxmlformats.org/officeDocument/2006/math">
+                    <m:sSup>
+                      <m:sSupPr>
+                        <m:ctrlPr>
+                          <a:rPr lang="en-US" i="1">
+                            <a:latin typeface="Cambria Math" panose="02040503050406030204" pitchFamily="18" charset="0"/>
+                          </a:rPr>
+                        </m:ctrlPr>
+                      </m:sSupPr>
+                      <m:e>
+                        <m:r>
+                          <a:rPr lang="en-US" i="1">
+                            <a:latin typeface="Cambria Math" panose="02040503050406030204" pitchFamily="18" charset="0"/>
+                          </a:rPr>
+                          <m:t>2</m:t>
+                        </m:r>
+                      </m:e>
+                      <m:sup>
+                        <m:r>
+                          <a:rPr lang="en-US" i="1">
+                            <a:latin typeface="Cambria Math" panose="02040503050406030204" pitchFamily="18" charset="0"/>
+                          </a:rPr>
+                          <m:t>𝑑</m:t>
+                        </m:r>
+                      </m:sup>
+                    </m:sSup>
+                    <m:r>
+                      <a:rPr lang="en-US" i="1">
+                        <a:latin typeface="Cambria Math" panose="02040503050406030204" pitchFamily="18" charset="0"/>
+                      </a:rPr>
+                      <m:t>∗</m:t>
+                    </m:r>
+                    <m:r>
+                      <a:rPr lang="en-US" i="1">
+                        <a:latin typeface="Cambria Math" panose="02040503050406030204" pitchFamily="18" charset="0"/>
+                      </a:rPr>
+                      <m:t>𝑇</m:t>
+                    </m:r>
+                    <m:d>
+                      <m:dPr>
+                        <m:ctrlPr>
+                          <a:rPr lang="en-US" i="1">
+                            <a:latin typeface="Cambria Math" panose="02040503050406030204" pitchFamily="18" charset="0"/>
+                          </a:rPr>
+                        </m:ctrlPr>
+                      </m:dPr>
+                      <m:e>
+                        <m:f>
+                          <m:fPr>
+                            <m:ctrlPr>
+                              <a:rPr lang="en-US" i="1">
+                                <a:latin typeface="Cambria Math" panose="02040503050406030204" pitchFamily="18" charset="0"/>
+                              </a:rPr>
+                            </m:ctrlPr>
+                          </m:fPr>
+                          <m:num>
+                            <m:r>
+                              <a:rPr lang="en-US" i="1">
+                                <a:latin typeface="Cambria Math" panose="02040503050406030204" pitchFamily="18" charset="0"/>
+                              </a:rPr>
+                              <m:t>𝑛</m:t>
+                            </m:r>
+                          </m:num>
+                          <m:den>
+                            <m:sSup>
+                              <m:sSupPr>
+                                <m:ctrlPr>
+                                  <a:rPr lang="en-US" i="1">
+                                    <a:latin typeface="Cambria Math" panose="02040503050406030204" pitchFamily="18" charset="0"/>
+                                  </a:rPr>
+                                </m:ctrlPr>
+                              </m:sSupPr>
+                              <m:e>
+                                <m:r>
+                                  <a:rPr lang="en-US" i="1">
+                                    <a:latin typeface="Cambria Math" panose="02040503050406030204" pitchFamily="18" charset="0"/>
+                                  </a:rPr>
+                                  <m:t>2</m:t>
+                                </m:r>
+                              </m:e>
+                              <m:sup>
+                                <m:r>
+                                  <a:rPr lang="en-US" i="1">
+                                    <a:latin typeface="Cambria Math" panose="02040503050406030204" pitchFamily="18" charset="0"/>
+                                  </a:rPr>
+                                  <m:t>𝑑</m:t>
+                                </m:r>
+                              </m:sup>
+                            </m:sSup>
+                          </m:den>
+                        </m:f>
+                      </m:e>
+                    </m:d>
+                    <m:r>
+                      <a:rPr lang="en-US" i="1">
+                        <a:latin typeface="Cambria Math" panose="02040503050406030204" pitchFamily="18" charset="0"/>
+                      </a:rPr>
+                      <m:t>+</m:t>
+                    </m:r>
+                    <m:r>
+                      <a:rPr lang="en-US" i="1">
+                        <a:latin typeface="Cambria Math" panose="02040503050406030204" pitchFamily="18" charset="0"/>
+                      </a:rPr>
+                      <m:t>𝑑𝑛</m:t>
+                    </m:r>
+                  </m:oMath>
+                </a14:m>
+                <a:r>
+                  <a:rPr lang="en-US" dirty="0"/>
+                  <a:t>	//sub back in for d </a:t>
+                </a:r>
+              </a:p>
+              <a:p>
+                <a:pPr marL="274320" lvl="1" indent="0">
+                  <a:buNone/>
+                </a:pPr>
+                <a:r>
+                  <a:rPr lang="en-US" dirty="0"/>
+                  <a:t>T(n)	= </a:t>
+                </a:r>
+                <a14:m>
+                  <m:oMath xmlns:m="http://schemas.openxmlformats.org/officeDocument/2006/math">
+                    <m:sSup>
+                      <m:sSupPr>
+                        <m:ctrlPr>
+                          <a:rPr lang="en-US" i="1">
+                            <a:latin typeface="Cambria Math" panose="02040503050406030204" pitchFamily="18" charset="0"/>
+                          </a:rPr>
+                        </m:ctrlPr>
+                      </m:sSupPr>
+                      <m:e>
+                        <m:r>
+                          <a:rPr lang="en-US" i="1">
+                            <a:latin typeface="Cambria Math" panose="02040503050406030204" pitchFamily="18" charset="0"/>
+                          </a:rPr>
+                          <m:t>2</m:t>
+                        </m:r>
+                      </m:e>
+                      <m:sup>
+                        <m:func>
+                          <m:funcPr>
+                            <m:ctrlPr>
+                              <a:rPr lang="en-US" b="0" i="1" smtClean="0">
+                                <a:latin typeface="Cambria Math" panose="02040503050406030204" pitchFamily="18" charset="0"/>
+                              </a:rPr>
+                            </m:ctrlPr>
+                          </m:funcPr>
+                          <m:fName>
+                            <m:sSub>
+                              <m:sSubPr>
+                                <m:ctrlPr>
+                                  <a:rPr lang="en-US" b="0" i="1" smtClean="0">
+                                    <a:latin typeface="Cambria Math" panose="02040503050406030204" pitchFamily="18" charset="0"/>
+                                  </a:rPr>
+                                </m:ctrlPr>
+                              </m:sSubPr>
+                              <m:e>
+                                <m:r>
+                                  <m:rPr>
+                                    <m:sty m:val="p"/>
+                                  </m:rPr>
+                                  <a:rPr lang="en-US" b="0" i="0" smtClean="0">
+                                    <a:latin typeface="Cambria Math" panose="02040503050406030204" pitchFamily="18" charset="0"/>
+                                  </a:rPr>
+                                  <m:t>log</m:t>
+                                </m:r>
+                              </m:e>
+                              <m:sub>
+                                <m:r>
+                                  <a:rPr lang="en-US" b="0" i="1" smtClean="0">
+                                    <a:latin typeface="Cambria Math" panose="02040503050406030204" pitchFamily="18" charset="0"/>
+                                  </a:rPr>
+                                  <m:t>2</m:t>
+                                </m:r>
+                              </m:sub>
+                            </m:sSub>
+                          </m:fName>
+                          <m:e>
+                            <m:r>
+                              <a:rPr lang="en-US" b="0" i="1" smtClean="0">
+                                <a:latin typeface="Cambria Math" panose="02040503050406030204" pitchFamily="18" charset="0"/>
+                              </a:rPr>
+                              <m:t>(</m:t>
+                            </m:r>
+                            <m:r>
+                              <a:rPr lang="en-US" b="0" i="1" smtClean="0">
+                                <a:latin typeface="Cambria Math" panose="02040503050406030204" pitchFamily="18" charset="0"/>
+                              </a:rPr>
+                              <m:t>𝑛</m:t>
+                            </m:r>
+                            <m:r>
+                              <a:rPr lang="en-US" b="0" i="1" smtClean="0">
+                                <a:latin typeface="Cambria Math" panose="02040503050406030204" pitchFamily="18" charset="0"/>
+                              </a:rPr>
+                              <m:t>)</m:t>
+                            </m:r>
+                          </m:e>
+                        </m:func>
+                      </m:sup>
+                    </m:sSup>
+                    <m:r>
+                      <a:rPr lang="en-US" i="1">
+                        <a:latin typeface="Cambria Math" panose="02040503050406030204" pitchFamily="18" charset="0"/>
+                      </a:rPr>
+                      <m:t>∗</m:t>
+                    </m:r>
+                    <m:r>
+                      <a:rPr lang="en-US" i="1">
+                        <a:latin typeface="Cambria Math" panose="02040503050406030204" pitchFamily="18" charset="0"/>
+                      </a:rPr>
+                      <m:t>𝑇</m:t>
+                    </m:r>
+                    <m:d>
+                      <m:dPr>
+                        <m:ctrlPr>
+                          <a:rPr lang="en-US" i="1">
+                            <a:latin typeface="Cambria Math" panose="02040503050406030204" pitchFamily="18" charset="0"/>
+                          </a:rPr>
+                        </m:ctrlPr>
+                      </m:dPr>
+                      <m:e>
+                        <m:f>
+                          <m:fPr>
+                            <m:ctrlPr>
+                              <a:rPr lang="en-US" i="1">
+                                <a:latin typeface="Cambria Math" panose="02040503050406030204" pitchFamily="18" charset="0"/>
+                              </a:rPr>
+                            </m:ctrlPr>
+                          </m:fPr>
+                          <m:num>
+                            <m:r>
+                              <a:rPr lang="en-US" i="1">
+                                <a:latin typeface="Cambria Math" panose="02040503050406030204" pitchFamily="18" charset="0"/>
+                              </a:rPr>
+                              <m:t>𝑛</m:t>
+                            </m:r>
+                          </m:num>
+                          <m:den>
+                            <m:sSup>
+                              <m:sSupPr>
+                                <m:ctrlPr>
+                                  <a:rPr lang="en-US" i="1">
+                                    <a:latin typeface="Cambria Math" panose="02040503050406030204" pitchFamily="18" charset="0"/>
+                                  </a:rPr>
+                                </m:ctrlPr>
+                              </m:sSupPr>
+                              <m:e>
+                                <m:r>
+                                  <a:rPr lang="en-US" i="1">
+                                    <a:latin typeface="Cambria Math" panose="02040503050406030204" pitchFamily="18" charset="0"/>
+                                  </a:rPr>
+                                  <m:t>2</m:t>
+                                </m:r>
+                              </m:e>
+                              <m:sup>
+                                <m:func>
+                                  <m:funcPr>
+                                    <m:ctrlPr>
+                                      <a:rPr lang="en-US" b="0" i="1" smtClean="0">
+                                        <a:latin typeface="Cambria Math" panose="02040503050406030204" pitchFamily="18" charset="0"/>
+                                      </a:rPr>
+                                    </m:ctrlPr>
+                                  </m:funcPr>
+                                  <m:fName>
+                                    <m:sSub>
+                                      <m:sSubPr>
+                                        <m:ctrlPr>
+                                          <a:rPr lang="en-US" b="0" i="1" smtClean="0">
+                                            <a:latin typeface="Cambria Math" panose="02040503050406030204" pitchFamily="18" charset="0"/>
+                                          </a:rPr>
+                                        </m:ctrlPr>
+                                      </m:sSubPr>
+                                      <m:e>
+                                        <m:r>
+                                          <m:rPr>
+                                            <m:sty m:val="p"/>
+                                          </m:rPr>
+                                          <a:rPr lang="en-US" b="0" i="0" smtClean="0">
+                                            <a:latin typeface="Cambria Math" panose="02040503050406030204" pitchFamily="18" charset="0"/>
+                                          </a:rPr>
+                                          <m:t>log</m:t>
+                                        </m:r>
+                                      </m:e>
+                                      <m:sub>
+                                        <m:r>
+                                          <a:rPr lang="en-US" b="0" i="1" smtClean="0">
+                                            <a:latin typeface="Cambria Math" panose="02040503050406030204" pitchFamily="18" charset="0"/>
+                                          </a:rPr>
+                                          <m:t>2</m:t>
+                                        </m:r>
+                                      </m:sub>
+                                    </m:sSub>
+                                  </m:fName>
+                                  <m:e>
+                                    <m:d>
+                                      <m:dPr>
+                                        <m:ctrlPr>
+                                          <a:rPr lang="en-US" b="0" i="1" smtClean="0">
+                                            <a:latin typeface="Cambria Math" panose="02040503050406030204" pitchFamily="18" charset="0"/>
+                                          </a:rPr>
+                                        </m:ctrlPr>
+                                      </m:dPr>
+                                      <m:e>
+                                        <m:r>
+                                          <a:rPr lang="en-US" b="0" i="1" smtClean="0">
+                                            <a:latin typeface="Cambria Math" panose="02040503050406030204" pitchFamily="18" charset="0"/>
+                                          </a:rPr>
+                                          <m:t>𝑛</m:t>
+                                        </m:r>
+                                      </m:e>
+                                    </m:d>
+                                  </m:e>
+                                </m:func>
+                              </m:sup>
+                            </m:sSup>
+                          </m:den>
+                        </m:f>
+                      </m:e>
+                    </m:d>
+                    <m:r>
+                      <a:rPr lang="en-US" i="1">
+                        <a:latin typeface="Cambria Math" panose="02040503050406030204" pitchFamily="18" charset="0"/>
+                      </a:rPr>
+                      <m:t>+</m:t>
+                    </m:r>
+                    <m:func>
+                      <m:funcPr>
+                        <m:ctrlPr>
+                          <a:rPr lang="en-US" b="0" i="1" smtClean="0">
+                            <a:latin typeface="Cambria Math" panose="02040503050406030204" pitchFamily="18" charset="0"/>
+                          </a:rPr>
+                        </m:ctrlPr>
+                      </m:funcPr>
+                      <m:fName>
+                        <m:sSub>
+                          <m:sSubPr>
+                            <m:ctrlPr>
+                              <a:rPr lang="en-US" b="0" i="1" smtClean="0">
+                                <a:latin typeface="Cambria Math" panose="02040503050406030204" pitchFamily="18" charset="0"/>
+                              </a:rPr>
+                            </m:ctrlPr>
+                          </m:sSubPr>
+                          <m:e>
+                            <m:r>
+                              <m:rPr>
+                                <m:sty m:val="p"/>
+                              </m:rPr>
+                              <a:rPr lang="en-US" b="0" i="0" smtClean="0">
+                                <a:latin typeface="Cambria Math" panose="02040503050406030204" pitchFamily="18" charset="0"/>
+                              </a:rPr>
+                              <m:t>log</m:t>
+                            </m:r>
+                          </m:e>
+                          <m:sub>
+                            <m:r>
+                              <a:rPr lang="en-US" b="0" i="1" smtClean="0">
+                                <a:latin typeface="Cambria Math" panose="02040503050406030204" pitchFamily="18" charset="0"/>
+                              </a:rPr>
+                              <m:t>2</m:t>
+                            </m:r>
+                          </m:sub>
+                        </m:sSub>
+                      </m:fName>
+                      <m:e>
+                        <m:d>
+                          <m:dPr>
+                            <m:ctrlPr>
+                              <a:rPr lang="en-US" b="0" i="1" smtClean="0">
+                                <a:latin typeface="Cambria Math" panose="02040503050406030204" pitchFamily="18" charset="0"/>
+                              </a:rPr>
+                            </m:ctrlPr>
+                          </m:dPr>
+                          <m:e>
+                            <m:r>
+                              <a:rPr lang="en-US" b="0" i="1" smtClean="0">
+                                <a:latin typeface="Cambria Math" panose="02040503050406030204" pitchFamily="18" charset="0"/>
+                              </a:rPr>
+                              <m:t>𝑛</m:t>
+                            </m:r>
+                          </m:e>
+                        </m:d>
+                        <m:r>
+                          <a:rPr lang="en-US" b="0" i="1" smtClean="0">
+                            <a:latin typeface="Cambria Math" panose="02040503050406030204" pitchFamily="18" charset="0"/>
+                          </a:rPr>
+                          <m:t>∗</m:t>
+                        </m:r>
+                      </m:e>
+                    </m:func>
+                    <m:r>
+                      <a:rPr lang="en-US" i="1">
+                        <a:latin typeface="Cambria Math" panose="02040503050406030204" pitchFamily="18" charset="0"/>
+                      </a:rPr>
+                      <m:t>𝑛</m:t>
+                    </m:r>
+                  </m:oMath>
+                </a14:m>
+                <a:endParaRPr lang="en-US" dirty="0"/>
+              </a:p>
+              <a:p>
+                <a:pPr marL="274320" lvl="1" indent="0">
+                  <a:buNone/>
+                </a:pPr>
+                <a:r>
+                  <a:rPr lang="en-US" dirty="0"/>
+                  <a:t>T(n)	= </a:t>
+                </a:r>
+                <a14:m>
+                  <m:oMath xmlns:m="http://schemas.openxmlformats.org/officeDocument/2006/math">
+                    <m:r>
+                      <a:rPr lang="en-US" b="0" i="1" smtClean="0">
+                        <a:latin typeface="Cambria Math" panose="02040503050406030204" pitchFamily="18" charset="0"/>
+                      </a:rPr>
+                      <m:t>𝑛</m:t>
+                    </m:r>
+                    <m:r>
+                      <a:rPr lang="en-US" i="1">
+                        <a:latin typeface="Cambria Math" panose="02040503050406030204" pitchFamily="18" charset="0"/>
+                      </a:rPr>
+                      <m:t>∗</m:t>
+                    </m:r>
+                    <m:r>
+                      <a:rPr lang="en-US" i="1">
+                        <a:latin typeface="Cambria Math" panose="02040503050406030204" pitchFamily="18" charset="0"/>
+                      </a:rPr>
+                      <m:t>𝑇</m:t>
+                    </m:r>
+                    <m:d>
+                      <m:dPr>
+                        <m:ctrlPr>
+                          <a:rPr lang="en-US" i="1">
+                            <a:latin typeface="Cambria Math" panose="02040503050406030204" pitchFamily="18" charset="0"/>
+                          </a:rPr>
+                        </m:ctrlPr>
+                      </m:dPr>
+                      <m:e>
+                        <m:r>
+                          <a:rPr lang="en-US" b="0" i="1" smtClean="0">
+                            <a:latin typeface="Cambria Math" panose="02040503050406030204" pitchFamily="18" charset="0"/>
+                          </a:rPr>
+                          <m:t>1</m:t>
+                        </m:r>
+                      </m:e>
+                    </m:d>
+                    <m:r>
+                      <a:rPr lang="en-US" i="1">
+                        <a:latin typeface="Cambria Math" panose="02040503050406030204" pitchFamily="18" charset="0"/>
+                      </a:rPr>
+                      <m:t>+</m:t>
+                    </m:r>
+                    <m:func>
+                      <m:funcPr>
+                        <m:ctrlPr>
+                          <a:rPr lang="en-US" i="1">
+                            <a:latin typeface="Cambria Math" panose="02040503050406030204" pitchFamily="18" charset="0"/>
+                          </a:rPr>
+                        </m:ctrlPr>
+                      </m:funcPr>
+                      <m:fName>
+                        <m:sSub>
+                          <m:sSubPr>
+                            <m:ctrlPr>
+                              <a:rPr lang="en-US" i="1">
+                                <a:latin typeface="Cambria Math" panose="02040503050406030204" pitchFamily="18" charset="0"/>
+                              </a:rPr>
+                            </m:ctrlPr>
+                          </m:sSubPr>
+                          <m:e>
+                            <m:r>
+                              <m:rPr>
+                                <m:sty m:val="p"/>
+                              </m:rPr>
+                              <a:rPr lang="en-US">
+                                <a:latin typeface="Cambria Math" panose="02040503050406030204" pitchFamily="18" charset="0"/>
+                              </a:rPr>
+                              <m:t>log</m:t>
+                            </m:r>
+                          </m:e>
+                          <m:sub>
+                            <m:r>
+                              <a:rPr lang="en-US" i="1">
+                                <a:latin typeface="Cambria Math" panose="02040503050406030204" pitchFamily="18" charset="0"/>
+                              </a:rPr>
+                              <m:t>2</m:t>
+                            </m:r>
+                          </m:sub>
+                        </m:sSub>
+                      </m:fName>
+                      <m:e>
+                        <m:d>
+                          <m:dPr>
+                            <m:ctrlPr>
+                              <a:rPr lang="en-US" i="1">
+                                <a:latin typeface="Cambria Math" panose="02040503050406030204" pitchFamily="18" charset="0"/>
+                              </a:rPr>
+                            </m:ctrlPr>
+                          </m:dPr>
+                          <m:e>
+                            <m:r>
+                              <a:rPr lang="en-US" i="1">
+                                <a:latin typeface="Cambria Math" panose="02040503050406030204" pitchFamily="18" charset="0"/>
+                              </a:rPr>
+                              <m:t>𝑛</m:t>
+                            </m:r>
+                          </m:e>
+                        </m:d>
+                        <m:r>
+                          <a:rPr lang="en-US" i="1">
+                            <a:latin typeface="Cambria Math" panose="02040503050406030204" pitchFamily="18" charset="0"/>
+                          </a:rPr>
+                          <m:t>∗</m:t>
+                        </m:r>
+                      </m:e>
+                    </m:func>
+                    <m:r>
+                      <a:rPr lang="en-US" i="1">
+                        <a:latin typeface="Cambria Math" panose="02040503050406030204" pitchFamily="18" charset="0"/>
+                      </a:rPr>
+                      <m:t>𝑛</m:t>
+                    </m:r>
+                    <m:r>
+                      <a:rPr lang="en-US" i="1">
+                        <a:latin typeface="Cambria Math" panose="02040503050406030204" pitchFamily="18" charset="0"/>
+                      </a:rPr>
+                      <m:t> </m:t>
+                    </m:r>
+                  </m:oMath>
+                </a14:m>
+                <a:endParaRPr lang="en-US" dirty="0"/>
+              </a:p>
+              <a:p>
+                <a:pPr marL="274320" lvl="1" indent="0">
+                  <a:buNone/>
+                </a:pPr>
+                <a:r>
+                  <a:rPr lang="en-US" b="1" i="1" dirty="0"/>
+                  <a:t>T(n)	= </a:t>
+                </a:r>
+                <a14:m>
+                  <m:oMath xmlns:m="http://schemas.openxmlformats.org/officeDocument/2006/math">
+                    <m:r>
+                      <a:rPr lang="en-US" b="1" i="1">
+                        <a:latin typeface="Cambria Math" panose="02040503050406030204" pitchFamily="18" charset="0"/>
+                      </a:rPr>
+                      <m:t>𝒏</m:t>
+                    </m:r>
+                    <m:r>
+                      <a:rPr lang="en-US" b="1" i="1">
+                        <a:latin typeface="Cambria Math" panose="02040503050406030204" pitchFamily="18" charset="0"/>
+                      </a:rPr>
+                      <m:t>+</m:t>
+                    </m:r>
+                    <m:func>
+                      <m:funcPr>
+                        <m:ctrlPr>
+                          <a:rPr lang="en-US" b="1" i="1">
+                            <a:latin typeface="Cambria Math" panose="02040503050406030204" pitchFamily="18" charset="0"/>
+                          </a:rPr>
+                        </m:ctrlPr>
+                      </m:funcPr>
+                      <m:fName>
+                        <m:sSub>
+                          <m:sSubPr>
+                            <m:ctrlPr>
+                              <a:rPr lang="en-US" b="1" i="1">
+                                <a:latin typeface="Cambria Math" panose="02040503050406030204" pitchFamily="18" charset="0"/>
+                              </a:rPr>
+                            </m:ctrlPr>
+                          </m:sSubPr>
+                          <m:e>
+                            <m:r>
+                              <a:rPr lang="en-US" b="1" i="1">
+                                <a:latin typeface="Cambria Math" panose="02040503050406030204" pitchFamily="18" charset="0"/>
+                              </a:rPr>
+                              <m:t>𝒍𝒐𝒈</m:t>
+                            </m:r>
+                          </m:e>
+                          <m:sub>
+                            <m:r>
+                              <a:rPr lang="en-US" b="1" i="1">
+                                <a:latin typeface="Cambria Math" panose="02040503050406030204" pitchFamily="18" charset="0"/>
+                              </a:rPr>
+                              <m:t>𝟐</m:t>
+                            </m:r>
+                          </m:sub>
+                        </m:sSub>
+                      </m:fName>
+                      <m:e>
+                        <m:d>
+                          <m:dPr>
+                            <m:ctrlPr>
+                              <a:rPr lang="en-US" b="1" i="1">
+                                <a:latin typeface="Cambria Math" panose="02040503050406030204" pitchFamily="18" charset="0"/>
+                              </a:rPr>
+                            </m:ctrlPr>
+                          </m:dPr>
+                          <m:e>
+                            <m:r>
+                              <a:rPr lang="en-US" b="1" i="1">
+                                <a:latin typeface="Cambria Math" panose="02040503050406030204" pitchFamily="18" charset="0"/>
+                              </a:rPr>
+                              <m:t>𝒏</m:t>
+                            </m:r>
+                          </m:e>
+                        </m:d>
+                        <m:r>
+                          <a:rPr lang="en-US" b="1" i="1">
+                            <a:latin typeface="Cambria Math" panose="02040503050406030204" pitchFamily="18" charset="0"/>
+                          </a:rPr>
+                          <m:t>∗</m:t>
+                        </m:r>
+                      </m:e>
+                    </m:func>
+                    <m:r>
+                      <a:rPr lang="en-US" b="1" i="1">
+                        <a:latin typeface="Cambria Math" panose="02040503050406030204" pitchFamily="18" charset="0"/>
+                      </a:rPr>
+                      <m:t>𝒏</m:t>
+                    </m:r>
+                    <m:r>
+                      <a:rPr lang="en-US" b="1" i="1" smtClean="0">
+                        <a:latin typeface="Cambria Math" panose="02040503050406030204" pitchFamily="18" charset="0"/>
+                      </a:rPr>
+                      <m:t>=</m:t>
+                    </m:r>
+                    <m:r>
+                      <a:rPr lang="en-US" b="1" i="1" smtClean="0">
+                        <a:latin typeface="Cambria Math" panose="02040503050406030204" pitchFamily="18" charset="0"/>
+                      </a:rPr>
+                      <m:t>𝜣</m:t>
+                    </m:r>
+                    <m:r>
+                      <a:rPr lang="en-US" b="1" i="1" smtClean="0">
+                        <a:latin typeface="Cambria Math" panose="02040503050406030204" pitchFamily="18" charset="0"/>
+                      </a:rPr>
+                      <m:t>(</m:t>
+                    </m:r>
+                    <m:r>
+                      <a:rPr lang="en-US" b="1" i="1" smtClean="0">
+                        <a:latin typeface="Cambria Math" panose="02040503050406030204" pitchFamily="18" charset="0"/>
+                      </a:rPr>
+                      <m:t>𝒏𝒍𝒐𝒈</m:t>
+                    </m:r>
+                    <m:d>
+                      <m:dPr>
+                        <m:ctrlPr>
+                          <a:rPr lang="en-US" b="1" i="1" smtClean="0">
+                            <a:latin typeface="Cambria Math" panose="02040503050406030204" pitchFamily="18" charset="0"/>
+                          </a:rPr>
+                        </m:ctrlPr>
+                      </m:dPr>
+                      <m:e>
+                        <m:r>
+                          <a:rPr lang="en-US" b="1" i="1" smtClean="0">
+                            <a:latin typeface="Cambria Math" panose="02040503050406030204" pitchFamily="18" charset="0"/>
+                          </a:rPr>
+                          <m:t>𝒏</m:t>
+                        </m:r>
+                      </m:e>
+                    </m:d>
+                    <m:r>
+                      <a:rPr lang="en-US" b="1" i="1" smtClean="0">
+                        <a:latin typeface="Cambria Math" panose="02040503050406030204" pitchFamily="18" charset="0"/>
+                      </a:rPr>
+                      <m:t>)</m:t>
+                    </m:r>
+                    <m:r>
+                      <a:rPr lang="en-US" b="1" i="1">
+                        <a:latin typeface="Cambria Math" panose="02040503050406030204" pitchFamily="18" charset="0"/>
+                      </a:rPr>
+                      <m:t> </m:t>
+                    </m:r>
+                  </m:oMath>
+                </a14:m>
+                <a:r>
+                  <a:rPr lang="en-US" b="1" i="1" dirty="0"/>
+                  <a:t> </a:t>
+                </a:r>
+                <a:r>
+                  <a:rPr lang="en-US" dirty="0"/>
+                  <a:t>	</a:t>
+                </a:r>
+              </a:p>
+              <a:p>
+                <a:pPr marL="274320" lvl="1" indent="0">
+                  <a:buNone/>
+                </a:pPr>
+                <a:endParaRPr lang="en-US" dirty="0"/>
+              </a:p>
+            </p:txBody>
+          </p:sp>
+        </mc:Choice>
+        <mc:Fallback>
+          <p:sp>
+            <p:nvSpPr>
+              <p:cNvPr id="34819" name="Rectangle 3"/>
+              <p:cNvSpPr>
+                <a:spLocks noGrp="1" noRot="1" noChangeAspect="1" noMove="1" noResize="1" noEditPoints="1" noAdjustHandles="1" noChangeArrowheads="1" noChangeShapeType="1" noTextEdit="1"/>
+              </p:cNvSpPr>
+              <p:nvPr>
+                <p:ph sz="quarter" idx="1"/>
+                <p:custDataLst>
+                  <p:tags r:id="rId2"/>
+                </p:custDataLst>
+              </p:nvPr>
+            </p:nvSpPr>
+            <p:spPr>
+              <a:xfrm>
+                <a:off x="457200" y="1219200"/>
+                <a:ext cx="8553450" cy="5502910"/>
+              </a:xfrm>
+              <a:blipFill>
+                <a:blip r:embed="rId4"/>
+                <a:stretch>
+                  <a:fillRect/>
+                </a:stretch>
+              </a:blipFill>
+            </p:spPr>
+            <p:txBody>
+              <a:bodyPr/>
+              <a:lstStyle/>
+              <a:p>
+                <a:r>
+                  <a:rPr lang="en-US">
+                    <a:noFill/>
+                  </a:rPr>
+                  <a:t> </a:t>
+                </a:r>
+              </a:p>
+            </p:txBody>
+          </p:sp>
+        </mc:Fallback>
+      </mc:AlternateContent>
+    </p:spTree>
+    <p:extLst>
+      <p:ext uri="{BB962C8B-B14F-4D97-AF65-F5344CB8AC3E}">
+        <p14:creationId xmlns:p14="http://schemas.microsoft.com/office/powerpoint/2010/main" val="3525080473"/>
+      </p:ext>
+    </p:extLst>
+  </p:cSld>
+  <p:clrMapOvr>
+    <a:masterClrMapping/>
+  </p:clrMapOvr>
+</p:sld>
+</file>
+
 <file path=ppt/slides/slide4.xml><?xml version="1.0" encoding="utf-8"?>
 <p:sld xmlns:a="http://schemas.openxmlformats.org/drawingml/2006/main" xmlns:r="http://schemas.openxmlformats.org/officeDocument/2006/relationships" xmlns:p="http://schemas.openxmlformats.org/presentationml/2006/main">
   <p:cSld>
@@ -9815,6 +11739,1857 @@
     <p:extLst>
       <p:ext uri="{BB962C8B-B14F-4D97-AF65-F5344CB8AC3E}">
         <p14:creationId xmlns:p14="http://schemas.microsoft.com/office/powerpoint/2010/main" val="492067397"/>
+      </p:ext>
+    </p:extLst>
+  </p:cSld>
+  <p:clrMapOvr>
+    <a:masterClrMapping/>
+  </p:clrMapOvr>
+</p:sld>
+</file>
+
+<file path=ppt/slides/slide40.xml><?xml version="1.0" encoding="utf-8"?>
+<p:sld xmlns:a="http://schemas.openxmlformats.org/drawingml/2006/main" xmlns:r="http://schemas.openxmlformats.org/officeDocument/2006/relationships" xmlns:p="http://schemas.openxmlformats.org/presentationml/2006/main">
+  <p:cSld>
+    <p:spTree>
+      <p:nvGrpSpPr>
+        <p:cNvPr id="1" name=""/>
+        <p:cNvGrpSpPr/>
+        <p:nvPr/>
+      </p:nvGrpSpPr>
+      <p:grpSpPr>
+        <a:xfrm>
+          <a:off x="0" y="0"/>
+          <a:ext cx="0" cy="0"/>
+          <a:chOff x="0" y="0"/>
+          <a:chExt cx="0" cy="0"/>
+        </a:xfrm>
+      </p:grpSpPr>
+      <p:sp>
+        <p:nvSpPr>
+          <p:cNvPr id="34818" name="Rectangle 2"/>
+          <p:cNvSpPr>
+            <a:spLocks noGrp="1" noChangeArrowheads="1"/>
+          </p:cNvSpPr>
+          <p:nvPr>
+            <p:ph type="title"/>
+            <p:custDataLst>
+              <p:tags r:id="rId1"/>
+            </p:custDataLst>
+          </p:nvPr>
+        </p:nvSpPr>
+        <p:spPr/>
+        <p:txBody>
+          <a:bodyPr/>
+          <a:lstStyle/>
+          <a:p>
+            <a:r>
+              <a:rPr lang="en-US" dirty="0"/>
+              <a:t>Iteration or Substitution Method</a:t>
+            </a:r>
+          </a:p>
+        </p:txBody>
+      </p:sp>
+      <p:sp>
+        <p:nvSpPr>
+          <p:cNvPr id="8" name="Slide Number Placeholder 7"/>
+          <p:cNvSpPr>
+            <a:spLocks noGrp="1"/>
+          </p:cNvSpPr>
+          <p:nvPr>
+            <p:ph type="sldNum" sz="quarter" idx="12"/>
+          </p:nvPr>
+        </p:nvSpPr>
+        <p:spPr/>
+        <p:txBody>
+          <a:bodyPr/>
+          <a:lstStyle/>
+          <a:p>
+            <a:fld id="{0E0CE5E1-73E6-4EC0-A549-568A23C84235}" type="slidenum">
+              <a:rPr lang="en-US" smtClean="0"/>
+              <a:pPr/>
+              <a:t>40</a:t>
+            </a:fld>
+            <a:endParaRPr lang="en-US"/>
+          </a:p>
+        </p:txBody>
+      </p:sp>
+      <mc:AlternateContent xmlns:mc="http://schemas.openxmlformats.org/markup-compatibility/2006">
+        <mc:Choice xmlns:a14="http://schemas.microsoft.com/office/drawing/2010/main" Requires="a14">
+          <p:sp>
+            <p:nvSpPr>
+              <p:cNvPr id="34819" name="Rectangle 3"/>
+              <p:cNvSpPr>
+                <a:spLocks noGrp="1" noChangeArrowheads="1"/>
+              </p:cNvSpPr>
+              <p:nvPr>
+                <p:ph sz="quarter" idx="1"/>
+                <p:custDataLst>
+                  <p:tags r:id="rId2"/>
+                </p:custDataLst>
+              </p:nvPr>
+            </p:nvSpPr>
+            <p:spPr/>
+            <p:txBody>
+              <a:bodyPr>
+                <a:normAutofit/>
+              </a:bodyPr>
+              <a:lstStyle/>
+              <a:p>
+                <a:r>
+                  <a:rPr lang="en-US" dirty="0"/>
+                  <a:t>T(n) = 2*T(n/2) + n</a:t>
+                </a:r>
+              </a:p>
+              <a:p>
+                <a:pPr lvl="1"/>
+                <a:r>
+                  <a:rPr lang="en-US" dirty="0"/>
+                  <a:t>Guess n*log(n)</a:t>
+                </a:r>
+              </a:p>
+              <a:p>
+                <a:pPr lvl="1"/>
+                <a:endParaRPr lang="en-US" dirty="0"/>
+              </a:p>
+              <a:p>
+                <a14:m>
+                  <m:oMath xmlns:m="http://schemas.openxmlformats.org/officeDocument/2006/math">
+                    <m:r>
+                      <a:rPr lang="en-US" i="1" dirty="0" smtClean="0">
+                        <a:latin typeface="Cambria Math" panose="02040503050406030204" pitchFamily="18" charset="0"/>
+                      </a:rPr>
+                      <m:t>𝑇</m:t>
+                    </m:r>
+                    <m:d>
+                      <m:dPr>
+                        <m:ctrlPr>
+                          <a:rPr lang="en-US" i="1" dirty="0" smtClean="0">
+                            <a:latin typeface="Cambria Math" panose="02040503050406030204" pitchFamily="18" charset="0"/>
+                          </a:rPr>
+                        </m:ctrlPr>
+                      </m:dPr>
+                      <m:e>
+                        <m:r>
+                          <a:rPr lang="en-US" i="1" dirty="0" smtClean="0">
+                            <a:latin typeface="Cambria Math" panose="02040503050406030204" pitchFamily="18" charset="0"/>
+                          </a:rPr>
+                          <m:t>𝑛</m:t>
+                        </m:r>
+                      </m:e>
+                    </m:d>
+                    <m:r>
+                      <a:rPr lang="en-US" b="0" i="1" dirty="0" smtClean="0">
+                        <a:latin typeface="Cambria Math" panose="02040503050406030204" pitchFamily="18" charset="0"/>
+                      </a:rPr>
+                      <m:t>≤</m:t>
+                    </m:r>
+                    <m:r>
+                      <a:rPr lang="en-US" i="1" dirty="0" smtClean="0">
+                        <a:latin typeface="Cambria Math" panose="02040503050406030204" pitchFamily="18" charset="0"/>
+                      </a:rPr>
+                      <m:t> </m:t>
+                    </m:r>
+                    <m:r>
+                      <a:rPr lang="en-US" i="1" dirty="0" smtClean="0">
+                        <a:latin typeface="Cambria Math" panose="02040503050406030204" pitchFamily="18" charset="0"/>
+                      </a:rPr>
+                      <m:t>𝑐</m:t>
+                    </m:r>
+                    <m:r>
+                      <a:rPr lang="en-US" i="1" dirty="0" smtClean="0">
+                        <a:latin typeface="Cambria Math" panose="02040503050406030204" pitchFamily="18" charset="0"/>
+                      </a:rPr>
+                      <m:t>∗</m:t>
+                    </m:r>
+                    <m:r>
+                      <a:rPr lang="en-US" i="1" dirty="0" smtClean="0">
+                        <a:latin typeface="Cambria Math" panose="02040503050406030204" pitchFamily="18" charset="0"/>
+                      </a:rPr>
+                      <m:t>𝑛</m:t>
+                    </m:r>
+                    <m:r>
+                      <a:rPr lang="en-US" i="1" dirty="0" smtClean="0">
+                        <a:latin typeface="Cambria Math" panose="02040503050406030204" pitchFamily="18" charset="0"/>
+                      </a:rPr>
+                      <m:t>∗</m:t>
+                    </m:r>
+                    <m:sSub>
+                      <m:sSubPr>
+                        <m:ctrlPr>
+                          <a:rPr lang="en-US" b="0" i="1" dirty="0" smtClean="0">
+                            <a:latin typeface="Cambria Math" panose="02040503050406030204" pitchFamily="18" charset="0"/>
+                          </a:rPr>
+                        </m:ctrlPr>
+                      </m:sSubPr>
+                      <m:e>
+                        <m:r>
+                          <m:rPr>
+                            <m:sty m:val="p"/>
+                          </m:rPr>
+                          <a:rPr lang="en-US" i="0" dirty="0" smtClean="0">
+                            <a:latin typeface="Cambria Math" panose="02040503050406030204" pitchFamily="18" charset="0"/>
+                          </a:rPr>
+                          <m:t>log</m:t>
+                        </m:r>
+                      </m:e>
+                      <m:sub>
+                        <m:r>
+                          <a:rPr lang="en-US" b="0" i="1" dirty="0" smtClean="0">
+                            <a:latin typeface="Cambria Math" panose="02040503050406030204" pitchFamily="18" charset="0"/>
+                          </a:rPr>
+                          <m:t>2</m:t>
+                        </m:r>
+                      </m:sub>
+                    </m:sSub>
+                    <m:r>
+                      <a:rPr lang="en-US" i="1" dirty="0" smtClean="0">
+                        <a:latin typeface="Cambria Math" panose="02040503050406030204" pitchFamily="18" charset="0"/>
+                      </a:rPr>
+                      <m:t>⁡(</m:t>
+                    </m:r>
+                    <m:r>
+                      <a:rPr lang="en-US" i="1" dirty="0" smtClean="0">
+                        <a:latin typeface="Cambria Math" panose="02040503050406030204" pitchFamily="18" charset="0"/>
+                      </a:rPr>
+                      <m:t>𝑛</m:t>
+                    </m:r>
+                    <m:r>
+                      <a:rPr lang="en-US" i="1" dirty="0" smtClean="0">
+                        <a:latin typeface="Cambria Math" panose="02040503050406030204" pitchFamily="18" charset="0"/>
+                      </a:rPr>
+                      <m:t>)</m:t>
+                    </m:r>
+                  </m:oMath>
+                </a14:m>
+                <a:endParaRPr lang="en-US" dirty="0"/>
+              </a:p>
+              <a:p>
+                <a:endParaRPr lang="en-US" dirty="0"/>
+              </a:p>
+              <a:p>
+                <a:r>
+                  <a:rPr lang="en-US" dirty="0"/>
+                  <a:t>Base case (n=1):</a:t>
+                </a:r>
+              </a:p>
+              <a:p>
+                <a:pPr lvl="1"/>
+                <a14:m>
+                  <m:oMath xmlns:m="http://schemas.openxmlformats.org/officeDocument/2006/math">
+                    <m:r>
+                      <a:rPr lang="en-US" b="0" i="1" smtClean="0">
+                        <a:latin typeface="Cambria Math" panose="02040503050406030204" pitchFamily="18" charset="0"/>
+                      </a:rPr>
+                      <m:t>𝑇</m:t>
+                    </m:r>
+                    <m:d>
+                      <m:dPr>
+                        <m:ctrlPr>
+                          <a:rPr lang="en-US" b="0" i="1" smtClean="0">
+                            <a:latin typeface="Cambria Math" panose="02040503050406030204" pitchFamily="18" charset="0"/>
+                          </a:rPr>
+                        </m:ctrlPr>
+                      </m:dPr>
+                      <m:e>
+                        <m:r>
+                          <a:rPr lang="en-US" b="0" i="1" smtClean="0">
+                            <a:latin typeface="Cambria Math" panose="02040503050406030204" pitchFamily="18" charset="0"/>
+                          </a:rPr>
+                          <m:t>1</m:t>
+                        </m:r>
+                      </m:e>
+                    </m:d>
+                    <m:r>
+                      <a:rPr lang="en-US" b="0" i="1" smtClean="0">
+                        <a:latin typeface="Cambria Math" panose="02040503050406030204" pitchFamily="18" charset="0"/>
+                      </a:rPr>
+                      <m:t>≤</m:t>
+                    </m:r>
+                    <m:r>
+                      <a:rPr lang="en-US" b="0" i="1" smtClean="0">
+                        <a:latin typeface="Cambria Math" panose="02040503050406030204" pitchFamily="18" charset="0"/>
+                      </a:rPr>
+                      <m:t>𝑐</m:t>
+                    </m:r>
+                    <m:r>
+                      <a:rPr lang="en-US" b="0" i="1" smtClean="0">
+                        <a:latin typeface="Cambria Math" panose="02040503050406030204" pitchFamily="18" charset="0"/>
+                      </a:rPr>
+                      <m:t>∗1∗</m:t>
+                    </m:r>
+                    <m:func>
+                      <m:funcPr>
+                        <m:ctrlPr>
+                          <a:rPr lang="en-US" b="0" i="1" smtClean="0">
+                            <a:latin typeface="Cambria Math" panose="02040503050406030204" pitchFamily="18" charset="0"/>
+                          </a:rPr>
+                        </m:ctrlPr>
+                      </m:funcPr>
+                      <m:fName>
+                        <m:sSub>
+                          <m:sSubPr>
+                            <m:ctrlPr>
+                              <a:rPr lang="en-US" b="0" i="1" smtClean="0">
+                                <a:latin typeface="Cambria Math" panose="02040503050406030204" pitchFamily="18" charset="0"/>
+                              </a:rPr>
+                            </m:ctrlPr>
+                          </m:sSubPr>
+                          <m:e>
+                            <m:r>
+                              <m:rPr>
+                                <m:sty m:val="p"/>
+                              </m:rPr>
+                              <a:rPr lang="en-US" b="0" i="0" smtClean="0">
+                                <a:latin typeface="Cambria Math" panose="02040503050406030204" pitchFamily="18" charset="0"/>
+                              </a:rPr>
+                              <m:t>log</m:t>
+                            </m:r>
+                          </m:e>
+                          <m:sub>
+                            <m:r>
+                              <a:rPr lang="en-US" b="0" i="1" smtClean="0">
+                                <a:latin typeface="Cambria Math" panose="02040503050406030204" pitchFamily="18" charset="0"/>
+                              </a:rPr>
+                              <m:t>2</m:t>
+                            </m:r>
+                          </m:sub>
+                        </m:sSub>
+                      </m:fName>
+                      <m:e>
+                        <m:d>
+                          <m:dPr>
+                            <m:ctrlPr>
+                              <a:rPr lang="en-US" b="0" i="1" smtClean="0">
+                                <a:latin typeface="Cambria Math" panose="02040503050406030204" pitchFamily="18" charset="0"/>
+                              </a:rPr>
+                            </m:ctrlPr>
+                          </m:dPr>
+                          <m:e>
+                            <m:r>
+                              <a:rPr lang="en-US" b="0" i="1" smtClean="0">
+                                <a:latin typeface="Cambria Math" panose="02040503050406030204" pitchFamily="18" charset="0"/>
+                              </a:rPr>
+                              <m:t>1</m:t>
+                            </m:r>
+                          </m:e>
+                        </m:d>
+                        <m:r>
+                          <a:rPr lang="en-US" b="0" i="1" smtClean="0">
+                            <a:latin typeface="Cambria Math" panose="02040503050406030204" pitchFamily="18" charset="0"/>
+                          </a:rPr>
+                          <m:t>=</m:t>
+                        </m:r>
+                        <m:r>
+                          <a:rPr lang="en-US" b="0" i="1" smtClean="0">
+                            <a:latin typeface="Cambria Math" panose="02040503050406030204" pitchFamily="18" charset="0"/>
+                          </a:rPr>
+                          <m:t>𝑐</m:t>
+                        </m:r>
+                      </m:e>
+                    </m:func>
+                  </m:oMath>
+                </a14:m>
+                <a:endParaRPr lang="en-US" b="0" dirty="0"/>
+              </a:p>
+              <a:p>
+                <a:pPr lvl="1"/>
+                <a:r>
+                  <a:rPr lang="en-US" b="0" dirty="0"/>
+                  <a:t>1 </a:t>
+                </a:r>
+                <a14:m>
+                  <m:oMath xmlns:m="http://schemas.openxmlformats.org/officeDocument/2006/math">
+                    <m:r>
+                      <a:rPr lang="en-US" b="0" i="1" smtClean="0">
+                        <a:latin typeface="Cambria Math" panose="02040503050406030204" pitchFamily="18" charset="0"/>
+                      </a:rPr>
+                      <m:t>≤</m:t>
+                    </m:r>
+                    <m:r>
+                      <a:rPr lang="en-US" b="0" i="1" smtClean="0">
+                        <a:latin typeface="Cambria Math" panose="02040503050406030204" pitchFamily="18" charset="0"/>
+                      </a:rPr>
+                      <m:t>𝑐</m:t>
+                    </m:r>
+                  </m:oMath>
+                </a14:m>
+                <a:r>
+                  <a:rPr lang="en-US" dirty="0"/>
+                  <a:t>		//true if c &gt;= 1 </a:t>
+                </a:r>
+              </a:p>
+            </p:txBody>
+          </p:sp>
+        </mc:Choice>
+        <mc:Fallback>
+          <p:sp>
+            <p:nvSpPr>
+              <p:cNvPr id="34819" name="Rectangle 3"/>
+              <p:cNvSpPr>
+                <a:spLocks noGrp="1" noRot="1" noChangeAspect="1" noMove="1" noResize="1" noEditPoints="1" noAdjustHandles="1" noChangeArrowheads="1" noChangeShapeType="1" noTextEdit="1"/>
+              </p:cNvSpPr>
+              <p:nvPr>
+                <p:ph sz="quarter" idx="1"/>
+                <p:custDataLst>
+                  <p:tags r:id="rId2"/>
+                </p:custDataLst>
+              </p:nvPr>
+            </p:nvSpPr>
+            <p:spPr>
+              <a:blipFill>
+                <a:blip r:embed="rId4"/>
+                <a:stretch>
+                  <a:fillRect l="-772" t="-1285"/>
+                </a:stretch>
+              </a:blipFill>
+            </p:spPr>
+            <p:txBody>
+              <a:bodyPr/>
+              <a:lstStyle/>
+              <a:p>
+                <a:r>
+                  <a:rPr lang="en-US">
+                    <a:noFill/>
+                  </a:rPr>
+                  <a:t> </a:t>
+                </a:r>
+              </a:p>
+            </p:txBody>
+          </p:sp>
+        </mc:Fallback>
+      </mc:AlternateContent>
+    </p:spTree>
+    <p:extLst>
+      <p:ext uri="{BB962C8B-B14F-4D97-AF65-F5344CB8AC3E}">
+        <p14:creationId xmlns:p14="http://schemas.microsoft.com/office/powerpoint/2010/main" val="2126134399"/>
+      </p:ext>
+    </p:extLst>
+  </p:cSld>
+  <p:clrMapOvr>
+    <a:masterClrMapping/>
+  </p:clrMapOvr>
+</p:sld>
+</file>
+
+<file path=ppt/slides/slide41.xml><?xml version="1.0" encoding="utf-8"?>
+<p:sld xmlns:a="http://schemas.openxmlformats.org/drawingml/2006/main" xmlns:r="http://schemas.openxmlformats.org/officeDocument/2006/relationships" xmlns:p="http://schemas.openxmlformats.org/presentationml/2006/main">
+  <p:cSld>
+    <p:spTree>
+      <p:nvGrpSpPr>
+        <p:cNvPr id="1" name=""/>
+        <p:cNvGrpSpPr/>
+        <p:nvPr/>
+      </p:nvGrpSpPr>
+      <p:grpSpPr>
+        <a:xfrm>
+          <a:off x="0" y="0"/>
+          <a:ext cx="0" cy="0"/>
+          <a:chOff x="0" y="0"/>
+          <a:chExt cx="0" cy="0"/>
+        </a:xfrm>
+      </p:grpSpPr>
+      <p:sp>
+        <p:nvSpPr>
+          <p:cNvPr id="34818" name="Rectangle 2"/>
+          <p:cNvSpPr>
+            <a:spLocks noGrp="1" noChangeArrowheads="1"/>
+          </p:cNvSpPr>
+          <p:nvPr>
+            <p:ph type="title"/>
+            <p:custDataLst>
+              <p:tags r:id="rId1"/>
+            </p:custDataLst>
+          </p:nvPr>
+        </p:nvSpPr>
+        <p:spPr/>
+        <p:txBody>
+          <a:bodyPr/>
+          <a:lstStyle/>
+          <a:p>
+            <a:r>
+              <a:rPr lang="en-US" dirty="0"/>
+              <a:t>Iteration or Substitution Method</a:t>
+            </a:r>
+          </a:p>
+        </p:txBody>
+      </p:sp>
+      <p:sp>
+        <p:nvSpPr>
+          <p:cNvPr id="8" name="Slide Number Placeholder 7"/>
+          <p:cNvSpPr>
+            <a:spLocks noGrp="1"/>
+          </p:cNvSpPr>
+          <p:nvPr>
+            <p:ph type="sldNum" sz="quarter" idx="12"/>
+          </p:nvPr>
+        </p:nvSpPr>
+        <p:spPr/>
+        <p:txBody>
+          <a:bodyPr/>
+          <a:lstStyle/>
+          <a:p>
+            <a:fld id="{0E0CE5E1-73E6-4EC0-A549-568A23C84235}" type="slidenum">
+              <a:rPr lang="en-US" smtClean="0"/>
+              <a:pPr/>
+              <a:t>41</a:t>
+            </a:fld>
+            <a:endParaRPr lang="en-US"/>
+          </a:p>
+        </p:txBody>
+      </p:sp>
+      <mc:AlternateContent xmlns:mc="http://schemas.openxmlformats.org/markup-compatibility/2006">
+        <mc:Choice xmlns:a14="http://schemas.microsoft.com/office/drawing/2010/main" Requires="a14">
+          <p:sp>
+            <p:nvSpPr>
+              <p:cNvPr id="34819" name="Rectangle 3"/>
+              <p:cNvSpPr>
+                <a:spLocks noGrp="1" noChangeArrowheads="1"/>
+              </p:cNvSpPr>
+              <p:nvPr>
+                <p:ph sz="quarter" idx="1"/>
+                <p:custDataLst>
+                  <p:tags r:id="rId2"/>
+                </p:custDataLst>
+              </p:nvPr>
+            </p:nvSpPr>
+            <p:spPr/>
+            <p:txBody>
+              <a:bodyPr>
+                <a:normAutofit/>
+              </a:bodyPr>
+              <a:lstStyle/>
+              <a:p>
+                <a:r>
+                  <a:rPr lang="en-US" dirty="0"/>
+                  <a:t>T(n) = 2*T(n/2) + n</a:t>
+                </a:r>
+              </a:p>
+              <a:p>
+                <a:pPr lvl="1"/>
+                <a:r>
+                  <a:rPr lang="en-US" dirty="0"/>
+                  <a:t>Guess n*log(n)</a:t>
+                </a:r>
+              </a:p>
+              <a:p>
+                <a14:m>
+                  <m:oMath xmlns:m="http://schemas.openxmlformats.org/officeDocument/2006/math">
+                    <m:r>
+                      <a:rPr lang="en-US" i="1" dirty="0" smtClean="0">
+                        <a:latin typeface="Cambria Math" panose="02040503050406030204" pitchFamily="18" charset="0"/>
+                      </a:rPr>
+                      <m:t>𝑇</m:t>
+                    </m:r>
+                    <m:d>
+                      <m:dPr>
+                        <m:ctrlPr>
+                          <a:rPr lang="en-US" i="1" dirty="0" smtClean="0">
+                            <a:latin typeface="Cambria Math" panose="02040503050406030204" pitchFamily="18" charset="0"/>
+                          </a:rPr>
+                        </m:ctrlPr>
+                      </m:dPr>
+                      <m:e>
+                        <m:r>
+                          <a:rPr lang="en-US" i="1" dirty="0" smtClean="0">
+                            <a:latin typeface="Cambria Math" panose="02040503050406030204" pitchFamily="18" charset="0"/>
+                          </a:rPr>
+                          <m:t>𝑛</m:t>
+                        </m:r>
+                      </m:e>
+                    </m:d>
+                    <m:r>
+                      <a:rPr lang="en-US" b="0" i="1" dirty="0" smtClean="0">
+                        <a:latin typeface="Cambria Math" panose="02040503050406030204" pitchFamily="18" charset="0"/>
+                      </a:rPr>
+                      <m:t>≤</m:t>
+                    </m:r>
+                    <m:r>
+                      <a:rPr lang="en-US" i="1" dirty="0" smtClean="0">
+                        <a:latin typeface="Cambria Math" panose="02040503050406030204" pitchFamily="18" charset="0"/>
+                      </a:rPr>
+                      <m:t> </m:t>
+                    </m:r>
+                    <m:r>
+                      <a:rPr lang="en-US" i="1" dirty="0" smtClean="0">
+                        <a:latin typeface="Cambria Math" panose="02040503050406030204" pitchFamily="18" charset="0"/>
+                      </a:rPr>
+                      <m:t>𝑐</m:t>
+                    </m:r>
+                    <m:r>
+                      <a:rPr lang="en-US" i="1" dirty="0" smtClean="0">
+                        <a:latin typeface="Cambria Math" panose="02040503050406030204" pitchFamily="18" charset="0"/>
+                      </a:rPr>
+                      <m:t>∗</m:t>
+                    </m:r>
+                    <m:r>
+                      <a:rPr lang="en-US" i="1" dirty="0" smtClean="0">
+                        <a:latin typeface="Cambria Math" panose="02040503050406030204" pitchFamily="18" charset="0"/>
+                      </a:rPr>
+                      <m:t>𝑛</m:t>
+                    </m:r>
+                    <m:r>
+                      <a:rPr lang="en-US" i="1" dirty="0" smtClean="0">
+                        <a:latin typeface="Cambria Math" panose="02040503050406030204" pitchFamily="18" charset="0"/>
+                      </a:rPr>
+                      <m:t>∗</m:t>
+                    </m:r>
+                    <m:sSub>
+                      <m:sSubPr>
+                        <m:ctrlPr>
+                          <a:rPr lang="en-US" b="0" i="1" dirty="0" smtClean="0">
+                            <a:latin typeface="Cambria Math" panose="02040503050406030204" pitchFamily="18" charset="0"/>
+                          </a:rPr>
+                        </m:ctrlPr>
+                      </m:sSubPr>
+                      <m:e>
+                        <m:r>
+                          <m:rPr>
+                            <m:sty m:val="p"/>
+                          </m:rPr>
+                          <a:rPr lang="en-US" i="0" dirty="0" smtClean="0">
+                            <a:latin typeface="Cambria Math" panose="02040503050406030204" pitchFamily="18" charset="0"/>
+                          </a:rPr>
+                          <m:t>log</m:t>
+                        </m:r>
+                      </m:e>
+                      <m:sub>
+                        <m:r>
+                          <a:rPr lang="en-US" b="0" i="1" dirty="0" smtClean="0">
+                            <a:latin typeface="Cambria Math" panose="02040503050406030204" pitchFamily="18" charset="0"/>
+                          </a:rPr>
+                          <m:t>2</m:t>
+                        </m:r>
+                      </m:sub>
+                    </m:sSub>
+                    <m:r>
+                      <a:rPr lang="en-US" i="1" dirty="0" smtClean="0">
+                        <a:latin typeface="Cambria Math" panose="02040503050406030204" pitchFamily="18" charset="0"/>
+                      </a:rPr>
+                      <m:t>⁡(</m:t>
+                    </m:r>
+                    <m:r>
+                      <a:rPr lang="en-US" i="1" dirty="0" smtClean="0">
+                        <a:latin typeface="Cambria Math" panose="02040503050406030204" pitchFamily="18" charset="0"/>
+                      </a:rPr>
+                      <m:t>𝑛</m:t>
+                    </m:r>
+                    <m:r>
+                      <a:rPr lang="en-US" i="1" dirty="0" smtClean="0">
+                        <a:latin typeface="Cambria Math" panose="02040503050406030204" pitchFamily="18" charset="0"/>
+                      </a:rPr>
+                      <m:t>)</m:t>
+                    </m:r>
+                  </m:oMath>
+                </a14:m>
+                <a:endParaRPr lang="en-US" dirty="0"/>
+              </a:p>
+              <a:p>
+                <a:endParaRPr lang="en-US" dirty="0"/>
+              </a:p>
+              <a:p>
+                <a:r>
+                  <a:rPr lang="en-US" dirty="0"/>
+                  <a:t>Inductive Hypothesis:</a:t>
+                </a:r>
+              </a:p>
+              <a:p>
+                <a:pPr lvl="1"/>
+                <a:r>
+                  <a:rPr lang="en-US" dirty="0"/>
+                  <a:t>Assume for all </a:t>
+                </a:r>
+                <a14:m>
+                  <m:oMath xmlns:m="http://schemas.openxmlformats.org/officeDocument/2006/math">
+                    <m:r>
+                      <a:rPr lang="en-US" b="0" i="1" smtClean="0">
+                        <a:latin typeface="Cambria Math" panose="02040503050406030204" pitchFamily="18" charset="0"/>
+                      </a:rPr>
+                      <m:t>𝑘</m:t>
+                    </m:r>
+                    <m:r>
+                      <a:rPr lang="en-US" b="0" i="1" smtClean="0">
+                        <a:latin typeface="Cambria Math" panose="02040503050406030204" pitchFamily="18" charset="0"/>
+                      </a:rPr>
+                      <m:t>&lt;</m:t>
+                    </m:r>
+                    <m:r>
+                      <a:rPr lang="en-US" b="0" i="1" smtClean="0">
+                        <a:latin typeface="Cambria Math" panose="02040503050406030204" pitchFamily="18" charset="0"/>
+                      </a:rPr>
+                      <m:t>𝑛</m:t>
+                    </m:r>
+                  </m:oMath>
+                </a14:m>
+                <a:r>
+                  <a:rPr lang="en-US" dirty="0"/>
+                  <a:t> that </a:t>
+                </a:r>
+                <a14:m>
+                  <m:oMath xmlns:m="http://schemas.openxmlformats.org/officeDocument/2006/math">
+                    <m:r>
+                      <a:rPr lang="en-US" b="0" i="1" smtClean="0">
+                        <a:latin typeface="Cambria Math" panose="02040503050406030204" pitchFamily="18" charset="0"/>
+                      </a:rPr>
+                      <m:t>𝑇</m:t>
+                    </m:r>
+                    <m:d>
+                      <m:dPr>
+                        <m:ctrlPr>
+                          <a:rPr lang="en-US" b="0" i="1" smtClean="0">
+                            <a:latin typeface="Cambria Math" panose="02040503050406030204" pitchFamily="18" charset="0"/>
+                          </a:rPr>
+                        </m:ctrlPr>
+                      </m:dPr>
+                      <m:e>
+                        <m:r>
+                          <a:rPr lang="en-US" b="0" i="1" smtClean="0">
+                            <a:latin typeface="Cambria Math" panose="02040503050406030204" pitchFamily="18" charset="0"/>
+                          </a:rPr>
+                          <m:t>𝑘</m:t>
+                        </m:r>
+                      </m:e>
+                    </m:d>
+                    <m:r>
+                      <a:rPr lang="en-US" b="0" i="1" smtClean="0">
+                        <a:latin typeface="Cambria Math" panose="02040503050406030204" pitchFamily="18" charset="0"/>
+                      </a:rPr>
+                      <m:t>≤</m:t>
+                    </m:r>
+                    <m:r>
+                      <a:rPr lang="en-US" b="0" i="1" smtClean="0">
+                        <a:latin typeface="Cambria Math" panose="02040503050406030204" pitchFamily="18" charset="0"/>
+                      </a:rPr>
+                      <m:t>𝑐</m:t>
+                    </m:r>
+                    <m:r>
+                      <a:rPr lang="en-US" b="0" i="1" smtClean="0">
+                        <a:latin typeface="Cambria Math" panose="02040503050406030204" pitchFamily="18" charset="0"/>
+                      </a:rPr>
+                      <m:t>∗</m:t>
+                    </m:r>
+                    <m:r>
+                      <a:rPr lang="en-US" b="0" i="1" smtClean="0">
+                        <a:latin typeface="Cambria Math" panose="02040503050406030204" pitchFamily="18" charset="0"/>
+                      </a:rPr>
+                      <m:t>𝑘</m:t>
+                    </m:r>
+                    <m:r>
+                      <a:rPr lang="en-US" b="0" i="1" smtClean="0">
+                        <a:latin typeface="Cambria Math" panose="02040503050406030204" pitchFamily="18" charset="0"/>
+                      </a:rPr>
+                      <m:t>∗</m:t>
+                    </m:r>
+                    <m:func>
+                      <m:funcPr>
+                        <m:ctrlPr>
+                          <a:rPr lang="en-US" b="0" i="1" smtClean="0">
+                            <a:latin typeface="Cambria Math" panose="02040503050406030204" pitchFamily="18" charset="0"/>
+                          </a:rPr>
+                        </m:ctrlPr>
+                      </m:funcPr>
+                      <m:fName>
+                        <m:sSub>
+                          <m:sSubPr>
+                            <m:ctrlPr>
+                              <a:rPr lang="en-US" b="0" i="1" smtClean="0">
+                                <a:latin typeface="Cambria Math" panose="02040503050406030204" pitchFamily="18" charset="0"/>
+                              </a:rPr>
+                            </m:ctrlPr>
+                          </m:sSubPr>
+                          <m:e>
+                            <m:r>
+                              <m:rPr>
+                                <m:sty m:val="p"/>
+                              </m:rPr>
+                              <a:rPr lang="en-US" b="0" i="0" smtClean="0">
+                                <a:latin typeface="Cambria Math" panose="02040503050406030204" pitchFamily="18" charset="0"/>
+                              </a:rPr>
+                              <m:t>log</m:t>
+                            </m:r>
+                          </m:e>
+                          <m:sub>
+                            <m:r>
+                              <a:rPr lang="en-US" b="0" i="1" smtClean="0">
+                                <a:latin typeface="Cambria Math" panose="02040503050406030204" pitchFamily="18" charset="0"/>
+                              </a:rPr>
+                              <m:t>2</m:t>
+                            </m:r>
+                          </m:sub>
+                        </m:sSub>
+                      </m:fName>
+                      <m:e>
+                        <m:r>
+                          <a:rPr lang="en-US" b="0" i="1" smtClean="0">
+                            <a:latin typeface="Cambria Math" panose="02040503050406030204" pitchFamily="18" charset="0"/>
+                          </a:rPr>
+                          <m:t>(</m:t>
+                        </m:r>
+                        <m:r>
+                          <a:rPr lang="en-US" b="0" i="1" smtClean="0">
+                            <a:latin typeface="Cambria Math" panose="02040503050406030204" pitchFamily="18" charset="0"/>
+                          </a:rPr>
+                          <m:t>𝑘</m:t>
+                        </m:r>
+                        <m:r>
+                          <a:rPr lang="en-US" b="0" i="1" smtClean="0">
+                            <a:latin typeface="Cambria Math" panose="02040503050406030204" pitchFamily="18" charset="0"/>
+                          </a:rPr>
+                          <m:t>)</m:t>
+                        </m:r>
+                      </m:e>
+                    </m:func>
+                  </m:oMath>
+                </a14:m>
+                <a:endParaRPr lang="en-US" dirty="0"/>
+              </a:p>
+            </p:txBody>
+          </p:sp>
+        </mc:Choice>
+        <mc:Fallback>
+          <p:sp>
+            <p:nvSpPr>
+              <p:cNvPr id="34819" name="Rectangle 3"/>
+              <p:cNvSpPr>
+                <a:spLocks noGrp="1" noRot="1" noChangeAspect="1" noMove="1" noResize="1" noEditPoints="1" noAdjustHandles="1" noChangeArrowheads="1" noChangeShapeType="1" noTextEdit="1"/>
+              </p:cNvSpPr>
+              <p:nvPr>
+                <p:ph sz="quarter" idx="1"/>
+                <p:custDataLst>
+                  <p:tags r:id="rId2"/>
+                </p:custDataLst>
+              </p:nvPr>
+            </p:nvSpPr>
+            <p:spPr>
+              <a:blipFill>
+                <a:blip r:embed="rId4"/>
+                <a:stretch>
+                  <a:fillRect l="-772" t="-1285"/>
+                </a:stretch>
+              </a:blipFill>
+            </p:spPr>
+            <p:txBody>
+              <a:bodyPr/>
+              <a:lstStyle/>
+              <a:p>
+                <a:r>
+                  <a:rPr lang="en-US">
+                    <a:noFill/>
+                  </a:rPr>
+                  <a:t> </a:t>
+                </a:r>
+              </a:p>
+            </p:txBody>
+          </p:sp>
+        </mc:Fallback>
+      </mc:AlternateContent>
+    </p:spTree>
+    <p:extLst>
+      <p:ext uri="{BB962C8B-B14F-4D97-AF65-F5344CB8AC3E}">
+        <p14:creationId xmlns:p14="http://schemas.microsoft.com/office/powerpoint/2010/main" val="3346094541"/>
+      </p:ext>
+    </p:extLst>
+  </p:cSld>
+  <p:clrMapOvr>
+    <a:masterClrMapping/>
+  </p:clrMapOvr>
+</p:sld>
+</file>
+
+<file path=ppt/slides/slide42.xml><?xml version="1.0" encoding="utf-8"?>
+<p:sld xmlns:a="http://schemas.openxmlformats.org/drawingml/2006/main" xmlns:r="http://schemas.openxmlformats.org/officeDocument/2006/relationships" xmlns:p="http://schemas.openxmlformats.org/presentationml/2006/main">
+  <p:cSld>
+    <p:spTree>
+      <p:nvGrpSpPr>
+        <p:cNvPr id="1" name=""/>
+        <p:cNvGrpSpPr/>
+        <p:nvPr/>
+      </p:nvGrpSpPr>
+      <p:grpSpPr>
+        <a:xfrm>
+          <a:off x="0" y="0"/>
+          <a:ext cx="0" cy="0"/>
+          <a:chOff x="0" y="0"/>
+          <a:chExt cx="0" cy="0"/>
+        </a:xfrm>
+      </p:grpSpPr>
+      <p:sp>
+        <p:nvSpPr>
+          <p:cNvPr id="34818" name="Rectangle 2"/>
+          <p:cNvSpPr>
+            <a:spLocks noGrp="1" noChangeArrowheads="1"/>
+          </p:cNvSpPr>
+          <p:nvPr>
+            <p:ph type="title"/>
+            <p:custDataLst>
+              <p:tags r:id="rId1"/>
+            </p:custDataLst>
+          </p:nvPr>
+        </p:nvSpPr>
+        <p:spPr/>
+        <p:txBody>
+          <a:bodyPr/>
+          <a:lstStyle/>
+          <a:p>
+            <a:r>
+              <a:rPr lang="en-US" dirty="0"/>
+              <a:t>Iteration or Substitution Method</a:t>
+            </a:r>
+          </a:p>
+        </p:txBody>
+      </p:sp>
+      <p:sp>
+        <p:nvSpPr>
+          <p:cNvPr id="8" name="Slide Number Placeholder 7"/>
+          <p:cNvSpPr>
+            <a:spLocks noGrp="1"/>
+          </p:cNvSpPr>
+          <p:nvPr>
+            <p:ph type="sldNum" sz="quarter" idx="12"/>
+          </p:nvPr>
+        </p:nvSpPr>
+        <p:spPr/>
+        <p:txBody>
+          <a:bodyPr/>
+          <a:lstStyle/>
+          <a:p>
+            <a:fld id="{0E0CE5E1-73E6-4EC0-A549-568A23C84235}" type="slidenum">
+              <a:rPr lang="en-US" smtClean="0"/>
+              <a:pPr/>
+              <a:t>42</a:t>
+            </a:fld>
+            <a:endParaRPr lang="en-US"/>
+          </a:p>
+        </p:txBody>
+      </p:sp>
+      <mc:AlternateContent xmlns:mc="http://schemas.openxmlformats.org/markup-compatibility/2006">
+        <mc:Choice xmlns:a14="http://schemas.microsoft.com/office/drawing/2010/main" Requires="a14">
+          <p:sp>
+            <p:nvSpPr>
+              <p:cNvPr id="34819" name="Rectangle 3"/>
+              <p:cNvSpPr>
+                <a:spLocks noGrp="1" noChangeArrowheads="1"/>
+              </p:cNvSpPr>
+              <p:nvPr>
+                <p:ph sz="quarter" idx="1"/>
+                <p:custDataLst>
+                  <p:tags r:id="rId2"/>
+                </p:custDataLst>
+              </p:nvPr>
+            </p:nvSpPr>
+            <p:spPr/>
+            <p:txBody>
+              <a:bodyPr>
+                <a:normAutofit/>
+              </a:bodyPr>
+              <a:lstStyle/>
+              <a:p>
+                <a:r>
+                  <a:rPr lang="en-US" dirty="0"/>
+                  <a:t>T(n) = 2*T(n/2) + n</a:t>
+                </a:r>
+              </a:p>
+              <a:p>
+                <a:pPr lvl="1"/>
+                <a:r>
+                  <a:rPr lang="en-US" dirty="0"/>
+                  <a:t>Guess n*log(n)</a:t>
+                </a:r>
+              </a:p>
+              <a:p>
+                <a:endParaRPr lang="en-US" dirty="0"/>
+              </a:p>
+              <a:p>
+                <a:r>
+                  <a:rPr lang="en-US" dirty="0"/>
+                  <a:t>Inductive Step:</a:t>
+                </a:r>
+              </a:p>
+              <a:p>
+                <a:pPr lvl="1"/>
+                <a14:m>
+                  <m:oMath xmlns:m="http://schemas.openxmlformats.org/officeDocument/2006/math">
+                    <m:r>
+                      <a:rPr lang="en-US" b="0" i="1" smtClean="0">
+                        <a:latin typeface="Cambria Math" panose="02040503050406030204" pitchFamily="18" charset="0"/>
+                      </a:rPr>
+                      <m:t>𝑇</m:t>
+                    </m:r>
+                    <m:d>
+                      <m:dPr>
+                        <m:ctrlPr>
+                          <a:rPr lang="en-US" b="0" i="1" smtClean="0">
+                            <a:latin typeface="Cambria Math" panose="02040503050406030204" pitchFamily="18" charset="0"/>
+                          </a:rPr>
+                        </m:ctrlPr>
+                      </m:dPr>
+                      <m:e>
+                        <m:r>
+                          <a:rPr lang="en-US" b="0" i="1" smtClean="0">
+                            <a:latin typeface="Cambria Math" panose="02040503050406030204" pitchFamily="18" charset="0"/>
+                          </a:rPr>
+                          <m:t>𝑛</m:t>
+                        </m:r>
+                      </m:e>
+                    </m:d>
+                    <m:r>
+                      <a:rPr lang="en-US" b="0" i="1" smtClean="0">
+                        <a:latin typeface="Cambria Math" panose="02040503050406030204" pitchFamily="18" charset="0"/>
+                      </a:rPr>
+                      <m:t>=2∗</m:t>
+                    </m:r>
+                    <m:r>
+                      <a:rPr lang="en-US" b="0" i="1" smtClean="0">
+                        <a:latin typeface="Cambria Math" panose="02040503050406030204" pitchFamily="18" charset="0"/>
+                      </a:rPr>
+                      <m:t>𝑇</m:t>
+                    </m:r>
+                    <m:d>
+                      <m:dPr>
+                        <m:ctrlPr>
+                          <a:rPr lang="en-US" b="0" i="1" smtClean="0">
+                            <a:latin typeface="Cambria Math" panose="02040503050406030204" pitchFamily="18" charset="0"/>
+                          </a:rPr>
+                        </m:ctrlPr>
+                      </m:dPr>
+                      <m:e>
+                        <m:f>
+                          <m:fPr>
+                            <m:ctrlPr>
+                              <a:rPr lang="en-US" b="0" i="1" smtClean="0">
+                                <a:latin typeface="Cambria Math" panose="02040503050406030204" pitchFamily="18" charset="0"/>
+                              </a:rPr>
+                            </m:ctrlPr>
+                          </m:fPr>
+                          <m:num>
+                            <m:r>
+                              <a:rPr lang="en-US" b="0" i="1" smtClean="0">
+                                <a:latin typeface="Cambria Math" panose="02040503050406030204" pitchFamily="18" charset="0"/>
+                              </a:rPr>
+                              <m:t>𝑛</m:t>
+                            </m:r>
+                          </m:num>
+                          <m:den>
+                            <m:r>
+                              <a:rPr lang="en-US" b="0" i="1" smtClean="0">
+                                <a:latin typeface="Cambria Math" panose="02040503050406030204" pitchFamily="18" charset="0"/>
+                              </a:rPr>
+                              <m:t>2</m:t>
+                            </m:r>
+                          </m:den>
+                        </m:f>
+                      </m:e>
+                    </m:d>
+                    <m:r>
+                      <a:rPr lang="en-US" b="0" i="1" smtClean="0">
+                        <a:latin typeface="Cambria Math" panose="02040503050406030204" pitchFamily="18" charset="0"/>
+                      </a:rPr>
+                      <m:t>+</m:t>
+                    </m:r>
+                    <m:r>
+                      <a:rPr lang="en-US" b="0" i="1" smtClean="0">
+                        <a:latin typeface="Cambria Math" panose="02040503050406030204" pitchFamily="18" charset="0"/>
+                      </a:rPr>
+                      <m:t>𝑛</m:t>
+                    </m:r>
+                  </m:oMath>
+                </a14:m>
+                <a:endParaRPr lang="en-US" dirty="0"/>
+              </a:p>
+              <a:p>
+                <a:pPr lvl="1"/>
+                <a14:m>
+                  <m:oMath xmlns:m="http://schemas.openxmlformats.org/officeDocument/2006/math">
+                    <m:r>
+                      <a:rPr lang="en-US" i="1">
+                        <a:latin typeface="Cambria Math" panose="02040503050406030204" pitchFamily="18" charset="0"/>
+                      </a:rPr>
+                      <m:t>𝑇</m:t>
+                    </m:r>
+                    <m:d>
+                      <m:dPr>
+                        <m:ctrlPr>
+                          <a:rPr lang="en-US" i="1">
+                            <a:latin typeface="Cambria Math" panose="02040503050406030204" pitchFamily="18" charset="0"/>
+                          </a:rPr>
+                        </m:ctrlPr>
+                      </m:dPr>
+                      <m:e>
+                        <m:r>
+                          <a:rPr lang="en-US" i="1">
+                            <a:latin typeface="Cambria Math" panose="02040503050406030204" pitchFamily="18" charset="0"/>
+                          </a:rPr>
+                          <m:t>𝑛</m:t>
+                        </m:r>
+                      </m:e>
+                    </m:d>
+                    <m:r>
+                      <a:rPr lang="en-US" b="0" i="1" smtClean="0">
+                        <a:latin typeface="Cambria Math" panose="02040503050406030204" pitchFamily="18" charset="0"/>
+                      </a:rPr>
+                      <m:t>≤</m:t>
+                    </m:r>
+                    <m:r>
+                      <a:rPr lang="en-US" i="1">
+                        <a:latin typeface="Cambria Math" panose="02040503050406030204" pitchFamily="18" charset="0"/>
+                      </a:rPr>
+                      <m:t>2∗</m:t>
+                    </m:r>
+                    <m:r>
+                      <a:rPr lang="en-US" b="0" i="1" smtClean="0">
+                        <a:latin typeface="Cambria Math" panose="02040503050406030204" pitchFamily="18" charset="0"/>
+                      </a:rPr>
+                      <m:t>(</m:t>
+                    </m:r>
+                    <m:r>
+                      <a:rPr lang="en-US" b="0" i="1" smtClean="0">
+                        <a:latin typeface="Cambria Math" panose="02040503050406030204" pitchFamily="18" charset="0"/>
+                      </a:rPr>
+                      <m:t>𝑐</m:t>
+                    </m:r>
+                    <m:r>
+                      <a:rPr lang="en-US" b="0" i="1" smtClean="0">
+                        <a:latin typeface="Cambria Math" panose="02040503050406030204" pitchFamily="18" charset="0"/>
+                      </a:rPr>
+                      <m:t>∗</m:t>
+                    </m:r>
+                    <m:f>
+                      <m:fPr>
+                        <m:ctrlPr>
+                          <a:rPr lang="en-US" b="0" i="1" smtClean="0">
+                            <a:latin typeface="Cambria Math" panose="02040503050406030204" pitchFamily="18" charset="0"/>
+                          </a:rPr>
+                        </m:ctrlPr>
+                      </m:fPr>
+                      <m:num>
+                        <m:r>
+                          <a:rPr lang="en-US" b="0" i="1" smtClean="0">
+                            <a:latin typeface="Cambria Math" panose="02040503050406030204" pitchFamily="18" charset="0"/>
+                          </a:rPr>
+                          <m:t>𝑛</m:t>
+                        </m:r>
+                      </m:num>
+                      <m:den>
+                        <m:r>
+                          <a:rPr lang="en-US" b="0" i="1" smtClean="0">
+                            <a:latin typeface="Cambria Math" panose="02040503050406030204" pitchFamily="18" charset="0"/>
+                          </a:rPr>
+                          <m:t>2</m:t>
+                        </m:r>
+                      </m:den>
+                    </m:f>
+                    <m:r>
+                      <a:rPr lang="en-US" b="0" i="1" smtClean="0">
+                        <a:latin typeface="Cambria Math" panose="02040503050406030204" pitchFamily="18" charset="0"/>
+                      </a:rPr>
+                      <m:t>∗</m:t>
+                    </m:r>
+                    <m:func>
+                      <m:funcPr>
+                        <m:ctrlPr>
+                          <a:rPr lang="en-US" b="0" i="1" smtClean="0">
+                            <a:latin typeface="Cambria Math" panose="02040503050406030204" pitchFamily="18" charset="0"/>
+                          </a:rPr>
+                        </m:ctrlPr>
+                      </m:funcPr>
+                      <m:fName>
+                        <m:sSub>
+                          <m:sSubPr>
+                            <m:ctrlPr>
+                              <a:rPr lang="en-US" b="0" i="1" smtClean="0">
+                                <a:latin typeface="Cambria Math" panose="02040503050406030204" pitchFamily="18" charset="0"/>
+                              </a:rPr>
+                            </m:ctrlPr>
+                          </m:sSubPr>
+                          <m:e>
+                            <m:r>
+                              <m:rPr>
+                                <m:sty m:val="p"/>
+                              </m:rPr>
+                              <a:rPr lang="en-US" b="0" i="0" smtClean="0">
+                                <a:latin typeface="Cambria Math" panose="02040503050406030204" pitchFamily="18" charset="0"/>
+                              </a:rPr>
+                              <m:t>log</m:t>
+                            </m:r>
+                          </m:e>
+                          <m:sub>
+                            <m:r>
+                              <a:rPr lang="en-US" b="0" i="1" smtClean="0">
+                                <a:latin typeface="Cambria Math" panose="02040503050406030204" pitchFamily="18" charset="0"/>
+                              </a:rPr>
+                              <m:t>2</m:t>
+                            </m:r>
+                          </m:sub>
+                        </m:sSub>
+                      </m:fName>
+                      <m:e>
+                        <m:r>
+                          <a:rPr lang="en-US" b="0" i="1" smtClean="0">
+                            <a:latin typeface="Cambria Math" panose="02040503050406030204" pitchFamily="18" charset="0"/>
+                          </a:rPr>
+                          <m:t>(</m:t>
+                        </m:r>
+                        <m:f>
+                          <m:fPr>
+                            <m:ctrlPr>
+                              <a:rPr lang="en-US" b="0" i="1" smtClean="0">
+                                <a:latin typeface="Cambria Math" panose="02040503050406030204" pitchFamily="18" charset="0"/>
+                              </a:rPr>
+                            </m:ctrlPr>
+                          </m:fPr>
+                          <m:num>
+                            <m:r>
+                              <a:rPr lang="en-US" b="0" i="1" smtClean="0">
+                                <a:latin typeface="Cambria Math" panose="02040503050406030204" pitchFamily="18" charset="0"/>
+                              </a:rPr>
+                              <m:t>𝑛</m:t>
+                            </m:r>
+                          </m:num>
+                          <m:den>
+                            <m:r>
+                              <a:rPr lang="en-US" b="0" i="1" smtClean="0">
+                                <a:latin typeface="Cambria Math" panose="02040503050406030204" pitchFamily="18" charset="0"/>
+                              </a:rPr>
+                              <m:t>2</m:t>
+                            </m:r>
+                          </m:den>
+                        </m:f>
+                      </m:e>
+                    </m:func>
+                    <m:r>
+                      <a:rPr lang="en-US" b="0" i="1" smtClean="0">
+                        <a:latin typeface="Cambria Math" panose="02040503050406030204" pitchFamily="18" charset="0"/>
+                      </a:rPr>
+                      <m:t>))</m:t>
+                    </m:r>
+                    <m:r>
+                      <a:rPr lang="en-US" i="1">
+                        <a:latin typeface="Cambria Math" panose="02040503050406030204" pitchFamily="18" charset="0"/>
+                      </a:rPr>
+                      <m:t>+</m:t>
+                    </m:r>
+                    <m:r>
+                      <a:rPr lang="en-US" i="1">
+                        <a:latin typeface="Cambria Math" panose="02040503050406030204" pitchFamily="18" charset="0"/>
+                      </a:rPr>
+                      <m:t>𝑛</m:t>
+                    </m:r>
+                  </m:oMath>
+                </a14:m>
+                <a:endParaRPr lang="en-US" dirty="0"/>
+              </a:p>
+              <a:p>
+                <a:pPr lvl="1"/>
+                <a14:m>
+                  <m:oMath xmlns:m="http://schemas.openxmlformats.org/officeDocument/2006/math">
+                    <m:r>
+                      <a:rPr lang="en-US" b="0" i="1" smtClean="0">
+                        <a:latin typeface="Cambria Math" panose="02040503050406030204" pitchFamily="18" charset="0"/>
+                      </a:rPr>
+                      <m:t>𝑇</m:t>
+                    </m:r>
+                    <m:d>
+                      <m:dPr>
+                        <m:ctrlPr>
+                          <a:rPr lang="en-US" b="0" i="1" smtClean="0">
+                            <a:latin typeface="Cambria Math" panose="02040503050406030204" pitchFamily="18" charset="0"/>
+                          </a:rPr>
+                        </m:ctrlPr>
+                      </m:dPr>
+                      <m:e>
+                        <m:r>
+                          <a:rPr lang="en-US" b="0" i="1" smtClean="0">
+                            <a:latin typeface="Cambria Math" panose="02040503050406030204" pitchFamily="18" charset="0"/>
+                          </a:rPr>
+                          <m:t>𝑛</m:t>
+                        </m:r>
+                      </m:e>
+                    </m:d>
+                    <m:r>
+                      <a:rPr lang="en-US" b="0" i="1" smtClean="0">
+                        <a:latin typeface="Cambria Math" panose="02040503050406030204" pitchFamily="18" charset="0"/>
+                      </a:rPr>
+                      <m:t>≤</m:t>
+                    </m:r>
+                    <m:r>
+                      <a:rPr lang="en-US" b="0" i="1" smtClean="0">
+                        <a:latin typeface="Cambria Math" panose="02040503050406030204" pitchFamily="18" charset="0"/>
+                      </a:rPr>
+                      <m:t>𝑐𝑛</m:t>
+                    </m:r>
+                    <m:r>
+                      <a:rPr lang="en-US" b="0" i="1" smtClean="0">
+                        <a:latin typeface="Cambria Math" panose="02040503050406030204" pitchFamily="18" charset="0"/>
+                      </a:rPr>
+                      <m:t>∗</m:t>
+                    </m:r>
+                    <m:d>
+                      <m:dPr>
+                        <m:ctrlPr>
+                          <a:rPr lang="en-US" b="0" i="1" smtClean="0">
+                            <a:latin typeface="Cambria Math" panose="02040503050406030204" pitchFamily="18" charset="0"/>
+                          </a:rPr>
+                        </m:ctrlPr>
+                      </m:dPr>
+                      <m:e>
+                        <m:func>
+                          <m:funcPr>
+                            <m:ctrlPr>
+                              <a:rPr lang="en-US" b="0" i="1" smtClean="0">
+                                <a:latin typeface="Cambria Math" panose="02040503050406030204" pitchFamily="18" charset="0"/>
+                              </a:rPr>
+                            </m:ctrlPr>
+                          </m:funcPr>
+                          <m:fName>
+                            <m:sSub>
+                              <m:sSubPr>
+                                <m:ctrlPr>
+                                  <a:rPr lang="en-US" b="0" i="1" smtClean="0">
+                                    <a:latin typeface="Cambria Math" panose="02040503050406030204" pitchFamily="18" charset="0"/>
+                                  </a:rPr>
+                                </m:ctrlPr>
+                              </m:sSubPr>
+                              <m:e>
+                                <m:r>
+                                  <m:rPr>
+                                    <m:sty m:val="p"/>
+                                  </m:rPr>
+                                  <a:rPr lang="en-US" b="0" i="0" smtClean="0">
+                                    <a:latin typeface="Cambria Math" panose="02040503050406030204" pitchFamily="18" charset="0"/>
+                                  </a:rPr>
+                                  <m:t>log</m:t>
+                                </m:r>
+                              </m:e>
+                              <m:sub>
+                                <m:r>
+                                  <a:rPr lang="en-US" b="0" i="1" smtClean="0">
+                                    <a:latin typeface="Cambria Math" panose="02040503050406030204" pitchFamily="18" charset="0"/>
+                                  </a:rPr>
+                                  <m:t>2</m:t>
+                                </m:r>
+                              </m:sub>
+                            </m:sSub>
+                          </m:fName>
+                          <m:e>
+                            <m:d>
+                              <m:dPr>
+                                <m:ctrlPr>
+                                  <a:rPr lang="en-US" b="0" i="1" smtClean="0">
+                                    <a:latin typeface="Cambria Math" panose="02040503050406030204" pitchFamily="18" charset="0"/>
+                                  </a:rPr>
+                                </m:ctrlPr>
+                              </m:dPr>
+                              <m:e>
+                                <m:r>
+                                  <a:rPr lang="en-US" b="0" i="1" smtClean="0">
+                                    <a:latin typeface="Cambria Math" panose="02040503050406030204" pitchFamily="18" charset="0"/>
+                                  </a:rPr>
+                                  <m:t>𝑛</m:t>
+                                </m:r>
+                              </m:e>
+                            </m:d>
+                            <m:r>
+                              <a:rPr lang="en-US" b="0" i="1" smtClean="0">
+                                <a:latin typeface="Cambria Math" panose="02040503050406030204" pitchFamily="18" charset="0"/>
+                              </a:rPr>
+                              <m:t>−</m:t>
+                            </m:r>
+                            <m:func>
+                              <m:funcPr>
+                                <m:ctrlPr>
+                                  <a:rPr lang="en-US" b="0" i="1" smtClean="0">
+                                    <a:latin typeface="Cambria Math" panose="02040503050406030204" pitchFamily="18" charset="0"/>
+                                  </a:rPr>
+                                </m:ctrlPr>
+                              </m:funcPr>
+                              <m:fName>
+                                <m:sSub>
+                                  <m:sSubPr>
+                                    <m:ctrlPr>
+                                      <a:rPr lang="en-US" b="0" i="1" smtClean="0">
+                                        <a:latin typeface="Cambria Math" panose="02040503050406030204" pitchFamily="18" charset="0"/>
+                                      </a:rPr>
+                                    </m:ctrlPr>
+                                  </m:sSubPr>
+                                  <m:e>
+                                    <m:r>
+                                      <m:rPr>
+                                        <m:sty m:val="p"/>
+                                      </m:rPr>
+                                      <a:rPr lang="en-US" b="0" i="0" smtClean="0">
+                                        <a:latin typeface="Cambria Math" panose="02040503050406030204" pitchFamily="18" charset="0"/>
+                                      </a:rPr>
+                                      <m:t>log</m:t>
+                                    </m:r>
+                                  </m:e>
+                                  <m:sub>
+                                    <m:r>
+                                      <a:rPr lang="en-US" b="0" i="1" smtClean="0">
+                                        <a:latin typeface="Cambria Math" panose="02040503050406030204" pitchFamily="18" charset="0"/>
+                                      </a:rPr>
+                                      <m:t>2</m:t>
+                                    </m:r>
+                                  </m:sub>
+                                </m:sSub>
+                              </m:fName>
+                              <m:e>
+                                <m:d>
+                                  <m:dPr>
+                                    <m:ctrlPr>
+                                      <a:rPr lang="en-US" b="0" i="1" smtClean="0">
+                                        <a:latin typeface="Cambria Math" panose="02040503050406030204" pitchFamily="18" charset="0"/>
+                                      </a:rPr>
+                                    </m:ctrlPr>
+                                  </m:dPr>
+                                  <m:e>
+                                    <m:r>
+                                      <a:rPr lang="en-US" b="0" i="1" smtClean="0">
+                                        <a:latin typeface="Cambria Math" panose="02040503050406030204" pitchFamily="18" charset="0"/>
+                                      </a:rPr>
+                                      <m:t>2</m:t>
+                                    </m:r>
+                                  </m:e>
+                                </m:d>
+                              </m:e>
+                            </m:func>
+                          </m:e>
+                        </m:func>
+                      </m:e>
+                    </m:d>
+                    <m:r>
+                      <a:rPr lang="en-US" b="0" i="1" smtClean="0">
+                        <a:latin typeface="Cambria Math" panose="02040503050406030204" pitchFamily="18" charset="0"/>
+                      </a:rPr>
+                      <m:t>+</m:t>
+                    </m:r>
+                    <m:r>
+                      <a:rPr lang="en-US" b="0" i="1" smtClean="0">
+                        <a:latin typeface="Cambria Math" panose="02040503050406030204" pitchFamily="18" charset="0"/>
+                      </a:rPr>
+                      <m:t>𝑛</m:t>
+                    </m:r>
+                  </m:oMath>
+                </a14:m>
+                <a:endParaRPr lang="en-US" b="0" dirty="0"/>
+              </a:p>
+              <a:p>
+                <a:pPr lvl="1"/>
+                <a14:m>
+                  <m:oMath xmlns:m="http://schemas.openxmlformats.org/officeDocument/2006/math">
+                    <m:r>
+                      <a:rPr lang="en-US" i="1">
+                        <a:latin typeface="Cambria Math" panose="02040503050406030204" pitchFamily="18" charset="0"/>
+                      </a:rPr>
+                      <m:t>𝑇</m:t>
+                    </m:r>
+                    <m:d>
+                      <m:dPr>
+                        <m:ctrlPr>
+                          <a:rPr lang="en-US" i="1">
+                            <a:latin typeface="Cambria Math" panose="02040503050406030204" pitchFamily="18" charset="0"/>
+                          </a:rPr>
+                        </m:ctrlPr>
+                      </m:dPr>
+                      <m:e>
+                        <m:r>
+                          <a:rPr lang="en-US" i="1">
+                            <a:latin typeface="Cambria Math" panose="02040503050406030204" pitchFamily="18" charset="0"/>
+                          </a:rPr>
+                          <m:t>𝑛</m:t>
+                        </m:r>
+                      </m:e>
+                    </m:d>
+                    <m:r>
+                      <a:rPr lang="en-US" i="1">
+                        <a:latin typeface="Cambria Math" panose="02040503050406030204" pitchFamily="18" charset="0"/>
+                      </a:rPr>
+                      <m:t>≤</m:t>
+                    </m:r>
+                    <m:r>
+                      <a:rPr lang="en-US" i="1">
+                        <a:latin typeface="Cambria Math" panose="02040503050406030204" pitchFamily="18" charset="0"/>
+                      </a:rPr>
+                      <m:t>𝑐𝑛</m:t>
+                    </m:r>
+                    <m:r>
+                      <a:rPr lang="en-US" i="1">
+                        <a:latin typeface="Cambria Math" panose="02040503050406030204" pitchFamily="18" charset="0"/>
+                      </a:rPr>
+                      <m:t>∗</m:t>
+                    </m:r>
+                    <m:d>
+                      <m:dPr>
+                        <m:ctrlPr>
+                          <a:rPr lang="en-US" i="1">
+                            <a:latin typeface="Cambria Math" panose="02040503050406030204" pitchFamily="18" charset="0"/>
+                          </a:rPr>
+                        </m:ctrlPr>
+                      </m:dPr>
+                      <m:e>
+                        <m:func>
+                          <m:funcPr>
+                            <m:ctrlPr>
+                              <a:rPr lang="en-US" i="1">
+                                <a:latin typeface="Cambria Math" panose="02040503050406030204" pitchFamily="18" charset="0"/>
+                              </a:rPr>
+                            </m:ctrlPr>
+                          </m:funcPr>
+                          <m:fName>
+                            <m:sSub>
+                              <m:sSubPr>
+                                <m:ctrlPr>
+                                  <a:rPr lang="en-US" i="1">
+                                    <a:latin typeface="Cambria Math" panose="02040503050406030204" pitchFamily="18" charset="0"/>
+                                  </a:rPr>
+                                </m:ctrlPr>
+                              </m:sSubPr>
+                              <m:e>
+                                <m:r>
+                                  <m:rPr>
+                                    <m:sty m:val="p"/>
+                                  </m:rPr>
+                                  <a:rPr lang="en-US">
+                                    <a:latin typeface="Cambria Math" panose="02040503050406030204" pitchFamily="18" charset="0"/>
+                                  </a:rPr>
+                                  <m:t>log</m:t>
+                                </m:r>
+                              </m:e>
+                              <m:sub>
+                                <m:r>
+                                  <a:rPr lang="en-US" i="1">
+                                    <a:latin typeface="Cambria Math" panose="02040503050406030204" pitchFamily="18" charset="0"/>
+                                  </a:rPr>
+                                  <m:t>2</m:t>
+                                </m:r>
+                              </m:sub>
+                            </m:sSub>
+                          </m:fName>
+                          <m:e>
+                            <m:d>
+                              <m:dPr>
+                                <m:ctrlPr>
+                                  <a:rPr lang="en-US" i="1">
+                                    <a:latin typeface="Cambria Math" panose="02040503050406030204" pitchFamily="18" charset="0"/>
+                                  </a:rPr>
+                                </m:ctrlPr>
+                              </m:dPr>
+                              <m:e>
+                                <m:r>
+                                  <a:rPr lang="en-US" i="1">
+                                    <a:latin typeface="Cambria Math" panose="02040503050406030204" pitchFamily="18" charset="0"/>
+                                  </a:rPr>
+                                  <m:t>𝑛</m:t>
+                                </m:r>
+                              </m:e>
+                            </m:d>
+                            <m:r>
+                              <a:rPr lang="en-US" i="1">
+                                <a:latin typeface="Cambria Math" panose="02040503050406030204" pitchFamily="18" charset="0"/>
+                              </a:rPr>
+                              <m:t>−</m:t>
+                            </m:r>
+                            <m:r>
+                              <a:rPr lang="en-US" b="0" i="1" smtClean="0">
+                                <a:latin typeface="Cambria Math" panose="02040503050406030204" pitchFamily="18" charset="0"/>
+                              </a:rPr>
+                              <m:t>1</m:t>
+                            </m:r>
+                          </m:e>
+                        </m:func>
+                      </m:e>
+                    </m:d>
+                    <m:r>
+                      <a:rPr lang="en-US" i="1">
+                        <a:latin typeface="Cambria Math" panose="02040503050406030204" pitchFamily="18" charset="0"/>
+                      </a:rPr>
+                      <m:t>+</m:t>
+                    </m:r>
+                    <m:r>
+                      <a:rPr lang="en-US" i="1">
+                        <a:latin typeface="Cambria Math" panose="02040503050406030204" pitchFamily="18" charset="0"/>
+                      </a:rPr>
+                      <m:t>𝑛</m:t>
+                    </m:r>
+                  </m:oMath>
+                </a14:m>
+                <a:endParaRPr lang="en-US" b="0" dirty="0"/>
+              </a:p>
+              <a:p>
+                <a:pPr lvl="1"/>
+                <a:r>
+                  <a:rPr lang="en-US" dirty="0"/>
+                  <a:t> </a:t>
+                </a:r>
+                <a14:m>
+                  <m:oMath xmlns:m="http://schemas.openxmlformats.org/officeDocument/2006/math">
+                    <m:r>
+                      <a:rPr lang="en-US" i="1">
+                        <a:latin typeface="Cambria Math" panose="02040503050406030204" pitchFamily="18" charset="0"/>
+                      </a:rPr>
+                      <m:t>𝑇</m:t>
+                    </m:r>
+                    <m:d>
+                      <m:dPr>
+                        <m:ctrlPr>
+                          <a:rPr lang="en-US" i="1">
+                            <a:latin typeface="Cambria Math" panose="02040503050406030204" pitchFamily="18" charset="0"/>
+                          </a:rPr>
+                        </m:ctrlPr>
+                      </m:dPr>
+                      <m:e>
+                        <m:r>
+                          <a:rPr lang="en-US" i="1">
+                            <a:latin typeface="Cambria Math" panose="02040503050406030204" pitchFamily="18" charset="0"/>
+                          </a:rPr>
+                          <m:t>𝑛</m:t>
+                        </m:r>
+                      </m:e>
+                    </m:d>
+                    <m:r>
+                      <a:rPr lang="en-US" i="1">
+                        <a:latin typeface="Cambria Math" panose="02040503050406030204" pitchFamily="18" charset="0"/>
+                      </a:rPr>
+                      <m:t>≤</m:t>
+                    </m:r>
+                    <m:r>
+                      <a:rPr lang="en-US" i="1">
+                        <a:latin typeface="Cambria Math" panose="02040503050406030204" pitchFamily="18" charset="0"/>
+                      </a:rPr>
+                      <m:t>𝑐</m:t>
+                    </m:r>
+                    <m:r>
+                      <a:rPr lang="en-US" b="0" i="1" smtClean="0">
+                        <a:latin typeface="Cambria Math" panose="02040503050406030204" pitchFamily="18" charset="0"/>
+                      </a:rPr>
+                      <m:t>∗</m:t>
+                    </m:r>
+                    <m:r>
+                      <a:rPr lang="en-US" i="1">
+                        <a:latin typeface="Cambria Math" panose="02040503050406030204" pitchFamily="18" charset="0"/>
+                      </a:rPr>
+                      <m:t>𝑛</m:t>
+                    </m:r>
+                    <m:r>
+                      <a:rPr lang="en-US" b="0" i="1" smtClean="0">
+                        <a:latin typeface="Cambria Math" panose="02040503050406030204" pitchFamily="18" charset="0"/>
+                      </a:rPr>
+                      <m:t>∗</m:t>
+                    </m:r>
+                    <m:r>
+                      <a:rPr lang="en-US" i="1">
+                        <a:latin typeface="Cambria Math" panose="02040503050406030204" pitchFamily="18" charset="0"/>
+                      </a:rPr>
+                      <m:t>𝑙𝑜</m:t>
+                    </m:r>
+                    <m:sSub>
+                      <m:sSubPr>
+                        <m:ctrlPr>
+                          <a:rPr lang="en-US" i="1">
+                            <a:latin typeface="Cambria Math" panose="02040503050406030204" pitchFamily="18" charset="0"/>
+                          </a:rPr>
+                        </m:ctrlPr>
+                      </m:sSubPr>
+                      <m:e>
+                        <m:r>
+                          <a:rPr lang="en-US" i="1">
+                            <a:latin typeface="Cambria Math" panose="02040503050406030204" pitchFamily="18" charset="0"/>
+                          </a:rPr>
+                          <m:t>𝑔</m:t>
+                        </m:r>
+                      </m:e>
+                      <m:sub>
+                        <m:r>
+                          <a:rPr lang="en-US" i="1">
+                            <a:latin typeface="Cambria Math" panose="02040503050406030204" pitchFamily="18" charset="0"/>
+                          </a:rPr>
+                          <m:t>2</m:t>
+                        </m:r>
+                      </m:sub>
+                    </m:sSub>
+                    <m:d>
+                      <m:dPr>
+                        <m:ctrlPr>
+                          <a:rPr lang="en-US" i="1">
+                            <a:latin typeface="Cambria Math" panose="02040503050406030204" pitchFamily="18" charset="0"/>
+                          </a:rPr>
+                        </m:ctrlPr>
+                      </m:dPr>
+                      <m:e>
+                        <m:r>
+                          <a:rPr lang="en-US" i="1">
+                            <a:latin typeface="Cambria Math" panose="02040503050406030204" pitchFamily="18" charset="0"/>
+                          </a:rPr>
+                          <m:t>𝑛</m:t>
+                        </m:r>
+                      </m:e>
+                    </m:d>
+                    <m:r>
+                      <a:rPr lang="en-US" i="1">
+                        <a:latin typeface="Cambria Math" panose="02040503050406030204" pitchFamily="18" charset="0"/>
+                      </a:rPr>
+                      <m:t>−</m:t>
+                    </m:r>
+                    <m:r>
+                      <a:rPr lang="en-US" i="1">
+                        <a:latin typeface="Cambria Math" panose="02040503050406030204" pitchFamily="18" charset="0"/>
+                      </a:rPr>
+                      <m:t>𝑐𝑛</m:t>
+                    </m:r>
+                    <m:r>
+                      <a:rPr lang="en-US" i="1">
+                        <a:latin typeface="Cambria Math" panose="02040503050406030204" pitchFamily="18" charset="0"/>
+                      </a:rPr>
+                      <m:t>+</m:t>
+                    </m:r>
+                    <m:r>
+                      <a:rPr lang="en-US" i="1">
+                        <a:latin typeface="Cambria Math" panose="02040503050406030204" pitchFamily="18" charset="0"/>
+                      </a:rPr>
+                      <m:t>𝑛</m:t>
+                    </m:r>
+                    <m:r>
+                      <a:rPr lang="en-US" b="1" i="0" smtClean="0">
+                        <a:latin typeface="Cambria Math" panose="02040503050406030204" pitchFamily="18" charset="0"/>
+                      </a:rPr>
+                      <m:t>≤</m:t>
+                    </m:r>
+                    <m:r>
+                      <a:rPr lang="en-US" b="1" i="0" smtClean="0">
+                        <a:latin typeface="Cambria Math" panose="02040503050406030204" pitchFamily="18" charset="0"/>
+                      </a:rPr>
+                      <m:t>𝐜</m:t>
+                    </m:r>
+                    <m:r>
+                      <a:rPr lang="en-US" b="1" i="0" smtClean="0">
+                        <a:latin typeface="Cambria Math" panose="02040503050406030204" pitchFamily="18" charset="0"/>
+                      </a:rPr>
+                      <m:t>∗</m:t>
+                    </m:r>
+                    <m:r>
+                      <a:rPr lang="en-US" b="1" i="0" smtClean="0">
+                        <a:latin typeface="Cambria Math" panose="02040503050406030204" pitchFamily="18" charset="0"/>
+                      </a:rPr>
+                      <m:t>𝐧</m:t>
+                    </m:r>
+                    <m:r>
+                      <a:rPr lang="en-US" b="1" i="0" smtClean="0">
+                        <a:latin typeface="Cambria Math" panose="02040503050406030204" pitchFamily="18" charset="0"/>
+                      </a:rPr>
+                      <m:t>∗</m:t>
+                    </m:r>
+                    <m:func>
+                      <m:funcPr>
+                        <m:ctrlPr>
+                          <a:rPr lang="en-US" b="1" smtClean="0">
+                            <a:latin typeface="Cambria Math" panose="02040503050406030204" pitchFamily="18" charset="0"/>
+                          </a:rPr>
+                        </m:ctrlPr>
+                      </m:funcPr>
+                      <m:fName>
+                        <m:sSub>
+                          <m:sSubPr>
+                            <m:ctrlPr>
+                              <a:rPr lang="en-US" b="1" smtClean="0">
+                                <a:latin typeface="Cambria Math" panose="02040503050406030204" pitchFamily="18" charset="0"/>
+                              </a:rPr>
+                            </m:ctrlPr>
+                          </m:sSubPr>
+                          <m:e>
+                            <m:r>
+                              <a:rPr lang="en-US" b="1" i="0" smtClean="0">
+                                <a:latin typeface="Cambria Math" panose="02040503050406030204" pitchFamily="18" charset="0"/>
+                              </a:rPr>
+                              <m:t>𝐥𝐨𝐠</m:t>
+                            </m:r>
+                          </m:e>
+                          <m:sub>
+                            <m:r>
+                              <a:rPr lang="en-US" b="1" i="0" smtClean="0">
+                                <a:latin typeface="Cambria Math" panose="02040503050406030204" pitchFamily="18" charset="0"/>
+                              </a:rPr>
+                              <m:t>𝟐</m:t>
+                            </m:r>
+                          </m:sub>
+                        </m:sSub>
+                      </m:fName>
+                      <m:e>
+                        <m:r>
+                          <a:rPr lang="en-US" b="1" i="0" smtClean="0">
+                            <a:latin typeface="Cambria Math" panose="02040503050406030204" pitchFamily="18" charset="0"/>
+                          </a:rPr>
+                          <m:t>(</m:t>
+                        </m:r>
+                        <m:r>
+                          <a:rPr lang="en-US" b="1" i="0" smtClean="0">
+                            <a:latin typeface="Cambria Math" panose="02040503050406030204" pitchFamily="18" charset="0"/>
+                          </a:rPr>
+                          <m:t>𝐧</m:t>
+                        </m:r>
+                        <m:r>
+                          <a:rPr lang="en-US" b="1" i="0" smtClean="0">
+                            <a:latin typeface="Cambria Math" panose="02040503050406030204" pitchFamily="18" charset="0"/>
+                          </a:rPr>
+                          <m:t>)</m:t>
+                        </m:r>
+                      </m:e>
+                    </m:func>
+                  </m:oMath>
+                </a14:m>
+                <a:endParaRPr lang="en-US" b="1" dirty="0"/>
+              </a:p>
+              <a:p>
+                <a:pPr marL="274320" lvl="1" indent="0">
+                  <a:buNone/>
+                </a:pPr>
+                <a:r>
+                  <a:rPr lang="en-US" b="1" dirty="0"/>
+                  <a:t>						//if c  &gt;= 1</a:t>
+                </a:r>
+              </a:p>
+            </p:txBody>
+          </p:sp>
+        </mc:Choice>
+        <mc:Fallback>
+          <p:sp>
+            <p:nvSpPr>
+              <p:cNvPr id="34819" name="Rectangle 3"/>
+              <p:cNvSpPr>
+                <a:spLocks noGrp="1" noRot="1" noChangeAspect="1" noMove="1" noResize="1" noEditPoints="1" noAdjustHandles="1" noChangeArrowheads="1" noChangeShapeType="1" noTextEdit="1"/>
+              </p:cNvSpPr>
+              <p:nvPr>
+                <p:ph sz="quarter" idx="1"/>
+                <p:custDataLst>
+                  <p:tags r:id="rId2"/>
+                </p:custDataLst>
+              </p:nvPr>
+            </p:nvSpPr>
+            <p:spPr>
+              <a:blipFill>
+                <a:blip r:embed="rId4"/>
+                <a:stretch>
+                  <a:fillRect l="-772" t="-1285"/>
+                </a:stretch>
+              </a:blipFill>
+            </p:spPr>
+            <p:txBody>
+              <a:bodyPr/>
+              <a:lstStyle/>
+              <a:p>
+                <a:r>
+                  <a:rPr lang="en-US">
+                    <a:noFill/>
+                  </a:rPr>
+                  <a:t> </a:t>
+                </a:r>
+              </a:p>
+            </p:txBody>
+          </p:sp>
+        </mc:Fallback>
+      </mc:AlternateContent>
+    </p:spTree>
+    <p:extLst>
+      <p:ext uri="{BB962C8B-B14F-4D97-AF65-F5344CB8AC3E}">
+        <p14:creationId xmlns:p14="http://schemas.microsoft.com/office/powerpoint/2010/main" val="1875164096"/>
       </p:ext>
     </p:extLst>
   </p:cSld>
@@ -10256,7 +14031,7 @@
               <a:rPr lang="en-US" i="1" u="sng" dirty="0">
                 <a:sym typeface="Wingdings" pitchFamily="2" charset="2"/>
               </a:rPr>
-              <a:t>sum from 0 to d</a:t>
+              <a:t>sum from 1 to d</a:t>
             </a:r>
             <a:endParaRPr lang="en-US" i="1" u="sng" dirty="0"/>
           </a:p>
@@ -11426,13 +15201,97 @@
 </p:tagLst>
 </file>
 
+<file path=ppt/tags/tag57.xml><?xml version="1.0" encoding="utf-8"?>
+<p:tagLst xmlns:a="http://schemas.openxmlformats.org/drawingml/2006/main" xmlns:r="http://schemas.openxmlformats.org/officeDocument/2006/relationships" xmlns:p="http://schemas.openxmlformats.org/presentationml/2006/main">
+  <p:tag name="_INSTRUCTOR VIEW19C14C36-AC8E-43BC-9DB6-C2AAF774C7DC|PANE__TAG" val="_"/>
+</p:tagLst>
+</file>
+
+<file path=ppt/tags/tag58.xml><?xml version="1.0" encoding="utf-8"?>
+<p:tagLst xmlns:a="http://schemas.openxmlformats.org/drawingml/2006/main" xmlns:r="http://schemas.openxmlformats.org/officeDocument/2006/relationships" xmlns:p="http://schemas.openxmlformats.org/presentationml/2006/main">
+  <p:tag name="_INSTRUCTOR VIEW19C14C36-AC8E-43BC-9DB6-C2AAF774C7DC|PANE__TAG" val="_"/>
+</p:tagLst>
+</file>
+
+<file path=ppt/tags/tag59.xml><?xml version="1.0" encoding="utf-8"?>
+<p:tagLst xmlns:a="http://schemas.openxmlformats.org/drawingml/2006/main" xmlns:r="http://schemas.openxmlformats.org/officeDocument/2006/relationships" xmlns:p="http://schemas.openxmlformats.org/presentationml/2006/main">
+  <p:tag name="_INSTRUCTOR VIEW19C14C36-AC8E-43BC-9DB6-C2AAF774C7DC|PANE__TAG" val="_"/>
+</p:tagLst>
+</file>
+
 <file path=ppt/tags/tag6.xml><?xml version="1.0" encoding="utf-8"?>
 <p:tagLst xmlns:a="http://schemas.openxmlformats.org/drawingml/2006/main" xmlns:r="http://schemas.openxmlformats.org/officeDocument/2006/relationships" xmlns:p="http://schemas.openxmlformats.org/presentationml/2006/main">
   <p:tag name="_INSTRUCTOR VIEW19C14C36-AC8E-43BC-9DB6-C2AAF774C7DC|PANE__TAG" val="_"/>
 </p:tagLst>
 </file>
 
+<file path=ppt/tags/tag60.xml><?xml version="1.0" encoding="utf-8"?>
+<p:tagLst xmlns:a="http://schemas.openxmlformats.org/drawingml/2006/main" xmlns:r="http://schemas.openxmlformats.org/officeDocument/2006/relationships" xmlns:p="http://schemas.openxmlformats.org/presentationml/2006/main">
+  <p:tag name="_INSTRUCTOR VIEW19C14C36-AC8E-43BC-9DB6-C2AAF774C7DC|PANE__TAG" val="_"/>
+</p:tagLst>
+</file>
+
+<file path=ppt/tags/tag61.xml><?xml version="1.0" encoding="utf-8"?>
+<p:tagLst xmlns:a="http://schemas.openxmlformats.org/drawingml/2006/main" xmlns:r="http://schemas.openxmlformats.org/officeDocument/2006/relationships" xmlns:p="http://schemas.openxmlformats.org/presentationml/2006/main">
+  <p:tag name="_INSTRUCTOR VIEW19C14C36-AC8E-43BC-9DB6-C2AAF774C7DC|PANE__TAG" val="_"/>
+</p:tagLst>
+</file>
+
+<file path=ppt/tags/tag62.xml><?xml version="1.0" encoding="utf-8"?>
+<p:tagLst xmlns:a="http://schemas.openxmlformats.org/drawingml/2006/main" xmlns:r="http://schemas.openxmlformats.org/officeDocument/2006/relationships" xmlns:p="http://schemas.openxmlformats.org/presentationml/2006/main">
+  <p:tag name="_INSTRUCTOR VIEW19C14C36-AC8E-43BC-9DB6-C2AAF774C7DC|PANE__TAG" val="_"/>
+</p:tagLst>
+</file>
+
+<file path=ppt/tags/tag63.xml><?xml version="1.0" encoding="utf-8"?>
+<p:tagLst xmlns:a="http://schemas.openxmlformats.org/drawingml/2006/main" xmlns:r="http://schemas.openxmlformats.org/officeDocument/2006/relationships" xmlns:p="http://schemas.openxmlformats.org/presentationml/2006/main">
+  <p:tag name="_INSTRUCTOR VIEW19C14C36-AC8E-43BC-9DB6-C2AAF774C7DC|PANE__TAG" val="_"/>
+</p:tagLst>
+</file>
+
+<file path=ppt/tags/tag64.xml><?xml version="1.0" encoding="utf-8"?>
+<p:tagLst xmlns:a="http://schemas.openxmlformats.org/drawingml/2006/main" xmlns:r="http://schemas.openxmlformats.org/officeDocument/2006/relationships" xmlns:p="http://schemas.openxmlformats.org/presentationml/2006/main">
+  <p:tag name="_INSTRUCTOR VIEW19C14C36-AC8E-43BC-9DB6-C2AAF774C7DC|PANE__TAG" val="_"/>
+</p:tagLst>
+</file>
+
+<file path=ppt/tags/tag65.xml><?xml version="1.0" encoding="utf-8"?>
+<p:tagLst xmlns:a="http://schemas.openxmlformats.org/drawingml/2006/main" xmlns:r="http://schemas.openxmlformats.org/officeDocument/2006/relationships" xmlns:p="http://schemas.openxmlformats.org/presentationml/2006/main">
+  <p:tag name="_INSTRUCTOR VIEW19C14C36-AC8E-43BC-9DB6-C2AAF774C7DC|PANE__TAG" val="_"/>
+</p:tagLst>
+</file>
+
+<file path=ppt/tags/tag66.xml><?xml version="1.0" encoding="utf-8"?>
+<p:tagLst xmlns:a="http://schemas.openxmlformats.org/drawingml/2006/main" xmlns:r="http://schemas.openxmlformats.org/officeDocument/2006/relationships" xmlns:p="http://schemas.openxmlformats.org/presentationml/2006/main">
+  <p:tag name="_INSTRUCTOR VIEW19C14C36-AC8E-43BC-9DB6-C2AAF774C7DC|PANE__TAG" val="_"/>
+</p:tagLst>
+</file>
+
+<file path=ppt/tags/tag67.xml><?xml version="1.0" encoding="utf-8"?>
+<p:tagLst xmlns:a="http://schemas.openxmlformats.org/drawingml/2006/main" xmlns:r="http://schemas.openxmlformats.org/officeDocument/2006/relationships" xmlns:p="http://schemas.openxmlformats.org/presentationml/2006/main">
+  <p:tag name="_INSTRUCTOR VIEW19C14C36-AC8E-43BC-9DB6-C2AAF774C7DC|PANE__TAG" val="_"/>
+</p:tagLst>
+</file>
+
+<file path=ppt/tags/tag68.xml><?xml version="1.0" encoding="utf-8"?>
+<p:tagLst xmlns:a="http://schemas.openxmlformats.org/drawingml/2006/main" xmlns:r="http://schemas.openxmlformats.org/officeDocument/2006/relationships" xmlns:p="http://schemas.openxmlformats.org/presentationml/2006/main">
+  <p:tag name="_INSTRUCTOR VIEW19C14C36-AC8E-43BC-9DB6-C2AAF774C7DC|PANE__TAG" val="_"/>
+</p:tagLst>
+</file>
+
+<file path=ppt/tags/tag69.xml><?xml version="1.0" encoding="utf-8"?>
+<p:tagLst xmlns:a="http://schemas.openxmlformats.org/drawingml/2006/main" xmlns:r="http://schemas.openxmlformats.org/officeDocument/2006/relationships" xmlns:p="http://schemas.openxmlformats.org/presentationml/2006/main">
+  <p:tag name="_INSTRUCTOR VIEW19C14C36-AC8E-43BC-9DB6-C2AAF774C7DC|PANE__TAG" val="_"/>
+</p:tagLst>
+</file>
+
 <file path=ppt/tags/tag7.xml><?xml version="1.0" encoding="utf-8"?>
+<p:tagLst xmlns:a="http://schemas.openxmlformats.org/drawingml/2006/main" xmlns:r="http://schemas.openxmlformats.org/officeDocument/2006/relationships" xmlns:p="http://schemas.openxmlformats.org/presentationml/2006/main">
+  <p:tag name="_INSTRUCTOR VIEW19C14C36-AC8E-43BC-9DB6-C2AAF774C7DC|PANE__TAG" val="_"/>
+</p:tagLst>
+</file>
+
+<file path=ppt/tags/tag70.xml><?xml version="1.0" encoding="utf-8"?>
 <p:tagLst xmlns:a="http://schemas.openxmlformats.org/drawingml/2006/main" xmlns:r="http://schemas.openxmlformats.org/officeDocument/2006/relationships" xmlns:p="http://schemas.openxmlformats.org/presentationml/2006/main">
   <p:tag name="_INSTRUCTOR VIEW19C14C36-AC8E-43BC-9DB6-C2AAF774C7DC|PANE__TAG" val="_"/>
 </p:tagLst>

--- a/slides/recurrences.pptx
+++ b/slides/recurrences.pptx
@@ -5837,6 +5837,328 @@
   <p:clrMapOvr>
     <a:masterClrMapping/>
   </p:clrMapOvr>
+  <p:timing>
+    <p:tnLst>
+      <p:par>
+        <p:cTn id="1" dur="indefinite" restart="never" nodeType="tmRoot">
+          <p:childTnLst>
+            <p:seq concurrent="1" nextAc="seek">
+              <p:cTn id="2" dur="indefinite" nodeType="mainSeq">
+                <p:childTnLst>
+                  <p:par>
+                    <p:cTn id="3" fill="hold">
+                      <p:stCondLst>
+                        <p:cond delay="indefinite"/>
+                      </p:stCondLst>
+                      <p:childTnLst>
+                        <p:par>
+                          <p:cTn id="4" fill="hold">
+                            <p:stCondLst>
+                              <p:cond delay="0"/>
+                            </p:stCondLst>
+                            <p:childTnLst>
+                              <p:par>
+                                <p:cTn id="5" presetID="1" presetClass="entr" presetSubtype="0" fill="hold" grpId="0" nodeType="clickEffect">
+                                  <p:stCondLst>
+                                    <p:cond delay="0"/>
+                                  </p:stCondLst>
+                                  <p:childTnLst>
+                                    <p:set>
+                                      <p:cBhvr>
+                                        <p:cTn id="6" dur="1" fill="hold">
+                                          <p:stCondLst>
+                                            <p:cond delay="0"/>
+                                          </p:stCondLst>
+                                        </p:cTn>
+                                        <p:tgtEl>
+                                          <p:spTgt spid="36867">
+                                            <p:txEl>
+                                              <p:pRg st="0" end="0"/>
+                                            </p:txEl>
+                                          </p:spTgt>
+                                        </p:tgtEl>
+                                        <p:attrNameLst>
+                                          <p:attrName>style.visibility</p:attrName>
+                                        </p:attrNameLst>
+                                      </p:cBhvr>
+                                      <p:to>
+                                        <p:strVal val="visible"/>
+                                      </p:to>
+                                    </p:set>
+                                  </p:childTnLst>
+                                </p:cTn>
+                              </p:par>
+                              <p:par>
+                                <p:cTn id="7" presetID="1" presetClass="entr" presetSubtype="0" fill="hold" grpId="0" nodeType="withEffect">
+                                  <p:stCondLst>
+                                    <p:cond delay="0"/>
+                                  </p:stCondLst>
+                                  <p:childTnLst>
+                                    <p:set>
+                                      <p:cBhvr>
+                                        <p:cTn id="8" dur="1" fill="hold">
+                                          <p:stCondLst>
+                                            <p:cond delay="0"/>
+                                          </p:stCondLst>
+                                        </p:cTn>
+                                        <p:tgtEl>
+                                          <p:spTgt spid="36867">
+                                            <p:txEl>
+                                              <p:pRg st="1" end="1"/>
+                                            </p:txEl>
+                                          </p:spTgt>
+                                        </p:tgtEl>
+                                        <p:attrNameLst>
+                                          <p:attrName>style.visibility</p:attrName>
+                                        </p:attrNameLst>
+                                      </p:cBhvr>
+                                      <p:to>
+                                        <p:strVal val="visible"/>
+                                      </p:to>
+                                    </p:set>
+                                  </p:childTnLst>
+                                </p:cTn>
+                              </p:par>
+                            </p:childTnLst>
+                          </p:cTn>
+                        </p:par>
+                      </p:childTnLst>
+                    </p:cTn>
+                  </p:par>
+                  <p:par>
+                    <p:cTn id="9" fill="hold">
+                      <p:stCondLst>
+                        <p:cond delay="indefinite"/>
+                      </p:stCondLst>
+                      <p:childTnLst>
+                        <p:par>
+                          <p:cTn id="10" fill="hold">
+                            <p:stCondLst>
+                              <p:cond delay="0"/>
+                            </p:stCondLst>
+                            <p:childTnLst>
+                              <p:par>
+                                <p:cTn id="11" presetID="1" presetClass="entr" presetSubtype="0" fill="hold" grpId="0" nodeType="clickEffect">
+                                  <p:stCondLst>
+                                    <p:cond delay="0"/>
+                                  </p:stCondLst>
+                                  <p:childTnLst>
+                                    <p:set>
+                                      <p:cBhvr>
+                                        <p:cTn id="12" dur="1" fill="hold">
+                                          <p:stCondLst>
+                                            <p:cond delay="0"/>
+                                          </p:stCondLst>
+                                        </p:cTn>
+                                        <p:tgtEl>
+                                          <p:spTgt spid="36867">
+                                            <p:txEl>
+                                              <p:pRg st="2" end="2"/>
+                                            </p:txEl>
+                                          </p:spTgt>
+                                        </p:tgtEl>
+                                        <p:attrNameLst>
+                                          <p:attrName>style.visibility</p:attrName>
+                                        </p:attrNameLst>
+                                      </p:cBhvr>
+                                      <p:to>
+                                        <p:strVal val="visible"/>
+                                      </p:to>
+                                    </p:set>
+                                  </p:childTnLst>
+                                </p:cTn>
+                              </p:par>
+                            </p:childTnLst>
+                          </p:cTn>
+                        </p:par>
+                      </p:childTnLst>
+                    </p:cTn>
+                  </p:par>
+                  <p:par>
+                    <p:cTn id="13" fill="hold">
+                      <p:stCondLst>
+                        <p:cond delay="indefinite"/>
+                      </p:stCondLst>
+                      <p:childTnLst>
+                        <p:par>
+                          <p:cTn id="14" fill="hold">
+                            <p:stCondLst>
+                              <p:cond delay="0"/>
+                            </p:stCondLst>
+                            <p:childTnLst>
+                              <p:par>
+                                <p:cTn id="15" presetID="1" presetClass="entr" presetSubtype="0" fill="hold" grpId="0" nodeType="clickEffect">
+                                  <p:stCondLst>
+                                    <p:cond delay="0"/>
+                                  </p:stCondLst>
+                                  <p:childTnLst>
+                                    <p:set>
+                                      <p:cBhvr>
+                                        <p:cTn id="16" dur="1" fill="hold">
+                                          <p:stCondLst>
+                                            <p:cond delay="0"/>
+                                          </p:stCondLst>
+                                        </p:cTn>
+                                        <p:tgtEl>
+                                          <p:spTgt spid="36867">
+                                            <p:txEl>
+                                              <p:pRg st="3" end="3"/>
+                                            </p:txEl>
+                                          </p:spTgt>
+                                        </p:tgtEl>
+                                        <p:attrNameLst>
+                                          <p:attrName>style.visibility</p:attrName>
+                                        </p:attrNameLst>
+                                      </p:cBhvr>
+                                      <p:to>
+                                        <p:strVal val="visible"/>
+                                      </p:to>
+                                    </p:set>
+                                  </p:childTnLst>
+                                </p:cTn>
+                              </p:par>
+                            </p:childTnLst>
+                          </p:cTn>
+                        </p:par>
+                      </p:childTnLst>
+                    </p:cTn>
+                  </p:par>
+                  <p:par>
+                    <p:cTn id="17" fill="hold">
+                      <p:stCondLst>
+                        <p:cond delay="indefinite"/>
+                      </p:stCondLst>
+                      <p:childTnLst>
+                        <p:par>
+                          <p:cTn id="18" fill="hold">
+                            <p:stCondLst>
+                              <p:cond delay="0"/>
+                            </p:stCondLst>
+                            <p:childTnLst>
+                              <p:par>
+                                <p:cTn id="19" presetID="1" presetClass="entr" presetSubtype="0" fill="hold" grpId="0" nodeType="clickEffect">
+                                  <p:stCondLst>
+                                    <p:cond delay="0"/>
+                                  </p:stCondLst>
+                                  <p:childTnLst>
+                                    <p:set>
+                                      <p:cBhvr>
+                                        <p:cTn id="20" dur="1" fill="hold">
+                                          <p:stCondLst>
+                                            <p:cond delay="0"/>
+                                          </p:stCondLst>
+                                        </p:cTn>
+                                        <p:tgtEl>
+                                          <p:spTgt spid="36867">
+                                            <p:txEl>
+                                              <p:pRg st="5" end="5"/>
+                                            </p:txEl>
+                                          </p:spTgt>
+                                        </p:tgtEl>
+                                        <p:attrNameLst>
+                                          <p:attrName>style.visibility</p:attrName>
+                                        </p:attrNameLst>
+                                      </p:cBhvr>
+                                      <p:to>
+                                        <p:strVal val="visible"/>
+                                      </p:to>
+                                    </p:set>
+                                  </p:childTnLst>
+                                </p:cTn>
+                              </p:par>
+                              <p:par>
+                                <p:cTn id="21" presetID="1" presetClass="entr" presetSubtype="0" fill="hold" grpId="0" nodeType="withEffect">
+                                  <p:stCondLst>
+                                    <p:cond delay="0"/>
+                                  </p:stCondLst>
+                                  <p:childTnLst>
+                                    <p:set>
+                                      <p:cBhvr>
+                                        <p:cTn id="22" dur="1" fill="hold">
+                                          <p:stCondLst>
+                                            <p:cond delay="0"/>
+                                          </p:stCondLst>
+                                        </p:cTn>
+                                        <p:tgtEl>
+                                          <p:spTgt spid="36867">
+                                            <p:txEl>
+                                              <p:pRg st="6" end="6"/>
+                                            </p:txEl>
+                                          </p:spTgt>
+                                        </p:tgtEl>
+                                        <p:attrNameLst>
+                                          <p:attrName>style.visibility</p:attrName>
+                                        </p:attrNameLst>
+                                      </p:cBhvr>
+                                      <p:to>
+                                        <p:strVal val="visible"/>
+                                      </p:to>
+                                    </p:set>
+                                  </p:childTnLst>
+                                </p:cTn>
+                              </p:par>
+                              <p:par>
+                                <p:cTn id="23" presetID="1" presetClass="entr" presetSubtype="0" fill="hold" grpId="0" nodeType="withEffect">
+                                  <p:stCondLst>
+                                    <p:cond delay="0"/>
+                                  </p:stCondLst>
+                                  <p:childTnLst>
+                                    <p:set>
+                                      <p:cBhvr>
+                                        <p:cTn id="24" dur="1" fill="hold">
+                                          <p:stCondLst>
+                                            <p:cond delay="0"/>
+                                          </p:stCondLst>
+                                        </p:cTn>
+                                        <p:tgtEl>
+                                          <p:spTgt spid="36867">
+                                            <p:txEl>
+                                              <p:pRg st="7" end="7"/>
+                                            </p:txEl>
+                                          </p:spTgt>
+                                        </p:tgtEl>
+                                        <p:attrNameLst>
+                                          <p:attrName>style.visibility</p:attrName>
+                                        </p:attrNameLst>
+                                      </p:cBhvr>
+                                      <p:to>
+                                        <p:strVal val="visible"/>
+                                      </p:to>
+                                    </p:set>
+                                  </p:childTnLst>
+                                </p:cTn>
+                              </p:par>
+                            </p:childTnLst>
+                          </p:cTn>
+                        </p:par>
+                      </p:childTnLst>
+                    </p:cTn>
+                  </p:par>
+                </p:childTnLst>
+              </p:cTn>
+              <p:prevCondLst>
+                <p:cond evt="onPrev" delay="0">
+                  <p:tgtEl>
+                    <p:sldTgt/>
+                  </p:tgtEl>
+                </p:cond>
+              </p:prevCondLst>
+              <p:nextCondLst>
+                <p:cond evt="onNext" delay="0">
+                  <p:tgtEl>
+                    <p:sldTgt/>
+                  </p:tgtEl>
+                </p:cond>
+              </p:nextCondLst>
+            </p:seq>
+          </p:childTnLst>
+        </p:cTn>
+      </p:par>
+    </p:tnLst>
+    <p:bldLst>
+      <p:bldP spid="36867" grpId="0" uiExpand="1" build="p"/>
+    </p:bldLst>
+  </p:timing>
 </p:sld>
 </file>
 
@@ -5993,6 +6315,346 @@
   <p:clrMapOvr>
     <a:masterClrMapping/>
   </p:clrMapOvr>
+  <p:timing>
+    <p:tnLst>
+      <p:par>
+        <p:cTn id="1" dur="indefinite" restart="never" nodeType="tmRoot">
+          <p:childTnLst>
+            <p:seq concurrent="1" nextAc="seek">
+              <p:cTn id="2" dur="indefinite" nodeType="mainSeq">
+                <p:childTnLst>
+                  <p:par>
+                    <p:cTn id="3" fill="hold">
+                      <p:stCondLst>
+                        <p:cond delay="indefinite"/>
+                      </p:stCondLst>
+                      <p:childTnLst>
+                        <p:par>
+                          <p:cTn id="4" fill="hold">
+                            <p:stCondLst>
+                              <p:cond delay="0"/>
+                            </p:stCondLst>
+                            <p:childTnLst>
+                              <p:par>
+                                <p:cTn id="5" presetID="1" presetClass="entr" presetSubtype="0" fill="hold" grpId="0" nodeType="clickEffect">
+                                  <p:stCondLst>
+                                    <p:cond delay="0"/>
+                                  </p:stCondLst>
+                                  <p:childTnLst>
+                                    <p:set>
+                                      <p:cBhvr>
+                                        <p:cTn id="6" dur="1" fill="hold">
+                                          <p:stCondLst>
+                                            <p:cond delay="0"/>
+                                          </p:stCondLst>
+                                        </p:cTn>
+                                        <p:tgtEl>
+                                          <p:spTgt spid="36867">
+                                            <p:txEl>
+                                              <p:pRg st="0" end="0"/>
+                                            </p:txEl>
+                                          </p:spTgt>
+                                        </p:tgtEl>
+                                        <p:attrNameLst>
+                                          <p:attrName>style.visibility</p:attrName>
+                                        </p:attrNameLst>
+                                      </p:cBhvr>
+                                      <p:to>
+                                        <p:strVal val="visible"/>
+                                      </p:to>
+                                    </p:set>
+                                  </p:childTnLst>
+                                </p:cTn>
+                              </p:par>
+                            </p:childTnLst>
+                          </p:cTn>
+                        </p:par>
+                      </p:childTnLst>
+                    </p:cTn>
+                  </p:par>
+                  <p:par>
+                    <p:cTn id="7" fill="hold">
+                      <p:stCondLst>
+                        <p:cond delay="indefinite"/>
+                      </p:stCondLst>
+                      <p:childTnLst>
+                        <p:par>
+                          <p:cTn id="8" fill="hold">
+                            <p:stCondLst>
+                              <p:cond delay="0"/>
+                            </p:stCondLst>
+                            <p:childTnLst>
+                              <p:par>
+                                <p:cTn id="9" presetID="1" presetClass="entr" presetSubtype="0" fill="hold" grpId="0" nodeType="clickEffect">
+                                  <p:stCondLst>
+                                    <p:cond delay="0"/>
+                                  </p:stCondLst>
+                                  <p:childTnLst>
+                                    <p:set>
+                                      <p:cBhvr>
+                                        <p:cTn id="10" dur="1" fill="hold">
+                                          <p:stCondLst>
+                                            <p:cond delay="0"/>
+                                          </p:stCondLst>
+                                        </p:cTn>
+                                        <p:tgtEl>
+                                          <p:spTgt spid="36867">
+                                            <p:txEl>
+                                              <p:pRg st="1" end="1"/>
+                                            </p:txEl>
+                                          </p:spTgt>
+                                        </p:tgtEl>
+                                        <p:attrNameLst>
+                                          <p:attrName>style.visibility</p:attrName>
+                                        </p:attrNameLst>
+                                      </p:cBhvr>
+                                      <p:to>
+                                        <p:strVal val="visible"/>
+                                      </p:to>
+                                    </p:set>
+                                  </p:childTnLst>
+                                </p:cTn>
+                              </p:par>
+                              <p:par>
+                                <p:cTn id="11" presetID="1" presetClass="entr" presetSubtype="0" fill="hold" grpId="0" nodeType="withEffect">
+                                  <p:stCondLst>
+                                    <p:cond delay="0"/>
+                                  </p:stCondLst>
+                                  <p:childTnLst>
+                                    <p:set>
+                                      <p:cBhvr>
+                                        <p:cTn id="12" dur="1" fill="hold">
+                                          <p:stCondLst>
+                                            <p:cond delay="0"/>
+                                          </p:stCondLst>
+                                        </p:cTn>
+                                        <p:tgtEl>
+                                          <p:spTgt spid="36867">
+                                            <p:txEl>
+                                              <p:pRg st="2" end="2"/>
+                                            </p:txEl>
+                                          </p:spTgt>
+                                        </p:tgtEl>
+                                        <p:attrNameLst>
+                                          <p:attrName>style.visibility</p:attrName>
+                                        </p:attrNameLst>
+                                      </p:cBhvr>
+                                      <p:to>
+                                        <p:strVal val="visible"/>
+                                      </p:to>
+                                    </p:set>
+                                  </p:childTnLst>
+                                </p:cTn>
+                              </p:par>
+                            </p:childTnLst>
+                          </p:cTn>
+                        </p:par>
+                      </p:childTnLst>
+                    </p:cTn>
+                  </p:par>
+                  <p:par>
+                    <p:cTn id="13" fill="hold">
+                      <p:stCondLst>
+                        <p:cond delay="indefinite"/>
+                      </p:stCondLst>
+                      <p:childTnLst>
+                        <p:par>
+                          <p:cTn id="14" fill="hold">
+                            <p:stCondLst>
+                              <p:cond delay="0"/>
+                            </p:stCondLst>
+                            <p:childTnLst>
+                              <p:par>
+                                <p:cTn id="15" presetID="1" presetClass="entr" presetSubtype="0" fill="hold" grpId="0" nodeType="clickEffect">
+                                  <p:stCondLst>
+                                    <p:cond delay="0"/>
+                                  </p:stCondLst>
+                                  <p:childTnLst>
+                                    <p:set>
+                                      <p:cBhvr>
+                                        <p:cTn id="16" dur="1" fill="hold">
+                                          <p:stCondLst>
+                                            <p:cond delay="0"/>
+                                          </p:stCondLst>
+                                        </p:cTn>
+                                        <p:tgtEl>
+                                          <p:spTgt spid="36867">
+                                            <p:txEl>
+                                              <p:pRg st="4" end="4"/>
+                                            </p:txEl>
+                                          </p:spTgt>
+                                        </p:tgtEl>
+                                        <p:attrNameLst>
+                                          <p:attrName>style.visibility</p:attrName>
+                                        </p:attrNameLst>
+                                      </p:cBhvr>
+                                      <p:to>
+                                        <p:strVal val="visible"/>
+                                      </p:to>
+                                    </p:set>
+                                  </p:childTnLst>
+                                </p:cTn>
+                              </p:par>
+                              <p:par>
+                                <p:cTn id="17" presetID="1" presetClass="entr" presetSubtype="0" fill="hold" grpId="0" nodeType="withEffect">
+                                  <p:stCondLst>
+                                    <p:cond delay="0"/>
+                                  </p:stCondLst>
+                                  <p:childTnLst>
+                                    <p:set>
+                                      <p:cBhvr>
+                                        <p:cTn id="18" dur="1" fill="hold">
+                                          <p:stCondLst>
+                                            <p:cond delay="0"/>
+                                          </p:stCondLst>
+                                        </p:cTn>
+                                        <p:tgtEl>
+                                          <p:spTgt spid="36867">
+                                            <p:txEl>
+                                              <p:pRg st="5" end="5"/>
+                                            </p:txEl>
+                                          </p:spTgt>
+                                        </p:tgtEl>
+                                        <p:attrNameLst>
+                                          <p:attrName>style.visibility</p:attrName>
+                                        </p:attrNameLst>
+                                      </p:cBhvr>
+                                      <p:to>
+                                        <p:strVal val="visible"/>
+                                      </p:to>
+                                    </p:set>
+                                  </p:childTnLst>
+                                </p:cTn>
+                              </p:par>
+                            </p:childTnLst>
+                          </p:cTn>
+                        </p:par>
+                      </p:childTnLst>
+                    </p:cTn>
+                  </p:par>
+                  <p:par>
+                    <p:cTn id="19" fill="hold">
+                      <p:stCondLst>
+                        <p:cond delay="indefinite"/>
+                      </p:stCondLst>
+                      <p:childTnLst>
+                        <p:par>
+                          <p:cTn id="20" fill="hold">
+                            <p:stCondLst>
+                              <p:cond delay="0"/>
+                            </p:stCondLst>
+                            <p:childTnLst>
+                              <p:par>
+                                <p:cTn id="21" presetID="1" presetClass="entr" presetSubtype="0" fill="hold" grpId="0" nodeType="clickEffect">
+                                  <p:stCondLst>
+                                    <p:cond delay="0"/>
+                                  </p:stCondLst>
+                                  <p:childTnLst>
+                                    <p:set>
+                                      <p:cBhvr>
+                                        <p:cTn id="22" dur="1" fill="hold">
+                                          <p:stCondLst>
+                                            <p:cond delay="0"/>
+                                          </p:stCondLst>
+                                        </p:cTn>
+                                        <p:tgtEl>
+                                          <p:spTgt spid="36867">
+                                            <p:txEl>
+                                              <p:pRg st="6" end="6"/>
+                                            </p:txEl>
+                                          </p:spTgt>
+                                        </p:tgtEl>
+                                        <p:attrNameLst>
+                                          <p:attrName>style.visibility</p:attrName>
+                                        </p:attrNameLst>
+                                      </p:cBhvr>
+                                      <p:to>
+                                        <p:strVal val="visible"/>
+                                      </p:to>
+                                    </p:set>
+                                  </p:childTnLst>
+                                </p:cTn>
+                              </p:par>
+                            </p:childTnLst>
+                          </p:cTn>
+                        </p:par>
+                      </p:childTnLst>
+                    </p:cTn>
+                  </p:par>
+                  <p:par>
+                    <p:cTn id="23" fill="hold">
+                      <p:stCondLst>
+                        <p:cond delay="indefinite"/>
+                      </p:stCondLst>
+                      <p:childTnLst>
+                        <p:par>
+                          <p:cTn id="24" fill="hold">
+                            <p:stCondLst>
+                              <p:cond delay="0"/>
+                            </p:stCondLst>
+                            <p:childTnLst>
+                              <p:par>
+                                <p:cTn id="25" presetID="1" presetClass="entr" presetSubtype="0" fill="hold" grpId="0" nodeType="clickEffect">
+                                  <p:stCondLst>
+                                    <p:cond delay="0"/>
+                                  </p:stCondLst>
+                                  <p:childTnLst>
+                                    <p:set>
+                                      <p:cBhvr>
+                                        <p:cTn id="26" dur="1" fill="hold">
+                                          <p:stCondLst>
+                                            <p:cond delay="0"/>
+                                          </p:stCondLst>
+                                        </p:cTn>
+                                        <p:tgtEl>
+                                          <p:spTgt spid="36867">
+                                            <p:txEl>
+                                              <p:pRg st="7" end="7"/>
+                                            </p:txEl>
+                                          </p:spTgt>
+                                        </p:tgtEl>
+                                        <p:attrNameLst>
+                                          <p:attrName>style.visibility</p:attrName>
+                                        </p:attrNameLst>
+                                      </p:cBhvr>
+                                      <p:to>
+                                        <p:strVal val="visible"/>
+                                      </p:to>
+                                    </p:set>
+                                  </p:childTnLst>
+                                </p:cTn>
+                              </p:par>
+                            </p:childTnLst>
+                          </p:cTn>
+                        </p:par>
+                      </p:childTnLst>
+                    </p:cTn>
+                  </p:par>
+                </p:childTnLst>
+              </p:cTn>
+              <p:prevCondLst>
+                <p:cond evt="onPrev" delay="0">
+                  <p:tgtEl>
+                    <p:sldTgt/>
+                  </p:tgtEl>
+                </p:cond>
+              </p:prevCondLst>
+              <p:nextCondLst>
+                <p:cond evt="onNext" delay="0">
+                  <p:tgtEl>
+                    <p:sldTgt/>
+                  </p:tgtEl>
+                </p:cond>
+              </p:nextCondLst>
+            </p:seq>
+          </p:childTnLst>
+        </p:cTn>
+      </p:par>
+    </p:tnLst>
+    <p:bldLst>
+      <p:bldP spid="36867" grpId="0" uiExpand="1" build="p"/>
+    </p:bldLst>
+  </p:timing>
 </p:sld>
 </file>
 
@@ -6543,6 +7205,346 @@
   <p:clrMapOvr>
     <a:masterClrMapping/>
   </p:clrMapOvr>
+  <p:timing>
+    <p:tnLst>
+      <p:par>
+        <p:cTn id="1" dur="indefinite" restart="never" nodeType="tmRoot">
+          <p:childTnLst>
+            <p:seq concurrent="1" nextAc="seek">
+              <p:cTn id="2" dur="indefinite" nodeType="mainSeq">
+                <p:childTnLst>
+                  <p:par>
+                    <p:cTn id="3" fill="hold">
+                      <p:stCondLst>
+                        <p:cond delay="indefinite"/>
+                      </p:stCondLst>
+                      <p:childTnLst>
+                        <p:par>
+                          <p:cTn id="4" fill="hold">
+                            <p:stCondLst>
+                              <p:cond delay="0"/>
+                            </p:stCondLst>
+                            <p:childTnLst>
+                              <p:par>
+                                <p:cTn id="5" presetID="1" presetClass="entr" presetSubtype="0" fill="hold" grpId="0" nodeType="clickEffect">
+                                  <p:stCondLst>
+                                    <p:cond delay="0"/>
+                                  </p:stCondLst>
+                                  <p:childTnLst>
+                                    <p:set>
+                                      <p:cBhvr>
+                                        <p:cTn id="6" dur="1" fill="hold">
+                                          <p:stCondLst>
+                                            <p:cond delay="0"/>
+                                          </p:stCondLst>
+                                        </p:cTn>
+                                        <p:tgtEl>
+                                          <p:spTgt spid="36867">
+                                            <p:txEl>
+                                              <p:pRg st="0" end="0"/>
+                                            </p:txEl>
+                                          </p:spTgt>
+                                        </p:tgtEl>
+                                        <p:attrNameLst>
+                                          <p:attrName>style.visibility</p:attrName>
+                                        </p:attrNameLst>
+                                      </p:cBhvr>
+                                      <p:to>
+                                        <p:strVal val="visible"/>
+                                      </p:to>
+                                    </p:set>
+                                  </p:childTnLst>
+                                </p:cTn>
+                              </p:par>
+                              <p:par>
+                                <p:cTn id="7" presetID="1" presetClass="entr" presetSubtype="0" fill="hold" grpId="0" nodeType="withEffect">
+                                  <p:stCondLst>
+                                    <p:cond delay="0"/>
+                                  </p:stCondLst>
+                                  <p:childTnLst>
+                                    <p:set>
+                                      <p:cBhvr>
+                                        <p:cTn id="8" dur="1" fill="hold">
+                                          <p:stCondLst>
+                                            <p:cond delay="0"/>
+                                          </p:stCondLst>
+                                        </p:cTn>
+                                        <p:tgtEl>
+                                          <p:spTgt spid="36867">
+                                            <p:txEl>
+                                              <p:pRg st="1" end="1"/>
+                                            </p:txEl>
+                                          </p:spTgt>
+                                        </p:tgtEl>
+                                        <p:attrNameLst>
+                                          <p:attrName>style.visibility</p:attrName>
+                                        </p:attrNameLst>
+                                      </p:cBhvr>
+                                      <p:to>
+                                        <p:strVal val="visible"/>
+                                      </p:to>
+                                    </p:set>
+                                  </p:childTnLst>
+                                </p:cTn>
+                              </p:par>
+                            </p:childTnLst>
+                          </p:cTn>
+                        </p:par>
+                      </p:childTnLst>
+                    </p:cTn>
+                  </p:par>
+                  <p:par>
+                    <p:cTn id="9" fill="hold">
+                      <p:stCondLst>
+                        <p:cond delay="indefinite"/>
+                      </p:stCondLst>
+                      <p:childTnLst>
+                        <p:par>
+                          <p:cTn id="10" fill="hold">
+                            <p:stCondLst>
+                              <p:cond delay="0"/>
+                            </p:stCondLst>
+                            <p:childTnLst>
+                              <p:par>
+                                <p:cTn id="11" presetID="1" presetClass="entr" presetSubtype="0" fill="hold" grpId="0" nodeType="clickEffect">
+                                  <p:stCondLst>
+                                    <p:cond delay="0"/>
+                                  </p:stCondLst>
+                                  <p:childTnLst>
+                                    <p:set>
+                                      <p:cBhvr>
+                                        <p:cTn id="12" dur="1" fill="hold">
+                                          <p:stCondLst>
+                                            <p:cond delay="0"/>
+                                          </p:stCondLst>
+                                        </p:cTn>
+                                        <p:tgtEl>
+                                          <p:spTgt spid="36867">
+                                            <p:txEl>
+                                              <p:pRg st="2" end="2"/>
+                                            </p:txEl>
+                                          </p:spTgt>
+                                        </p:tgtEl>
+                                        <p:attrNameLst>
+                                          <p:attrName>style.visibility</p:attrName>
+                                        </p:attrNameLst>
+                                      </p:cBhvr>
+                                      <p:to>
+                                        <p:strVal val="visible"/>
+                                      </p:to>
+                                    </p:set>
+                                  </p:childTnLst>
+                                </p:cTn>
+                              </p:par>
+                            </p:childTnLst>
+                          </p:cTn>
+                        </p:par>
+                      </p:childTnLst>
+                    </p:cTn>
+                  </p:par>
+                  <p:par>
+                    <p:cTn id="13" fill="hold">
+                      <p:stCondLst>
+                        <p:cond delay="indefinite"/>
+                      </p:stCondLst>
+                      <p:childTnLst>
+                        <p:par>
+                          <p:cTn id="14" fill="hold">
+                            <p:stCondLst>
+                              <p:cond delay="0"/>
+                            </p:stCondLst>
+                            <p:childTnLst>
+                              <p:par>
+                                <p:cTn id="15" presetID="1" presetClass="entr" presetSubtype="0" fill="hold" grpId="0" nodeType="clickEffect">
+                                  <p:stCondLst>
+                                    <p:cond delay="0"/>
+                                  </p:stCondLst>
+                                  <p:childTnLst>
+                                    <p:set>
+                                      <p:cBhvr>
+                                        <p:cTn id="16" dur="1" fill="hold">
+                                          <p:stCondLst>
+                                            <p:cond delay="0"/>
+                                          </p:stCondLst>
+                                        </p:cTn>
+                                        <p:tgtEl>
+                                          <p:spTgt spid="36867">
+                                            <p:txEl>
+                                              <p:pRg st="3" end="3"/>
+                                            </p:txEl>
+                                          </p:spTgt>
+                                        </p:tgtEl>
+                                        <p:attrNameLst>
+                                          <p:attrName>style.visibility</p:attrName>
+                                        </p:attrNameLst>
+                                      </p:cBhvr>
+                                      <p:to>
+                                        <p:strVal val="visible"/>
+                                      </p:to>
+                                    </p:set>
+                                  </p:childTnLst>
+                                </p:cTn>
+                              </p:par>
+                            </p:childTnLst>
+                          </p:cTn>
+                        </p:par>
+                      </p:childTnLst>
+                    </p:cTn>
+                  </p:par>
+                  <p:par>
+                    <p:cTn id="17" fill="hold">
+                      <p:stCondLst>
+                        <p:cond delay="indefinite"/>
+                      </p:stCondLst>
+                      <p:childTnLst>
+                        <p:par>
+                          <p:cTn id="18" fill="hold">
+                            <p:stCondLst>
+                              <p:cond delay="0"/>
+                            </p:stCondLst>
+                            <p:childTnLst>
+                              <p:par>
+                                <p:cTn id="19" presetID="1" presetClass="entr" presetSubtype="0" fill="hold" grpId="0" nodeType="clickEffect">
+                                  <p:stCondLst>
+                                    <p:cond delay="0"/>
+                                  </p:stCondLst>
+                                  <p:childTnLst>
+                                    <p:set>
+                                      <p:cBhvr>
+                                        <p:cTn id="20" dur="1" fill="hold">
+                                          <p:stCondLst>
+                                            <p:cond delay="0"/>
+                                          </p:stCondLst>
+                                        </p:cTn>
+                                        <p:tgtEl>
+                                          <p:spTgt spid="36867">
+                                            <p:txEl>
+                                              <p:pRg st="5" end="5"/>
+                                            </p:txEl>
+                                          </p:spTgt>
+                                        </p:tgtEl>
+                                        <p:attrNameLst>
+                                          <p:attrName>style.visibility</p:attrName>
+                                        </p:attrNameLst>
+                                      </p:cBhvr>
+                                      <p:to>
+                                        <p:strVal val="visible"/>
+                                      </p:to>
+                                    </p:set>
+                                  </p:childTnLst>
+                                </p:cTn>
+                              </p:par>
+                            </p:childTnLst>
+                          </p:cTn>
+                        </p:par>
+                      </p:childTnLst>
+                    </p:cTn>
+                  </p:par>
+                  <p:par>
+                    <p:cTn id="21" fill="hold">
+                      <p:stCondLst>
+                        <p:cond delay="indefinite"/>
+                      </p:stCondLst>
+                      <p:childTnLst>
+                        <p:par>
+                          <p:cTn id="22" fill="hold">
+                            <p:stCondLst>
+                              <p:cond delay="0"/>
+                            </p:stCondLst>
+                            <p:childTnLst>
+                              <p:par>
+                                <p:cTn id="23" presetID="1" presetClass="entr" presetSubtype="0" fill="hold" grpId="0" nodeType="clickEffect">
+                                  <p:stCondLst>
+                                    <p:cond delay="0"/>
+                                  </p:stCondLst>
+                                  <p:childTnLst>
+                                    <p:set>
+                                      <p:cBhvr>
+                                        <p:cTn id="24" dur="1" fill="hold">
+                                          <p:stCondLst>
+                                            <p:cond delay="0"/>
+                                          </p:stCondLst>
+                                        </p:cTn>
+                                        <p:tgtEl>
+                                          <p:spTgt spid="36867">
+                                            <p:txEl>
+                                              <p:pRg st="6" end="6"/>
+                                            </p:txEl>
+                                          </p:spTgt>
+                                        </p:tgtEl>
+                                        <p:attrNameLst>
+                                          <p:attrName>style.visibility</p:attrName>
+                                        </p:attrNameLst>
+                                      </p:cBhvr>
+                                      <p:to>
+                                        <p:strVal val="visible"/>
+                                      </p:to>
+                                    </p:set>
+                                  </p:childTnLst>
+                                </p:cTn>
+                              </p:par>
+                              <p:par>
+                                <p:cTn id="25" presetID="1" presetClass="entr" presetSubtype="0" fill="hold" grpId="0" nodeType="withEffect">
+                                  <p:stCondLst>
+                                    <p:cond delay="0"/>
+                                  </p:stCondLst>
+                                  <p:childTnLst>
+                                    <p:set>
+                                      <p:cBhvr>
+                                        <p:cTn id="26" dur="1" fill="hold">
+                                          <p:stCondLst>
+                                            <p:cond delay="0"/>
+                                          </p:stCondLst>
+                                        </p:cTn>
+                                        <p:tgtEl>
+                                          <p:spTgt spid="36867">
+                                            <p:txEl>
+                                              <p:pRg st="7" end="7"/>
+                                            </p:txEl>
+                                          </p:spTgt>
+                                        </p:tgtEl>
+                                        <p:attrNameLst>
+                                          <p:attrName>style.visibility</p:attrName>
+                                        </p:attrNameLst>
+                                      </p:cBhvr>
+                                      <p:to>
+                                        <p:strVal val="visible"/>
+                                      </p:to>
+                                    </p:set>
+                                  </p:childTnLst>
+                                </p:cTn>
+                              </p:par>
+                            </p:childTnLst>
+                          </p:cTn>
+                        </p:par>
+                      </p:childTnLst>
+                    </p:cTn>
+                  </p:par>
+                </p:childTnLst>
+              </p:cTn>
+              <p:prevCondLst>
+                <p:cond evt="onPrev" delay="0">
+                  <p:tgtEl>
+                    <p:sldTgt/>
+                  </p:tgtEl>
+                </p:cond>
+              </p:prevCondLst>
+              <p:nextCondLst>
+                <p:cond evt="onNext" delay="0">
+                  <p:tgtEl>
+                    <p:sldTgt/>
+                  </p:tgtEl>
+                </p:cond>
+              </p:nextCondLst>
+            </p:seq>
+          </p:childTnLst>
+        </p:cTn>
+      </p:par>
+    </p:tnLst>
+    <p:bldLst>
+      <p:bldP spid="36867" grpId="0" uiExpand="1" build="p"/>
+    </p:bldLst>
+  </p:timing>
 </p:sld>
 </file>
 
@@ -6678,7 +7680,7 @@
           <a:graphicData uri="http://schemas.openxmlformats.org/presentationml/2006/ole">
             <mc:AlternateContent xmlns:mc="http://schemas.openxmlformats.org/markup-compatibility/2006">
               <mc:Choice xmlns:v="urn:schemas-microsoft-com:vml" Requires="v">
-                <p:oleObj spid="_x0000_s39015" name="Photo Editor Photo" r:id="rId6" imgW="7658764" imgH="4031329" progId="">
+                <p:oleObj spid="_x0000_s39017" name="Photo Editor Photo" r:id="rId6" imgW="7658764" imgH="4031329" progId="">
                   <p:embed/>
                 </p:oleObj>
               </mc:Choice>
@@ -10159,6 +11161,382 @@
   <p:clrMapOvr>
     <a:masterClrMapping/>
   </p:clrMapOvr>
+  <p:timing>
+    <p:tnLst>
+      <p:par>
+        <p:cTn id="1" dur="indefinite" restart="never" nodeType="tmRoot">
+          <p:childTnLst>
+            <p:seq concurrent="1" nextAc="seek">
+              <p:cTn id="2" dur="indefinite" nodeType="mainSeq">
+                <p:childTnLst>
+                  <p:par>
+                    <p:cTn id="3" fill="hold">
+                      <p:stCondLst>
+                        <p:cond delay="indefinite"/>
+                      </p:stCondLst>
+                      <p:childTnLst>
+                        <p:par>
+                          <p:cTn id="4" fill="hold">
+                            <p:stCondLst>
+                              <p:cond delay="0"/>
+                            </p:stCondLst>
+                            <p:childTnLst>
+                              <p:par>
+                                <p:cTn id="5" presetID="1" presetClass="entr" presetSubtype="0" fill="hold" grpId="0" nodeType="clickEffect">
+                                  <p:stCondLst>
+                                    <p:cond delay="0"/>
+                                  </p:stCondLst>
+                                  <p:childTnLst>
+                                    <p:set>
+                                      <p:cBhvr>
+                                        <p:cTn id="6" dur="1" fill="hold">
+                                          <p:stCondLst>
+                                            <p:cond delay="0"/>
+                                          </p:stCondLst>
+                                        </p:cTn>
+                                        <p:tgtEl>
+                                          <p:spTgt spid="34819">
+                                            <p:txEl>
+                                              <p:pRg st="0" end="0"/>
+                                            </p:txEl>
+                                          </p:spTgt>
+                                        </p:tgtEl>
+                                        <p:attrNameLst>
+                                          <p:attrName>style.visibility</p:attrName>
+                                        </p:attrNameLst>
+                                      </p:cBhvr>
+                                      <p:to>
+                                        <p:strVal val="visible"/>
+                                      </p:to>
+                                    </p:set>
+                                  </p:childTnLst>
+                                </p:cTn>
+                              </p:par>
+                            </p:childTnLst>
+                          </p:cTn>
+                        </p:par>
+                      </p:childTnLst>
+                    </p:cTn>
+                  </p:par>
+                  <p:par>
+                    <p:cTn id="7" fill="hold">
+                      <p:stCondLst>
+                        <p:cond delay="indefinite"/>
+                      </p:stCondLst>
+                      <p:childTnLst>
+                        <p:par>
+                          <p:cTn id="8" fill="hold">
+                            <p:stCondLst>
+                              <p:cond delay="0"/>
+                            </p:stCondLst>
+                            <p:childTnLst>
+                              <p:par>
+                                <p:cTn id="9" presetID="1" presetClass="entr" presetSubtype="0" fill="hold" grpId="0" nodeType="clickEffect">
+                                  <p:stCondLst>
+                                    <p:cond delay="0"/>
+                                  </p:stCondLst>
+                                  <p:childTnLst>
+                                    <p:set>
+                                      <p:cBhvr>
+                                        <p:cTn id="10" dur="1" fill="hold">
+                                          <p:stCondLst>
+                                            <p:cond delay="0"/>
+                                          </p:stCondLst>
+                                        </p:cTn>
+                                        <p:tgtEl>
+                                          <p:spTgt spid="34819">
+                                            <p:txEl>
+                                              <p:pRg st="2" end="2"/>
+                                            </p:txEl>
+                                          </p:spTgt>
+                                        </p:tgtEl>
+                                        <p:attrNameLst>
+                                          <p:attrName>style.visibility</p:attrName>
+                                        </p:attrNameLst>
+                                      </p:cBhvr>
+                                      <p:to>
+                                        <p:strVal val="visible"/>
+                                      </p:to>
+                                    </p:set>
+                                  </p:childTnLst>
+                                </p:cTn>
+                              </p:par>
+                            </p:childTnLst>
+                          </p:cTn>
+                        </p:par>
+                      </p:childTnLst>
+                    </p:cTn>
+                  </p:par>
+                  <p:par>
+                    <p:cTn id="11" fill="hold">
+                      <p:stCondLst>
+                        <p:cond delay="indefinite"/>
+                      </p:stCondLst>
+                      <p:childTnLst>
+                        <p:par>
+                          <p:cTn id="12" fill="hold">
+                            <p:stCondLst>
+                              <p:cond delay="0"/>
+                            </p:stCondLst>
+                            <p:childTnLst>
+                              <p:par>
+                                <p:cTn id="13" presetID="1" presetClass="entr" presetSubtype="0" fill="hold" grpId="0" nodeType="clickEffect">
+                                  <p:stCondLst>
+                                    <p:cond delay="0"/>
+                                  </p:stCondLst>
+                                  <p:childTnLst>
+                                    <p:set>
+                                      <p:cBhvr>
+                                        <p:cTn id="14" dur="1" fill="hold">
+                                          <p:stCondLst>
+                                            <p:cond delay="0"/>
+                                          </p:stCondLst>
+                                        </p:cTn>
+                                        <p:tgtEl>
+                                          <p:spTgt spid="34819">
+                                            <p:txEl>
+                                              <p:pRg st="3" end="3"/>
+                                            </p:txEl>
+                                          </p:spTgt>
+                                        </p:tgtEl>
+                                        <p:attrNameLst>
+                                          <p:attrName>style.visibility</p:attrName>
+                                        </p:attrNameLst>
+                                      </p:cBhvr>
+                                      <p:to>
+                                        <p:strVal val="visible"/>
+                                      </p:to>
+                                    </p:set>
+                                  </p:childTnLst>
+                                </p:cTn>
+                              </p:par>
+                            </p:childTnLst>
+                          </p:cTn>
+                        </p:par>
+                      </p:childTnLst>
+                    </p:cTn>
+                  </p:par>
+                  <p:par>
+                    <p:cTn id="15" fill="hold">
+                      <p:stCondLst>
+                        <p:cond delay="indefinite"/>
+                      </p:stCondLst>
+                      <p:childTnLst>
+                        <p:par>
+                          <p:cTn id="16" fill="hold">
+                            <p:stCondLst>
+                              <p:cond delay="0"/>
+                            </p:stCondLst>
+                            <p:childTnLst>
+                              <p:par>
+                                <p:cTn id="17" presetID="1" presetClass="entr" presetSubtype="0" fill="hold" grpId="0" nodeType="clickEffect">
+                                  <p:stCondLst>
+                                    <p:cond delay="0"/>
+                                  </p:stCondLst>
+                                  <p:childTnLst>
+                                    <p:set>
+                                      <p:cBhvr>
+                                        <p:cTn id="18" dur="1" fill="hold">
+                                          <p:stCondLst>
+                                            <p:cond delay="0"/>
+                                          </p:stCondLst>
+                                        </p:cTn>
+                                        <p:tgtEl>
+                                          <p:spTgt spid="34819">
+                                            <p:txEl>
+                                              <p:pRg st="5" end="5"/>
+                                            </p:txEl>
+                                          </p:spTgt>
+                                        </p:tgtEl>
+                                        <p:attrNameLst>
+                                          <p:attrName>style.visibility</p:attrName>
+                                        </p:attrNameLst>
+                                      </p:cBhvr>
+                                      <p:to>
+                                        <p:strVal val="visible"/>
+                                      </p:to>
+                                    </p:set>
+                                  </p:childTnLst>
+                                </p:cTn>
+                              </p:par>
+                            </p:childTnLst>
+                          </p:cTn>
+                        </p:par>
+                      </p:childTnLst>
+                    </p:cTn>
+                  </p:par>
+                  <p:par>
+                    <p:cTn id="19" fill="hold">
+                      <p:stCondLst>
+                        <p:cond delay="indefinite"/>
+                      </p:stCondLst>
+                      <p:childTnLst>
+                        <p:par>
+                          <p:cTn id="20" fill="hold">
+                            <p:stCondLst>
+                              <p:cond delay="0"/>
+                            </p:stCondLst>
+                            <p:childTnLst>
+                              <p:par>
+                                <p:cTn id="21" presetID="1" presetClass="entr" presetSubtype="0" fill="hold" grpId="0" nodeType="clickEffect">
+                                  <p:stCondLst>
+                                    <p:cond delay="0"/>
+                                  </p:stCondLst>
+                                  <p:childTnLst>
+                                    <p:set>
+                                      <p:cBhvr>
+                                        <p:cTn id="22" dur="1" fill="hold">
+                                          <p:stCondLst>
+                                            <p:cond delay="0"/>
+                                          </p:stCondLst>
+                                        </p:cTn>
+                                        <p:tgtEl>
+                                          <p:spTgt spid="34819">
+                                            <p:txEl>
+                                              <p:pRg st="6" end="6"/>
+                                            </p:txEl>
+                                          </p:spTgt>
+                                        </p:tgtEl>
+                                        <p:attrNameLst>
+                                          <p:attrName>style.visibility</p:attrName>
+                                        </p:attrNameLst>
+                                      </p:cBhvr>
+                                      <p:to>
+                                        <p:strVal val="visible"/>
+                                      </p:to>
+                                    </p:set>
+                                  </p:childTnLst>
+                                </p:cTn>
+                              </p:par>
+                            </p:childTnLst>
+                          </p:cTn>
+                        </p:par>
+                      </p:childTnLst>
+                    </p:cTn>
+                  </p:par>
+                  <p:par>
+                    <p:cTn id="23" fill="hold">
+                      <p:stCondLst>
+                        <p:cond delay="indefinite"/>
+                      </p:stCondLst>
+                      <p:childTnLst>
+                        <p:par>
+                          <p:cTn id="24" fill="hold">
+                            <p:stCondLst>
+                              <p:cond delay="0"/>
+                            </p:stCondLst>
+                            <p:childTnLst>
+                              <p:par>
+                                <p:cTn id="25" presetID="1" presetClass="entr" presetSubtype="0" fill="hold" grpId="0" nodeType="clickEffect">
+                                  <p:stCondLst>
+                                    <p:cond delay="0"/>
+                                  </p:stCondLst>
+                                  <p:childTnLst>
+                                    <p:set>
+                                      <p:cBhvr>
+                                        <p:cTn id="26" dur="1" fill="hold">
+                                          <p:stCondLst>
+                                            <p:cond delay="0"/>
+                                          </p:stCondLst>
+                                        </p:cTn>
+                                        <p:tgtEl>
+                                          <p:spTgt spid="34819">
+                                            <p:txEl>
+                                              <p:pRg st="8" end="8"/>
+                                            </p:txEl>
+                                          </p:spTgt>
+                                        </p:tgtEl>
+                                        <p:attrNameLst>
+                                          <p:attrName>style.visibility</p:attrName>
+                                        </p:attrNameLst>
+                                      </p:cBhvr>
+                                      <p:to>
+                                        <p:strVal val="visible"/>
+                                      </p:to>
+                                    </p:set>
+                                  </p:childTnLst>
+                                </p:cTn>
+                              </p:par>
+                            </p:childTnLst>
+                          </p:cTn>
+                        </p:par>
+                      </p:childTnLst>
+                    </p:cTn>
+                  </p:par>
+                  <p:par>
+                    <p:cTn id="27" fill="hold">
+                      <p:stCondLst>
+                        <p:cond delay="indefinite"/>
+                      </p:stCondLst>
+                      <p:childTnLst>
+                        <p:par>
+                          <p:cTn id="28" fill="hold">
+                            <p:stCondLst>
+                              <p:cond delay="0"/>
+                            </p:stCondLst>
+                            <p:childTnLst>
+                              <p:par>
+                                <p:cTn id="29" presetID="1" presetClass="entr" presetSubtype="0" fill="hold" grpId="0" nodeType="clickEffect">
+                                  <p:stCondLst>
+                                    <p:cond delay="0"/>
+                                  </p:stCondLst>
+                                  <p:childTnLst>
+                                    <p:set>
+                                      <p:cBhvr>
+                                        <p:cTn id="30" dur="1" fill="hold">
+                                          <p:stCondLst>
+                                            <p:cond delay="0"/>
+                                          </p:stCondLst>
+                                        </p:cTn>
+                                        <p:tgtEl>
+                                          <p:spTgt spid="34819">
+                                            <p:txEl>
+                                              <p:pRg st="9" end="9"/>
+                                            </p:txEl>
+                                          </p:spTgt>
+                                        </p:tgtEl>
+                                        <p:attrNameLst>
+                                          <p:attrName>style.visibility</p:attrName>
+                                        </p:attrNameLst>
+                                      </p:cBhvr>
+                                      <p:to>
+                                        <p:strVal val="visible"/>
+                                      </p:to>
+                                    </p:set>
+                                  </p:childTnLst>
+                                </p:cTn>
+                              </p:par>
+                            </p:childTnLst>
+                          </p:cTn>
+                        </p:par>
+                      </p:childTnLst>
+                    </p:cTn>
+                  </p:par>
+                </p:childTnLst>
+              </p:cTn>
+              <p:prevCondLst>
+                <p:cond evt="onPrev" delay="0">
+                  <p:tgtEl>
+                    <p:sldTgt/>
+                  </p:tgtEl>
+                </p:cond>
+              </p:prevCondLst>
+              <p:nextCondLst>
+                <p:cond evt="onNext" delay="0">
+                  <p:tgtEl>
+                    <p:sldTgt/>
+                  </p:tgtEl>
+                </p:cond>
+              </p:nextCondLst>
+            </p:seq>
+          </p:childTnLst>
+        </p:cTn>
+      </p:par>
+    </p:tnLst>
+    <p:bldLst>
+      <p:bldP spid="34819" grpId="0" uiExpand="1" build="p"/>
+    </p:bldLst>
+  </p:timing>
 </p:sld>
 </file>
 
@@ -10483,6 +11861,284 @@
   <p:clrMapOvr>
     <a:masterClrMapping/>
   </p:clrMapOvr>
+  <p:timing>
+    <p:tnLst>
+      <p:par>
+        <p:cTn id="1" dur="indefinite" restart="never" nodeType="tmRoot">
+          <p:childTnLst>
+            <p:seq concurrent="1" nextAc="seek">
+              <p:cTn id="2" dur="indefinite" nodeType="mainSeq">
+                <p:childTnLst>
+                  <p:par>
+                    <p:cTn id="3" fill="hold">
+                      <p:stCondLst>
+                        <p:cond delay="indefinite"/>
+                      </p:stCondLst>
+                      <p:childTnLst>
+                        <p:par>
+                          <p:cTn id="4" fill="hold">
+                            <p:stCondLst>
+                              <p:cond delay="0"/>
+                            </p:stCondLst>
+                            <p:childTnLst>
+                              <p:par>
+                                <p:cTn id="5" presetID="1" presetClass="entr" presetSubtype="0" fill="hold" grpId="0" nodeType="clickEffect">
+                                  <p:stCondLst>
+                                    <p:cond delay="0"/>
+                                  </p:stCondLst>
+                                  <p:childTnLst>
+                                    <p:set>
+                                      <p:cBhvr>
+                                        <p:cTn id="6" dur="1" fill="hold">
+                                          <p:stCondLst>
+                                            <p:cond delay="0"/>
+                                          </p:stCondLst>
+                                        </p:cTn>
+                                        <p:tgtEl>
+                                          <p:spTgt spid="34819">
+                                            <p:txEl>
+                                              <p:pRg st="0" end="0"/>
+                                            </p:txEl>
+                                          </p:spTgt>
+                                        </p:tgtEl>
+                                        <p:attrNameLst>
+                                          <p:attrName>style.visibility</p:attrName>
+                                        </p:attrNameLst>
+                                      </p:cBhvr>
+                                      <p:to>
+                                        <p:strVal val="visible"/>
+                                      </p:to>
+                                    </p:set>
+                                  </p:childTnLst>
+                                </p:cTn>
+                              </p:par>
+                            </p:childTnLst>
+                          </p:cTn>
+                        </p:par>
+                      </p:childTnLst>
+                    </p:cTn>
+                  </p:par>
+                  <p:par>
+                    <p:cTn id="7" fill="hold">
+                      <p:stCondLst>
+                        <p:cond delay="indefinite"/>
+                      </p:stCondLst>
+                      <p:childTnLst>
+                        <p:par>
+                          <p:cTn id="8" fill="hold">
+                            <p:stCondLst>
+                              <p:cond delay="0"/>
+                            </p:stCondLst>
+                            <p:childTnLst>
+                              <p:par>
+                                <p:cTn id="9" presetID="1" presetClass="entr" presetSubtype="0" fill="hold" grpId="0" nodeType="clickEffect">
+                                  <p:stCondLst>
+                                    <p:cond delay="0"/>
+                                  </p:stCondLst>
+                                  <p:childTnLst>
+                                    <p:set>
+                                      <p:cBhvr>
+                                        <p:cTn id="10" dur="1" fill="hold">
+                                          <p:stCondLst>
+                                            <p:cond delay="0"/>
+                                          </p:stCondLst>
+                                        </p:cTn>
+                                        <p:tgtEl>
+                                          <p:spTgt spid="34819">
+                                            <p:txEl>
+                                              <p:pRg st="1" end="1"/>
+                                            </p:txEl>
+                                          </p:spTgt>
+                                        </p:tgtEl>
+                                        <p:attrNameLst>
+                                          <p:attrName>style.visibility</p:attrName>
+                                        </p:attrNameLst>
+                                      </p:cBhvr>
+                                      <p:to>
+                                        <p:strVal val="visible"/>
+                                      </p:to>
+                                    </p:set>
+                                  </p:childTnLst>
+                                </p:cTn>
+                              </p:par>
+                            </p:childTnLst>
+                          </p:cTn>
+                        </p:par>
+                      </p:childTnLst>
+                    </p:cTn>
+                  </p:par>
+                  <p:par>
+                    <p:cTn id="11" fill="hold">
+                      <p:stCondLst>
+                        <p:cond delay="indefinite"/>
+                      </p:stCondLst>
+                      <p:childTnLst>
+                        <p:par>
+                          <p:cTn id="12" fill="hold">
+                            <p:stCondLst>
+                              <p:cond delay="0"/>
+                            </p:stCondLst>
+                            <p:childTnLst>
+                              <p:par>
+                                <p:cTn id="13" presetID="1" presetClass="entr" presetSubtype="0" fill="hold" grpId="0" nodeType="clickEffect">
+                                  <p:stCondLst>
+                                    <p:cond delay="0"/>
+                                  </p:stCondLst>
+                                  <p:childTnLst>
+                                    <p:set>
+                                      <p:cBhvr>
+                                        <p:cTn id="14" dur="1" fill="hold">
+                                          <p:stCondLst>
+                                            <p:cond delay="0"/>
+                                          </p:stCondLst>
+                                        </p:cTn>
+                                        <p:tgtEl>
+                                          <p:spTgt spid="34819">
+                                            <p:txEl>
+                                              <p:pRg st="2" end="2"/>
+                                            </p:txEl>
+                                          </p:spTgt>
+                                        </p:tgtEl>
+                                        <p:attrNameLst>
+                                          <p:attrName>style.visibility</p:attrName>
+                                        </p:attrNameLst>
+                                      </p:cBhvr>
+                                      <p:to>
+                                        <p:strVal val="visible"/>
+                                      </p:to>
+                                    </p:set>
+                                  </p:childTnLst>
+                                </p:cTn>
+                              </p:par>
+                            </p:childTnLst>
+                          </p:cTn>
+                        </p:par>
+                      </p:childTnLst>
+                    </p:cTn>
+                  </p:par>
+                  <p:par>
+                    <p:cTn id="15" fill="hold">
+                      <p:stCondLst>
+                        <p:cond delay="indefinite"/>
+                      </p:stCondLst>
+                      <p:childTnLst>
+                        <p:par>
+                          <p:cTn id="16" fill="hold">
+                            <p:stCondLst>
+                              <p:cond delay="0"/>
+                            </p:stCondLst>
+                            <p:childTnLst>
+                              <p:par>
+                                <p:cTn id="17" presetID="1" presetClass="entr" presetSubtype="0" fill="hold" grpId="0" nodeType="clickEffect">
+                                  <p:stCondLst>
+                                    <p:cond delay="0"/>
+                                  </p:stCondLst>
+                                  <p:childTnLst>
+                                    <p:set>
+                                      <p:cBhvr>
+                                        <p:cTn id="18" dur="1" fill="hold">
+                                          <p:stCondLst>
+                                            <p:cond delay="0"/>
+                                          </p:stCondLst>
+                                        </p:cTn>
+                                        <p:tgtEl>
+                                          <p:spTgt spid="34819">
+                                            <p:txEl>
+                                              <p:pRg st="3" end="3"/>
+                                            </p:txEl>
+                                          </p:spTgt>
+                                        </p:tgtEl>
+                                        <p:attrNameLst>
+                                          <p:attrName>style.visibility</p:attrName>
+                                        </p:attrNameLst>
+                                      </p:cBhvr>
+                                      <p:to>
+                                        <p:strVal val="visible"/>
+                                      </p:to>
+                                    </p:set>
+                                  </p:childTnLst>
+                                </p:cTn>
+                              </p:par>
+                            </p:childTnLst>
+                          </p:cTn>
+                        </p:par>
+                      </p:childTnLst>
+                    </p:cTn>
+                  </p:par>
+                  <p:par>
+                    <p:cTn id="19" fill="hold">
+                      <p:stCondLst>
+                        <p:cond delay="indefinite"/>
+                      </p:stCondLst>
+                      <p:childTnLst>
+                        <p:par>
+                          <p:cTn id="20" fill="hold">
+                            <p:stCondLst>
+                              <p:cond delay="0"/>
+                            </p:stCondLst>
+                            <p:childTnLst>
+                              <p:par>
+                                <p:cTn id="21" presetID="1" presetClass="entr" presetSubtype="0" fill="hold" grpId="0" nodeType="clickEffect">
+                                  <p:stCondLst>
+                                    <p:cond delay="0"/>
+                                  </p:stCondLst>
+                                  <p:childTnLst>
+                                    <p:set>
+                                      <p:cBhvr>
+                                        <p:cTn id="22" dur="1" fill="hold">
+                                          <p:stCondLst>
+                                            <p:cond delay="0"/>
+                                          </p:stCondLst>
+                                        </p:cTn>
+                                        <p:tgtEl>
+                                          <p:spTgt spid="34819">
+                                            <p:txEl>
+                                              <p:pRg st="5" end="5"/>
+                                            </p:txEl>
+                                          </p:spTgt>
+                                        </p:tgtEl>
+                                        <p:attrNameLst>
+                                          <p:attrName>style.visibility</p:attrName>
+                                        </p:attrNameLst>
+                                      </p:cBhvr>
+                                      <p:to>
+                                        <p:strVal val="visible"/>
+                                      </p:to>
+                                    </p:set>
+                                  </p:childTnLst>
+                                </p:cTn>
+                              </p:par>
+                            </p:childTnLst>
+                          </p:cTn>
+                        </p:par>
+                      </p:childTnLst>
+                    </p:cTn>
+                  </p:par>
+                </p:childTnLst>
+              </p:cTn>
+              <p:prevCondLst>
+                <p:cond evt="onPrev" delay="0">
+                  <p:tgtEl>
+                    <p:sldTgt/>
+                  </p:tgtEl>
+                </p:cond>
+              </p:prevCondLst>
+              <p:nextCondLst>
+                <p:cond evt="onNext" delay="0">
+                  <p:tgtEl>
+                    <p:sldTgt/>
+                  </p:tgtEl>
+                </p:cond>
+              </p:nextCondLst>
+            </p:seq>
+          </p:childTnLst>
+        </p:cTn>
+      </p:par>
+    </p:tnLst>
+    <p:bldLst>
+      <p:bldP spid="34819" grpId="0" uiExpand="1" build="p"/>
+    </p:bldLst>
+  </p:timing>
 </p:sld>
 </file>
 
@@ -11650,6 +13306,431 @@
   <p:clrMapOvr>
     <a:masterClrMapping/>
   </p:clrMapOvr>
+  <p:timing>
+    <p:tnLst>
+      <p:par>
+        <p:cTn id="1" dur="indefinite" restart="never" nodeType="tmRoot">
+          <p:childTnLst>
+            <p:seq concurrent="1" nextAc="seek">
+              <p:cTn id="2" dur="indefinite" nodeType="mainSeq">
+                <p:childTnLst>
+                  <p:par>
+                    <p:cTn id="3" fill="hold">
+                      <p:stCondLst>
+                        <p:cond delay="indefinite"/>
+                      </p:stCondLst>
+                      <p:childTnLst>
+                        <p:par>
+                          <p:cTn id="4" fill="hold">
+                            <p:stCondLst>
+                              <p:cond delay="0"/>
+                            </p:stCondLst>
+                            <p:childTnLst>
+                              <p:par>
+                                <p:cTn id="5" presetID="1" presetClass="entr" presetSubtype="0" fill="hold" grpId="0" nodeType="clickEffect">
+                                  <p:stCondLst>
+                                    <p:cond delay="0"/>
+                                  </p:stCondLst>
+                                  <p:childTnLst>
+                                    <p:set>
+                                      <p:cBhvr>
+                                        <p:cTn id="6" dur="1" fill="hold">
+                                          <p:stCondLst>
+                                            <p:cond delay="0"/>
+                                          </p:stCondLst>
+                                        </p:cTn>
+                                        <p:tgtEl>
+                                          <p:spTgt spid="34819">
+                                            <p:txEl>
+                                              <p:pRg st="0" end="0"/>
+                                            </p:txEl>
+                                          </p:spTgt>
+                                        </p:tgtEl>
+                                        <p:attrNameLst>
+                                          <p:attrName>style.visibility</p:attrName>
+                                        </p:attrNameLst>
+                                      </p:cBhvr>
+                                      <p:to>
+                                        <p:strVal val="visible"/>
+                                      </p:to>
+                                    </p:set>
+                                  </p:childTnLst>
+                                </p:cTn>
+                              </p:par>
+                            </p:childTnLst>
+                          </p:cTn>
+                        </p:par>
+                      </p:childTnLst>
+                    </p:cTn>
+                  </p:par>
+                  <p:par>
+                    <p:cTn id="7" fill="hold">
+                      <p:stCondLst>
+                        <p:cond delay="indefinite"/>
+                      </p:stCondLst>
+                      <p:childTnLst>
+                        <p:par>
+                          <p:cTn id="8" fill="hold">
+                            <p:stCondLst>
+                              <p:cond delay="0"/>
+                            </p:stCondLst>
+                            <p:childTnLst>
+                              <p:par>
+                                <p:cTn id="9" presetID="1" presetClass="entr" presetSubtype="0" fill="hold" grpId="0" nodeType="clickEffect">
+                                  <p:stCondLst>
+                                    <p:cond delay="0"/>
+                                  </p:stCondLst>
+                                  <p:childTnLst>
+                                    <p:set>
+                                      <p:cBhvr>
+                                        <p:cTn id="10" dur="1" fill="hold">
+                                          <p:stCondLst>
+                                            <p:cond delay="0"/>
+                                          </p:stCondLst>
+                                        </p:cTn>
+                                        <p:tgtEl>
+                                          <p:spTgt spid="34819">
+                                            <p:txEl>
+                                              <p:pRg st="2" end="2"/>
+                                            </p:txEl>
+                                          </p:spTgt>
+                                        </p:tgtEl>
+                                        <p:attrNameLst>
+                                          <p:attrName>style.visibility</p:attrName>
+                                        </p:attrNameLst>
+                                      </p:cBhvr>
+                                      <p:to>
+                                        <p:strVal val="visible"/>
+                                      </p:to>
+                                    </p:set>
+                                  </p:childTnLst>
+                                </p:cTn>
+                              </p:par>
+                            </p:childTnLst>
+                          </p:cTn>
+                        </p:par>
+                      </p:childTnLst>
+                    </p:cTn>
+                  </p:par>
+                  <p:par>
+                    <p:cTn id="11" fill="hold">
+                      <p:stCondLst>
+                        <p:cond delay="indefinite"/>
+                      </p:stCondLst>
+                      <p:childTnLst>
+                        <p:par>
+                          <p:cTn id="12" fill="hold">
+                            <p:stCondLst>
+                              <p:cond delay="0"/>
+                            </p:stCondLst>
+                            <p:childTnLst>
+                              <p:par>
+                                <p:cTn id="13" presetID="1" presetClass="entr" presetSubtype="0" fill="hold" grpId="0" nodeType="clickEffect">
+                                  <p:stCondLst>
+                                    <p:cond delay="0"/>
+                                  </p:stCondLst>
+                                  <p:childTnLst>
+                                    <p:set>
+                                      <p:cBhvr>
+                                        <p:cTn id="14" dur="1" fill="hold">
+                                          <p:stCondLst>
+                                            <p:cond delay="0"/>
+                                          </p:stCondLst>
+                                        </p:cTn>
+                                        <p:tgtEl>
+                                          <p:spTgt spid="34819">
+                                            <p:txEl>
+                                              <p:pRg st="3" end="3"/>
+                                            </p:txEl>
+                                          </p:spTgt>
+                                        </p:tgtEl>
+                                        <p:attrNameLst>
+                                          <p:attrName>style.visibility</p:attrName>
+                                        </p:attrNameLst>
+                                      </p:cBhvr>
+                                      <p:to>
+                                        <p:strVal val="visible"/>
+                                      </p:to>
+                                    </p:set>
+                                  </p:childTnLst>
+                                </p:cTn>
+                              </p:par>
+                            </p:childTnLst>
+                          </p:cTn>
+                        </p:par>
+                      </p:childTnLst>
+                    </p:cTn>
+                  </p:par>
+                  <p:par>
+                    <p:cTn id="15" fill="hold">
+                      <p:stCondLst>
+                        <p:cond delay="indefinite"/>
+                      </p:stCondLst>
+                      <p:childTnLst>
+                        <p:par>
+                          <p:cTn id="16" fill="hold">
+                            <p:stCondLst>
+                              <p:cond delay="0"/>
+                            </p:stCondLst>
+                            <p:childTnLst>
+                              <p:par>
+                                <p:cTn id="17" presetID="1" presetClass="entr" presetSubtype="0" fill="hold" grpId="0" nodeType="clickEffect">
+                                  <p:stCondLst>
+                                    <p:cond delay="0"/>
+                                  </p:stCondLst>
+                                  <p:childTnLst>
+                                    <p:set>
+                                      <p:cBhvr>
+                                        <p:cTn id="18" dur="1" fill="hold">
+                                          <p:stCondLst>
+                                            <p:cond delay="0"/>
+                                          </p:stCondLst>
+                                        </p:cTn>
+                                        <p:tgtEl>
+                                          <p:spTgt spid="34819">
+                                            <p:txEl>
+                                              <p:pRg st="4" end="4"/>
+                                            </p:txEl>
+                                          </p:spTgt>
+                                        </p:tgtEl>
+                                        <p:attrNameLst>
+                                          <p:attrName>style.visibility</p:attrName>
+                                        </p:attrNameLst>
+                                      </p:cBhvr>
+                                      <p:to>
+                                        <p:strVal val="visible"/>
+                                      </p:to>
+                                    </p:set>
+                                  </p:childTnLst>
+                                </p:cTn>
+                              </p:par>
+                            </p:childTnLst>
+                          </p:cTn>
+                        </p:par>
+                      </p:childTnLst>
+                    </p:cTn>
+                  </p:par>
+                  <p:par>
+                    <p:cTn id="19" fill="hold">
+                      <p:stCondLst>
+                        <p:cond delay="indefinite"/>
+                      </p:stCondLst>
+                      <p:childTnLst>
+                        <p:par>
+                          <p:cTn id="20" fill="hold">
+                            <p:stCondLst>
+                              <p:cond delay="0"/>
+                            </p:stCondLst>
+                            <p:childTnLst>
+                              <p:par>
+                                <p:cTn id="21" presetID="1" presetClass="entr" presetSubtype="0" fill="hold" grpId="0" nodeType="clickEffect">
+                                  <p:stCondLst>
+                                    <p:cond delay="0"/>
+                                  </p:stCondLst>
+                                  <p:childTnLst>
+                                    <p:set>
+                                      <p:cBhvr>
+                                        <p:cTn id="22" dur="1" fill="hold">
+                                          <p:stCondLst>
+                                            <p:cond delay="0"/>
+                                          </p:stCondLst>
+                                        </p:cTn>
+                                        <p:tgtEl>
+                                          <p:spTgt spid="34819">
+                                            <p:txEl>
+                                              <p:pRg st="6" end="6"/>
+                                            </p:txEl>
+                                          </p:spTgt>
+                                        </p:tgtEl>
+                                        <p:attrNameLst>
+                                          <p:attrName>style.visibility</p:attrName>
+                                        </p:attrNameLst>
+                                      </p:cBhvr>
+                                      <p:to>
+                                        <p:strVal val="visible"/>
+                                      </p:to>
+                                    </p:set>
+                                  </p:childTnLst>
+                                </p:cTn>
+                              </p:par>
+                            </p:childTnLst>
+                          </p:cTn>
+                        </p:par>
+                      </p:childTnLst>
+                    </p:cTn>
+                  </p:par>
+                  <p:par>
+                    <p:cTn id="23" fill="hold">
+                      <p:stCondLst>
+                        <p:cond delay="indefinite"/>
+                      </p:stCondLst>
+                      <p:childTnLst>
+                        <p:par>
+                          <p:cTn id="24" fill="hold">
+                            <p:stCondLst>
+                              <p:cond delay="0"/>
+                            </p:stCondLst>
+                            <p:childTnLst>
+                              <p:par>
+                                <p:cTn id="25" presetID="1" presetClass="entr" presetSubtype="0" fill="hold" grpId="0" nodeType="clickEffect">
+                                  <p:stCondLst>
+                                    <p:cond delay="0"/>
+                                  </p:stCondLst>
+                                  <p:childTnLst>
+                                    <p:set>
+                                      <p:cBhvr>
+                                        <p:cTn id="26" dur="1" fill="hold">
+                                          <p:stCondLst>
+                                            <p:cond delay="0"/>
+                                          </p:stCondLst>
+                                        </p:cTn>
+                                        <p:tgtEl>
+                                          <p:spTgt spid="34819">
+                                            <p:txEl>
+                                              <p:pRg st="7" end="7"/>
+                                            </p:txEl>
+                                          </p:spTgt>
+                                        </p:tgtEl>
+                                        <p:attrNameLst>
+                                          <p:attrName>style.visibility</p:attrName>
+                                        </p:attrNameLst>
+                                      </p:cBhvr>
+                                      <p:to>
+                                        <p:strVal val="visible"/>
+                                      </p:to>
+                                    </p:set>
+                                  </p:childTnLst>
+                                </p:cTn>
+                              </p:par>
+                            </p:childTnLst>
+                          </p:cTn>
+                        </p:par>
+                      </p:childTnLst>
+                    </p:cTn>
+                  </p:par>
+                  <p:par>
+                    <p:cTn id="27" fill="hold">
+                      <p:stCondLst>
+                        <p:cond delay="indefinite"/>
+                      </p:stCondLst>
+                      <p:childTnLst>
+                        <p:par>
+                          <p:cTn id="28" fill="hold">
+                            <p:stCondLst>
+                              <p:cond delay="0"/>
+                            </p:stCondLst>
+                            <p:childTnLst>
+                              <p:par>
+                                <p:cTn id="29" presetID="1" presetClass="entr" presetSubtype="0" fill="hold" grpId="0" nodeType="clickEffect">
+                                  <p:stCondLst>
+                                    <p:cond delay="0"/>
+                                  </p:stCondLst>
+                                  <p:childTnLst>
+                                    <p:set>
+                                      <p:cBhvr>
+                                        <p:cTn id="30" dur="1" fill="hold">
+                                          <p:stCondLst>
+                                            <p:cond delay="0"/>
+                                          </p:stCondLst>
+                                        </p:cTn>
+                                        <p:tgtEl>
+                                          <p:spTgt spid="34819">
+                                            <p:txEl>
+                                              <p:pRg st="8" end="8"/>
+                                            </p:txEl>
+                                          </p:spTgt>
+                                        </p:tgtEl>
+                                        <p:attrNameLst>
+                                          <p:attrName>style.visibility</p:attrName>
+                                        </p:attrNameLst>
+                                      </p:cBhvr>
+                                      <p:to>
+                                        <p:strVal val="visible"/>
+                                      </p:to>
+                                    </p:set>
+                                  </p:childTnLst>
+                                </p:cTn>
+                              </p:par>
+                            </p:childTnLst>
+                          </p:cTn>
+                        </p:par>
+                      </p:childTnLst>
+                    </p:cTn>
+                  </p:par>
+                  <p:par>
+                    <p:cTn id="31" fill="hold">
+                      <p:stCondLst>
+                        <p:cond delay="indefinite"/>
+                      </p:stCondLst>
+                      <p:childTnLst>
+                        <p:par>
+                          <p:cTn id="32" fill="hold">
+                            <p:stCondLst>
+                              <p:cond delay="0"/>
+                            </p:stCondLst>
+                            <p:childTnLst>
+                              <p:par>
+                                <p:cTn id="33" presetID="1" presetClass="entr" presetSubtype="0" fill="hold" grpId="0" nodeType="clickEffect">
+                                  <p:stCondLst>
+                                    <p:cond delay="0"/>
+                                  </p:stCondLst>
+                                  <p:childTnLst>
+                                    <p:set>
+                                      <p:cBhvr>
+                                        <p:cTn id="34" dur="1" fill="hold">
+                                          <p:stCondLst>
+                                            <p:cond delay="0"/>
+                                          </p:stCondLst>
+                                        </p:cTn>
+                                        <p:tgtEl>
+                                          <p:spTgt spid="34819">
+                                            <p:txEl>
+                                              <p:pRg st="9" end="9"/>
+                                            </p:txEl>
+                                          </p:spTgt>
+                                        </p:tgtEl>
+                                        <p:attrNameLst>
+                                          <p:attrName>style.visibility</p:attrName>
+                                        </p:attrNameLst>
+                                      </p:cBhvr>
+                                      <p:to>
+                                        <p:strVal val="visible"/>
+                                      </p:to>
+                                    </p:set>
+                                  </p:childTnLst>
+                                </p:cTn>
+                              </p:par>
+                            </p:childTnLst>
+                          </p:cTn>
+                        </p:par>
+                      </p:childTnLst>
+                    </p:cTn>
+                  </p:par>
+                </p:childTnLst>
+              </p:cTn>
+              <p:prevCondLst>
+                <p:cond evt="onPrev" delay="0">
+                  <p:tgtEl>
+                    <p:sldTgt/>
+                  </p:tgtEl>
+                </p:cond>
+              </p:prevCondLst>
+              <p:nextCondLst>
+                <p:cond evt="onNext" delay="0">
+                  <p:tgtEl>
+                    <p:sldTgt/>
+                  </p:tgtEl>
+                </p:cond>
+              </p:nextCondLst>
+            </p:seq>
+          </p:childTnLst>
+        </p:cTn>
+      </p:par>
+    </p:tnLst>
+    <p:bldLst>
+      <p:bldP spid="34819" grpId="0" uiExpand="1" build="p"/>
+    </p:bldLst>
+  </p:timing>
 </p:sld>
 </file>
 
@@ -11970,7 +14051,7 @@
               <a:p>
                 <a:r>
                   <a:rPr lang="en-US" dirty="0"/>
-                  <a:t>Base case (n=1):</a:t>
+                  <a:t>Base case (n=2):</a:t>
                 </a:r>
               </a:p>
               <a:p>
@@ -11996,7 +14077,7 @@
                           <a:rPr lang="en-US" b="0" i="1" smtClean="0">
                             <a:latin typeface="Cambria Math" panose="02040503050406030204" pitchFamily="18" charset="0"/>
                           </a:rPr>
-                          <m:t>1</m:t>
+                          <m:t>2</m:t>
                         </m:r>
                       </m:e>
                     </m:d>
@@ -12016,7 +14097,7 @@
                       <a:rPr lang="en-US" b="0" i="1" smtClean="0">
                         <a:latin typeface="Cambria Math" panose="02040503050406030204" pitchFamily="18" charset="0"/>
                       </a:rPr>
-                      <m:t>∗1∗</m:t>
+                      <m:t>∗2∗</m:t>
                     </m:r>
                     <m:func>
                       <m:funcPr>
@@ -12070,22 +14151,10 @@
                               <a:rPr lang="en-US" b="0" i="1" smtClean="0">
                                 <a:latin typeface="Cambria Math" panose="02040503050406030204" pitchFamily="18" charset="0"/>
                               </a:rPr>
-                              <m:t>1</m:t>
+                              <m:t>2</m:t>
                             </m:r>
                           </m:e>
                         </m:d>
-                        <m:r>
-                          <a:rPr lang="en-US" b="0" i="1" smtClean="0">
-                            <a:latin typeface="Cambria Math" panose="02040503050406030204" pitchFamily="18" charset="0"/>
-                          </a:rPr>
-                          <m:t>=</m:t>
-                        </m:r>
-                        <m:r>
-                          <a:rPr lang="en-US" b="0" i="1" smtClean="0">
-                            <a:latin typeface="Cambria Math" panose="02040503050406030204" pitchFamily="18" charset="0"/>
-                          </a:rPr>
-                          <m:t>𝑐</m:t>
-                        </m:r>
                       </m:e>
                     </m:func>
                   </m:oMath>
@@ -12095,8 +14164,12 @@
               <a:p>
                 <a:pPr lvl="1"/>
                 <a:r>
+                  <a:rPr lang="en-US" dirty="0"/>
+                  <a:t>2*T(1)+2</a:t>
+                </a:r>
+                <a:r>
                   <a:rPr lang="en-US" b="0" dirty="0"/>
-                  <a:t>1 </a:t>
+                  <a:t> </a:t>
                 </a:r>
                 <a14:m>
                   <m:oMath xmlns:m="http://schemas.openxmlformats.org/officeDocument/2006/math">
@@ -12112,11 +14185,50 @@
                       </a:rPr>
                       <m:t>𝑐</m:t>
                     </m:r>
+                    <m:r>
+                      <a:rPr lang="en-US" b="0" i="1" smtClean="0">
+                        <a:latin typeface="Cambria Math" panose="02040503050406030204" pitchFamily="18" charset="0"/>
+                      </a:rPr>
+                      <m:t>∗2∗1</m:t>
+                    </m:r>
                   </m:oMath>
                 </a14:m>
                 <a:r>
                   <a:rPr lang="en-US" dirty="0"/>
-                  <a:t>		//true if c &gt;= 1 </a:t>
+                  <a:t>	</a:t>
+                </a:r>
+              </a:p>
+              <a:p>
+                <a:pPr lvl="1"/>
+                <a:r>
+                  <a:rPr lang="en-US" dirty="0"/>
+                  <a:t>4 </a:t>
+                </a:r>
+                <a14:m>
+                  <m:oMath xmlns:m="http://schemas.openxmlformats.org/officeDocument/2006/math">
+                    <m:r>
+                      <a:rPr lang="en-US" i="1">
+                        <a:latin typeface="Cambria Math" panose="02040503050406030204" pitchFamily="18" charset="0"/>
+                      </a:rPr>
+                      <m:t>≤</m:t>
+                    </m:r>
+                    <m:r>
+                      <a:rPr lang="en-US" b="0" i="1" smtClean="0">
+                        <a:latin typeface="Cambria Math" panose="02040503050406030204" pitchFamily="18" charset="0"/>
+                      </a:rPr>
+                      <m:t>2</m:t>
+                    </m:r>
+                    <m:r>
+                      <a:rPr lang="en-US" b="0" i="1" smtClean="0">
+                        <a:latin typeface="Cambria Math" panose="02040503050406030204" pitchFamily="18" charset="0"/>
+                      </a:rPr>
+                      <m:t>𝑐</m:t>
+                    </m:r>
+                  </m:oMath>
+                </a14:m>
+                <a:r>
+                  <a:rPr lang="en-US" dirty="0"/>
+                  <a:t>			//true if c &gt;= 2</a:t>
                 </a:r>
               </a:p>
             </p:txBody>
@@ -12169,6 +14281,310 @@
   <p:clrMapOvr>
     <a:masterClrMapping/>
   </p:clrMapOvr>
+  <p:timing>
+    <p:tnLst>
+      <p:par>
+        <p:cTn id="1" dur="indefinite" restart="never" nodeType="tmRoot">
+          <p:childTnLst>
+            <p:seq concurrent="1" nextAc="seek">
+              <p:cTn id="2" dur="indefinite" nodeType="mainSeq">
+                <p:childTnLst>
+                  <p:par>
+                    <p:cTn id="3" fill="hold">
+                      <p:stCondLst>
+                        <p:cond delay="indefinite"/>
+                      </p:stCondLst>
+                      <p:childTnLst>
+                        <p:par>
+                          <p:cTn id="4" fill="hold">
+                            <p:stCondLst>
+                              <p:cond delay="0"/>
+                            </p:stCondLst>
+                            <p:childTnLst>
+                              <p:par>
+                                <p:cTn id="5" presetID="1" presetClass="entr" presetSubtype="0" fill="hold" grpId="0" nodeType="clickEffect">
+                                  <p:stCondLst>
+                                    <p:cond delay="0"/>
+                                  </p:stCondLst>
+                                  <p:childTnLst>
+                                    <p:set>
+                                      <p:cBhvr>
+                                        <p:cTn id="6" dur="1" fill="hold">
+                                          <p:stCondLst>
+                                            <p:cond delay="0"/>
+                                          </p:stCondLst>
+                                        </p:cTn>
+                                        <p:tgtEl>
+                                          <p:spTgt spid="34819">
+                                            <p:txEl>
+                                              <p:pRg st="0" end="0"/>
+                                            </p:txEl>
+                                          </p:spTgt>
+                                        </p:tgtEl>
+                                        <p:attrNameLst>
+                                          <p:attrName>style.visibility</p:attrName>
+                                        </p:attrNameLst>
+                                      </p:cBhvr>
+                                      <p:to>
+                                        <p:strVal val="visible"/>
+                                      </p:to>
+                                    </p:set>
+                                  </p:childTnLst>
+                                </p:cTn>
+                              </p:par>
+                              <p:par>
+                                <p:cTn id="7" presetID="1" presetClass="entr" presetSubtype="0" fill="hold" grpId="0" nodeType="withEffect">
+                                  <p:stCondLst>
+                                    <p:cond delay="0"/>
+                                  </p:stCondLst>
+                                  <p:childTnLst>
+                                    <p:set>
+                                      <p:cBhvr>
+                                        <p:cTn id="8" dur="1" fill="hold">
+                                          <p:stCondLst>
+                                            <p:cond delay="0"/>
+                                          </p:stCondLst>
+                                        </p:cTn>
+                                        <p:tgtEl>
+                                          <p:spTgt spid="34819">
+                                            <p:txEl>
+                                              <p:pRg st="1" end="1"/>
+                                            </p:txEl>
+                                          </p:spTgt>
+                                        </p:tgtEl>
+                                        <p:attrNameLst>
+                                          <p:attrName>style.visibility</p:attrName>
+                                        </p:attrNameLst>
+                                      </p:cBhvr>
+                                      <p:to>
+                                        <p:strVal val="visible"/>
+                                      </p:to>
+                                    </p:set>
+                                  </p:childTnLst>
+                                </p:cTn>
+                              </p:par>
+                            </p:childTnLst>
+                          </p:cTn>
+                        </p:par>
+                      </p:childTnLst>
+                    </p:cTn>
+                  </p:par>
+                  <p:par>
+                    <p:cTn id="9" fill="hold">
+                      <p:stCondLst>
+                        <p:cond delay="indefinite"/>
+                      </p:stCondLst>
+                      <p:childTnLst>
+                        <p:par>
+                          <p:cTn id="10" fill="hold">
+                            <p:stCondLst>
+                              <p:cond delay="0"/>
+                            </p:stCondLst>
+                            <p:childTnLst>
+                              <p:par>
+                                <p:cTn id="11" presetID="1" presetClass="entr" presetSubtype="0" fill="hold" grpId="0" nodeType="clickEffect">
+                                  <p:stCondLst>
+                                    <p:cond delay="0"/>
+                                  </p:stCondLst>
+                                  <p:childTnLst>
+                                    <p:set>
+                                      <p:cBhvr>
+                                        <p:cTn id="12" dur="1" fill="hold">
+                                          <p:stCondLst>
+                                            <p:cond delay="0"/>
+                                          </p:stCondLst>
+                                        </p:cTn>
+                                        <p:tgtEl>
+                                          <p:spTgt spid="34819">
+                                            <p:txEl>
+                                              <p:pRg st="3" end="3"/>
+                                            </p:txEl>
+                                          </p:spTgt>
+                                        </p:tgtEl>
+                                        <p:attrNameLst>
+                                          <p:attrName>style.visibility</p:attrName>
+                                        </p:attrNameLst>
+                                      </p:cBhvr>
+                                      <p:to>
+                                        <p:strVal val="visible"/>
+                                      </p:to>
+                                    </p:set>
+                                  </p:childTnLst>
+                                </p:cTn>
+                              </p:par>
+                            </p:childTnLst>
+                          </p:cTn>
+                        </p:par>
+                      </p:childTnLst>
+                    </p:cTn>
+                  </p:par>
+                  <p:par>
+                    <p:cTn id="13" fill="hold">
+                      <p:stCondLst>
+                        <p:cond delay="indefinite"/>
+                      </p:stCondLst>
+                      <p:childTnLst>
+                        <p:par>
+                          <p:cTn id="14" fill="hold">
+                            <p:stCondLst>
+                              <p:cond delay="0"/>
+                            </p:stCondLst>
+                            <p:childTnLst>
+                              <p:par>
+                                <p:cTn id="15" presetID="1" presetClass="entr" presetSubtype="0" fill="hold" grpId="0" nodeType="clickEffect">
+                                  <p:stCondLst>
+                                    <p:cond delay="0"/>
+                                  </p:stCondLst>
+                                  <p:childTnLst>
+                                    <p:set>
+                                      <p:cBhvr>
+                                        <p:cTn id="16" dur="1" fill="hold">
+                                          <p:stCondLst>
+                                            <p:cond delay="0"/>
+                                          </p:stCondLst>
+                                        </p:cTn>
+                                        <p:tgtEl>
+                                          <p:spTgt spid="34819">
+                                            <p:txEl>
+                                              <p:pRg st="5" end="5"/>
+                                            </p:txEl>
+                                          </p:spTgt>
+                                        </p:tgtEl>
+                                        <p:attrNameLst>
+                                          <p:attrName>style.visibility</p:attrName>
+                                        </p:attrNameLst>
+                                      </p:cBhvr>
+                                      <p:to>
+                                        <p:strVal val="visible"/>
+                                      </p:to>
+                                    </p:set>
+                                  </p:childTnLst>
+                                </p:cTn>
+                              </p:par>
+                              <p:par>
+                                <p:cTn id="17" presetID="1" presetClass="entr" presetSubtype="0" fill="hold" grpId="0" nodeType="withEffect">
+                                  <p:stCondLst>
+                                    <p:cond delay="0"/>
+                                  </p:stCondLst>
+                                  <p:childTnLst>
+                                    <p:set>
+                                      <p:cBhvr>
+                                        <p:cTn id="18" dur="1" fill="hold">
+                                          <p:stCondLst>
+                                            <p:cond delay="0"/>
+                                          </p:stCondLst>
+                                        </p:cTn>
+                                        <p:tgtEl>
+                                          <p:spTgt spid="34819">
+                                            <p:txEl>
+                                              <p:pRg st="6" end="6"/>
+                                            </p:txEl>
+                                          </p:spTgt>
+                                        </p:tgtEl>
+                                        <p:attrNameLst>
+                                          <p:attrName>style.visibility</p:attrName>
+                                        </p:attrNameLst>
+                                      </p:cBhvr>
+                                      <p:to>
+                                        <p:strVal val="visible"/>
+                                      </p:to>
+                                    </p:set>
+                                  </p:childTnLst>
+                                </p:cTn>
+                              </p:par>
+                              <p:par>
+                                <p:cTn id="19" presetID="1" presetClass="entr" presetSubtype="0" fill="hold" grpId="0" nodeType="withEffect">
+                                  <p:stCondLst>
+                                    <p:cond delay="0"/>
+                                  </p:stCondLst>
+                                  <p:childTnLst>
+                                    <p:set>
+                                      <p:cBhvr>
+                                        <p:cTn id="20" dur="1" fill="hold">
+                                          <p:stCondLst>
+                                            <p:cond delay="0"/>
+                                          </p:stCondLst>
+                                        </p:cTn>
+                                        <p:tgtEl>
+                                          <p:spTgt spid="34819">
+                                            <p:txEl>
+                                              <p:pRg st="7" end="7"/>
+                                            </p:txEl>
+                                          </p:spTgt>
+                                        </p:tgtEl>
+                                        <p:attrNameLst>
+                                          <p:attrName>style.visibility</p:attrName>
+                                        </p:attrNameLst>
+                                      </p:cBhvr>
+                                      <p:to>
+                                        <p:strVal val="visible"/>
+                                      </p:to>
+                                    </p:set>
+                                  </p:childTnLst>
+                                </p:cTn>
+                              </p:par>
+                              <p:par>
+                                <p:cTn id="21" presetID="1" presetClass="entr" presetSubtype="0" fill="hold" grpId="0" nodeType="withEffect">
+                                  <p:stCondLst>
+                                    <p:cond delay="0"/>
+                                  </p:stCondLst>
+                                  <p:childTnLst>
+                                    <p:set>
+                                      <p:cBhvr>
+                                        <p:cTn id="22" dur="1" fill="hold">
+                                          <p:stCondLst>
+                                            <p:cond delay="0"/>
+                                          </p:stCondLst>
+                                        </p:cTn>
+                                        <p:tgtEl>
+                                          <p:spTgt spid="34819">
+                                            <p:txEl>
+                                              <p:pRg st="8" end="8"/>
+                                            </p:txEl>
+                                          </p:spTgt>
+                                        </p:tgtEl>
+                                        <p:attrNameLst>
+                                          <p:attrName>style.visibility</p:attrName>
+                                        </p:attrNameLst>
+                                      </p:cBhvr>
+                                      <p:to>
+                                        <p:strVal val="visible"/>
+                                      </p:to>
+                                    </p:set>
+                                  </p:childTnLst>
+                                </p:cTn>
+                              </p:par>
+                            </p:childTnLst>
+                          </p:cTn>
+                        </p:par>
+                      </p:childTnLst>
+                    </p:cTn>
+                  </p:par>
+                </p:childTnLst>
+              </p:cTn>
+              <p:prevCondLst>
+                <p:cond evt="onPrev" delay="0">
+                  <p:tgtEl>
+                    <p:sldTgt/>
+                  </p:tgtEl>
+                </p:cond>
+              </p:prevCondLst>
+              <p:nextCondLst>
+                <p:cond evt="onNext" delay="0">
+                  <p:tgtEl>
+                    <p:sldTgt/>
+                  </p:tgtEl>
+                </p:cond>
+              </p:nextCondLst>
+            </p:seq>
+          </p:childTnLst>
+        </p:cTn>
+      </p:par>
+    </p:tnLst>
+    <p:bldLst>
+      <p:bldP spid="34819" grpId="0" build="p"/>
+    </p:bldLst>
+  </p:timing>
 </p:sld>
 </file>
 
@@ -12593,6 +15009,248 @@
   <p:clrMapOvr>
     <a:masterClrMapping/>
   </p:clrMapOvr>
+  <p:timing>
+    <p:tnLst>
+      <p:par>
+        <p:cTn id="1" dur="indefinite" restart="never" nodeType="tmRoot">
+          <p:childTnLst>
+            <p:seq concurrent="1" nextAc="seek">
+              <p:cTn id="2" dur="indefinite" nodeType="mainSeq">
+                <p:childTnLst>
+                  <p:par>
+                    <p:cTn id="3" fill="hold">
+                      <p:stCondLst>
+                        <p:cond delay="indefinite"/>
+                      </p:stCondLst>
+                      <p:childTnLst>
+                        <p:par>
+                          <p:cTn id="4" fill="hold">
+                            <p:stCondLst>
+                              <p:cond delay="0"/>
+                            </p:stCondLst>
+                            <p:childTnLst>
+                              <p:par>
+                                <p:cTn id="5" presetID="1" presetClass="entr" presetSubtype="0" fill="hold" grpId="0" nodeType="clickEffect">
+                                  <p:stCondLst>
+                                    <p:cond delay="0"/>
+                                  </p:stCondLst>
+                                  <p:childTnLst>
+                                    <p:set>
+                                      <p:cBhvr>
+                                        <p:cTn id="6" dur="1" fill="hold">
+                                          <p:stCondLst>
+                                            <p:cond delay="0"/>
+                                          </p:stCondLst>
+                                        </p:cTn>
+                                        <p:tgtEl>
+                                          <p:spTgt spid="34819">
+                                            <p:txEl>
+                                              <p:pRg st="0" end="0"/>
+                                            </p:txEl>
+                                          </p:spTgt>
+                                        </p:tgtEl>
+                                        <p:attrNameLst>
+                                          <p:attrName>style.visibility</p:attrName>
+                                        </p:attrNameLst>
+                                      </p:cBhvr>
+                                      <p:to>
+                                        <p:strVal val="visible"/>
+                                      </p:to>
+                                    </p:set>
+                                  </p:childTnLst>
+                                </p:cTn>
+                              </p:par>
+                              <p:par>
+                                <p:cTn id="7" presetID="1" presetClass="entr" presetSubtype="0" fill="hold" grpId="0" nodeType="withEffect">
+                                  <p:stCondLst>
+                                    <p:cond delay="0"/>
+                                  </p:stCondLst>
+                                  <p:childTnLst>
+                                    <p:set>
+                                      <p:cBhvr>
+                                        <p:cTn id="8" dur="1" fill="hold">
+                                          <p:stCondLst>
+                                            <p:cond delay="0"/>
+                                          </p:stCondLst>
+                                        </p:cTn>
+                                        <p:tgtEl>
+                                          <p:spTgt spid="34819">
+                                            <p:txEl>
+                                              <p:pRg st="1" end="1"/>
+                                            </p:txEl>
+                                          </p:spTgt>
+                                        </p:tgtEl>
+                                        <p:attrNameLst>
+                                          <p:attrName>style.visibility</p:attrName>
+                                        </p:attrNameLst>
+                                      </p:cBhvr>
+                                      <p:to>
+                                        <p:strVal val="visible"/>
+                                      </p:to>
+                                    </p:set>
+                                  </p:childTnLst>
+                                </p:cTn>
+                              </p:par>
+                            </p:childTnLst>
+                          </p:cTn>
+                        </p:par>
+                      </p:childTnLst>
+                    </p:cTn>
+                  </p:par>
+                  <p:par>
+                    <p:cTn id="9" fill="hold">
+                      <p:stCondLst>
+                        <p:cond delay="indefinite"/>
+                      </p:stCondLst>
+                      <p:childTnLst>
+                        <p:par>
+                          <p:cTn id="10" fill="hold">
+                            <p:stCondLst>
+                              <p:cond delay="0"/>
+                            </p:stCondLst>
+                            <p:childTnLst>
+                              <p:par>
+                                <p:cTn id="11" presetID="1" presetClass="entr" presetSubtype="0" fill="hold" grpId="0" nodeType="clickEffect">
+                                  <p:stCondLst>
+                                    <p:cond delay="0"/>
+                                  </p:stCondLst>
+                                  <p:childTnLst>
+                                    <p:set>
+                                      <p:cBhvr>
+                                        <p:cTn id="12" dur="1" fill="hold">
+                                          <p:stCondLst>
+                                            <p:cond delay="0"/>
+                                          </p:stCondLst>
+                                        </p:cTn>
+                                        <p:tgtEl>
+                                          <p:spTgt spid="34819">
+                                            <p:txEl>
+                                              <p:pRg st="2" end="2"/>
+                                            </p:txEl>
+                                          </p:spTgt>
+                                        </p:tgtEl>
+                                        <p:attrNameLst>
+                                          <p:attrName>style.visibility</p:attrName>
+                                        </p:attrNameLst>
+                                      </p:cBhvr>
+                                      <p:to>
+                                        <p:strVal val="visible"/>
+                                      </p:to>
+                                    </p:set>
+                                  </p:childTnLst>
+                                </p:cTn>
+                              </p:par>
+                            </p:childTnLst>
+                          </p:cTn>
+                        </p:par>
+                      </p:childTnLst>
+                    </p:cTn>
+                  </p:par>
+                  <p:par>
+                    <p:cTn id="13" fill="hold">
+                      <p:stCondLst>
+                        <p:cond delay="indefinite"/>
+                      </p:stCondLst>
+                      <p:childTnLst>
+                        <p:par>
+                          <p:cTn id="14" fill="hold">
+                            <p:stCondLst>
+                              <p:cond delay="0"/>
+                            </p:stCondLst>
+                            <p:childTnLst>
+                              <p:par>
+                                <p:cTn id="15" presetID="1" presetClass="entr" presetSubtype="0" fill="hold" grpId="0" nodeType="clickEffect">
+                                  <p:stCondLst>
+                                    <p:cond delay="0"/>
+                                  </p:stCondLst>
+                                  <p:childTnLst>
+                                    <p:set>
+                                      <p:cBhvr>
+                                        <p:cTn id="16" dur="1" fill="hold">
+                                          <p:stCondLst>
+                                            <p:cond delay="0"/>
+                                          </p:stCondLst>
+                                        </p:cTn>
+                                        <p:tgtEl>
+                                          <p:spTgt spid="34819">
+                                            <p:txEl>
+                                              <p:pRg st="4" end="4"/>
+                                            </p:txEl>
+                                          </p:spTgt>
+                                        </p:tgtEl>
+                                        <p:attrNameLst>
+                                          <p:attrName>style.visibility</p:attrName>
+                                        </p:attrNameLst>
+                                      </p:cBhvr>
+                                      <p:to>
+                                        <p:strVal val="visible"/>
+                                      </p:to>
+                                    </p:set>
+                                  </p:childTnLst>
+                                </p:cTn>
+                              </p:par>
+                              <p:par>
+                                <p:cTn id="17" presetID="1" presetClass="entr" presetSubtype="0" fill="hold" grpId="0" nodeType="withEffect">
+                                  <p:stCondLst>
+                                    <p:cond delay="0"/>
+                                  </p:stCondLst>
+                                  <p:childTnLst>
+                                    <p:set>
+                                      <p:cBhvr>
+                                        <p:cTn id="18" dur="1" fill="hold">
+                                          <p:stCondLst>
+                                            <p:cond delay="0"/>
+                                          </p:stCondLst>
+                                        </p:cTn>
+                                        <p:tgtEl>
+                                          <p:spTgt spid="34819">
+                                            <p:txEl>
+                                              <p:pRg st="5" end="5"/>
+                                            </p:txEl>
+                                          </p:spTgt>
+                                        </p:tgtEl>
+                                        <p:attrNameLst>
+                                          <p:attrName>style.visibility</p:attrName>
+                                        </p:attrNameLst>
+                                      </p:cBhvr>
+                                      <p:to>
+                                        <p:strVal val="visible"/>
+                                      </p:to>
+                                    </p:set>
+                                  </p:childTnLst>
+                                </p:cTn>
+                              </p:par>
+                            </p:childTnLst>
+                          </p:cTn>
+                        </p:par>
+                      </p:childTnLst>
+                    </p:cTn>
+                  </p:par>
+                </p:childTnLst>
+              </p:cTn>
+              <p:prevCondLst>
+                <p:cond evt="onPrev" delay="0">
+                  <p:tgtEl>
+                    <p:sldTgt/>
+                  </p:tgtEl>
+                </p:cond>
+              </p:prevCondLst>
+              <p:nextCondLst>
+                <p:cond evt="onNext" delay="0">
+                  <p:tgtEl>
+                    <p:sldTgt/>
+                  </p:tgtEl>
+                </p:cond>
+              </p:nextCondLst>
+            </p:seq>
+          </p:childTnLst>
+        </p:cTn>
+      </p:par>
+    </p:tnLst>
+    <p:bldLst>
+      <p:bldP spid="34819" grpId="0" build="p"/>
+    </p:bldLst>
+  </p:timing>
 </p:sld>
 </file>
 
@@ -13596,6 +16254,426 @@
   <p:clrMapOvr>
     <a:masterClrMapping/>
   </p:clrMapOvr>
+  <p:timing>
+    <p:tnLst>
+      <p:par>
+        <p:cTn id="1" dur="indefinite" restart="never" nodeType="tmRoot">
+          <p:childTnLst>
+            <p:seq concurrent="1" nextAc="seek">
+              <p:cTn id="2" dur="indefinite" nodeType="mainSeq">
+                <p:childTnLst>
+                  <p:par>
+                    <p:cTn id="3" fill="hold">
+                      <p:stCondLst>
+                        <p:cond delay="indefinite"/>
+                      </p:stCondLst>
+                      <p:childTnLst>
+                        <p:par>
+                          <p:cTn id="4" fill="hold">
+                            <p:stCondLst>
+                              <p:cond delay="0"/>
+                            </p:stCondLst>
+                            <p:childTnLst>
+                              <p:par>
+                                <p:cTn id="5" presetID="1" presetClass="entr" presetSubtype="0" fill="hold" grpId="0" nodeType="clickEffect">
+                                  <p:stCondLst>
+                                    <p:cond delay="0"/>
+                                  </p:stCondLst>
+                                  <p:childTnLst>
+                                    <p:set>
+                                      <p:cBhvr>
+                                        <p:cTn id="6" dur="1" fill="hold">
+                                          <p:stCondLst>
+                                            <p:cond delay="0"/>
+                                          </p:stCondLst>
+                                        </p:cTn>
+                                        <p:tgtEl>
+                                          <p:spTgt spid="34819">
+                                            <p:txEl>
+                                              <p:pRg st="0" end="0"/>
+                                            </p:txEl>
+                                          </p:spTgt>
+                                        </p:tgtEl>
+                                        <p:attrNameLst>
+                                          <p:attrName>style.visibility</p:attrName>
+                                        </p:attrNameLst>
+                                      </p:cBhvr>
+                                      <p:to>
+                                        <p:strVal val="visible"/>
+                                      </p:to>
+                                    </p:set>
+                                  </p:childTnLst>
+                                </p:cTn>
+                              </p:par>
+                              <p:par>
+                                <p:cTn id="7" presetID="1" presetClass="entr" presetSubtype="0" fill="hold" grpId="0" nodeType="withEffect">
+                                  <p:stCondLst>
+                                    <p:cond delay="0"/>
+                                  </p:stCondLst>
+                                  <p:childTnLst>
+                                    <p:set>
+                                      <p:cBhvr>
+                                        <p:cTn id="8" dur="1" fill="hold">
+                                          <p:stCondLst>
+                                            <p:cond delay="0"/>
+                                          </p:stCondLst>
+                                        </p:cTn>
+                                        <p:tgtEl>
+                                          <p:spTgt spid="34819">
+                                            <p:txEl>
+                                              <p:pRg st="1" end="1"/>
+                                            </p:txEl>
+                                          </p:spTgt>
+                                        </p:tgtEl>
+                                        <p:attrNameLst>
+                                          <p:attrName>style.visibility</p:attrName>
+                                        </p:attrNameLst>
+                                      </p:cBhvr>
+                                      <p:to>
+                                        <p:strVal val="visible"/>
+                                      </p:to>
+                                    </p:set>
+                                  </p:childTnLst>
+                                </p:cTn>
+                              </p:par>
+                            </p:childTnLst>
+                          </p:cTn>
+                        </p:par>
+                      </p:childTnLst>
+                    </p:cTn>
+                  </p:par>
+                  <p:par>
+                    <p:cTn id="9" fill="hold">
+                      <p:stCondLst>
+                        <p:cond delay="indefinite"/>
+                      </p:stCondLst>
+                      <p:childTnLst>
+                        <p:par>
+                          <p:cTn id="10" fill="hold">
+                            <p:stCondLst>
+                              <p:cond delay="0"/>
+                            </p:stCondLst>
+                            <p:childTnLst>
+                              <p:par>
+                                <p:cTn id="11" presetID="1" presetClass="entr" presetSubtype="0" fill="hold" grpId="0" nodeType="clickEffect">
+                                  <p:stCondLst>
+                                    <p:cond delay="0"/>
+                                  </p:stCondLst>
+                                  <p:childTnLst>
+                                    <p:set>
+                                      <p:cBhvr>
+                                        <p:cTn id="12" dur="1" fill="hold">
+                                          <p:stCondLst>
+                                            <p:cond delay="0"/>
+                                          </p:stCondLst>
+                                        </p:cTn>
+                                        <p:tgtEl>
+                                          <p:spTgt spid="34819">
+                                            <p:txEl>
+                                              <p:pRg st="3" end="3"/>
+                                            </p:txEl>
+                                          </p:spTgt>
+                                        </p:tgtEl>
+                                        <p:attrNameLst>
+                                          <p:attrName>style.visibility</p:attrName>
+                                        </p:attrNameLst>
+                                      </p:cBhvr>
+                                      <p:to>
+                                        <p:strVal val="visible"/>
+                                      </p:to>
+                                    </p:set>
+                                  </p:childTnLst>
+                                </p:cTn>
+                              </p:par>
+                              <p:par>
+                                <p:cTn id="13" presetID="1" presetClass="entr" presetSubtype="0" fill="hold" grpId="0" nodeType="withEffect">
+                                  <p:stCondLst>
+                                    <p:cond delay="0"/>
+                                  </p:stCondLst>
+                                  <p:childTnLst>
+                                    <p:set>
+                                      <p:cBhvr>
+                                        <p:cTn id="14" dur="1" fill="hold">
+                                          <p:stCondLst>
+                                            <p:cond delay="0"/>
+                                          </p:stCondLst>
+                                        </p:cTn>
+                                        <p:tgtEl>
+                                          <p:spTgt spid="34819">
+                                            <p:txEl>
+                                              <p:pRg st="4" end="4"/>
+                                            </p:txEl>
+                                          </p:spTgt>
+                                        </p:tgtEl>
+                                        <p:attrNameLst>
+                                          <p:attrName>style.visibility</p:attrName>
+                                        </p:attrNameLst>
+                                      </p:cBhvr>
+                                      <p:to>
+                                        <p:strVal val="visible"/>
+                                      </p:to>
+                                    </p:set>
+                                  </p:childTnLst>
+                                </p:cTn>
+                              </p:par>
+                            </p:childTnLst>
+                          </p:cTn>
+                        </p:par>
+                      </p:childTnLst>
+                    </p:cTn>
+                  </p:par>
+                  <p:par>
+                    <p:cTn id="15" fill="hold">
+                      <p:stCondLst>
+                        <p:cond delay="indefinite"/>
+                      </p:stCondLst>
+                      <p:childTnLst>
+                        <p:par>
+                          <p:cTn id="16" fill="hold">
+                            <p:stCondLst>
+                              <p:cond delay="0"/>
+                            </p:stCondLst>
+                            <p:childTnLst>
+                              <p:par>
+                                <p:cTn id="17" presetID="1" presetClass="entr" presetSubtype="0" fill="hold" grpId="0" nodeType="clickEffect">
+                                  <p:stCondLst>
+                                    <p:cond delay="0"/>
+                                  </p:stCondLst>
+                                  <p:childTnLst>
+                                    <p:set>
+                                      <p:cBhvr>
+                                        <p:cTn id="18" dur="1" fill="hold">
+                                          <p:stCondLst>
+                                            <p:cond delay="0"/>
+                                          </p:stCondLst>
+                                        </p:cTn>
+                                        <p:tgtEl>
+                                          <p:spTgt spid="34819">
+                                            <p:txEl>
+                                              <p:pRg st="5" end="5"/>
+                                            </p:txEl>
+                                          </p:spTgt>
+                                        </p:tgtEl>
+                                        <p:attrNameLst>
+                                          <p:attrName>style.visibility</p:attrName>
+                                        </p:attrNameLst>
+                                      </p:cBhvr>
+                                      <p:to>
+                                        <p:strVal val="visible"/>
+                                      </p:to>
+                                    </p:set>
+                                  </p:childTnLst>
+                                </p:cTn>
+                              </p:par>
+                            </p:childTnLst>
+                          </p:cTn>
+                        </p:par>
+                      </p:childTnLst>
+                    </p:cTn>
+                  </p:par>
+                  <p:par>
+                    <p:cTn id="19" fill="hold">
+                      <p:stCondLst>
+                        <p:cond delay="indefinite"/>
+                      </p:stCondLst>
+                      <p:childTnLst>
+                        <p:par>
+                          <p:cTn id="20" fill="hold">
+                            <p:stCondLst>
+                              <p:cond delay="0"/>
+                            </p:stCondLst>
+                            <p:childTnLst>
+                              <p:par>
+                                <p:cTn id="21" presetID="1" presetClass="entr" presetSubtype="0" fill="hold" grpId="0" nodeType="clickEffect">
+                                  <p:stCondLst>
+                                    <p:cond delay="0"/>
+                                  </p:stCondLst>
+                                  <p:childTnLst>
+                                    <p:set>
+                                      <p:cBhvr>
+                                        <p:cTn id="22" dur="1" fill="hold">
+                                          <p:stCondLst>
+                                            <p:cond delay="0"/>
+                                          </p:stCondLst>
+                                        </p:cTn>
+                                        <p:tgtEl>
+                                          <p:spTgt spid="34819">
+                                            <p:txEl>
+                                              <p:pRg st="6" end="6"/>
+                                            </p:txEl>
+                                          </p:spTgt>
+                                        </p:tgtEl>
+                                        <p:attrNameLst>
+                                          <p:attrName>style.visibility</p:attrName>
+                                        </p:attrNameLst>
+                                      </p:cBhvr>
+                                      <p:to>
+                                        <p:strVal val="visible"/>
+                                      </p:to>
+                                    </p:set>
+                                  </p:childTnLst>
+                                </p:cTn>
+                              </p:par>
+                            </p:childTnLst>
+                          </p:cTn>
+                        </p:par>
+                      </p:childTnLst>
+                    </p:cTn>
+                  </p:par>
+                  <p:par>
+                    <p:cTn id="23" fill="hold">
+                      <p:stCondLst>
+                        <p:cond delay="indefinite"/>
+                      </p:stCondLst>
+                      <p:childTnLst>
+                        <p:par>
+                          <p:cTn id="24" fill="hold">
+                            <p:stCondLst>
+                              <p:cond delay="0"/>
+                            </p:stCondLst>
+                            <p:childTnLst>
+                              <p:par>
+                                <p:cTn id="25" presetID="1" presetClass="entr" presetSubtype="0" fill="hold" grpId="0" nodeType="clickEffect">
+                                  <p:stCondLst>
+                                    <p:cond delay="0"/>
+                                  </p:stCondLst>
+                                  <p:childTnLst>
+                                    <p:set>
+                                      <p:cBhvr>
+                                        <p:cTn id="26" dur="1" fill="hold">
+                                          <p:stCondLst>
+                                            <p:cond delay="0"/>
+                                          </p:stCondLst>
+                                        </p:cTn>
+                                        <p:tgtEl>
+                                          <p:spTgt spid="34819">
+                                            <p:txEl>
+                                              <p:pRg st="7" end="7"/>
+                                            </p:txEl>
+                                          </p:spTgt>
+                                        </p:tgtEl>
+                                        <p:attrNameLst>
+                                          <p:attrName>style.visibility</p:attrName>
+                                        </p:attrNameLst>
+                                      </p:cBhvr>
+                                      <p:to>
+                                        <p:strVal val="visible"/>
+                                      </p:to>
+                                    </p:set>
+                                  </p:childTnLst>
+                                </p:cTn>
+                              </p:par>
+                            </p:childTnLst>
+                          </p:cTn>
+                        </p:par>
+                      </p:childTnLst>
+                    </p:cTn>
+                  </p:par>
+                  <p:par>
+                    <p:cTn id="27" fill="hold">
+                      <p:stCondLst>
+                        <p:cond delay="indefinite"/>
+                      </p:stCondLst>
+                      <p:childTnLst>
+                        <p:par>
+                          <p:cTn id="28" fill="hold">
+                            <p:stCondLst>
+                              <p:cond delay="0"/>
+                            </p:stCondLst>
+                            <p:childTnLst>
+                              <p:par>
+                                <p:cTn id="29" presetID="1" presetClass="entr" presetSubtype="0" fill="hold" grpId="0" nodeType="clickEffect">
+                                  <p:stCondLst>
+                                    <p:cond delay="0"/>
+                                  </p:stCondLst>
+                                  <p:childTnLst>
+                                    <p:set>
+                                      <p:cBhvr>
+                                        <p:cTn id="30" dur="1" fill="hold">
+                                          <p:stCondLst>
+                                            <p:cond delay="0"/>
+                                          </p:stCondLst>
+                                        </p:cTn>
+                                        <p:tgtEl>
+                                          <p:spTgt spid="34819">
+                                            <p:txEl>
+                                              <p:pRg st="8" end="8"/>
+                                            </p:txEl>
+                                          </p:spTgt>
+                                        </p:tgtEl>
+                                        <p:attrNameLst>
+                                          <p:attrName>style.visibility</p:attrName>
+                                        </p:attrNameLst>
+                                      </p:cBhvr>
+                                      <p:to>
+                                        <p:strVal val="visible"/>
+                                      </p:to>
+                                    </p:set>
+                                  </p:childTnLst>
+                                </p:cTn>
+                              </p:par>
+                              <p:par>
+                                <p:cTn id="31" presetID="1" presetClass="entr" presetSubtype="0" fill="hold" grpId="0" nodeType="withEffect">
+                                  <p:stCondLst>
+                                    <p:cond delay="0"/>
+                                  </p:stCondLst>
+                                  <p:childTnLst>
+                                    <p:set>
+                                      <p:cBhvr>
+                                        <p:cTn id="32" dur="1" fill="hold">
+                                          <p:stCondLst>
+                                            <p:cond delay="0"/>
+                                          </p:stCondLst>
+                                        </p:cTn>
+                                        <p:tgtEl>
+                                          <p:spTgt spid="34819">
+                                            <p:txEl>
+                                              <p:pRg st="9" end="9"/>
+                                            </p:txEl>
+                                          </p:spTgt>
+                                        </p:tgtEl>
+                                        <p:attrNameLst>
+                                          <p:attrName>style.visibility</p:attrName>
+                                        </p:attrNameLst>
+                                      </p:cBhvr>
+                                      <p:to>
+                                        <p:strVal val="visible"/>
+                                      </p:to>
+                                    </p:set>
+                                  </p:childTnLst>
+                                </p:cTn>
+                              </p:par>
+                            </p:childTnLst>
+                          </p:cTn>
+                        </p:par>
+                      </p:childTnLst>
+                    </p:cTn>
+                  </p:par>
+                </p:childTnLst>
+              </p:cTn>
+              <p:prevCondLst>
+                <p:cond evt="onPrev" delay="0">
+                  <p:tgtEl>
+                    <p:sldTgt/>
+                  </p:tgtEl>
+                </p:cond>
+              </p:prevCondLst>
+              <p:nextCondLst>
+                <p:cond evt="onNext" delay="0">
+                  <p:tgtEl>
+                    <p:sldTgt/>
+                  </p:tgtEl>
+                </p:cond>
+              </p:nextCondLst>
+            </p:seq>
+          </p:childTnLst>
+        </p:cTn>
+      </p:par>
+    </p:tnLst>
+    <p:bldLst>
+      <p:bldP spid="34819" grpId="0" uiExpand="1" build="p"/>
+    </p:bldLst>
+  </p:timing>
 </p:sld>
 </file>
 

--- a/slides/recurrences.pptx
+++ b/slides/recurrences.pptx
@@ -5,10 +5,10 @@
     <p:sldMasterId id="2147483705" r:id="rId1"/>
   </p:sldMasterIdLst>
   <p:notesMasterIdLst>
-    <p:notesMasterId r:id="rId44"/>
+    <p:notesMasterId r:id="rId47"/>
   </p:notesMasterIdLst>
   <p:handoutMasterIdLst>
-    <p:handoutMasterId r:id="rId45"/>
+    <p:handoutMasterId r:id="rId48"/>
   </p:handoutMasterIdLst>
   <p:sldIdLst>
     <p:sldId id="512" r:id="rId2"/>
@@ -53,11 +53,14 @@
     <p:sldId id="613" r:id="rId41"/>
     <p:sldId id="614" r:id="rId42"/>
     <p:sldId id="615" r:id="rId43"/>
+    <p:sldId id="616" r:id="rId44"/>
+    <p:sldId id="617" r:id="rId45"/>
+    <p:sldId id="618" r:id="rId46"/>
   </p:sldIdLst>
   <p:sldSz cx="9144000" cy="6858000" type="screen4x3"/>
   <p:notesSz cx="7315200" cy="9601200"/>
   <p:custDataLst>
-    <p:tags r:id="rId46"/>
+    <p:tags r:id="rId49"/>
   </p:custDataLst>
   <p:defaultTextStyle>
     <a:defPPr>
@@ -1038,7 +1041,7 @@
             <a:fld id="{7AA5AD8F-F3B0-42A1-BADE-3E121779D997}" type="datetime1">
               <a:rPr lang="en-US" smtClean="0"/>
               <a:pPr/>
-              <a:t>9/2/21</a:t>
+              <a:t>9/7/21</a:t>
             </a:fld>
             <a:endParaRPr lang="en-US"/>
           </a:p>
@@ -1398,7 +1401,7 @@
             <a:fld id="{70B371D5-F170-4574-829E-67713AA2AF8B}" type="datetime1">
               <a:rPr lang="en-US" smtClean="0"/>
               <a:pPr/>
-              <a:t>9/2/21</a:t>
+              <a:t>9/7/21</a:t>
             </a:fld>
             <a:endParaRPr lang="en-US"/>
           </a:p>
@@ -1574,7 +1577,7 @@
             <a:fld id="{41DEAF00-D1FE-4F71-8891-85EEE31B7478}" type="datetime1">
               <a:rPr lang="en-US" smtClean="0"/>
               <a:pPr/>
-              <a:t>9/2/21</a:t>
+              <a:t>9/7/21</a:t>
             </a:fld>
             <a:endParaRPr lang="en-US"/>
           </a:p>
@@ -1891,7 +1894,7 @@
             <a:fld id="{94B9C8BD-ED75-4439-AD6B-9DD62AAFC8D9}" type="datetime1">
               <a:rPr lang="en-US" smtClean="0"/>
               <a:pPr/>
-              <a:t>9/2/21</a:t>
+              <a:t>9/7/21</a:t>
             </a:fld>
             <a:endParaRPr lang="en-US"/>
           </a:p>
@@ -2177,7 +2180,7 @@
             <a:fld id="{ECD93607-5884-4A96-A08B-80229D166DF1}" type="datetime1">
               <a:rPr lang="en-US" smtClean="0"/>
               <a:pPr/>
-              <a:t>9/2/21</a:t>
+              <a:t>9/7/21</a:t>
             </a:fld>
             <a:endParaRPr lang="en-US"/>
           </a:p>
@@ -2398,7 +2401,7 @@
             <a:fld id="{6F102B80-C461-45FB-9371-DFC9B0CCC0E5}" type="datetime1">
               <a:rPr lang="en-US" smtClean="0"/>
               <a:pPr/>
-              <a:t>9/2/21</a:t>
+              <a:t>9/7/21</a:t>
             </a:fld>
             <a:endParaRPr lang="en-US"/>
           </a:p>
@@ -2751,7 +2754,7 @@
             <a:fld id="{EA9CD99D-5207-446B-9DC5-D0DDD2D44051}" type="datetime1">
               <a:rPr lang="en-US" smtClean="0"/>
               <a:pPr/>
-              <a:t>9/2/21</a:t>
+              <a:t>9/7/21</a:t>
             </a:fld>
             <a:endParaRPr lang="en-US"/>
           </a:p>
@@ -2984,7 +2987,7 @@
             <a:fld id="{72673F1E-8F53-44C8-9921-41D9D265AD14}" type="datetime1">
               <a:rPr lang="en-US" smtClean="0"/>
               <a:pPr/>
-              <a:t>9/2/21</a:t>
+              <a:t>9/7/21</a:t>
             </a:fld>
             <a:endParaRPr lang="en-US"/>
           </a:p>
@@ -3126,7 +3129,7 @@
             <a:fld id="{E298527C-C606-48C4-B4D5-2567D6898083}" type="datetime1">
               <a:rPr lang="en-US" smtClean="0"/>
               <a:pPr/>
-              <a:t>9/2/21</a:t>
+              <a:t>9/7/21</a:t>
             </a:fld>
             <a:endParaRPr lang="en-US"/>
           </a:p>
@@ -3404,7 +3407,7 @@
             <a:fld id="{1539330C-42EA-483B-AECF-1BED7029D168}" type="datetime1">
               <a:rPr lang="en-US" smtClean="0"/>
               <a:pPr/>
-              <a:t>9/2/21</a:t>
+              <a:t>9/7/21</a:t>
             </a:fld>
             <a:endParaRPr lang="en-US"/>
           </a:p>
@@ -3812,7 +3815,7 @@
             <a:fld id="{6164C552-CBA0-44FF-B21C-CCB2A0CE4F32}" type="datetime1">
               <a:rPr lang="en-US" smtClean="0"/>
               <a:pPr/>
-              <a:t>9/2/21</a:t>
+              <a:t>9/7/21</a:t>
             </a:fld>
             <a:endParaRPr lang="en-US"/>
           </a:p>
@@ -4151,7 +4154,7 @@
             <a:fld id="{616F3C91-9847-4E06-A788-F916DE9E864B}" type="datetime1">
               <a:rPr lang="en-US" smtClean="0"/>
               <a:pPr/>
-              <a:t>9/2/21</a:t>
+              <a:t>9/7/21</a:t>
             </a:fld>
             <a:endParaRPr lang="en-US"/>
           </a:p>
@@ -7680,7 +7683,7 @@
           <a:graphicData uri="http://schemas.openxmlformats.org/presentationml/2006/ole">
             <mc:AlternateContent xmlns:mc="http://schemas.openxmlformats.org/markup-compatibility/2006">
               <mc:Choice xmlns:v="urn:schemas-microsoft-com:vml" Requires="v">
-                <p:oleObj spid="_x0000_s39017" name="Photo Editor Photo" r:id="rId6" imgW="7658764" imgH="4031329" progId="">
+                <p:oleObj spid="_x0000_s39022" name="Photo Editor Photo" r:id="rId6" imgW="7658764" imgH="4031329" progId="">
                   <p:embed/>
                 </p:oleObj>
               </mc:Choice>
@@ -7722,14 +7725,14 @@
                       </a:ln>
                       <a:extLst>
                         <a:ext uri="{909E8E84-426E-40dd-AFC4-6F175D3DCCD1}">
-                          <a14:hiddenFill xmlns="" xmlns:a14="http://schemas.microsoft.com/office/drawing/2010/main">
+                          <a14:hiddenFill xmlns:a14="http://schemas.microsoft.com/office/drawing/2010/main" xmlns="">
                             <a:solidFill>
                               <a:schemeClr val="tx1"/>
                             </a:solidFill>
                           </a14:hiddenFill>
                         </a:ext>
                         <a:ext uri="{91240B29-F687-4f45-9708-019B960494DF}">
-                          <a14:hiddenLine xmlns="" xmlns:a14="http://schemas.microsoft.com/office/drawing/2010/main" w="9525">
+                          <a14:hiddenLine xmlns:a14="http://schemas.microsoft.com/office/drawing/2010/main" xmlns="" w="9525">
                             <a:solidFill>
                               <a:schemeClr val="tx1"/>
                             </a:solidFill>
@@ -8815,6 +8818,395 @@
   <p:clrMapOvr>
     <a:masterClrMapping/>
   </p:clrMapOvr>
+  <p:timing>
+    <p:tnLst>
+      <p:par>
+        <p:cTn id="1" dur="indefinite" restart="never" nodeType="tmRoot">
+          <p:childTnLst>
+            <p:seq concurrent="1" nextAc="seek">
+              <p:cTn id="2" dur="indefinite" nodeType="mainSeq">
+                <p:childTnLst>
+                  <p:par>
+                    <p:cTn id="3" fill="hold">
+                      <p:stCondLst>
+                        <p:cond delay="indefinite"/>
+                      </p:stCondLst>
+                      <p:childTnLst>
+                        <p:par>
+                          <p:cTn id="4" fill="hold">
+                            <p:stCondLst>
+                              <p:cond delay="0"/>
+                            </p:stCondLst>
+                            <p:childTnLst>
+                              <p:par>
+                                <p:cTn id="5" presetID="1" presetClass="entr" presetSubtype="0" fill="hold" grpId="0" nodeType="clickEffect">
+                                  <p:stCondLst>
+                                    <p:cond delay="0"/>
+                                  </p:stCondLst>
+                                  <p:childTnLst>
+                                    <p:set>
+                                      <p:cBhvr>
+                                        <p:cTn id="6" dur="1" fill="hold">
+                                          <p:stCondLst>
+                                            <p:cond delay="0"/>
+                                          </p:stCondLst>
+                                        </p:cTn>
+                                        <p:tgtEl>
+                                          <p:spTgt spid="41987">
+                                            <p:txEl>
+                                              <p:pRg st="0" end="0"/>
+                                            </p:txEl>
+                                          </p:spTgt>
+                                        </p:tgtEl>
+                                        <p:attrNameLst>
+                                          <p:attrName>style.visibility</p:attrName>
+                                        </p:attrNameLst>
+                                      </p:cBhvr>
+                                      <p:to>
+                                        <p:strVal val="visible"/>
+                                      </p:to>
+                                    </p:set>
+                                  </p:childTnLst>
+                                </p:cTn>
+                              </p:par>
+                              <p:par>
+                                <p:cTn id="7" presetID="1" presetClass="entr" presetSubtype="0" fill="hold" grpId="0" nodeType="withEffect">
+                                  <p:stCondLst>
+                                    <p:cond delay="0"/>
+                                  </p:stCondLst>
+                                  <p:childTnLst>
+                                    <p:set>
+                                      <p:cBhvr>
+                                        <p:cTn id="8" dur="1" fill="hold">
+                                          <p:stCondLst>
+                                            <p:cond delay="0"/>
+                                          </p:stCondLst>
+                                        </p:cTn>
+                                        <p:tgtEl>
+                                          <p:spTgt spid="41987">
+                                            <p:txEl>
+                                              <p:pRg st="1" end="1"/>
+                                            </p:txEl>
+                                          </p:spTgt>
+                                        </p:tgtEl>
+                                        <p:attrNameLst>
+                                          <p:attrName>style.visibility</p:attrName>
+                                        </p:attrNameLst>
+                                      </p:cBhvr>
+                                      <p:to>
+                                        <p:strVal val="visible"/>
+                                      </p:to>
+                                    </p:set>
+                                  </p:childTnLst>
+                                </p:cTn>
+                              </p:par>
+                            </p:childTnLst>
+                          </p:cTn>
+                        </p:par>
+                      </p:childTnLst>
+                    </p:cTn>
+                  </p:par>
+                  <p:par>
+                    <p:cTn id="9" fill="hold">
+                      <p:stCondLst>
+                        <p:cond delay="indefinite"/>
+                      </p:stCondLst>
+                      <p:childTnLst>
+                        <p:par>
+                          <p:cTn id="10" fill="hold">
+                            <p:stCondLst>
+                              <p:cond delay="0"/>
+                            </p:stCondLst>
+                            <p:childTnLst>
+                              <p:par>
+                                <p:cTn id="11" presetID="1" presetClass="entr" presetSubtype="0" fill="hold" grpId="0" nodeType="clickEffect">
+                                  <p:stCondLst>
+                                    <p:cond delay="0"/>
+                                  </p:stCondLst>
+                                  <p:childTnLst>
+                                    <p:set>
+                                      <p:cBhvr>
+                                        <p:cTn id="12" dur="1" fill="hold">
+                                          <p:stCondLst>
+                                            <p:cond delay="0"/>
+                                          </p:stCondLst>
+                                        </p:cTn>
+                                        <p:tgtEl>
+                                          <p:spTgt spid="41987">
+                                            <p:txEl>
+                                              <p:pRg st="3" end="3"/>
+                                            </p:txEl>
+                                          </p:spTgt>
+                                        </p:tgtEl>
+                                        <p:attrNameLst>
+                                          <p:attrName>style.visibility</p:attrName>
+                                        </p:attrNameLst>
+                                      </p:cBhvr>
+                                      <p:to>
+                                        <p:strVal val="visible"/>
+                                      </p:to>
+                                    </p:set>
+                                  </p:childTnLst>
+                                </p:cTn>
+                              </p:par>
+                            </p:childTnLst>
+                          </p:cTn>
+                        </p:par>
+                      </p:childTnLst>
+                    </p:cTn>
+                  </p:par>
+                  <p:par>
+                    <p:cTn id="13" fill="hold">
+                      <p:stCondLst>
+                        <p:cond delay="indefinite"/>
+                      </p:stCondLst>
+                      <p:childTnLst>
+                        <p:par>
+                          <p:cTn id="14" fill="hold">
+                            <p:stCondLst>
+                              <p:cond delay="0"/>
+                            </p:stCondLst>
+                            <p:childTnLst>
+                              <p:par>
+                                <p:cTn id="15" presetID="1" presetClass="entr" presetSubtype="0" fill="hold" grpId="0" nodeType="clickEffect">
+                                  <p:stCondLst>
+                                    <p:cond delay="0"/>
+                                  </p:stCondLst>
+                                  <p:childTnLst>
+                                    <p:set>
+                                      <p:cBhvr>
+                                        <p:cTn id="16" dur="1" fill="hold">
+                                          <p:stCondLst>
+                                            <p:cond delay="0"/>
+                                          </p:stCondLst>
+                                        </p:cTn>
+                                        <p:tgtEl>
+                                          <p:spTgt spid="41987">
+                                            <p:txEl>
+                                              <p:pRg st="4" end="4"/>
+                                            </p:txEl>
+                                          </p:spTgt>
+                                        </p:tgtEl>
+                                        <p:attrNameLst>
+                                          <p:attrName>style.visibility</p:attrName>
+                                        </p:attrNameLst>
+                                      </p:cBhvr>
+                                      <p:to>
+                                        <p:strVal val="visible"/>
+                                      </p:to>
+                                    </p:set>
+                                  </p:childTnLst>
+                                </p:cTn>
+                              </p:par>
+                            </p:childTnLst>
+                          </p:cTn>
+                        </p:par>
+                      </p:childTnLst>
+                    </p:cTn>
+                  </p:par>
+                  <p:par>
+                    <p:cTn id="17" fill="hold">
+                      <p:stCondLst>
+                        <p:cond delay="indefinite"/>
+                      </p:stCondLst>
+                      <p:childTnLst>
+                        <p:par>
+                          <p:cTn id="18" fill="hold">
+                            <p:stCondLst>
+                              <p:cond delay="0"/>
+                            </p:stCondLst>
+                            <p:childTnLst>
+                              <p:par>
+                                <p:cTn id="19" presetID="1" presetClass="entr" presetSubtype="0" fill="hold" grpId="0" nodeType="clickEffect">
+                                  <p:stCondLst>
+                                    <p:cond delay="0"/>
+                                  </p:stCondLst>
+                                  <p:childTnLst>
+                                    <p:set>
+                                      <p:cBhvr>
+                                        <p:cTn id="20" dur="1" fill="hold">
+                                          <p:stCondLst>
+                                            <p:cond delay="0"/>
+                                          </p:stCondLst>
+                                        </p:cTn>
+                                        <p:tgtEl>
+                                          <p:spTgt spid="41987">
+                                            <p:txEl>
+                                              <p:pRg st="6" end="6"/>
+                                            </p:txEl>
+                                          </p:spTgt>
+                                        </p:tgtEl>
+                                        <p:attrNameLst>
+                                          <p:attrName>style.visibility</p:attrName>
+                                        </p:attrNameLst>
+                                      </p:cBhvr>
+                                      <p:to>
+                                        <p:strVal val="visible"/>
+                                      </p:to>
+                                    </p:set>
+                                  </p:childTnLst>
+                                </p:cTn>
+                              </p:par>
+                            </p:childTnLst>
+                          </p:cTn>
+                        </p:par>
+                      </p:childTnLst>
+                    </p:cTn>
+                  </p:par>
+                  <p:par>
+                    <p:cTn id="21" fill="hold">
+                      <p:stCondLst>
+                        <p:cond delay="indefinite"/>
+                      </p:stCondLst>
+                      <p:childTnLst>
+                        <p:par>
+                          <p:cTn id="22" fill="hold">
+                            <p:stCondLst>
+                              <p:cond delay="0"/>
+                            </p:stCondLst>
+                            <p:childTnLst>
+                              <p:par>
+                                <p:cTn id="23" presetID="1" presetClass="entr" presetSubtype="0" fill="hold" grpId="0" nodeType="clickEffect">
+                                  <p:stCondLst>
+                                    <p:cond delay="0"/>
+                                  </p:stCondLst>
+                                  <p:childTnLst>
+                                    <p:set>
+                                      <p:cBhvr>
+                                        <p:cTn id="24" dur="1" fill="hold">
+                                          <p:stCondLst>
+                                            <p:cond delay="0"/>
+                                          </p:stCondLst>
+                                        </p:cTn>
+                                        <p:tgtEl>
+                                          <p:spTgt spid="41987">
+                                            <p:txEl>
+                                              <p:pRg st="8" end="8"/>
+                                            </p:txEl>
+                                          </p:spTgt>
+                                        </p:tgtEl>
+                                        <p:attrNameLst>
+                                          <p:attrName>style.visibility</p:attrName>
+                                        </p:attrNameLst>
+                                      </p:cBhvr>
+                                      <p:to>
+                                        <p:strVal val="visible"/>
+                                      </p:to>
+                                    </p:set>
+                                  </p:childTnLst>
+                                </p:cTn>
+                              </p:par>
+                              <p:par>
+                                <p:cTn id="25" presetID="1" presetClass="entr" presetSubtype="0" fill="hold" grpId="0" nodeType="withEffect">
+                                  <p:stCondLst>
+                                    <p:cond delay="0"/>
+                                  </p:stCondLst>
+                                  <p:childTnLst>
+                                    <p:set>
+                                      <p:cBhvr>
+                                        <p:cTn id="26" dur="1" fill="hold">
+                                          <p:stCondLst>
+                                            <p:cond delay="0"/>
+                                          </p:stCondLst>
+                                        </p:cTn>
+                                        <p:tgtEl>
+                                          <p:spTgt spid="41987">
+                                            <p:txEl>
+                                              <p:pRg st="9" end="9"/>
+                                            </p:txEl>
+                                          </p:spTgt>
+                                        </p:tgtEl>
+                                        <p:attrNameLst>
+                                          <p:attrName>style.visibility</p:attrName>
+                                        </p:attrNameLst>
+                                      </p:cBhvr>
+                                      <p:to>
+                                        <p:strVal val="visible"/>
+                                      </p:to>
+                                    </p:set>
+                                  </p:childTnLst>
+                                </p:cTn>
+                              </p:par>
+                            </p:childTnLst>
+                          </p:cTn>
+                        </p:par>
+                      </p:childTnLst>
+                    </p:cTn>
+                  </p:par>
+                  <p:par>
+                    <p:cTn id="27" fill="hold">
+                      <p:stCondLst>
+                        <p:cond delay="indefinite"/>
+                      </p:stCondLst>
+                      <p:childTnLst>
+                        <p:par>
+                          <p:cTn id="28" fill="hold">
+                            <p:stCondLst>
+                              <p:cond delay="0"/>
+                            </p:stCondLst>
+                            <p:childTnLst>
+                              <p:par>
+                                <p:cTn id="29" presetID="1" presetClass="entr" presetSubtype="0" fill="hold" grpId="0" nodeType="clickEffect">
+                                  <p:stCondLst>
+                                    <p:cond delay="0"/>
+                                  </p:stCondLst>
+                                  <p:childTnLst>
+                                    <p:set>
+                                      <p:cBhvr>
+                                        <p:cTn id="30" dur="1" fill="hold">
+                                          <p:stCondLst>
+                                            <p:cond delay="0"/>
+                                          </p:stCondLst>
+                                        </p:cTn>
+                                        <p:tgtEl>
+                                          <p:spTgt spid="41987">
+                                            <p:txEl>
+                                              <p:pRg st="11" end="11"/>
+                                            </p:txEl>
+                                          </p:spTgt>
+                                        </p:tgtEl>
+                                        <p:attrNameLst>
+                                          <p:attrName>style.visibility</p:attrName>
+                                        </p:attrNameLst>
+                                      </p:cBhvr>
+                                      <p:to>
+                                        <p:strVal val="visible"/>
+                                      </p:to>
+                                    </p:set>
+                                  </p:childTnLst>
+                                </p:cTn>
+                              </p:par>
+                            </p:childTnLst>
+                          </p:cTn>
+                        </p:par>
+                      </p:childTnLst>
+                    </p:cTn>
+                  </p:par>
+                </p:childTnLst>
+              </p:cTn>
+              <p:prevCondLst>
+                <p:cond evt="onPrev" delay="0">
+                  <p:tgtEl>
+                    <p:sldTgt/>
+                  </p:tgtEl>
+                </p:cond>
+              </p:prevCondLst>
+              <p:nextCondLst>
+                <p:cond evt="onNext" delay="0">
+                  <p:tgtEl>
+                    <p:sldTgt/>
+                  </p:tgtEl>
+                </p:cond>
+              </p:nextCondLst>
+            </p:seq>
+          </p:childTnLst>
+        </p:cTn>
+      </p:par>
+    </p:tnLst>
+    <p:bldLst>
+      <p:bldP spid="41987" grpId="0" uiExpand="1" build="p"/>
+    </p:bldLst>
+  </p:timing>
 </p:sld>
 </file>
 
@@ -9135,15 +9527,33 @@
                                   </p:childTnLst>
                                 </p:cTn>
                               </p:par>
+                            </p:childTnLst>
+                          </p:cTn>
+                        </p:par>
+                      </p:childTnLst>
+                    </p:cTn>
+                  </p:par>
+                  <p:par>
+                    <p:cTn id="8" fill="hold">
+                      <p:stCondLst>
+                        <p:cond delay="indefinite"/>
+                      </p:stCondLst>
+                      <p:childTnLst>
+                        <p:par>
+                          <p:cTn id="9" fill="hold">
+                            <p:stCondLst>
+                              <p:cond delay="0"/>
+                            </p:stCondLst>
+                            <p:childTnLst>
                               <p:par>
-                                <p:cTn id="8" presetID="22" presetClass="entr" presetSubtype="4" fill="hold" grpId="0" nodeType="withEffect">
+                                <p:cTn id="10" presetID="22" presetClass="entr" presetSubtype="4" fill="hold" grpId="0" nodeType="clickEffect">
                                   <p:stCondLst>
                                     <p:cond delay="0"/>
                                   </p:stCondLst>
                                   <p:childTnLst>
                                     <p:set>
                                       <p:cBhvr>
-                                        <p:cTn id="9" dur="1" fill="hold">
+                                        <p:cTn id="11" dur="1" fill="hold">
                                           <p:stCondLst>
                                             <p:cond delay="0"/>
                                           </p:stCondLst>
@@ -9165,7 +9575,7 @@
                                     </p:set>
                                     <p:animEffect transition="in" filter="wipe(down)">
                                       <p:cBhvr>
-                                        <p:cTn id="10" dur="500"/>
+                                        <p:cTn id="12" dur="500"/>
                                         <p:tgtEl>
                                           <p:spTgt spid="44035">
                                             <p:txEl>
@@ -9185,26 +9595,26 @@
                     </p:cTn>
                   </p:par>
                   <p:par>
-                    <p:cTn id="11" fill="hold">
+                    <p:cTn id="13" fill="hold">
                       <p:stCondLst>
                         <p:cond delay="indefinite"/>
                       </p:stCondLst>
                       <p:childTnLst>
                         <p:par>
-                          <p:cTn id="12" fill="hold">
+                          <p:cTn id="14" fill="hold">
                             <p:stCondLst>
                               <p:cond delay="0"/>
                             </p:stCondLst>
                             <p:childTnLst>
                               <p:par>
-                                <p:cTn id="13" presetID="22" presetClass="entr" presetSubtype="4" fill="hold" grpId="0" nodeType="clickEffect">
+                                <p:cTn id="15" presetID="22" presetClass="entr" presetSubtype="4" fill="hold" grpId="0" nodeType="clickEffect">
                                   <p:stCondLst>
                                     <p:cond delay="0"/>
                                   </p:stCondLst>
                                   <p:childTnLst>
                                     <p:set>
                                       <p:cBhvr>
-                                        <p:cTn id="14" dur="1" fill="hold">
+                                        <p:cTn id="16" dur="1" fill="hold">
                                           <p:stCondLst>
                                             <p:cond delay="0"/>
                                           </p:stCondLst>
@@ -9226,7 +9636,7 @@
                                     </p:set>
                                     <p:animEffect transition="in" filter="wipe(down)">
                                       <p:cBhvr>
-                                        <p:cTn id="15" dur="500"/>
+                                        <p:cTn id="17" dur="500"/>
                                         <p:tgtEl>
                                           <p:spTgt spid="44035">
                                             <p:txEl>
@@ -9240,14 +9650,14 @@
                                 </p:cTn>
                               </p:par>
                               <p:par>
-                                <p:cTn id="16" presetID="22" presetClass="entr" presetSubtype="4" fill="hold" grpId="0" nodeType="withEffect">
+                                <p:cTn id="18" presetID="22" presetClass="entr" presetSubtype="4" fill="hold" grpId="0" nodeType="withEffect">
                                   <p:stCondLst>
                                     <p:cond delay="0"/>
                                   </p:stCondLst>
                                   <p:childTnLst>
                                     <p:set>
                                       <p:cBhvr>
-                                        <p:cTn id="17" dur="1" fill="hold">
+                                        <p:cTn id="19" dur="1" fill="hold">
                                           <p:stCondLst>
                                             <p:cond delay="0"/>
                                           </p:stCondLst>
@@ -9269,7 +9679,7 @@
                                     </p:set>
                                     <p:animEffect transition="in" filter="wipe(down)">
                                       <p:cBhvr>
-                                        <p:cTn id="18" dur="500"/>
+                                        <p:cTn id="20" dur="500"/>
                                         <p:tgtEl>
                                           <p:spTgt spid="44035">
                                             <p:txEl>
@@ -9282,15 +9692,33 @@
                                   </p:childTnLst>
                                 </p:cTn>
                               </p:par>
+                            </p:childTnLst>
+                          </p:cTn>
+                        </p:par>
+                      </p:childTnLst>
+                    </p:cTn>
+                  </p:par>
+                  <p:par>
+                    <p:cTn id="21" fill="hold">
+                      <p:stCondLst>
+                        <p:cond delay="indefinite"/>
+                      </p:stCondLst>
+                      <p:childTnLst>
+                        <p:par>
+                          <p:cTn id="22" fill="hold">
+                            <p:stCondLst>
+                              <p:cond delay="0"/>
+                            </p:stCondLst>
+                            <p:childTnLst>
                               <p:par>
-                                <p:cTn id="19" presetID="22" presetClass="entr" presetSubtype="4" fill="hold" grpId="0" nodeType="withEffect">
+                                <p:cTn id="23" presetID="22" presetClass="entr" presetSubtype="4" fill="hold" grpId="0" nodeType="clickEffect">
                                   <p:stCondLst>
                                     <p:cond delay="0"/>
                                   </p:stCondLst>
                                   <p:childTnLst>
                                     <p:set>
                                       <p:cBhvr>
-                                        <p:cTn id="20" dur="1" fill="hold">
+                                        <p:cTn id="24" dur="1" fill="hold">
                                           <p:stCondLst>
                                             <p:cond delay="0"/>
                                           </p:stCondLst>
@@ -9312,7 +9740,7 @@
                                     </p:set>
                                     <p:animEffect transition="in" filter="wipe(down)">
                                       <p:cBhvr>
-                                        <p:cTn id="21" dur="500"/>
+                                        <p:cTn id="25" dur="500"/>
                                         <p:tgtEl>
                                           <p:spTgt spid="44035">
                                             <p:txEl>
@@ -9325,15 +9753,33 @@
                                   </p:childTnLst>
                                 </p:cTn>
                               </p:par>
+                            </p:childTnLst>
+                          </p:cTn>
+                        </p:par>
+                      </p:childTnLst>
+                    </p:cTn>
+                  </p:par>
+                  <p:par>
+                    <p:cTn id="26" fill="hold">
+                      <p:stCondLst>
+                        <p:cond delay="indefinite"/>
+                      </p:stCondLst>
+                      <p:childTnLst>
+                        <p:par>
+                          <p:cTn id="27" fill="hold">
+                            <p:stCondLst>
+                              <p:cond delay="0"/>
+                            </p:stCondLst>
+                            <p:childTnLst>
                               <p:par>
-                                <p:cTn id="22" presetID="22" presetClass="entr" presetSubtype="4" fill="hold" grpId="0" nodeType="withEffect">
+                                <p:cTn id="28" presetID="22" presetClass="entr" presetSubtype="4" fill="hold" grpId="0" nodeType="clickEffect">
                                   <p:stCondLst>
                                     <p:cond delay="0"/>
                                   </p:stCondLst>
                                   <p:childTnLst>
                                     <p:set>
                                       <p:cBhvr>
-                                        <p:cTn id="23" dur="1" fill="hold">
+                                        <p:cTn id="29" dur="1" fill="hold">
                                           <p:stCondLst>
                                             <p:cond delay="0"/>
                                           </p:stCondLst>
@@ -9355,7 +9801,7 @@
                                     </p:set>
                                     <p:animEffect transition="in" filter="wipe(down)">
                                       <p:cBhvr>
-                                        <p:cTn id="24" dur="500"/>
+                                        <p:cTn id="30" dur="500"/>
                                         <p:tgtEl>
                                           <p:spTgt spid="44035">
                                             <p:txEl>
@@ -9396,7 +9842,7 @@
       </p:par>
     </p:tnLst>
     <p:bldLst>
-      <p:bldP spid="44035" grpId="0" build="p"/>
+      <p:bldP spid="44035" grpId="0" uiExpand="1" build="p"/>
     </p:bldLst>
   </p:timing>
 </p:sld>
@@ -10214,6 +10660,431 @@
   <p:clrMapOvr>
     <a:masterClrMapping/>
   </p:clrMapOvr>
+  <p:timing>
+    <p:tnLst>
+      <p:par>
+        <p:cTn id="1" dur="indefinite" restart="never" nodeType="tmRoot">
+          <p:childTnLst>
+            <p:seq concurrent="1" nextAc="seek">
+              <p:cTn id="2" dur="indefinite" nodeType="mainSeq">
+                <p:childTnLst>
+                  <p:par>
+                    <p:cTn id="3" fill="hold">
+                      <p:stCondLst>
+                        <p:cond delay="indefinite"/>
+                      </p:stCondLst>
+                      <p:childTnLst>
+                        <p:par>
+                          <p:cTn id="4" fill="hold">
+                            <p:stCondLst>
+                              <p:cond delay="0"/>
+                            </p:stCondLst>
+                            <p:childTnLst>
+                              <p:par>
+                                <p:cTn id="5" presetID="1" presetClass="entr" presetSubtype="0" fill="hold" grpId="0" nodeType="clickEffect">
+                                  <p:stCondLst>
+                                    <p:cond delay="0"/>
+                                  </p:stCondLst>
+                                  <p:childTnLst>
+                                    <p:set>
+                                      <p:cBhvr>
+                                        <p:cTn id="6" dur="1" fill="hold">
+                                          <p:stCondLst>
+                                            <p:cond delay="0"/>
+                                          </p:stCondLst>
+                                        </p:cTn>
+                                        <p:tgtEl>
+                                          <p:spTgt spid="45059">
+                                            <p:txEl>
+                                              <p:pRg st="1" end="1"/>
+                                            </p:txEl>
+                                          </p:spTgt>
+                                        </p:tgtEl>
+                                        <p:attrNameLst>
+                                          <p:attrName>style.visibility</p:attrName>
+                                        </p:attrNameLst>
+                                      </p:cBhvr>
+                                      <p:to>
+                                        <p:strVal val="visible"/>
+                                      </p:to>
+                                    </p:set>
+                                  </p:childTnLst>
+                                </p:cTn>
+                              </p:par>
+                            </p:childTnLst>
+                          </p:cTn>
+                        </p:par>
+                      </p:childTnLst>
+                    </p:cTn>
+                  </p:par>
+                  <p:par>
+                    <p:cTn id="7" fill="hold">
+                      <p:stCondLst>
+                        <p:cond delay="indefinite"/>
+                      </p:stCondLst>
+                      <p:childTnLst>
+                        <p:par>
+                          <p:cTn id="8" fill="hold">
+                            <p:stCondLst>
+                              <p:cond delay="0"/>
+                            </p:stCondLst>
+                            <p:childTnLst>
+                              <p:par>
+                                <p:cTn id="9" presetID="1" presetClass="entr" presetSubtype="0" fill="hold" grpId="0" nodeType="clickEffect">
+                                  <p:stCondLst>
+                                    <p:cond delay="0"/>
+                                  </p:stCondLst>
+                                  <p:childTnLst>
+                                    <p:set>
+                                      <p:cBhvr>
+                                        <p:cTn id="10" dur="1" fill="hold">
+                                          <p:stCondLst>
+                                            <p:cond delay="0"/>
+                                          </p:stCondLst>
+                                        </p:cTn>
+                                        <p:tgtEl>
+                                          <p:spTgt spid="45059">
+                                            <p:txEl>
+                                              <p:pRg st="2" end="2"/>
+                                            </p:txEl>
+                                          </p:spTgt>
+                                        </p:tgtEl>
+                                        <p:attrNameLst>
+                                          <p:attrName>style.visibility</p:attrName>
+                                        </p:attrNameLst>
+                                      </p:cBhvr>
+                                      <p:to>
+                                        <p:strVal val="visible"/>
+                                      </p:to>
+                                    </p:set>
+                                  </p:childTnLst>
+                                </p:cTn>
+                              </p:par>
+                            </p:childTnLst>
+                          </p:cTn>
+                        </p:par>
+                      </p:childTnLst>
+                    </p:cTn>
+                  </p:par>
+                  <p:par>
+                    <p:cTn id="11" fill="hold">
+                      <p:stCondLst>
+                        <p:cond delay="indefinite"/>
+                      </p:stCondLst>
+                      <p:childTnLst>
+                        <p:par>
+                          <p:cTn id="12" fill="hold">
+                            <p:stCondLst>
+                              <p:cond delay="0"/>
+                            </p:stCondLst>
+                            <p:childTnLst>
+                              <p:par>
+                                <p:cTn id="13" presetID="1" presetClass="entr" presetSubtype="0" fill="hold" grpId="0" nodeType="clickEffect">
+                                  <p:stCondLst>
+                                    <p:cond delay="0"/>
+                                  </p:stCondLst>
+                                  <p:childTnLst>
+                                    <p:set>
+                                      <p:cBhvr>
+                                        <p:cTn id="14" dur="1" fill="hold">
+                                          <p:stCondLst>
+                                            <p:cond delay="0"/>
+                                          </p:stCondLst>
+                                        </p:cTn>
+                                        <p:tgtEl>
+                                          <p:spTgt spid="45059">
+                                            <p:txEl>
+                                              <p:pRg st="3" end="3"/>
+                                            </p:txEl>
+                                          </p:spTgt>
+                                        </p:tgtEl>
+                                        <p:attrNameLst>
+                                          <p:attrName>style.visibility</p:attrName>
+                                        </p:attrNameLst>
+                                      </p:cBhvr>
+                                      <p:to>
+                                        <p:strVal val="visible"/>
+                                      </p:to>
+                                    </p:set>
+                                  </p:childTnLst>
+                                </p:cTn>
+                              </p:par>
+                            </p:childTnLst>
+                          </p:cTn>
+                        </p:par>
+                      </p:childTnLst>
+                    </p:cTn>
+                  </p:par>
+                  <p:par>
+                    <p:cTn id="15" fill="hold">
+                      <p:stCondLst>
+                        <p:cond delay="indefinite"/>
+                      </p:stCondLst>
+                      <p:childTnLst>
+                        <p:par>
+                          <p:cTn id="16" fill="hold">
+                            <p:stCondLst>
+                              <p:cond delay="0"/>
+                            </p:stCondLst>
+                            <p:childTnLst>
+                              <p:par>
+                                <p:cTn id="17" presetID="1" presetClass="entr" presetSubtype="0" fill="hold" grpId="0" nodeType="clickEffect">
+                                  <p:stCondLst>
+                                    <p:cond delay="0"/>
+                                  </p:stCondLst>
+                                  <p:childTnLst>
+                                    <p:set>
+                                      <p:cBhvr>
+                                        <p:cTn id="18" dur="1" fill="hold">
+                                          <p:stCondLst>
+                                            <p:cond delay="0"/>
+                                          </p:stCondLst>
+                                        </p:cTn>
+                                        <p:tgtEl>
+                                          <p:spTgt spid="45059">
+                                            <p:txEl>
+                                              <p:pRg st="4" end="4"/>
+                                            </p:txEl>
+                                          </p:spTgt>
+                                        </p:tgtEl>
+                                        <p:attrNameLst>
+                                          <p:attrName>style.visibility</p:attrName>
+                                        </p:attrNameLst>
+                                      </p:cBhvr>
+                                      <p:to>
+                                        <p:strVal val="visible"/>
+                                      </p:to>
+                                    </p:set>
+                                  </p:childTnLst>
+                                </p:cTn>
+                              </p:par>
+                            </p:childTnLst>
+                          </p:cTn>
+                        </p:par>
+                      </p:childTnLst>
+                    </p:cTn>
+                  </p:par>
+                  <p:par>
+                    <p:cTn id="19" fill="hold">
+                      <p:stCondLst>
+                        <p:cond delay="indefinite"/>
+                      </p:stCondLst>
+                      <p:childTnLst>
+                        <p:par>
+                          <p:cTn id="20" fill="hold">
+                            <p:stCondLst>
+                              <p:cond delay="0"/>
+                            </p:stCondLst>
+                            <p:childTnLst>
+                              <p:par>
+                                <p:cTn id="21" presetID="1" presetClass="entr" presetSubtype="0" fill="hold" grpId="0" nodeType="clickEffect">
+                                  <p:stCondLst>
+                                    <p:cond delay="0"/>
+                                  </p:stCondLst>
+                                  <p:childTnLst>
+                                    <p:set>
+                                      <p:cBhvr>
+                                        <p:cTn id="22" dur="1" fill="hold">
+                                          <p:stCondLst>
+                                            <p:cond delay="0"/>
+                                          </p:stCondLst>
+                                        </p:cTn>
+                                        <p:tgtEl>
+                                          <p:spTgt spid="45059">
+                                            <p:txEl>
+                                              <p:pRg st="5" end="5"/>
+                                            </p:txEl>
+                                          </p:spTgt>
+                                        </p:tgtEl>
+                                        <p:attrNameLst>
+                                          <p:attrName>style.visibility</p:attrName>
+                                        </p:attrNameLst>
+                                      </p:cBhvr>
+                                      <p:to>
+                                        <p:strVal val="visible"/>
+                                      </p:to>
+                                    </p:set>
+                                  </p:childTnLst>
+                                </p:cTn>
+                              </p:par>
+                            </p:childTnLst>
+                          </p:cTn>
+                        </p:par>
+                      </p:childTnLst>
+                    </p:cTn>
+                  </p:par>
+                  <p:par>
+                    <p:cTn id="23" fill="hold">
+                      <p:stCondLst>
+                        <p:cond delay="indefinite"/>
+                      </p:stCondLst>
+                      <p:childTnLst>
+                        <p:par>
+                          <p:cTn id="24" fill="hold">
+                            <p:stCondLst>
+                              <p:cond delay="0"/>
+                            </p:stCondLst>
+                            <p:childTnLst>
+                              <p:par>
+                                <p:cTn id="25" presetID="1" presetClass="entr" presetSubtype="0" fill="hold" grpId="0" nodeType="clickEffect">
+                                  <p:stCondLst>
+                                    <p:cond delay="0"/>
+                                  </p:stCondLst>
+                                  <p:childTnLst>
+                                    <p:set>
+                                      <p:cBhvr>
+                                        <p:cTn id="26" dur="1" fill="hold">
+                                          <p:stCondLst>
+                                            <p:cond delay="0"/>
+                                          </p:stCondLst>
+                                        </p:cTn>
+                                        <p:tgtEl>
+                                          <p:spTgt spid="45059">
+                                            <p:txEl>
+                                              <p:pRg st="7" end="7"/>
+                                            </p:txEl>
+                                          </p:spTgt>
+                                        </p:tgtEl>
+                                        <p:attrNameLst>
+                                          <p:attrName>style.visibility</p:attrName>
+                                        </p:attrNameLst>
+                                      </p:cBhvr>
+                                      <p:to>
+                                        <p:strVal val="visible"/>
+                                      </p:to>
+                                    </p:set>
+                                  </p:childTnLst>
+                                </p:cTn>
+                              </p:par>
+                            </p:childTnLst>
+                          </p:cTn>
+                        </p:par>
+                      </p:childTnLst>
+                    </p:cTn>
+                  </p:par>
+                  <p:par>
+                    <p:cTn id="27" fill="hold">
+                      <p:stCondLst>
+                        <p:cond delay="indefinite"/>
+                      </p:stCondLst>
+                      <p:childTnLst>
+                        <p:par>
+                          <p:cTn id="28" fill="hold">
+                            <p:stCondLst>
+                              <p:cond delay="0"/>
+                            </p:stCondLst>
+                            <p:childTnLst>
+                              <p:par>
+                                <p:cTn id="29" presetID="1" presetClass="entr" presetSubtype="0" fill="hold" grpId="0" nodeType="clickEffect">
+                                  <p:stCondLst>
+                                    <p:cond delay="0"/>
+                                  </p:stCondLst>
+                                  <p:childTnLst>
+                                    <p:set>
+                                      <p:cBhvr>
+                                        <p:cTn id="30" dur="1" fill="hold">
+                                          <p:stCondLst>
+                                            <p:cond delay="0"/>
+                                          </p:stCondLst>
+                                        </p:cTn>
+                                        <p:tgtEl>
+                                          <p:spTgt spid="45059">
+                                            <p:txEl>
+                                              <p:pRg st="8" end="8"/>
+                                            </p:txEl>
+                                          </p:spTgt>
+                                        </p:tgtEl>
+                                        <p:attrNameLst>
+                                          <p:attrName>style.visibility</p:attrName>
+                                        </p:attrNameLst>
+                                      </p:cBhvr>
+                                      <p:to>
+                                        <p:strVal val="visible"/>
+                                      </p:to>
+                                    </p:set>
+                                  </p:childTnLst>
+                                </p:cTn>
+                              </p:par>
+                            </p:childTnLst>
+                          </p:cTn>
+                        </p:par>
+                      </p:childTnLst>
+                    </p:cTn>
+                  </p:par>
+                  <p:par>
+                    <p:cTn id="31" fill="hold">
+                      <p:stCondLst>
+                        <p:cond delay="indefinite"/>
+                      </p:stCondLst>
+                      <p:childTnLst>
+                        <p:par>
+                          <p:cTn id="32" fill="hold">
+                            <p:stCondLst>
+                              <p:cond delay="0"/>
+                            </p:stCondLst>
+                            <p:childTnLst>
+                              <p:par>
+                                <p:cTn id="33" presetID="1" presetClass="entr" presetSubtype="0" fill="hold" grpId="0" nodeType="clickEffect">
+                                  <p:stCondLst>
+                                    <p:cond delay="0"/>
+                                  </p:stCondLst>
+                                  <p:childTnLst>
+                                    <p:set>
+                                      <p:cBhvr>
+                                        <p:cTn id="34" dur="1" fill="hold">
+                                          <p:stCondLst>
+                                            <p:cond delay="0"/>
+                                          </p:stCondLst>
+                                        </p:cTn>
+                                        <p:tgtEl>
+                                          <p:spTgt spid="45059">
+                                            <p:txEl>
+                                              <p:pRg st="9" end="9"/>
+                                            </p:txEl>
+                                          </p:spTgt>
+                                        </p:tgtEl>
+                                        <p:attrNameLst>
+                                          <p:attrName>style.visibility</p:attrName>
+                                        </p:attrNameLst>
+                                      </p:cBhvr>
+                                      <p:to>
+                                        <p:strVal val="visible"/>
+                                      </p:to>
+                                    </p:set>
+                                  </p:childTnLst>
+                                </p:cTn>
+                              </p:par>
+                            </p:childTnLst>
+                          </p:cTn>
+                        </p:par>
+                      </p:childTnLst>
+                    </p:cTn>
+                  </p:par>
+                </p:childTnLst>
+              </p:cTn>
+              <p:prevCondLst>
+                <p:cond evt="onPrev" delay="0">
+                  <p:tgtEl>
+                    <p:sldTgt/>
+                  </p:tgtEl>
+                </p:cond>
+              </p:prevCondLst>
+              <p:nextCondLst>
+                <p:cond evt="onNext" delay="0">
+                  <p:tgtEl>
+                    <p:sldTgt/>
+                  </p:tgtEl>
+                </p:cond>
+              </p:nextCondLst>
+            </p:seq>
+          </p:childTnLst>
+        </p:cTn>
+      </p:par>
+    </p:tnLst>
+    <p:bldLst>
+      <p:bldP spid="45059" grpId="0" build="p"/>
+    </p:bldLst>
+  </p:timing>
 </p:sld>
 </file>
 
@@ -10393,6 +11264,235 @@
   <p:clrMapOvr>
     <a:masterClrMapping/>
   </p:clrMapOvr>
+  <p:timing>
+    <p:tnLst>
+      <p:par>
+        <p:cTn id="1" dur="indefinite" restart="never" nodeType="tmRoot">
+          <p:childTnLst>
+            <p:seq concurrent="1" nextAc="seek">
+              <p:cTn id="2" dur="indefinite" nodeType="mainSeq">
+                <p:childTnLst>
+                  <p:par>
+                    <p:cTn id="3" fill="hold">
+                      <p:stCondLst>
+                        <p:cond delay="indefinite"/>
+                      </p:stCondLst>
+                      <p:childTnLst>
+                        <p:par>
+                          <p:cTn id="4" fill="hold">
+                            <p:stCondLst>
+                              <p:cond delay="0"/>
+                            </p:stCondLst>
+                            <p:childTnLst>
+                              <p:par>
+                                <p:cTn id="5" presetID="1" presetClass="entr" presetSubtype="0" fill="hold" grpId="0" nodeType="clickEffect">
+                                  <p:stCondLst>
+                                    <p:cond delay="0"/>
+                                  </p:stCondLst>
+                                  <p:childTnLst>
+                                    <p:set>
+                                      <p:cBhvr>
+                                        <p:cTn id="6" dur="1" fill="hold">
+                                          <p:stCondLst>
+                                            <p:cond delay="0"/>
+                                          </p:stCondLst>
+                                        </p:cTn>
+                                        <p:tgtEl>
+                                          <p:spTgt spid="45059">
+                                            <p:txEl>
+                                              <p:pRg st="1" end="1"/>
+                                            </p:txEl>
+                                          </p:spTgt>
+                                        </p:tgtEl>
+                                        <p:attrNameLst>
+                                          <p:attrName>style.visibility</p:attrName>
+                                        </p:attrNameLst>
+                                      </p:cBhvr>
+                                      <p:to>
+                                        <p:strVal val="visible"/>
+                                      </p:to>
+                                    </p:set>
+                                  </p:childTnLst>
+                                </p:cTn>
+                              </p:par>
+                            </p:childTnLst>
+                          </p:cTn>
+                        </p:par>
+                      </p:childTnLst>
+                    </p:cTn>
+                  </p:par>
+                  <p:par>
+                    <p:cTn id="7" fill="hold">
+                      <p:stCondLst>
+                        <p:cond delay="indefinite"/>
+                      </p:stCondLst>
+                      <p:childTnLst>
+                        <p:par>
+                          <p:cTn id="8" fill="hold">
+                            <p:stCondLst>
+                              <p:cond delay="0"/>
+                            </p:stCondLst>
+                            <p:childTnLst>
+                              <p:par>
+                                <p:cTn id="9" presetID="1" presetClass="entr" presetSubtype="0" fill="hold" grpId="0" nodeType="clickEffect">
+                                  <p:stCondLst>
+                                    <p:cond delay="0"/>
+                                  </p:stCondLst>
+                                  <p:childTnLst>
+                                    <p:set>
+                                      <p:cBhvr>
+                                        <p:cTn id="10" dur="1" fill="hold">
+                                          <p:stCondLst>
+                                            <p:cond delay="0"/>
+                                          </p:stCondLst>
+                                        </p:cTn>
+                                        <p:tgtEl>
+                                          <p:spTgt spid="45059">
+                                            <p:txEl>
+                                              <p:pRg st="2" end="2"/>
+                                            </p:txEl>
+                                          </p:spTgt>
+                                        </p:tgtEl>
+                                        <p:attrNameLst>
+                                          <p:attrName>style.visibility</p:attrName>
+                                        </p:attrNameLst>
+                                      </p:cBhvr>
+                                      <p:to>
+                                        <p:strVal val="visible"/>
+                                      </p:to>
+                                    </p:set>
+                                  </p:childTnLst>
+                                </p:cTn>
+                              </p:par>
+                            </p:childTnLst>
+                          </p:cTn>
+                        </p:par>
+                      </p:childTnLst>
+                    </p:cTn>
+                  </p:par>
+                  <p:par>
+                    <p:cTn id="11" fill="hold">
+                      <p:stCondLst>
+                        <p:cond delay="indefinite"/>
+                      </p:stCondLst>
+                      <p:childTnLst>
+                        <p:par>
+                          <p:cTn id="12" fill="hold">
+                            <p:stCondLst>
+                              <p:cond delay="0"/>
+                            </p:stCondLst>
+                            <p:childTnLst>
+                              <p:par>
+                                <p:cTn id="13" presetID="1" presetClass="entr" presetSubtype="0" fill="hold" grpId="0" nodeType="clickEffect">
+                                  <p:stCondLst>
+                                    <p:cond delay="0"/>
+                                  </p:stCondLst>
+                                  <p:childTnLst>
+                                    <p:set>
+                                      <p:cBhvr>
+                                        <p:cTn id="14" dur="1" fill="hold">
+                                          <p:stCondLst>
+                                            <p:cond delay="0"/>
+                                          </p:stCondLst>
+                                        </p:cTn>
+                                        <p:tgtEl>
+                                          <p:spTgt spid="45059">
+                                            <p:txEl>
+                                              <p:pRg st="4" end="4"/>
+                                            </p:txEl>
+                                          </p:spTgt>
+                                        </p:tgtEl>
+                                        <p:attrNameLst>
+                                          <p:attrName>style.visibility</p:attrName>
+                                        </p:attrNameLst>
+                                      </p:cBhvr>
+                                      <p:to>
+                                        <p:strVal val="visible"/>
+                                      </p:to>
+                                    </p:set>
+                                  </p:childTnLst>
+                                </p:cTn>
+                              </p:par>
+                            </p:childTnLst>
+                          </p:cTn>
+                        </p:par>
+                      </p:childTnLst>
+                    </p:cTn>
+                  </p:par>
+                  <p:par>
+                    <p:cTn id="15" fill="hold">
+                      <p:stCondLst>
+                        <p:cond delay="indefinite"/>
+                      </p:stCondLst>
+                      <p:childTnLst>
+                        <p:par>
+                          <p:cTn id="16" fill="hold">
+                            <p:stCondLst>
+                              <p:cond delay="0"/>
+                            </p:stCondLst>
+                            <p:childTnLst>
+                              <p:par>
+                                <p:cTn id="17" presetID="1" presetClass="entr" presetSubtype="0" fill="hold" grpId="0" nodeType="clickEffect">
+                                  <p:stCondLst>
+                                    <p:cond delay="0"/>
+                                  </p:stCondLst>
+                                  <p:childTnLst>
+                                    <p:set>
+                                      <p:cBhvr>
+                                        <p:cTn id="18" dur="1" fill="hold">
+                                          <p:stCondLst>
+                                            <p:cond delay="0"/>
+                                          </p:stCondLst>
+                                        </p:cTn>
+                                        <p:tgtEl>
+                                          <p:spTgt spid="45059">
+                                            <p:txEl>
+                                              <p:pRg st="6" end="6"/>
+                                            </p:txEl>
+                                          </p:spTgt>
+                                        </p:tgtEl>
+                                        <p:attrNameLst>
+                                          <p:attrName>style.visibility</p:attrName>
+                                        </p:attrNameLst>
+                                      </p:cBhvr>
+                                      <p:to>
+                                        <p:strVal val="visible"/>
+                                      </p:to>
+                                    </p:set>
+                                  </p:childTnLst>
+                                </p:cTn>
+                              </p:par>
+                            </p:childTnLst>
+                          </p:cTn>
+                        </p:par>
+                      </p:childTnLst>
+                    </p:cTn>
+                  </p:par>
+                </p:childTnLst>
+              </p:cTn>
+              <p:prevCondLst>
+                <p:cond evt="onPrev" delay="0">
+                  <p:tgtEl>
+                    <p:sldTgt/>
+                  </p:tgtEl>
+                </p:cond>
+              </p:prevCondLst>
+              <p:nextCondLst>
+                <p:cond evt="onNext" delay="0">
+                  <p:tgtEl>
+                    <p:sldTgt/>
+                  </p:tgtEl>
+                </p:cond>
+              </p:nextCondLst>
+            </p:seq>
+          </p:childTnLst>
+        </p:cTn>
+      </p:par>
+    </p:tnLst>
+    <p:bldLst>
+      <p:bldP spid="45059" grpId="0" build="p"/>
+    </p:bldLst>
+  </p:timing>
 </p:sld>
 </file>
 
@@ -10558,6 +11658,235 @@
   <p:clrMapOvr>
     <a:masterClrMapping/>
   </p:clrMapOvr>
+  <p:timing>
+    <p:tnLst>
+      <p:par>
+        <p:cTn id="1" dur="indefinite" restart="never" nodeType="tmRoot">
+          <p:childTnLst>
+            <p:seq concurrent="1" nextAc="seek">
+              <p:cTn id="2" dur="indefinite" nodeType="mainSeq">
+                <p:childTnLst>
+                  <p:par>
+                    <p:cTn id="3" fill="hold">
+                      <p:stCondLst>
+                        <p:cond delay="indefinite"/>
+                      </p:stCondLst>
+                      <p:childTnLst>
+                        <p:par>
+                          <p:cTn id="4" fill="hold">
+                            <p:stCondLst>
+                              <p:cond delay="0"/>
+                            </p:stCondLst>
+                            <p:childTnLst>
+                              <p:par>
+                                <p:cTn id="5" presetID="1" presetClass="entr" presetSubtype="0" fill="hold" grpId="0" nodeType="clickEffect">
+                                  <p:stCondLst>
+                                    <p:cond delay="0"/>
+                                  </p:stCondLst>
+                                  <p:childTnLst>
+                                    <p:set>
+                                      <p:cBhvr>
+                                        <p:cTn id="6" dur="1" fill="hold">
+                                          <p:stCondLst>
+                                            <p:cond delay="0"/>
+                                          </p:stCondLst>
+                                        </p:cTn>
+                                        <p:tgtEl>
+                                          <p:spTgt spid="45059">
+                                            <p:txEl>
+                                              <p:pRg st="1" end="1"/>
+                                            </p:txEl>
+                                          </p:spTgt>
+                                        </p:tgtEl>
+                                        <p:attrNameLst>
+                                          <p:attrName>style.visibility</p:attrName>
+                                        </p:attrNameLst>
+                                      </p:cBhvr>
+                                      <p:to>
+                                        <p:strVal val="visible"/>
+                                      </p:to>
+                                    </p:set>
+                                  </p:childTnLst>
+                                </p:cTn>
+                              </p:par>
+                            </p:childTnLst>
+                          </p:cTn>
+                        </p:par>
+                      </p:childTnLst>
+                    </p:cTn>
+                  </p:par>
+                  <p:par>
+                    <p:cTn id="7" fill="hold">
+                      <p:stCondLst>
+                        <p:cond delay="indefinite"/>
+                      </p:stCondLst>
+                      <p:childTnLst>
+                        <p:par>
+                          <p:cTn id="8" fill="hold">
+                            <p:stCondLst>
+                              <p:cond delay="0"/>
+                            </p:stCondLst>
+                            <p:childTnLst>
+                              <p:par>
+                                <p:cTn id="9" presetID="1" presetClass="entr" presetSubtype="0" fill="hold" grpId="0" nodeType="clickEffect">
+                                  <p:stCondLst>
+                                    <p:cond delay="0"/>
+                                  </p:stCondLst>
+                                  <p:childTnLst>
+                                    <p:set>
+                                      <p:cBhvr>
+                                        <p:cTn id="10" dur="1" fill="hold">
+                                          <p:stCondLst>
+                                            <p:cond delay="0"/>
+                                          </p:stCondLst>
+                                        </p:cTn>
+                                        <p:tgtEl>
+                                          <p:spTgt spid="45059">
+                                            <p:txEl>
+                                              <p:pRg st="2" end="2"/>
+                                            </p:txEl>
+                                          </p:spTgt>
+                                        </p:tgtEl>
+                                        <p:attrNameLst>
+                                          <p:attrName>style.visibility</p:attrName>
+                                        </p:attrNameLst>
+                                      </p:cBhvr>
+                                      <p:to>
+                                        <p:strVal val="visible"/>
+                                      </p:to>
+                                    </p:set>
+                                  </p:childTnLst>
+                                </p:cTn>
+                              </p:par>
+                            </p:childTnLst>
+                          </p:cTn>
+                        </p:par>
+                      </p:childTnLst>
+                    </p:cTn>
+                  </p:par>
+                  <p:par>
+                    <p:cTn id="11" fill="hold">
+                      <p:stCondLst>
+                        <p:cond delay="indefinite"/>
+                      </p:stCondLst>
+                      <p:childTnLst>
+                        <p:par>
+                          <p:cTn id="12" fill="hold">
+                            <p:stCondLst>
+                              <p:cond delay="0"/>
+                            </p:stCondLst>
+                            <p:childTnLst>
+                              <p:par>
+                                <p:cTn id="13" presetID="1" presetClass="entr" presetSubtype="0" fill="hold" grpId="0" nodeType="clickEffect">
+                                  <p:stCondLst>
+                                    <p:cond delay="0"/>
+                                  </p:stCondLst>
+                                  <p:childTnLst>
+                                    <p:set>
+                                      <p:cBhvr>
+                                        <p:cTn id="14" dur="1" fill="hold">
+                                          <p:stCondLst>
+                                            <p:cond delay="0"/>
+                                          </p:stCondLst>
+                                        </p:cTn>
+                                        <p:tgtEl>
+                                          <p:spTgt spid="45059">
+                                            <p:txEl>
+                                              <p:pRg st="4" end="4"/>
+                                            </p:txEl>
+                                          </p:spTgt>
+                                        </p:tgtEl>
+                                        <p:attrNameLst>
+                                          <p:attrName>style.visibility</p:attrName>
+                                        </p:attrNameLst>
+                                      </p:cBhvr>
+                                      <p:to>
+                                        <p:strVal val="visible"/>
+                                      </p:to>
+                                    </p:set>
+                                  </p:childTnLst>
+                                </p:cTn>
+                              </p:par>
+                            </p:childTnLst>
+                          </p:cTn>
+                        </p:par>
+                      </p:childTnLst>
+                    </p:cTn>
+                  </p:par>
+                  <p:par>
+                    <p:cTn id="15" fill="hold">
+                      <p:stCondLst>
+                        <p:cond delay="indefinite"/>
+                      </p:stCondLst>
+                      <p:childTnLst>
+                        <p:par>
+                          <p:cTn id="16" fill="hold">
+                            <p:stCondLst>
+                              <p:cond delay="0"/>
+                            </p:stCondLst>
+                            <p:childTnLst>
+                              <p:par>
+                                <p:cTn id="17" presetID="1" presetClass="entr" presetSubtype="0" fill="hold" grpId="0" nodeType="clickEffect">
+                                  <p:stCondLst>
+                                    <p:cond delay="0"/>
+                                  </p:stCondLst>
+                                  <p:childTnLst>
+                                    <p:set>
+                                      <p:cBhvr>
+                                        <p:cTn id="18" dur="1" fill="hold">
+                                          <p:stCondLst>
+                                            <p:cond delay="0"/>
+                                          </p:stCondLst>
+                                        </p:cTn>
+                                        <p:tgtEl>
+                                          <p:spTgt spid="45059">
+                                            <p:txEl>
+                                              <p:pRg st="6" end="6"/>
+                                            </p:txEl>
+                                          </p:spTgt>
+                                        </p:tgtEl>
+                                        <p:attrNameLst>
+                                          <p:attrName>style.visibility</p:attrName>
+                                        </p:attrNameLst>
+                                      </p:cBhvr>
+                                      <p:to>
+                                        <p:strVal val="visible"/>
+                                      </p:to>
+                                    </p:set>
+                                  </p:childTnLst>
+                                </p:cTn>
+                              </p:par>
+                            </p:childTnLst>
+                          </p:cTn>
+                        </p:par>
+                      </p:childTnLst>
+                    </p:cTn>
+                  </p:par>
+                </p:childTnLst>
+              </p:cTn>
+              <p:prevCondLst>
+                <p:cond evt="onPrev" delay="0">
+                  <p:tgtEl>
+                    <p:sldTgt/>
+                  </p:tgtEl>
+                </p:cond>
+              </p:prevCondLst>
+              <p:nextCondLst>
+                <p:cond evt="onNext" delay="0">
+                  <p:tgtEl>
+                    <p:sldTgt/>
+                  </p:tgtEl>
+                </p:cond>
+              </p:nextCondLst>
+            </p:seq>
+          </p:childTnLst>
+        </p:cTn>
+      </p:par>
+    </p:tnLst>
+    <p:bldLst>
+      <p:bldP spid="45059" grpId="0" build="p"/>
+    </p:bldLst>
+  </p:timing>
 </p:sld>
 </file>
 
@@ -10736,6 +12065,284 @@
   <p:clrMapOvr>
     <a:masterClrMapping/>
   </p:clrMapOvr>
+  <p:timing>
+    <p:tnLst>
+      <p:par>
+        <p:cTn id="1" dur="indefinite" restart="never" nodeType="tmRoot">
+          <p:childTnLst>
+            <p:seq concurrent="1" nextAc="seek">
+              <p:cTn id="2" dur="indefinite" nodeType="mainSeq">
+                <p:childTnLst>
+                  <p:par>
+                    <p:cTn id="3" fill="hold">
+                      <p:stCondLst>
+                        <p:cond delay="indefinite"/>
+                      </p:stCondLst>
+                      <p:childTnLst>
+                        <p:par>
+                          <p:cTn id="4" fill="hold">
+                            <p:stCondLst>
+                              <p:cond delay="0"/>
+                            </p:stCondLst>
+                            <p:childTnLst>
+                              <p:par>
+                                <p:cTn id="5" presetID="1" presetClass="entr" presetSubtype="0" fill="hold" grpId="0" nodeType="clickEffect">
+                                  <p:stCondLst>
+                                    <p:cond delay="0"/>
+                                  </p:stCondLst>
+                                  <p:childTnLst>
+                                    <p:set>
+                                      <p:cBhvr>
+                                        <p:cTn id="6" dur="1" fill="hold">
+                                          <p:stCondLst>
+                                            <p:cond delay="0"/>
+                                          </p:stCondLst>
+                                        </p:cTn>
+                                        <p:tgtEl>
+                                          <p:spTgt spid="45059">
+                                            <p:txEl>
+                                              <p:pRg st="1" end="1"/>
+                                            </p:txEl>
+                                          </p:spTgt>
+                                        </p:tgtEl>
+                                        <p:attrNameLst>
+                                          <p:attrName>style.visibility</p:attrName>
+                                        </p:attrNameLst>
+                                      </p:cBhvr>
+                                      <p:to>
+                                        <p:strVal val="visible"/>
+                                      </p:to>
+                                    </p:set>
+                                  </p:childTnLst>
+                                </p:cTn>
+                              </p:par>
+                            </p:childTnLst>
+                          </p:cTn>
+                        </p:par>
+                      </p:childTnLst>
+                    </p:cTn>
+                  </p:par>
+                  <p:par>
+                    <p:cTn id="7" fill="hold">
+                      <p:stCondLst>
+                        <p:cond delay="indefinite"/>
+                      </p:stCondLst>
+                      <p:childTnLst>
+                        <p:par>
+                          <p:cTn id="8" fill="hold">
+                            <p:stCondLst>
+                              <p:cond delay="0"/>
+                            </p:stCondLst>
+                            <p:childTnLst>
+                              <p:par>
+                                <p:cTn id="9" presetID="1" presetClass="entr" presetSubtype="0" fill="hold" grpId="0" nodeType="clickEffect">
+                                  <p:stCondLst>
+                                    <p:cond delay="0"/>
+                                  </p:stCondLst>
+                                  <p:childTnLst>
+                                    <p:set>
+                                      <p:cBhvr>
+                                        <p:cTn id="10" dur="1" fill="hold">
+                                          <p:stCondLst>
+                                            <p:cond delay="0"/>
+                                          </p:stCondLst>
+                                        </p:cTn>
+                                        <p:tgtEl>
+                                          <p:spTgt spid="45059">
+                                            <p:txEl>
+                                              <p:pRg st="2" end="2"/>
+                                            </p:txEl>
+                                          </p:spTgt>
+                                        </p:tgtEl>
+                                        <p:attrNameLst>
+                                          <p:attrName>style.visibility</p:attrName>
+                                        </p:attrNameLst>
+                                      </p:cBhvr>
+                                      <p:to>
+                                        <p:strVal val="visible"/>
+                                      </p:to>
+                                    </p:set>
+                                  </p:childTnLst>
+                                </p:cTn>
+                              </p:par>
+                            </p:childTnLst>
+                          </p:cTn>
+                        </p:par>
+                      </p:childTnLst>
+                    </p:cTn>
+                  </p:par>
+                  <p:par>
+                    <p:cTn id="11" fill="hold">
+                      <p:stCondLst>
+                        <p:cond delay="indefinite"/>
+                      </p:stCondLst>
+                      <p:childTnLst>
+                        <p:par>
+                          <p:cTn id="12" fill="hold">
+                            <p:stCondLst>
+                              <p:cond delay="0"/>
+                            </p:stCondLst>
+                            <p:childTnLst>
+                              <p:par>
+                                <p:cTn id="13" presetID="1" presetClass="entr" presetSubtype="0" fill="hold" grpId="0" nodeType="clickEffect">
+                                  <p:stCondLst>
+                                    <p:cond delay="0"/>
+                                  </p:stCondLst>
+                                  <p:childTnLst>
+                                    <p:set>
+                                      <p:cBhvr>
+                                        <p:cTn id="14" dur="1" fill="hold">
+                                          <p:stCondLst>
+                                            <p:cond delay="0"/>
+                                          </p:stCondLst>
+                                        </p:cTn>
+                                        <p:tgtEl>
+                                          <p:spTgt spid="45059">
+                                            <p:txEl>
+                                              <p:pRg st="4" end="4"/>
+                                            </p:txEl>
+                                          </p:spTgt>
+                                        </p:tgtEl>
+                                        <p:attrNameLst>
+                                          <p:attrName>style.visibility</p:attrName>
+                                        </p:attrNameLst>
+                                      </p:cBhvr>
+                                      <p:to>
+                                        <p:strVal val="visible"/>
+                                      </p:to>
+                                    </p:set>
+                                  </p:childTnLst>
+                                </p:cTn>
+                              </p:par>
+                            </p:childTnLst>
+                          </p:cTn>
+                        </p:par>
+                      </p:childTnLst>
+                    </p:cTn>
+                  </p:par>
+                  <p:par>
+                    <p:cTn id="15" fill="hold">
+                      <p:stCondLst>
+                        <p:cond delay="indefinite"/>
+                      </p:stCondLst>
+                      <p:childTnLst>
+                        <p:par>
+                          <p:cTn id="16" fill="hold">
+                            <p:stCondLst>
+                              <p:cond delay="0"/>
+                            </p:stCondLst>
+                            <p:childTnLst>
+                              <p:par>
+                                <p:cTn id="17" presetID="1" presetClass="entr" presetSubtype="0" fill="hold" grpId="0" nodeType="clickEffect">
+                                  <p:stCondLst>
+                                    <p:cond delay="0"/>
+                                  </p:stCondLst>
+                                  <p:childTnLst>
+                                    <p:set>
+                                      <p:cBhvr>
+                                        <p:cTn id="18" dur="1" fill="hold">
+                                          <p:stCondLst>
+                                            <p:cond delay="0"/>
+                                          </p:stCondLst>
+                                        </p:cTn>
+                                        <p:tgtEl>
+                                          <p:spTgt spid="45059">
+                                            <p:txEl>
+                                              <p:pRg st="6" end="6"/>
+                                            </p:txEl>
+                                          </p:spTgt>
+                                        </p:tgtEl>
+                                        <p:attrNameLst>
+                                          <p:attrName>style.visibility</p:attrName>
+                                        </p:attrNameLst>
+                                      </p:cBhvr>
+                                      <p:to>
+                                        <p:strVal val="visible"/>
+                                      </p:to>
+                                    </p:set>
+                                  </p:childTnLst>
+                                </p:cTn>
+                              </p:par>
+                            </p:childTnLst>
+                          </p:cTn>
+                        </p:par>
+                      </p:childTnLst>
+                    </p:cTn>
+                  </p:par>
+                  <p:par>
+                    <p:cTn id="19" fill="hold">
+                      <p:stCondLst>
+                        <p:cond delay="indefinite"/>
+                      </p:stCondLst>
+                      <p:childTnLst>
+                        <p:par>
+                          <p:cTn id="20" fill="hold">
+                            <p:stCondLst>
+                              <p:cond delay="0"/>
+                            </p:stCondLst>
+                            <p:childTnLst>
+                              <p:par>
+                                <p:cTn id="21" presetID="1" presetClass="entr" presetSubtype="0" fill="hold" grpId="0" nodeType="clickEffect">
+                                  <p:stCondLst>
+                                    <p:cond delay="0"/>
+                                  </p:stCondLst>
+                                  <p:childTnLst>
+                                    <p:set>
+                                      <p:cBhvr>
+                                        <p:cTn id="22" dur="1" fill="hold">
+                                          <p:stCondLst>
+                                            <p:cond delay="0"/>
+                                          </p:stCondLst>
+                                        </p:cTn>
+                                        <p:tgtEl>
+                                          <p:spTgt spid="45059">
+                                            <p:txEl>
+                                              <p:pRg st="7" end="7"/>
+                                            </p:txEl>
+                                          </p:spTgt>
+                                        </p:tgtEl>
+                                        <p:attrNameLst>
+                                          <p:attrName>style.visibility</p:attrName>
+                                        </p:attrNameLst>
+                                      </p:cBhvr>
+                                      <p:to>
+                                        <p:strVal val="visible"/>
+                                      </p:to>
+                                    </p:set>
+                                  </p:childTnLst>
+                                </p:cTn>
+                              </p:par>
+                            </p:childTnLst>
+                          </p:cTn>
+                        </p:par>
+                      </p:childTnLst>
+                    </p:cTn>
+                  </p:par>
+                </p:childTnLst>
+              </p:cTn>
+              <p:prevCondLst>
+                <p:cond evt="onPrev" delay="0">
+                  <p:tgtEl>
+                    <p:sldTgt/>
+                  </p:tgtEl>
+                </p:cond>
+              </p:prevCondLst>
+              <p:nextCondLst>
+                <p:cond evt="onNext" delay="0">
+                  <p:tgtEl>
+                    <p:sldTgt/>
+                  </p:tgtEl>
+                </p:cond>
+              </p:nextCondLst>
+            </p:seq>
+          </p:childTnLst>
+        </p:cTn>
+      </p:par>
+    </p:tnLst>
+    <p:bldLst>
+      <p:bldP spid="45059" grpId="0" build="p"/>
+    </p:bldLst>
+  </p:timing>
 </p:sld>
 </file>
 
@@ -11606,8 +13213,8 @@
           </a:p>
         </p:txBody>
       </p:sp>
-      <mc:AlternateContent xmlns:mc="http://schemas.openxmlformats.org/markup-compatibility/2006">
-        <mc:Choice xmlns:a14="http://schemas.microsoft.com/office/drawing/2010/main" Requires="a14">
+      <mc:AlternateContent xmlns:mc="http://schemas.openxmlformats.org/markup-compatibility/2006" xmlns:a14="http://schemas.microsoft.com/office/drawing/2010/main">
+        <mc:Choice Requires="a14">
           <p:sp>
             <p:nvSpPr>
               <p:cNvPr id="34819" name="Rectangle 3"/>
@@ -11810,7 +13417,7 @@
             </p:txBody>
           </p:sp>
         </mc:Choice>
-        <mc:Fallback>
+        <mc:Fallback xmlns="">
           <p:sp>
             <p:nvSpPr>
               <p:cNvPr id="34819" name="Rectangle 3"/>
@@ -11820,7 +13427,7 @@
               <p:nvPr>
                 <p:ph sz="quarter" idx="1"/>
                 <p:custDataLst>
-                  <p:tags r:id="rId2"/>
+                  <p:tags r:id="rId4"/>
                 </p:custDataLst>
               </p:nvPr>
             </p:nvSpPr>
@@ -11830,7 +13437,7 @@
                 <a:ext cx="8553450" cy="4937760"/>
               </a:xfrm>
               <a:blipFill>
-                <a:blip r:embed="rId4"/>
+                <a:blip r:embed="rId5"/>
                 <a:stretch>
                   <a:fillRect t="-1028"/>
                 </a:stretch>
@@ -12208,8 +13815,8 @@
           </a:p>
         </p:txBody>
       </p:sp>
-      <mc:AlternateContent xmlns:mc="http://schemas.openxmlformats.org/markup-compatibility/2006">
-        <mc:Choice xmlns:a14="http://schemas.microsoft.com/office/drawing/2010/main" Requires="a14">
+      <mc:AlternateContent xmlns:mc="http://schemas.openxmlformats.org/markup-compatibility/2006" xmlns:a14="http://schemas.microsoft.com/office/drawing/2010/main">
+        <mc:Choice Requires="a14">
           <p:sp>
             <p:nvSpPr>
               <p:cNvPr id="34819" name="Rectangle 3"/>
@@ -13255,7 +14862,7 @@
             </p:txBody>
           </p:sp>
         </mc:Choice>
-        <mc:Fallback>
+        <mc:Fallback xmlns="">
           <p:sp>
             <p:nvSpPr>
               <p:cNvPr id="34819" name="Rectangle 3"/>
@@ -13265,7 +14872,7 @@
               <p:nvPr>
                 <p:ph sz="quarter" idx="1"/>
                 <p:custDataLst>
-                  <p:tags r:id="rId2"/>
+                  <p:tags r:id="rId4"/>
                 </p:custDataLst>
               </p:nvPr>
             </p:nvSpPr>
@@ -13275,7 +14882,7 @@
                 <a:ext cx="8553450" cy="5502910"/>
               </a:xfrm>
               <a:blipFill>
-                <a:blip r:embed="rId4"/>
+                <a:blip r:embed="rId5"/>
                 <a:stretch>
                   <a:fillRect/>
                 </a:stretch>
@@ -13895,8 +15502,8 @@
           </a:p>
         </p:txBody>
       </p:sp>
-      <mc:AlternateContent xmlns:mc="http://schemas.openxmlformats.org/markup-compatibility/2006">
-        <mc:Choice xmlns:a14="http://schemas.microsoft.com/office/drawing/2010/main" Requires="a14">
+      <mc:AlternateContent xmlns:mc="http://schemas.openxmlformats.org/markup-compatibility/2006" xmlns:a14="http://schemas.microsoft.com/office/drawing/2010/main">
+        <mc:Choice Requires="a14">
           <p:sp>
             <p:nvSpPr>
               <p:cNvPr id="34819" name="Rectangle 3"/>
@@ -14234,7 +15841,7 @@
             </p:txBody>
           </p:sp>
         </mc:Choice>
-        <mc:Fallback>
+        <mc:Fallback xmlns="">
           <p:sp>
             <p:nvSpPr>
               <p:cNvPr id="34819" name="Rectangle 3"/>
@@ -14244,13 +15851,13 @@
               <p:nvPr>
                 <p:ph sz="quarter" idx="1"/>
                 <p:custDataLst>
-                  <p:tags r:id="rId2"/>
+                  <p:tags r:id="rId4"/>
                 </p:custDataLst>
               </p:nvPr>
             </p:nvSpPr>
             <p:spPr>
               <a:blipFill>
-                <a:blip r:embed="rId4"/>
+                <a:blip r:embed="rId5"/>
                 <a:stretch>
                   <a:fillRect l="-772" t="-1285"/>
                 </a:stretch>
@@ -14654,8 +16261,8 @@
           </a:p>
         </p:txBody>
       </p:sp>
-      <mc:AlternateContent xmlns:mc="http://schemas.openxmlformats.org/markup-compatibility/2006">
-        <mc:Choice xmlns:a14="http://schemas.microsoft.com/office/drawing/2010/main" Requires="a14">
+      <mc:AlternateContent xmlns:mc="http://schemas.openxmlformats.org/markup-compatibility/2006" xmlns:a14="http://schemas.microsoft.com/office/drawing/2010/main">
+        <mc:Choice Requires="a14">
           <p:sp>
             <p:nvSpPr>
               <p:cNvPr id="34819" name="Rectangle 3"/>
@@ -14962,7 +16569,7 @@
             </p:txBody>
           </p:sp>
         </mc:Choice>
-        <mc:Fallback>
+        <mc:Fallback xmlns="">
           <p:sp>
             <p:nvSpPr>
               <p:cNvPr id="34819" name="Rectangle 3"/>
@@ -14972,13 +16579,13 @@
               <p:nvPr>
                 <p:ph sz="quarter" idx="1"/>
                 <p:custDataLst>
-                  <p:tags r:id="rId2"/>
+                  <p:tags r:id="rId4"/>
                 </p:custDataLst>
               </p:nvPr>
             </p:nvSpPr>
             <p:spPr>
               <a:blipFill>
-                <a:blip r:embed="rId4"/>
+                <a:blip r:embed="rId5"/>
                 <a:stretch>
                   <a:fillRect l="-772" t="-1285"/>
                 </a:stretch>
@@ -15320,8 +16927,8 @@
           </a:p>
         </p:txBody>
       </p:sp>
-      <mc:AlternateContent xmlns:mc="http://schemas.openxmlformats.org/markup-compatibility/2006">
-        <mc:Choice xmlns:a14="http://schemas.microsoft.com/office/drawing/2010/main" Requires="a14">
+      <mc:AlternateContent xmlns:mc="http://schemas.openxmlformats.org/markup-compatibility/2006" xmlns:a14="http://schemas.microsoft.com/office/drawing/2010/main">
+        <mc:Choice Requires="a14">
           <p:sp>
             <p:nvSpPr>
               <p:cNvPr id="34819" name="Rectangle 3"/>
@@ -16138,7 +17745,7 @@
                     <m:func>
                       <m:funcPr>
                         <m:ctrlPr>
-                          <a:rPr lang="en-US" b="1" smtClean="0">
+                          <a:rPr lang="en-US" b="1" i="1" smtClean="0">
                             <a:latin typeface="Cambria Math" panose="02040503050406030204" pitchFamily="18" charset="0"/>
                           </a:rPr>
                         </m:ctrlPr>
@@ -16147,7 +17754,7 @@
                         <m:sSub>
                           <m:sSubPr>
                             <m:ctrlPr>
-                              <a:rPr lang="en-US" b="1" smtClean="0">
+                              <a:rPr lang="en-US" b="1" i="1" smtClean="0">
                                 <a:latin typeface="Cambria Math" panose="02040503050406030204" pitchFamily="18" charset="0"/>
                               </a:rPr>
                             </m:ctrlPr>
@@ -16207,7 +17814,7 @@
             </p:txBody>
           </p:sp>
         </mc:Choice>
-        <mc:Fallback>
+        <mc:Fallback xmlns="">
           <p:sp>
             <p:nvSpPr>
               <p:cNvPr id="34819" name="Rectangle 3"/>
@@ -16217,13 +17824,13 @@
               <p:nvPr>
                 <p:ph sz="quarter" idx="1"/>
                 <p:custDataLst>
-                  <p:tags r:id="rId2"/>
+                  <p:tags r:id="rId4"/>
                 </p:custDataLst>
               </p:nvPr>
             </p:nvSpPr>
             <p:spPr>
               <a:blipFill>
-                <a:blip r:embed="rId4"/>
+                <a:blip r:embed="rId5"/>
                 <a:stretch>
                   <a:fillRect l="-772" t="-1285"/>
                 </a:stretch>
@@ -16672,6 +18279,2880 @@
     </p:tnLst>
     <p:bldLst>
       <p:bldP spid="34819" grpId="0" uiExpand="1" build="p"/>
+    </p:bldLst>
+  </p:timing>
+</p:sld>
+</file>
+
+<file path=ppt/slides/slide43.xml><?xml version="1.0" encoding="utf-8"?>
+<p:sld xmlns:a="http://schemas.openxmlformats.org/drawingml/2006/main" xmlns:r="http://schemas.openxmlformats.org/officeDocument/2006/relationships" xmlns:p="http://schemas.openxmlformats.org/presentationml/2006/main">
+  <p:cSld>
+    <p:spTree>
+      <p:nvGrpSpPr>
+        <p:cNvPr id="1" name=""/>
+        <p:cNvGrpSpPr/>
+        <p:nvPr/>
+      </p:nvGrpSpPr>
+      <p:grpSpPr>
+        <a:xfrm>
+          <a:off x="0" y="0"/>
+          <a:ext cx="0" cy="0"/>
+          <a:chOff x="0" y="0"/>
+          <a:chExt cx="0" cy="0"/>
+        </a:xfrm>
+      </p:grpSpPr>
+      <p:sp>
+        <p:nvSpPr>
+          <p:cNvPr id="45058" name="Rectangle 2"/>
+          <p:cNvSpPr>
+            <a:spLocks noGrp="1" noChangeArrowheads="1"/>
+          </p:cNvSpPr>
+          <p:nvPr>
+            <p:ph type="title"/>
+            <p:custDataLst>
+              <p:tags r:id="rId1"/>
+            </p:custDataLst>
+          </p:nvPr>
+        </p:nvSpPr>
+        <p:spPr/>
+        <p:txBody>
+          <a:bodyPr/>
+          <a:lstStyle/>
+          <a:p>
+            <a:r>
+              <a:rPr lang="en-US">
+                <a:sym typeface="Symbol" charset="2"/>
+              </a:rPr>
+              <a:t>Problems to Try</a:t>
+            </a:r>
+          </a:p>
+        </p:txBody>
+      </p:sp>
+      <p:sp>
+        <p:nvSpPr>
+          <p:cNvPr id="4" name="Slide Number Placeholder 3"/>
+          <p:cNvSpPr>
+            <a:spLocks noGrp="1"/>
+          </p:cNvSpPr>
+          <p:nvPr>
+            <p:ph type="sldNum" sz="quarter" idx="12"/>
+          </p:nvPr>
+        </p:nvSpPr>
+        <p:spPr/>
+        <p:txBody>
+          <a:bodyPr/>
+          <a:lstStyle/>
+          <a:p>
+            <a:fld id="{0E0CE5E1-73E6-4EC0-A549-568A23C84235}" type="slidenum">
+              <a:rPr lang="en-US" smtClean="0"/>
+              <a:pPr/>
+              <a:t>43</a:t>
+            </a:fld>
+            <a:endParaRPr lang="en-US"/>
+          </a:p>
+        </p:txBody>
+      </p:sp>
+      <p:sp>
+        <p:nvSpPr>
+          <p:cNvPr id="45059" name="Rectangle 3"/>
+          <p:cNvSpPr>
+            <a:spLocks noGrp="1" noChangeArrowheads="1"/>
+          </p:cNvSpPr>
+          <p:nvPr>
+            <p:ph sz="quarter" idx="1"/>
+            <p:custDataLst>
+              <p:tags r:id="rId2"/>
+            </p:custDataLst>
+          </p:nvPr>
+        </p:nvSpPr>
+        <p:spPr/>
+        <p:txBody>
+          <a:bodyPr>
+            <a:normAutofit/>
+          </a:bodyPr>
+          <a:lstStyle/>
+          <a:p>
+            <a:r>
+              <a:rPr lang="en-US" dirty="0">
+                <a:sym typeface="Symbol" charset="2"/>
+              </a:rPr>
+              <a:t>Can you use a theorem on these?</a:t>
+            </a:r>
+          </a:p>
+          <a:p>
+            <a:r>
+              <a:rPr lang="en-US" dirty="0">
+                <a:sym typeface="Symbol" charset="2"/>
+              </a:rPr>
+              <a:t>Assume T(1) = 1</a:t>
+            </a:r>
+          </a:p>
+          <a:p>
+            <a:endParaRPr lang="en-US" dirty="0">
+              <a:sym typeface="Symbol" charset="2"/>
+            </a:endParaRPr>
+          </a:p>
+          <a:p>
+            <a:r>
+              <a:rPr lang="en-US" dirty="0">
+                <a:sym typeface="Symbol" charset="2"/>
+              </a:rPr>
+              <a:t>T(n) = T(n/2) + </a:t>
+            </a:r>
+            <a:r>
+              <a:rPr lang="en-US" dirty="0" err="1">
+                <a:sym typeface="Symbol" charset="2"/>
+              </a:rPr>
+              <a:t>lg</a:t>
+            </a:r>
+            <a:r>
+              <a:rPr lang="en-US" dirty="0">
+                <a:sym typeface="Symbol" charset="2"/>
+              </a:rPr>
+              <a:t> n</a:t>
+            </a:r>
+          </a:p>
+          <a:p>
+            <a:r>
+              <a:rPr lang="en-US" dirty="0">
+                <a:sym typeface="Symbol" charset="2"/>
+              </a:rPr>
+              <a:t>T(n) = T(n/2) + n</a:t>
+            </a:r>
+          </a:p>
+          <a:p>
+            <a:r>
+              <a:rPr lang="en-US" dirty="0">
+                <a:sym typeface="Symbol" charset="2"/>
+              </a:rPr>
+              <a:t>T(n) = 2T(n/2) + n  (like </a:t>
+            </a:r>
+            <a:r>
+              <a:rPr lang="en-US" dirty="0" err="1">
+                <a:sym typeface="Symbol" charset="2"/>
+              </a:rPr>
+              <a:t>Mergesort</a:t>
+            </a:r>
+            <a:r>
+              <a:rPr lang="en-US" dirty="0">
+                <a:sym typeface="Symbol" charset="2"/>
+              </a:rPr>
+              <a:t>)</a:t>
+            </a:r>
+          </a:p>
+          <a:p>
+            <a:r>
+              <a:rPr lang="en-US" dirty="0">
+                <a:sym typeface="Symbol" charset="2"/>
+              </a:rPr>
+              <a:t>T(n) = 2T(n/2) + n </a:t>
+            </a:r>
+            <a:r>
+              <a:rPr lang="en-US" dirty="0" err="1">
+                <a:sym typeface="Symbol" charset="2"/>
+              </a:rPr>
+              <a:t>lg</a:t>
+            </a:r>
+            <a:r>
+              <a:rPr lang="en-US" dirty="0">
+                <a:sym typeface="Symbol" charset="2"/>
+              </a:rPr>
+              <a:t> n</a:t>
+            </a:r>
+          </a:p>
+        </p:txBody>
+      </p:sp>
+    </p:spTree>
+    <p:extLst>
+      <p:ext uri="{BB962C8B-B14F-4D97-AF65-F5344CB8AC3E}">
+        <p14:creationId xmlns:p14="http://schemas.microsoft.com/office/powerpoint/2010/main" val="1011786487"/>
+      </p:ext>
+    </p:extLst>
+  </p:cSld>
+  <p:clrMapOvr>
+    <a:masterClrMapping/>
+  </p:clrMapOvr>
+</p:sld>
+</file>
+
+<file path=ppt/slides/slide44.xml><?xml version="1.0" encoding="utf-8"?>
+<p:sld xmlns:a="http://schemas.openxmlformats.org/drawingml/2006/main" xmlns:r="http://schemas.openxmlformats.org/officeDocument/2006/relationships" xmlns:p="http://schemas.openxmlformats.org/presentationml/2006/main">
+  <p:cSld>
+    <p:spTree>
+      <p:nvGrpSpPr>
+        <p:cNvPr id="1" name=""/>
+        <p:cNvGrpSpPr/>
+        <p:nvPr/>
+      </p:nvGrpSpPr>
+      <p:grpSpPr>
+        <a:xfrm>
+          <a:off x="0" y="0"/>
+          <a:ext cx="0" cy="0"/>
+          <a:chOff x="0" y="0"/>
+          <a:chExt cx="0" cy="0"/>
+        </a:xfrm>
+      </p:grpSpPr>
+      <p:sp>
+        <p:nvSpPr>
+          <p:cNvPr id="45058" name="Rectangle 2"/>
+          <p:cNvSpPr>
+            <a:spLocks noGrp="1" noChangeArrowheads="1"/>
+          </p:cNvSpPr>
+          <p:nvPr>
+            <p:ph type="title"/>
+            <p:custDataLst>
+              <p:tags r:id="rId1"/>
+            </p:custDataLst>
+          </p:nvPr>
+        </p:nvSpPr>
+        <p:spPr/>
+        <p:txBody>
+          <a:bodyPr/>
+          <a:lstStyle/>
+          <a:p>
+            <a:r>
+              <a:rPr lang="en-US">
+                <a:sym typeface="Symbol" charset="2"/>
+              </a:rPr>
+              <a:t>Problems to Try</a:t>
+            </a:r>
+          </a:p>
+        </p:txBody>
+      </p:sp>
+      <p:sp>
+        <p:nvSpPr>
+          <p:cNvPr id="4" name="Slide Number Placeholder 3"/>
+          <p:cNvSpPr>
+            <a:spLocks noGrp="1"/>
+          </p:cNvSpPr>
+          <p:nvPr>
+            <p:ph type="sldNum" sz="quarter" idx="12"/>
+          </p:nvPr>
+        </p:nvSpPr>
+        <p:spPr/>
+        <p:txBody>
+          <a:bodyPr/>
+          <a:lstStyle/>
+          <a:p>
+            <a:fld id="{0E0CE5E1-73E6-4EC0-A549-568A23C84235}" type="slidenum">
+              <a:rPr lang="en-US" smtClean="0"/>
+              <a:pPr/>
+              <a:t>44</a:t>
+            </a:fld>
+            <a:endParaRPr lang="en-US"/>
+          </a:p>
+        </p:txBody>
+      </p:sp>
+      <mc:AlternateContent xmlns:mc="http://schemas.openxmlformats.org/markup-compatibility/2006">
+        <mc:Choice xmlns:a14="http://schemas.microsoft.com/office/drawing/2010/main" Requires="a14">
+          <p:sp>
+            <p:nvSpPr>
+              <p:cNvPr id="45059" name="Rectangle 3"/>
+              <p:cNvSpPr>
+                <a:spLocks noGrp="1" noChangeArrowheads="1"/>
+              </p:cNvSpPr>
+              <p:nvPr>
+                <p:ph sz="quarter" idx="1"/>
+                <p:custDataLst>
+                  <p:tags r:id="rId2"/>
+                </p:custDataLst>
+              </p:nvPr>
+            </p:nvSpPr>
+            <p:spPr/>
+            <p:txBody>
+              <a:bodyPr>
+                <a:normAutofit lnSpcReduction="10000"/>
+              </a:bodyPr>
+              <a:lstStyle/>
+              <a:p>
+                <a14:m>
+                  <m:oMath xmlns:m="http://schemas.openxmlformats.org/officeDocument/2006/math">
+                    <m:r>
+                      <a:rPr lang="en-US" b="0" i="1" smtClean="0">
+                        <a:latin typeface="Cambria Math" panose="02040503050406030204" pitchFamily="18" charset="0"/>
+                        <a:sym typeface="Symbol" charset="2"/>
+                      </a:rPr>
+                      <m:t>𝑇</m:t>
+                    </m:r>
+                    <m:d>
+                      <m:dPr>
+                        <m:ctrlPr>
+                          <a:rPr lang="en-US" b="0" i="1" smtClean="0">
+                            <a:latin typeface="Cambria Math" panose="02040503050406030204" pitchFamily="18" charset="0"/>
+                            <a:sym typeface="Symbol" charset="2"/>
+                          </a:rPr>
+                        </m:ctrlPr>
+                      </m:dPr>
+                      <m:e>
+                        <m:r>
+                          <a:rPr lang="en-US" b="0" i="1" smtClean="0">
+                            <a:latin typeface="Cambria Math" panose="02040503050406030204" pitchFamily="18" charset="0"/>
+                            <a:sym typeface="Symbol" charset="2"/>
+                          </a:rPr>
+                          <m:t>𝑛</m:t>
+                        </m:r>
+                      </m:e>
+                    </m:d>
+                    <m:r>
+                      <a:rPr lang="en-US" b="0" i="1" smtClean="0">
+                        <a:latin typeface="Cambria Math" panose="02040503050406030204" pitchFamily="18" charset="0"/>
+                        <a:sym typeface="Symbol" charset="2"/>
+                      </a:rPr>
+                      <m:t>=</m:t>
+                    </m:r>
+                    <m:r>
+                      <a:rPr lang="en-US" b="0" i="1" smtClean="0">
+                        <a:latin typeface="Cambria Math" panose="02040503050406030204" pitchFamily="18" charset="0"/>
+                        <a:sym typeface="Symbol" charset="2"/>
+                      </a:rPr>
+                      <m:t>𝑇</m:t>
+                    </m:r>
+                    <m:d>
+                      <m:dPr>
+                        <m:ctrlPr>
+                          <a:rPr lang="en-US" b="0" i="1" smtClean="0">
+                            <a:latin typeface="Cambria Math" panose="02040503050406030204" pitchFamily="18" charset="0"/>
+                            <a:sym typeface="Symbol" charset="2"/>
+                          </a:rPr>
+                        </m:ctrlPr>
+                      </m:dPr>
+                      <m:e>
+                        <m:f>
+                          <m:fPr>
+                            <m:ctrlPr>
+                              <a:rPr lang="en-US" b="0" i="1" smtClean="0">
+                                <a:latin typeface="Cambria Math" panose="02040503050406030204" pitchFamily="18" charset="0"/>
+                                <a:sym typeface="Symbol" charset="2"/>
+                              </a:rPr>
+                            </m:ctrlPr>
+                          </m:fPr>
+                          <m:num>
+                            <m:r>
+                              <a:rPr lang="en-US" b="0" i="1" smtClean="0">
+                                <a:latin typeface="Cambria Math" panose="02040503050406030204" pitchFamily="18" charset="0"/>
+                                <a:sym typeface="Symbol" charset="2"/>
+                              </a:rPr>
+                              <m:t>𝑛</m:t>
+                            </m:r>
+                          </m:num>
+                          <m:den>
+                            <m:r>
+                              <a:rPr lang="en-US" b="0" i="1" smtClean="0">
+                                <a:latin typeface="Cambria Math" panose="02040503050406030204" pitchFamily="18" charset="0"/>
+                                <a:sym typeface="Symbol" charset="2"/>
+                              </a:rPr>
+                              <m:t>2</m:t>
+                            </m:r>
+                          </m:den>
+                        </m:f>
+                      </m:e>
+                    </m:d>
+                    <m:r>
+                      <a:rPr lang="en-US" b="0" i="1" smtClean="0">
+                        <a:latin typeface="Cambria Math" panose="02040503050406030204" pitchFamily="18" charset="0"/>
+                        <a:sym typeface="Symbol" charset="2"/>
+                      </a:rPr>
+                      <m:t>+</m:t>
+                    </m:r>
+                    <m:r>
+                      <m:rPr>
+                        <m:sty m:val="p"/>
+                      </m:rPr>
+                      <a:rPr lang="en-US" b="0" i="0" smtClean="0">
+                        <a:latin typeface="Cambria Math" panose="02040503050406030204" pitchFamily="18" charset="0"/>
+                        <a:sym typeface="Symbol" charset="2"/>
+                      </a:rPr>
+                      <m:t>lg</m:t>
+                    </m:r>
+                    <m:r>
+                      <a:rPr lang="en-US" b="0" i="1" smtClean="0">
+                        <a:latin typeface="Cambria Math" panose="02040503050406030204" pitchFamily="18" charset="0"/>
+                        <a:sym typeface="Symbol" charset="2"/>
+                      </a:rPr>
+                      <m:t>⁡(</m:t>
+                    </m:r>
+                    <m:r>
+                      <a:rPr lang="en-US" b="0" i="1" smtClean="0">
+                        <a:latin typeface="Cambria Math" panose="02040503050406030204" pitchFamily="18" charset="0"/>
+                        <a:sym typeface="Symbol" charset="2"/>
+                      </a:rPr>
+                      <m:t>𝑛</m:t>
+                    </m:r>
+                    <m:r>
+                      <a:rPr lang="en-US" b="0" i="1" smtClean="0">
+                        <a:latin typeface="Cambria Math" panose="02040503050406030204" pitchFamily="18" charset="0"/>
+                        <a:sym typeface="Symbol" charset="2"/>
+                      </a:rPr>
+                      <m:t>)</m:t>
+                    </m:r>
+                  </m:oMath>
+                </a14:m>
+                <a:endParaRPr lang="en-US" dirty="0">
+                  <a:sym typeface="Symbol" charset="2"/>
+                </a:endParaRPr>
+              </a:p>
+              <a:p>
+                <a:pPr lvl="1"/>
+                <a14:m>
+                  <m:oMath xmlns:m="http://schemas.openxmlformats.org/officeDocument/2006/math">
+                    <m:r>
+                      <a:rPr lang="en-US" b="0" i="1" smtClean="0">
+                        <a:latin typeface="Cambria Math" panose="02040503050406030204" pitchFamily="18" charset="0"/>
+                        <a:sym typeface="Symbol" charset="2"/>
+                      </a:rPr>
+                      <m:t>𝑘</m:t>
+                    </m:r>
+                    <m:r>
+                      <a:rPr lang="en-US" b="0" i="1" smtClean="0">
+                        <a:latin typeface="Cambria Math" panose="02040503050406030204" pitchFamily="18" charset="0"/>
+                        <a:sym typeface="Symbol" charset="2"/>
+                      </a:rPr>
+                      <m:t>=</m:t>
+                    </m:r>
+                    <m:func>
+                      <m:funcPr>
+                        <m:ctrlPr>
+                          <a:rPr lang="en-US" b="0" i="1" smtClean="0">
+                            <a:latin typeface="Cambria Math" panose="02040503050406030204" pitchFamily="18" charset="0"/>
+                            <a:sym typeface="Symbol" charset="2"/>
+                          </a:rPr>
+                        </m:ctrlPr>
+                      </m:funcPr>
+                      <m:fName>
+                        <m:sSub>
+                          <m:sSubPr>
+                            <m:ctrlPr>
+                              <a:rPr lang="en-US" b="0" i="1" smtClean="0">
+                                <a:latin typeface="Cambria Math" panose="02040503050406030204" pitchFamily="18" charset="0"/>
+                                <a:sym typeface="Symbol" charset="2"/>
+                              </a:rPr>
+                            </m:ctrlPr>
+                          </m:sSubPr>
+                          <m:e>
+                            <m:r>
+                              <m:rPr>
+                                <m:sty m:val="p"/>
+                              </m:rPr>
+                              <a:rPr lang="en-US" b="0" i="0" smtClean="0">
+                                <a:latin typeface="Cambria Math" panose="02040503050406030204" pitchFamily="18" charset="0"/>
+                                <a:sym typeface="Symbol" charset="2"/>
+                              </a:rPr>
+                              <m:t>log</m:t>
+                            </m:r>
+                          </m:e>
+                          <m:sub>
+                            <m:r>
+                              <a:rPr lang="en-US" b="0" i="1" smtClean="0">
+                                <a:latin typeface="Cambria Math" panose="02040503050406030204" pitchFamily="18" charset="0"/>
+                                <a:sym typeface="Symbol" charset="2"/>
+                              </a:rPr>
+                              <m:t>2</m:t>
+                            </m:r>
+                          </m:sub>
+                        </m:sSub>
+                      </m:fName>
+                      <m:e>
+                        <m:d>
+                          <m:dPr>
+                            <m:ctrlPr>
+                              <a:rPr lang="en-US" b="0" i="1" smtClean="0">
+                                <a:latin typeface="Cambria Math" panose="02040503050406030204" pitchFamily="18" charset="0"/>
+                                <a:sym typeface="Symbol" charset="2"/>
+                              </a:rPr>
+                            </m:ctrlPr>
+                          </m:dPr>
+                          <m:e>
+                            <m:r>
+                              <a:rPr lang="en-US" b="0" i="1" smtClean="0">
+                                <a:latin typeface="Cambria Math" panose="02040503050406030204" pitchFamily="18" charset="0"/>
+                                <a:sym typeface="Symbol" charset="2"/>
+                              </a:rPr>
+                              <m:t>1</m:t>
+                            </m:r>
+                          </m:e>
+                        </m:d>
+                        <m:r>
+                          <a:rPr lang="en-US" b="0" i="1" smtClean="0">
+                            <a:latin typeface="Cambria Math" panose="02040503050406030204" pitchFamily="18" charset="0"/>
+                            <a:sym typeface="Symbol" charset="2"/>
+                          </a:rPr>
+                          <m:t>=0</m:t>
+                        </m:r>
+                      </m:e>
+                    </m:func>
+                  </m:oMath>
+                </a14:m>
+                <a:endParaRPr lang="en-US" dirty="0">
+                  <a:sym typeface="Symbol" charset="2"/>
+                </a:endParaRPr>
+              </a:p>
+              <a:p>
+                <a:pPr lvl="1"/>
+                <a14:m>
+                  <m:oMath xmlns:m="http://schemas.openxmlformats.org/officeDocument/2006/math">
+                    <m:sSup>
+                      <m:sSupPr>
+                        <m:ctrlPr>
+                          <a:rPr lang="en-US" b="0" i="1" smtClean="0">
+                            <a:latin typeface="Cambria Math" panose="02040503050406030204" pitchFamily="18" charset="0"/>
+                            <a:sym typeface="Symbol" charset="2"/>
+                          </a:rPr>
+                        </m:ctrlPr>
+                      </m:sSupPr>
+                      <m:e>
+                        <m:r>
+                          <a:rPr lang="en-US" b="0" i="1" smtClean="0">
+                            <a:latin typeface="Cambria Math" panose="02040503050406030204" pitchFamily="18" charset="0"/>
+                            <a:sym typeface="Symbol" charset="2"/>
+                          </a:rPr>
+                          <m:t>𝑛</m:t>
+                        </m:r>
+                      </m:e>
+                      <m:sup>
+                        <m:r>
+                          <a:rPr lang="en-US" b="0" i="1" smtClean="0">
+                            <a:latin typeface="Cambria Math" panose="02040503050406030204" pitchFamily="18" charset="0"/>
+                            <a:sym typeface="Symbol" charset="2"/>
+                          </a:rPr>
+                          <m:t>0</m:t>
+                        </m:r>
+                      </m:sup>
+                    </m:sSup>
+                    <m:r>
+                      <a:rPr lang="en-US" b="0" i="1" smtClean="0">
+                        <a:latin typeface="Cambria Math" panose="02040503050406030204" pitchFamily="18" charset="0"/>
+                        <a:sym typeface="Symbol" charset="2"/>
+                      </a:rPr>
+                      <m:t>=1</m:t>
+                    </m:r>
+                  </m:oMath>
+                </a14:m>
+                <a:r>
+                  <a:rPr lang="en-US" dirty="0">
+                    <a:sym typeface="Symbol" charset="2"/>
+                  </a:rPr>
+                  <a:t>			</a:t>
+                </a:r>
+                <a14:m>
+                  <m:oMath xmlns:m="http://schemas.openxmlformats.org/officeDocument/2006/math">
+                    <m:r>
+                      <a:rPr lang="en-US" b="0" i="1" smtClean="0">
+                        <a:latin typeface="Cambria Math" panose="02040503050406030204" pitchFamily="18" charset="0"/>
+                        <a:sym typeface="Symbol" charset="2"/>
+                      </a:rPr>
+                      <m:t>𝑓</m:t>
+                    </m:r>
+                    <m:d>
+                      <m:dPr>
+                        <m:ctrlPr>
+                          <a:rPr lang="en-US" b="0" i="1" smtClean="0">
+                            <a:latin typeface="Cambria Math" panose="02040503050406030204" pitchFamily="18" charset="0"/>
+                            <a:sym typeface="Symbol" charset="2"/>
+                          </a:rPr>
+                        </m:ctrlPr>
+                      </m:dPr>
+                      <m:e>
+                        <m:r>
+                          <a:rPr lang="en-US" b="0" i="1" smtClean="0">
+                            <a:latin typeface="Cambria Math" panose="02040503050406030204" pitchFamily="18" charset="0"/>
+                            <a:sym typeface="Symbol" charset="2"/>
+                          </a:rPr>
+                          <m:t>𝑛</m:t>
+                        </m:r>
+                      </m:e>
+                    </m:d>
+                    <m:r>
+                      <a:rPr lang="en-US" b="0" i="1" smtClean="0">
+                        <a:latin typeface="Cambria Math" panose="02040503050406030204" pitchFamily="18" charset="0"/>
+                        <a:sym typeface="Symbol" charset="2"/>
+                      </a:rPr>
+                      <m:t>=</m:t>
+                    </m:r>
+                    <m:r>
+                      <m:rPr>
+                        <m:sty m:val="p"/>
+                      </m:rPr>
+                      <a:rPr lang="en-US" b="0" i="0" smtClean="0">
+                        <a:latin typeface="Cambria Math" panose="02040503050406030204" pitchFamily="18" charset="0"/>
+                        <a:sym typeface="Symbol" charset="2"/>
+                      </a:rPr>
+                      <m:t>lg</m:t>
+                    </m:r>
+                    <m:r>
+                      <a:rPr lang="en-US" b="0" i="1" smtClean="0">
+                        <a:latin typeface="Cambria Math" panose="02040503050406030204" pitchFamily="18" charset="0"/>
+                        <a:sym typeface="Symbol" charset="2"/>
+                      </a:rPr>
+                      <m:t>⁡(</m:t>
+                    </m:r>
+                    <m:r>
+                      <a:rPr lang="en-US" b="0" i="1" smtClean="0">
+                        <a:latin typeface="Cambria Math" panose="02040503050406030204" pitchFamily="18" charset="0"/>
+                        <a:sym typeface="Symbol" charset="2"/>
+                      </a:rPr>
+                      <m:t>𝑛</m:t>
+                    </m:r>
+                    <m:r>
+                      <a:rPr lang="en-US" b="0" i="1" smtClean="0">
+                        <a:latin typeface="Cambria Math" panose="02040503050406030204" pitchFamily="18" charset="0"/>
+                        <a:sym typeface="Symbol" charset="2"/>
+                      </a:rPr>
+                      <m:t>)</m:t>
+                    </m:r>
+                  </m:oMath>
+                </a14:m>
+                <a:endParaRPr lang="en-US" dirty="0">
+                  <a:sym typeface="Symbol" charset="2"/>
+                </a:endParaRPr>
+              </a:p>
+              <a:p>
+                <a:r>
+                  <a:rPr lang="en-US" dirty="0">
+                    <a:sym typeface="Symbol" charset="2"/>
+                  </a:rPr>
+                  <a:t>Case 3 does not apply!</a:t>
+                </a:r>
+              </a:p>
+              <a:p>
+                <a:endParaRPr lang="en-US" dirty="0">
+                  <a:sym typeface="Symbol" charset="2"/>
+                </a:endParaRPr>
+              </a:p>
+              <a:p>
+                <a14:m>
+                  <m:oMath xmlns:m="http://schemas.openxmlformats.org/officeDocument/2006/math">
+                    <m:r>
+                      <a:rPr lang="en-US" b="0" i="1" smtClean="0">
+                        <a:latin typeface="Cambria Math" panose="02040503050406030204" pitchFamily="18" charset="0"/>
+                        <a:sym typeface="Symbol" charset="2"/>
+                      </a:rPr>
+                      <m:t>𝑇</m:t>
+                    </m:r>
+                    <m:d>
+                      <m:dPr>
+                        <m:ctrlPr>
+                          <a:rPr lang="en-US" b="0" i="1" smtClean="0">
+                            <a:latin typeface="Cambria Math" panose="02040503050406030204" pitchFamily="18" charset="0"/>
+                            <a:sym typeface="Symbol" charset="2"/>
+                          </a:rPr>
+                        </m:ctrlPr>
+                      </m:dPr>
+                      <m:e>
+                        <m:r>
+                          <a:rPr lang="en-US" b="0" i="1" smtClean="0">
+                            <a:latin typeface="Cambria Math" panose="02040503050406030204" pitchFamily="18" charset="0"/>
+                            <a:sym typeface="Symbol" charset="2"/>
+                          </a:rPr>
+                          <m:t>𝑛</m:t>
+                        </m:r>
+                      </m:e>
+                    </m:d>
+                    <m:r>
+                      <a:rPr lang="en-US" b="0" i="1" smtClean="0">
+                        <a:latin typeface="Cambria Math" panose="02040503050406030204" pitchFamily="18" charset="0"/>
+                        <a:sym typeface="Symbol" charset="2"/>
+                      </a:rPr>
+                      <m:t>=</m:t>
+                    </m:r>
+                    <m:r>
+                      <a:rPr lang="en-US" b="0" i="1" smtClean="0">
+                        <a:latin typeface="Cambria Math" panose="02040503050406030204" pitchFamily="18" charset="0"/>
+                        <a:sym typeface="Symbol" charset="2"/>
+                      </a:rPr>
+                      <m:t>𝑇</m:t>
+                    </m:r>
+                    <m:d>
+                      <m:dPr>
+                        <m:ctrlPr>
+                          <a:rPr lang="en-US" b="0" i="1" smtClean="0">
+                            <a:latin typeface="Cambria Math" panose="02040503050406030204" pitchFamily="18" charset="0"/>
+                            <a:sym typeface="Symbol" charset="2"/>
+                          </a:rPr>
+                        </m:ctrlPr>
+                      </m:dPr>
+                      <m:e>
+                        <m:f>
+                          <m:fPr>
+                            <m:ctrlPr>
+                              <a:rPr lang="en-US" b="0" i="1" smtClean="0">
+                                <a:latin typeface="Cambria Math" panose="02040503050406030204" pitchFamily="18" charset="0"/>
+                                <a:sym typeface="Symbol" charset="2"/>
+                              </a:rPr>
+                            </m:ctrlPr>
+                          </m:fPr>
+                          <m:num>
+                            <m:r>
+                              <a:rPr lang="en-US" b="0" i="1" smtClean="0">
+                                <a:latin typeface="Cambria Math" panose="02040503050406030204" pitchFamily="18" charset="0"/>
+                                <a:sym typeface="Symbol" charset="2"/>
+                              </a:rPr>
+                              <m:t>𝑛</m:t>
+                            </m:r>
+                          </m:num>
+                          <m:den>
+                            <m:r>
+                              <a:rPr lang="en-US" b="0" i="1" smtClean="0">
+                                <a:latin typeface="Cambria Math" panose="02040503050406030204" pitchFamily="18" charset="0"/>
+                                <a:sym typeface="Symbol" charset="2"/>
+                              </a:rPr>
+                              <m:t>2</m:t>
+                            </m:r>
+                          </m:den>
+                        </m:f>
+                      </m:e>
+                    </m:d>
+                    <m:r>
+                      <a:rPr lang="en-US" b="0" i="1" smtClean="0">
+                        <a:latin typeface="Cambria Math" panose="02040503050406030204" pitchFamily="18" charset="0"/>
+                        <a:sym typeface="Symbol" charset="2"/>
+                      </a:rPr>
+                      <m:t>+</m:t>
+                    </m:r>
+                    <m:r>
+                      <a:rPr lang="en-US" b="0" i="1" smtClean="0">
+                        <a:latin typeface="Cambria Math" panose="02040503050406030204" pitchFamily="18" charset="0"/>
+                        <a:sym typeface="Symbol" charset="2"/>
+                      </a:rPr>
+                      <m:t>𝑛</m:t>
+                    </m:r>
+                  </m:oMath>
+                </a14:m>
+                <a:endParaRPr lang="en-US" dirty="0">
+                  <a:sym typeface="Symbol" charset="2"/>
+                </a:endParaRPr>
+              </a:p>
+              <a:p>
+                <a:pPr lvl="1"/>
+                <a14:m>
+                  <m:oMath xmlns:m="http://schemas.openxmlformats.org/officeDocument/2006/math">
+                    <m:r>
+                      <a:rPr lang="en-US" b="0" i="1" smtClean="0">
+                        <a:latin typeface="Cambria Math" panose="02040503050406030204" pitchFamily="18" charset="0"/>
+                        <a:sym typeface="Symbol" charset="2"/>
+                      </a:rPr>
+                      <m:t>𝑘</m:t>
+                    </m:r>
+                    <m:r>
+                      <a:rPr lang="en-US" b="0" i="1" smtClean="0">
+                        <a:latin typeface="Cambria Math" panose="02040503050406030204" pitchFamily="18" charset="0"/>
+                        <a:sym typeface="Symbol" charset="2"/>
+                      </a:rPr>
+                      <m:t>=</m:t>
+                    </m:r>
+                    <m:func>
+                      <m:funcPr>
+                        <m:ctrlPr>
+                          <a:rPr lang="en-US" b="0" i="1" smtClean="0">
+                            <a:latin typeface="Cambria Math" panose="02040503050406030204" pitchFamily="18" charset="0"/>
+                            <a:sym typeface="Symbol" charset="2"/>
+                          </a:rPr>
+                        </m:ctrlPr>
+                      </m:funcPr>
+                      <m:fName>
+                        <m:sSub>
+                          <m:sSubPr>
+                            <m:ctrlPr>
+                              <a:rPr lang="en-US" b="0" i="1" smtClean="0">
+                                <a:latin typeface="Cambria Math" panose="02040503050406030204" pitchFamily="18" charset="0"/>
+                                <a:sym typeface="Symbol" charset="2"/>
+                              </a:rPr>
+                            </m:ctrlPr>
+                          </m:sSubPr>
+                          <m:e>
+                            <m:r>
+                              <m:rPr>
+                                <m:sty m:val="p"/>
+                              </m:rPr>
+                              <a:rPr lang="en-US" b="0" i="0" smtClean="0">
+                                <a:latin typeface="Cambria Math" panose="02040503050406030204" pitchFamily="18" charset="0"/>
+                                <a:sym typeface="Symbol" charset="2"/>
+                              </a:rPr>
+                              <m:t>log</m:t>
+                            </m:r>
+                          </m:e>
+                          <m:sub>
+                            <m:r>
+                              <a:rPr lang="en-US" b="0" i="1" smtClean="0">
+                                <a:latin typeface="Cambria Math" panose="02040503050406030204" pitchFamily="18" charset="0"/>
+                                <a:sym typeface="Symbol" charset="2"/>
+                              </a:rPr>
+                              <m:t>2</m:t>
+                            </m:r>
+                          </m:sub>
+                        </m:sSub>
+                      </m:fName>
+                      <m:e>
+                        <m:d>
+                          <m:dPr>
+                            <m:ctrlPr>
+                              <a:rPr lang="en-US" b="0" i="1" smtClean="0">
+                                <a:latin typeface="Cambria Math" panose="02040503050406030204" pitchFamily="18" charset="0"/>
+                                <a:sym typeface="Symbol" charset="2"/>
+                              </a:rPr>
+                            </m:ctrlPr>
+                          </m:dPr>
+                          <m:e>
+                            <m:r>
+                              <a:rPr lang="en-US" b="0" i="1" smtClean="0">
+                                <a:latin typeface="Cambria Math" panose="02040503050406030204" pitchFamily="18" charset="0"/>
+                                <a:sym typeface="Symbol" charset="2"/>
+                              </a:rPr>
+                              <m:t>1</m:t>
+                            </m:r>
+                          </m:e>
+                        </m:d>
+                        <m:r>
+                          <a:rPr lang="en-US" b="0" i="1" smtClean="0">
+                            <a:latin typeface="Cambria Math" panose="02040503050406030204" pitchFamily="18" charset="0"/>
+                            <a:sym typeface="Symbol" charset="2"/>
+                          </a:rPr>
+                          <m:t>=0</m:t>
+                        </m:r>
+                      </m:e>
+                    </m:func>
+                  </m:oMath>
+                </a14:m>
+                <a:endParaRPr lang="en-US" dirty="0">
+                  <a:sym typeface="Symbol" charset="2"/>
+                </a:endParaRPr>
+              </a:p>
+              <a:p>
+                <a:pPr lvl="1"/>
+                <a14:m>
+                  <m:oMath xmlns:m="http://schemas.openxmlformats.org/officeDocument/2006/math">
+                    <m:sSup>
+                      <m:sSupPr>
+                        <m:ctrlPr>
+                          <a:rPr lang="en-US" b="0" i="1" smtClean="0">
+                            <a:latin typeface="Cambria Math" panose="02040503050406030204" pitchFamily="18" charset="0"/>
+                            <a:sym typeface="Symbol" charset="2"/>
+                          </a:rPr>
+                        </m:ctrlPr>
+                      </m:sSupPr>
+                      <m:e>
+                        <m:r>
+                          <a:rPr lang="en-US" b="0" i="1" smtClean="0">
+                            <a:latin typeface="Cambria Math" panose="02040503050406030204" pitchFamily="18" charset="0"/>
+                            <a:sym typeface="Symbol" charset="2"/>
+                          </a:rPr>
+                          <m:t>𝑛</m:t>
+                        </m:r>
+                      </m:e>
+                      <m:sup>
+                        <m:r>
+                          <a:rPr lang="en-US" b="0" i="1" smtClean="0">
+                            <a:latin typeface="Cambria Math" panose="02040503050406030204" pitchFamily="18" charset="0"/>
+                            <a:sym typeface="Symbol" charset="2"/>
+                          </a:rPr>
+                          <m:t>0</m:t>
+                        </m:r>
+                      </m:sup>
+                    </m:sSup>
+                    <m:r>
+                      <a:rPr lang="en-US" b="0" i="1" smtClean="0">
+                        <a:latin typeface="Cambria Math" panose="02040503050406030204" pitchFamily="18" charset="0"/>
+                        <a:sym typeface="Symbol" charset="2"/>
+                      </a:rPr>
+                      <m:t>=1</m:t>
+                    </m:r>
+                  </m:oMath>
+                </a14:m>
+                <a:r>
+                  <a:rPr lang="en-US" dirty="0">
+                    <a:sym typeface="Symbol" charset="2"/>
+                  </a:rPr>
+                  <a:t>			</a:t>
+                </a:r>
+                <a14:m>
+                  <m:oMath xmlns:m="http://schemas.openxmlformats.org/officeDocument/2006/math">
+                    <m:r>
+                      <a:rPr lang="en-US" b="0" i="1" smtClean="0">
+                        <a:latin typeface="Cambria Math" panose="02040503050406030204" pitchFamily="18" charset="0"/>
+                        <a:sym typeface="Symbol" charset="2"/>
+                      </a:rPr>
+                      <m:t>𝑓</m:t>
+                    </m:r>
+                    <m:d>
+                      <m:dPr>
+                        <m:ctrlPr>
+                          <a:rPr lang="en-US" b="0" i="1" smtClean="0">
+                            <a:latin typeface="Cambria Math" panose="02040503050406030204" pitchFamily="18" charset="0"/>
+                            <a:sym typeface="Symbol" charset="2"/>
+                          </a:rPr>
+                        </m:ctrlPr>
+                      </m:dPr>
+                      <m:e>
+                        <m:r>
+                          <a:rPr lang="en-US" b="0" i="1" smtClean="0">
+                            <a:latin typeface="Cambria Math" panose="02040503050406030204" pitchFamily="18" charset="0"/>
+                            <a:sym typeface="Symbol" charset="2"/>
+                          </a:rPr>
+                          <m:t>𝑛</m:t>
+                        </m:r>
+                      </m:e>
+                    </m:d>
+                    <m:r>
+                      <a:rPr lang="en-US" b="0" i="1" smtClean="0">
+                        <a:latin typeface="Cambria Math" panose="02040503050406030204" pitchFamily="18" charset="0"/>
+                        <a:sym typeface="Symbol" charset="2"/>
+                      </a:rPr>
+                      <m:t>=</m:t>
+                    </m:r>
+                    <m:r>
+                      <a:rPr lang="en-US" b="0" i="1" smtClean="0">
+                        <a:latin typeface="Cambria Math" panose="02040503050406030204" pitchFamily="18" charset="0"/>
+                        <a:sym typeface="Symbol" charset="2"/>
+                      </a:rPr>
+                      <m:t>𝑛</m:t>
+                    </m:r>
+                  </m:oMath>
+                </a14:m>
+                <a:endParaRPr lang="en-US" dirty="0">
+                  <a:sym typeface="Symbol" charset="2"/>
+                </a:endParaRPr>
+              </a:p>
+              <a:p>
+                <a:pPr lvl="1"/>
+                <a:endParaRPr lang="en-US" dirty="0">
+                  <a:sym typeface="Symbol" charset="2"/>
+                </a:endParaRPr>
+              </a:p>
+              <a:p>
+                <a:pPr lvl="1"/>
+                <a:r>
+                  <a:rPr lang="en-US" dirty="0">
+                    <a:sym typeface="Symbol" charset="2"/>
+                  </a:rPr>
+                  <a:t>Case 3: </a:t>
+                </a:r>
+                <a14:m>
+                  <m:oMath xmlns:m="http://schemas.openxmlformats.org/officeDocument/2006/math">
+                    <m:r>
+                      <a:rPr lang="en-US" b="0" i="1" smtClean="0">
+                        <a:latin typeface="Cambria Math" panose="02040503050406030204" pitchFamily="18" charset="0"/>
+                        <a:sym typeface="Symbol" charset="2"/>
+                      </a:rPr>
+                      <m:t>𝑇</m:t>
+                    </m:r>
+                    <m:d>
+                      <m:dPr>
+                        <m:ctrlPr>
+                          <a:rPr lang="en-US" b="0" i="1" smtClean="0">
+                            <a:latin typeface="Cambria Math" panose="02040503050406030204" pitchFamily="18" charset="0"/>
+                            <a:sym typeface="Symbol" charset="2"/>
+                          </a:rPr>
+                        </m:ctrlPr>
+                      </m:dPr>
+                      <m:e>
+                        <m:r>
+                          <a:rPr lang="en-US" b="0" i="1" smtClean="0">
+                            <a:latin typeface="Cambria Math" panose="02040503050406030204" pitchFamily="18" charset="0"/>
+                            <a:sym typeface="Symbol" charset="2"/>
+                          </a:rPr>
+                          <m:t>𝑛</m:t>
+                        </m:r>
+                      </m:e>
+                    </m:d>
+                    <m:r>
+                      <a:rPr lang="en-US" b="0" i="1" smtClean="0">
+                        <a:latin typeface="Cambria Math" panose="02040503050406030204" pitchFamily="18" charset="0"/>
+                        <a:sym typeface="Symbol" charset="2"/>
+                      </a:rPr>
+                      <m:t>=</m:t>
+                    </m:r>
+                    <m:r>
+                      <m:rPr>
+                        <m:sty m:val="p"/>
+                      </m:rPr>
+                      <a:rPr lang="en-US" b="0" i="0" smtClean="0">
+                        <a:latin typeface="Cambria Math" panose="02040503050406030204" pitchFamily="18" charset="0"/>
+                        <a:sym typeface="Symbol" charset="2"/>
+                      </a:rPr>
+                      <m:t>Θ</m:t>
+                    </m:r>
+                    <m:r>
+                      <a:rPr lang="en-US" b="0" i="1" smtClean="0">
+                        <a:latin typeface="Cambria Math" panose="02040503050406030204" pitchFamily="18" charset="0"/>
+                        <a:sym typeface="Symbol" charset="2"/>
+                      </a:rPr>
+                      <m:t>(</m:t>
+                    </m:r>
+                    <m:r>
+                      <a:rPr lang="en-US" b="0" i="1" smtClean="0">
+                        <a:latin typeface="Cambria Math" panose="02040503050406030204" pitchFamily="18" charset="0"/>
+                        <a:sym typeface="Symbol" charset="2"/>
+                      </a:rPr>
+                      <m:t>𝑛</m:t>
+                    </m:r>
+                    <m:r>
+                      <a:rPr lang="en-US" b="0" i="1" smtClean="0">
+                        <a:latin typeface="Cambria Math" panose="02040503050406030204" pitchFamily="18" charset="0"/>
+                        <a:sym typeface="Symbol" charset="2"/>
+                      </a:rPr>
+                      <m:t>)</m:t>
+                    </m:r>
+                  </m:oMath>
+                </a14:m>
+                <a:r>
+                  <a:rPr lang="en-US" dirty="0">
+                    <a:sym typeface="Symbol" charset="2"/>
+                  </a:rPr>
+                  <a:t>		</a:t>
+                </a:r>
+                <a14:m>
+                  <m:oMath xmlns:m="http://schemas.openxmlformats.org/officeDocument/2006/math">
+                    <m:r>
+                      <a:rPr lang="en-US" b="0" i="1" smtClean="0">
+                        <a:latin typeface="Cambria Math" panose="02040503050406030204" pitchFamily="18" charset="0"/>
+                        <a:sym typeface="Symbol" charset="2"/>
+                      </a:rPr>
+                      <m:t>1∗</m:t>
+                    </m:r>
+                    <m:d>
+                      <m:dPr>
+                        <m:ctrlPr>
+                          <a:rPr lang="en-US" b="0" i="1" smtClean="0">
+                            <a:latin typeface="Cambria Math" panose="02040503050406030204" pitchFamily="18" charset="0"/>
+                            <a:sym typeface="Symbol" charset="2"/>
+                          </a:rPr>
+                        </m:ctrlPr>
+                      </m:dPr>
+                      <m:e>
+                        <m:f>
+                          <m:fPr>
+                            <m:ctrlPr>
+                              <a:rPr lang="en-US" b="0" i="1" smtClean="0">
+                                <a:latin typeface="Cambria Math" panose="02040503050406030204" pitchFamily="18" charset="0"/>
+                                <a:sym typeface="Symbol" charset="2"/>
+                              </a:rPr>
+                            </m:ctrlPr>
+                          </m:fPr>
+                          <m:num>
+                            <m:r>
+                              <a:rPr lang="en-US" b="0" i="1" smtClean="0">
+                                <a:latin typeface="Cambria Math" panose="02040503050406030204" pitchFamily="18" charset="0"/>
+                                <a:sym typeface="Symbol" charset="2"/>
+                              </a:rPr>
+                              <m:t>𝑛</m:t>
+                            </m:r>
+                          </m:num>
+                          <m:den>
+                            <m:r>
+                              <a:rPr lang="en-US" b="0" i="1" smtClean="0">
+                                <a:latin typeface="Cambria Math" panose="02040503050406030204" pitchFamily="18" charset="0"/>
+                                <a:sym typeface="Symbol" charset="2"/>
+                              </a:rPr>
+                              <m:t>2</m:t>
+                            </m:r>
+                          </m:den>
+                        </m:f>
+                      </m:e>
+                    </m:d>
+                    <m:r>
+                      <a:rPr lang="en-US" b="0" i="1" smtClean="0">
+                        <a:latin typeface="Cambria Math" panose="02040503050406030204" pitchFamily="18" charset="0"/>
+                        <a:sym typeface="Symbol" charset="2"/>
+                      </a:rPr>
+                      <m:t>≤</m:t>
+                    </m:r>
+                    <m:r>
+                      <a:rPr lang="en-US" b="0" i="1" smtClean="0">
+                        <a:latin typeface="Cambria Math" panose="02040503050406030204" pitchFamily="18" charset="0"/>
+                        <a:sym typeface="Symbol" charset="2"/>
+                      </a:rPr>
+                      <m:t>𝑐</m:t>
+                    </m:r>
+                    <m:r>
+                      <a:rPr lang="en-US" b="0" i="1" smtClean="0">
+                        <a:latin typeface="Cambria Math" panose="02040503050406030204" pitchFamily="18" charset="0"/>
+                        <a:sym typeface="Symbol" charset="2"/>
+                      </a:rPr>
+                      <m:t>∗</m:t>
+                    </m:r>
+                    <m:r>
+                      <a:rPr lang="en-US" b="0" i="1" smtClean="0">
+                        <a:latin typeface="Cambria Math" panose="02040503050406030204" pitchFamily="18" charset="0"/>
+                        <a:sym typeface="Symbol" charset="2"/>
+                      </a:rPr>
+                      <m:t>𝑛</m:t>
+                    </m:r>
+                  </m:oMath>
+                </a14:m>
+                <a:r>
+                  <a:rPr lang="en-US" dirty="0">
+                    <a:sym typeface="Symbol" charset="2"/>
+                  </a:rPr>
+                  <a:t>      //YES </a:t>
+                </a:r>
+              </a:p>
+            </p:txBody>
+          </p:sp>
+        </mc:Choice>
+        <mc:Fallback>
+          <p:sp>
+            <p:nvSpPr>
+              <p:cNvPr id="45059" name="Rectangle 3"/>
+              <p:cNvSpPr>
+                <a:spLocks noGrp="1" noRot="1" noChangeAspect="1" noMove="1" noResize="1" noEditPoints="1" noAdjustHandles="1" noChangeArrowheads="1" noChangeShapeType="1" noTextEdit="1"/>
+              </p:cNvSpPr>
+              <p:nvPr>
+                <p:ph sz="quarter" idx="1"/>
+                <p:custDataLst>
+                  <p:tags r:id="rId2"/>
+                </p:custDataLst>
+              </p:nvPr>
+            </p:nvSpPr>
+            <p:spPr>
+              <a:blipFill>
+                <a:blip r:embed="rId4"/>
+                <a:stretch>
+                  <a:fillRect l="-772"/>
+                </a:stretch>
+              </a:blipFill>
+            </p:spPr>
+            <p:txBody>
+              <a:bodyPr/>
+              <a:lstStyle/>
+              <a:p>
+                <a:r>
+                  <a:rPr lang="en-US">
+                    <a:noFill/>
+                  </a:rPr>
+                  <a:t> </a:t>
+                </a:r>
+              </a:p>
+            </p:txBody>
+          </p:sp>
+        </mc:Fallback>
+      </mc:AlternateContent>
+    </p:spTree>
+    <p:extLst>
+      <p:ext uri="{BB962C8B-B14F-4D97-AF65-F5344CB8AC3E}">
+        <p14:creationId xmlns:p14="http://schemas.microsoft.com/office/powerpoint/2010/main" val="1651504930"/>
+      </p:ext>
+    </p:extLst>
+  </p:cSld>
+  <p:clrMapOvr>
+    <a:masterClrMapping/>
+  </p:clrMapOvr>
+  <p:timing>
+    <p:tnLst>
+      <p:par>
+        <p:cTn id="1" dur="indefinite" restart="never" nodeType="tmRoot">
+          <p:childTnLst>
+            <p:seq concurrent="1" nextAc="seek">
+              <p:cTn id="2" dur="indefinite" nodeType="mainSeq">
+                <p:childTnLst>
+                  <p:par>
+                    <p:cTn id="3" fill="hold">
+                      <p:stCondLst>
+                        <p:cond delay="indefinite"/>
+                      </p:stCondLst>
+                      <p:childTnLst>
+                        <p:par>
+                          <p:cTn id="4" fill="hold">
+                            <p:stCondLst>
+                              <p:cond delay="0"/>
+                            </p:stCondLst>
+                            <p:childTnLst>
+                              <p:par>
+                                <p:cTn id="5" presetID="1" presetClass="entr" presetSubtype="0" fill="hold" grpId="0" nodeType="clickEffect">
+                                  <p:stCondLst>
+                                    <p:cond delay="0"/>
+                                  </p:stCondLst>
+                                  <p:childTnLst>
+                                    <p:set>
+                                      <p:cBhvr>
+                                        <p:cTn id="6" dur="1" fill="hold">
+                                          <p:stCondLst>
+                                            <p:cond delay="0"/>
+                                          </p:stCondLst>
+                                        </p:cTn>
+                                        <p:tgtEl>
+                                          <p:spTgt spid="45059">
+                                            <p:txEl>
+                                              <p:pRg st="0" end="0"/>
+                                            </p:txEl>
+                                          </p:spTgt>
+                                        </p:tgtEl>
+                                        <p:attrNameLst>
+                                          <p:attrName>style.visibility</p:attrName>
+                                        </p:attrNameLst>
+                                      </p:cBhvr>
+                                      <p:to>
+                                        <p:strVal val="visible"/>
+                                      </p:to>
+                                    </p:set>
+                                  </p:childTnLst>
+                                </p:cTn>
+                              </p:par>
+                              <p:par>
+                                <p:cTn id="7" presetID="1" presetClass="entr" presetSubtype="0" fill="hold" grpId="0" nodeType="withEffect">
+                                  <p:stCondLst>
+                                    <p:cond delay="0"/>
+                                  </p:stCondLst>
+                                  <p:childTnLst>
+                                    <p:set>
+                                      <p:cBhvr>
+                                        <p:cTn id="8" dur="1" fill="hold">
+                                          <p:stCondLst>
+                                            <p:cond delay="0"/>
+                                          </p:stCondLst>
+                                        </p:cTn>
+                                        <p:tgtEl>
+                                          <p:spTgt spid="45059">
+                                            <p:txEl>
+                                              <p:pRg st="1" end="1"/>
+                                            </p:txEl>
+                                          </p:spTgt>
+                                        </p:tgtEl>
+                                        <p:attrNameLst>
+                                          <p:attrName>style.visibility</p:attrName>
+                                        </p:attrNameLst>
+                                      </p:cBhvr>
+                                      <p:to>
+                                        <p:strVal val="visible"/>
+                                      </p:to>
+                                    </p:set>
+                                  </p:childTnLst>
+                                </p:cTn>
+                              </p:par>
+                              <p:par>
+                                <p:cTn id="9" presetID="1" presetClass="entr" presetSubtype="0" fill="hold" grpId="0" nodeType="withEffect">
+                                  <p:stCondLst>
+                                    <p:cond delay="0"/>
+                                  </p:stCondLst>
+                                  <p:childTnLst>
+                                    <p:set>
+                                      <p:cBhvr>
+                                        <p:cTn id="10" dur="1" fill="hold">
+                                          <p:stCondLst>
+                                            <p:cond delay="0"/>
+                                          </p:stCondLst>
+                                        </p:cTn>
+                                        <p:tgtEl>
+                                          <p:spTgt spid="45059">
+                                            <p:txEl>
+                                              <p:pRg st="2" end="2"/>
+                                            </p:txEl>
+                                          </p:spTgt>
+                                        </p:tgtEl>
+                                        <p:attrNameLst>
+                                          <p:attrName>style.visibility</p:attrName>
+                                        </p:attrNameLst>
+                                      </p:cBhvr>
+                                      <p:to>
+                                        <p:strVal val="visible"/>
+                                      </p:to>
+                                    </p:set>
+                                  </p:childTnLst>
+                                </p:cTn>
+                              </p:par>
+                            </p:childTnLst>
+                          </p:cTn>
+                        </p:par>
+                      </p:childTnLst>
+                    </p:cTn>
+                  </p:par>
+                  <p:par>
+                    <p:cTn id="11" fill="hold">
+                      <p:stCondLst>
+                        <p:cond delay="indefinite"/>
+                      </p:stCondLst>
+                      <p:childTnLst>
+                        <p:par>
+                          <p:cTn id="12" fill="hold">
+                            <p:stCondLst>
+                              <p:cond delay="0"/>
+                            </p:stCondLst>
+                            <p:childTnLst>
+                              <p:par>
+                                <p:cTn id="13" presetID="1" presetClass="entr" presetSubtype="0" fill="hold" grpId="0" nodeType="clickEffect">
+                                  <p:stCondLst>
+                                    <p:cond delay="0"/>
+                                  </p:stCondLst>
+                                  <p:childTnLst>
+                                    <p:set>
+                                      <p:cBhvr>
+                                        <p:cTn id="14" dur="1" fill="hold">
+                                          <p:stCondLst>
+                                            <p:cond delay="0"/>
+                                          </p:stCondLst>
+                                        </p:cTn>
+                                        <p:tgtEl>
+                                          <p:spTgt spid="45059">
+                                            <p:txEl>
+                                              <p:pRg st="3" end="3"/>
+                                            </p:txEl>
+                                          </p:spTgt>
+                                        </p:tgtEl>
+                                        <p:attrNameLst>
+                                          <p:attrName>style.visibility</p:attrName>
+                                        </p:attrNameLst>
+                                      </p:cBhvr>
+                                      <p:to>
+                                        <p:strVal val="visible"/>
+                                      </p:to>
+                                    </p:set>
+                                  </p:childTnLst>
+                                </p:cTn>
+                              </p:par>
+                            </p:childTnLst>
+                          </p:cTn>
+                        </p:par>
+                      </p:childTnLst>
+                    </p:cTn>
+                  </p:par>
+                  <p:par>
+                    <p:cTn id="15" fill="hold">
+                      <p:stCondLst>
+                        <p:cond delay="indefinite"/>
+                      </p:stCondLst>
+                      <p:childTnLst>
+                        <p:par>
+                          <p:cTn id="16" fill="hold">
+                            <p:stCondLst>
+                              <p:cond delay="0"/>
+                            </p:stCondLst>
+                            <p:childTnLst>
+                              <p:par>
+                                <p:cTn id="17" presetID="1" presetClass="entr" presetSubtype="0" fill="hold" grpId="0" nodeType="clickEffect">
+                                  <p:stCondLst>
+                                    <p:cond delay="0"/>
+                                  </p:stCondLst>
+                                  <p:childTnLst>
+                                    <p:set>
+                                      <p:cBhvr>
+                                        <p:cTn id="18" dur="1" fill="hold">
+                                          <p:stCondLst>
+                                            <p:cond delay="0"/>
+                                          </p:stCondLst>
+                                        </p:cTn>
+                                        <p:tgtEl>
+                                          <p:spTgt spid="45059">
+                                            <p:txEl>
+                                              <p:pRg st="5" end="5"/>
+                                            </p:txEl>
+                                          </p:spTgt>
+                                        </p:tgtEl>
+                                        <p:attrNameLst>
+                                          <p:attrName>style.visibility</p:attrName>
+                                        </p:attrNameLst>
+                                      </p:cBhvr>
+                                      <p:to>
+                                        <p:strVal val="visible"/>
+                                      </p:to>
+                                    </p:set>
+                                  </p:childTnLst>
+                                </p:cTn>
+                              </p:par>
+                              <p:par>
+                                <p:cTn id="19" presetID="1" presetClass="entr" presetSubtype="0" fill="hold" grpId="0" nodeType="withEffect">
+                                  <p:stCondLst>
+                                    <p:cond delay="0"/>
+                                  </p:stCondLst>
+                                  <p:childTnLst>
+                                    <p:set>
+                                      <p:cBhvr>
+                                        <p:cTn id="20" dur="1" fill="hold">
+                                          <p:stCondLst>
+                                            <p:cond delay="0"/>
+                                          </p:stCondLst>
+                                        </p:cTn>
+                                        <p:tgtEl>
+                                          <p:spTgt spid="45059">
+                                            <p:txEl>
+                                              <p:pRg st="6" end="6"/>
+                                            </p:txEl>
+                                          </p:spTgt>
+                                        </p:tgtEl>
+                                        <p:attrNameLst>
+                                          <p:attrName>style.visibility</p:attrName>
+                                        </p:attrNameLst>
+                                      </p:cBhvr>
+                                      <p:to>
+                                        <p:strVal val="visible"/>
+                                      </p:to>
+                                    </p:set>
+                                  </p:childTnLst>
+                                </p:cTn>
+                              </p:par>
+                              <p:par>
+                                <p:cTn id="21" presetID="1" presetClass="entr" presetSubtype="0" fill="hold" grpId="0" nodeType="withEffect">
+                                  <p:stCondLst>
+                                    <p:cond delay="0"/>
+                                  </p:stCondLst>
+                                  <p:childTnLst>
+                                    <p:set>
+                                      <p:cBhvr>
+                                        <p:cTn id="22" dur="1" fill="hold">
+                                          <p:stCondLst>
+                                            <p:cond delay="0"/>
+                                          </p:stCondLst>
+                                        </p:cTn>
+                                        <p:tgtEl>
+                                          <p:spTgt spid="45059">
+                                            <p:txEl>
+                                              <p:pRg st="7" end="7"/>
+                                            </p:txEl>
+                                          </p:spTgt>
+                                        </p:tgtEl>
+                                        <p:attrNameLst>
+                                          <p:attrName>style.visibility</p:attrName>
+                                        </p:attrNameLst>
+                                      </p:cBhvr>
+                                      <p:to>
+                                        <p:strVal val="visible"/>
+                                      </p:to>
+                                    </p:set>
+                                  </p:childTnLst>
+                                </p:cTn>
+                              </p:par>
+                              <p:par>
+                                <p:cTn id="23" presetID="1" presetClass="entr" presetSubtype="0" fill="hold" grpId="0" nodeType="withEffect">
+                                  <p:stCondLst>
+                                    <p:cond delay="0"/>
+                                  </p:stCondLst>
+                                  <p:childTnLst>
+                                    <p:set>
+                                      <p:cBhvr>
+                                        <p:cTn id="24" dur="1" fill="hold">
+                                          <p:stCondLst>
+                                            <p:cond delay="0"/>
+                                          </p:stCondLst>
+                                        </p:cTn>
+                                        <p:tgtEl>
+                                          <p:spTgt spid="45059">
+                                            <p:txEl>
+                                              <p:pRg st="9" end="9"/>
+                                            </p:txEl>
+                                          </p:spTgt>
+                                        </p:tgtEl>
+                                        <p:attrNameLst>
+                                          <p:attrName>style.visibility</p:attrName>
+                                        </p:attrNameLst>
+                                      </p:cBhvr>
+                                      <p:to>
+                                        <p:strVal val="visible"/>
+                                      </p:to>
+                                    </p:set>
+                                  </p:childTnLst>
+                                </p:cTn>
+                              </p:par>
+                            </p:childTnLst>
+                          </p:cTn>
+                        </p:par>
+                      </p:childTnLst>
+                    </p:cTn>
+                  </p:par>
+                </p:childTnLst>
+              </p:cTn>
+              <p:prevCondLst>
+                <p:cond evt="onPrev" delay="0">
+                  <p:tgtEl>
+                    <p:sldTgt/>
+                  </p:tgtEl>
+                </p:cond>
+              </p:prevCondLst>
+              <p:nextCondLst>
+                <p:cond evt="onNext" delay="0">
+                  <p:tgtEl>
+                    <p:sldTgt/>
+                  </p:tgtEl>
+                </p:cond>
+              </p:nextCondLst>
+            </p:seq>
+          </p:childTnLst>
+        </p:cTn>
+      </p:par>
+    </p:tnLst>
+    <p:bldLst>
+      <p:bldP spid="45059" grpId="0" build="p"/>
+    </p:bldLst>
+  </p:timing>
+</p:sld>
+</file>
+
+<file path=ppt/slides/slide45.xml><?xml version="1.0" encoding="utf-8"?>
+<p:sld xmlns:a="http://schemas.openxmlformats.org/drawingml/2006/main" xmlns:r="http://schemas.openxmlformats.org/officeDocument/2006/relationships" xmlns:p="http://schemas.openxmlformats.org/presentationml/2006/main">
+  <p:cSld>
+    <p:spTree>
+      <p:nvGrpSpPr>
+        <p:cNvPr id="1" name=""/>
+        <p:cNvGrpSpPr/>
+        <p:nvPr/>
+      </p:nvGrpSpPr>
+      <p:grpSpPr>
+        <a:xfrm>
+          <a:off x="0" y="0"/>
+          <a:ext cx="0" cy="0"/>
+          <a:chOff x="0" y="0"/>
+          <a:chExt cx="0" cy="0"/>
+        </a:xfrm>
+      </p:grpSpPr>
+      <p:sp>
+        <p:nvSpPr>
+          <p:cNvPr id="45058" name="Rectangle 2"/>
+          <p:cNvSpPr>
+            <a:spLocks noGrp="1" noChangeArrowheads="1"/>
+          </p:cNvSpPr>
+          <p:nvPr>
+            <p:ph type="title"/>
+            <p:custDataLst>
+              <p:tags r:id="rId1"/>
+            </p:custDataLst>
+          </p:nvPr>
+        </p:nvSpPr>
+        <p:spPr/>
+        <p:txBody>
+          <a:bodyPr/>
+          <a:lstStyle/>
+          <a:p>
+            <a:r>
+              <a:rPr lang="en-US">
+                <a:sym typeface="Symbol" charset="2"/>
+              </a:rPr>
+              <a:t>Problems to Try</a:t>
+            </a:r>
+          </a:p>
+        </p:txBody>
+      </p:sp>
+      <p:sp>
+        <p:nvSpPr>
+          <p:cNvPr id="4" name="Slide Number Placeholder 3"/>
+          <p:cNvSpPr>
+            <a:spLocks noGrp="1"/>
+          </p:cNvSpPr>
+          <p:nvPr>
+            <p:ph type="sldNum" sz="quarter" idx="12"/>
+          </p:nvPr>
+        </p:nvSpPr>
+        <p:spPr/>
+        <p:txBody>
+          <a:bodyPr/>
+          <a:lstStyle/>
+          <a:p>
+            <a:fld id="{0E0CE5E1-73E6-4EC0-A549-568A23C84235}" type="slidenum">
+              <a:rPr lang="en-US" smtClean="0"/>
+              <a:pPr/>
+              <a:t>45</a:t>
+            </a:fld>
+            <a:endParaRPr lang="en-US"/>
+          </a:p>
+        </p:txBody>
+      </p:sp>
+      <mc:AlternateContent xmlns:mc="http://schemas.openxmlformats.org/markup-compatibility/2006">
+        <mc:Choice xmlns:a14="http://schemas.microsoft.com/office/drawing/2010/main" Requires="a14">
+          <p:sp>
+            <p:nvSpPr>
+              <p:cNvPr id="45059" name="Rectangle 3"/>
+              <p:cNvSpPr>
+                <a:spLocks noGrp="1" noChangeArrowheads="1"/>
+              </p:cNvSpPr>
+              <p:nvPr>
+                <p:ph sz="quarter" idx="1"/>
+                <p:custDataLst>
+                  <p:tags r:id="rId2"/>
+                </p:custDataLst>
+              </p:nvPr>
+            </p:nvSpPr>
+            <p:spPr/>
+            <p:txBody>
+              <a:bodyPr>
+                <a:normAutofit lnSpcReduction="10000"/>
+              </a:bodyPr>
+              <a:lstStyle/>
+              <a:p>
+                <a14:m>
+                  <m:oMath xmlns:m="http://schemas.openxmlformats.org/officeDocument/2006/math">
+                    <m:r>
+                      <a:rPr lang="en-US" b="0" i="1" smtClean="0">
+                        <a:latin typeface="Cambria Math" panose="02040503050406030204" pitchFamily="18" charset="0"/>
+                        <a:sym typeface="Symbol" charset="2"/>
+                      </a:rPr>
+                      <m:t>𝑇</m:t>
+                    </m:r>
+                    <m:d>
+                      <m:dPr>
+                        <m:ctrlPr>
+                          <a:rPr lang="en-US" b="0" i="1" smtClean="0">
+                            <a:latin typeface="Cambria Math" panose="02040503050406030204" pitchFamily="18" charset="0"/>
+                            <a:sym typeface="Symbol" charset="2"/>
+                          </a:rPr>
+                        </m:ctrlPr>
+                      </m:dPr>
+                      <m:e>
+                        <m:r>
+                          <a:rPr lang="en-US" b="0" i="1" smtClean="0">
+                            <a:latin typeface="Cambria Math" panose="02040503050406030204" pitchFamily="18" charset="0"/>
+                            <a:sym typeface="Symbol" charset="2"/>
+                          </a:rPr>
+                          <m:t>𝑛</m:t>
+                        </m:r>
+                      </m:e>
+                    </m:d>
+                    <m:r>
+                      <a:rPr lang="en-US" b="0" i="1" smtClean="0">
+                        <a:latin typeface="Cambria Math" panose="02040503050406030204" pitchFamily="18" charset="0"/>
+                        <a:sym typeface="Symbol" charset="2"/>
+                      </a:rPr>
+                      <m:t>=2</m:t>
+                    </m:r>
+                    <m:r>
+                      <a:rPr lang="en-US" b="0" i="1" smtClean="0">
+                        <a:latin typeface="Cambria Math" panose="02040503050406030204" pitchFamily="18" charset="0"/>
+                        <a:sym typeface="Symbol" charset="2"/>
+                      </a:rPr>
+                      <m:t>𝑇</m:t>
+                    </m:r>
+                    <m:d>
+                      <m:dPr>
+                        <m:ctrlPr>
+                          <a:rPr lang="en-US" b="0" i="1" smtClean="0">
+                            <a:latin typeface="Cambria Math" panose="02040503050406030204" pitchFamily="18" charset="0"/>
+                            <a:sym typeface="Symbol" charset="2"/>
+                          </a:rPr>
+                        </m:ctrlPr>
+                      </m:dPr>
+                      <m:e>
+                        <m:f>
+                          <m:fPr>
+                            <m:ctrlPr>
+                              <a:rPr lang="en-US" b="0" i="1" smtClean="0">
+                                <a:latin typeface="Cambria Math" panose="02040503050406030204" pitchFamily="18" charset="0"/>
+                                <a:sym typeface="Symbol" charset="2"/>
+                              </a:rPr>
+                            </m:ctrlPr>
+                          </m:fPr>
+                          <m:num>
+                            <m:r>
+                              <a:rPr lang="en-US" b="0" i="1" smtClean="0">
+                                <a:latin typeface="Cambria Math" panose="02040503050406030204" pitchFamily="18" charset="0"/>
+                                <a:sym typeface="Symbol" charset="2"/>
+                              </a:rPr>
+                              <m:t>𝑛</m:t>
+                            </m:r>
+                          </m:num>
+                          <m:den>
+                            <m:r>
+                              <a:rPr lang="en-US" b="0" i="1" smtClean="0">
+                                <a:latin typeface="Cambria Math" panose="02040503050406030204" pitchFamily="18" charset="0"/>
+                                <a:sym typeface="Symbol" charset="2"/>
+                              </a:rPr>
+                              <m:t>2</m:t>
+                            </m:r>
+                          </m:den>
+                        </m:f>
+                      </m:e>
+                    </m:d>
+                    <m:r>
+                      <a:rPr lang="en-US" b="0" i="1" smtClean="0">
+                        <a:latin typeface="Cambria Math" panose="02040503050406030204" pitchFamily="18" charset="0"/>
+                        <a:sym typeface="Symbol" charset="2"/>
+                      </a:rPr>
+                      <m:t>+</m:t>
+                    </m:r>
+                    <m:r>
+                      <a:rPr lang="en-US" b="0" i="1" smtClean="0">
+                        <a:latin typeface="Cambria Math" panose="02040503050406030204" pitchFamily="18" charset="0"/>
+                        <a:sym typeface="Symbol" charset="2"/>
+                      </a:rPr>
+                      <m:t>𝑛</m:t>
+                    </m:r>
+                  </m:oMath>
+                </a14:m>
+                <a:r>
+                  <a:rPr lang="en-US" dirty="0">
+                    <a:sym typeface="Symbol" charset="2"/>
+                  </a:rPr>
+                  <a:t>  (like </a:t>
+                </a:r>
+                <a:r>
+                  <a:rPr lang="en-US" dirty="0" err="1">
+                    <a:sym typeface="Symbol" charset="2"/>
+                  </a:rPr>
+                  <a:t>Mergesort</a:t>
+                </a:r>
+                <a:r>
+                  <a:rPr lang="en-US" dirty="0">
+                    <a:sym typeface="Symbol" charset="2"/>
+                  </a:rPr>
+                  <a:t>)</a:t>
+                </a:r>
+              </a:p>
+              <a:p>
+                <a:pPr lvl="1"/>
+                <a14:m>
+                  <m:oMath xmlns:m="http://schemas.openxmlformats.org/officeDocument/2006/math">
+                    <m:r>
+                      <a:rPr lang="en-US" b="0" i="1" smtClean="0">
+                        <a:latin typeface="Cambria Math" panose="02040503050406030204" pitchFamily="18" charset="0"/>
+                        <a:sym typeface="Symbol" charset="2"/>
+                      </a:rPr>
+                      <m:t>𝑘</m:t>
+                    </m:r>
+                    <m:r>
+                      <a:rPr lang="en-US" b="0" i="1" smtClean="0">
+                        <a:latin typeface="Cambria Math" panose="02040503050406030204" pitchFamily="18" charset="0"/>
+                        <a:sym typeface="Symbol" charset="2"/>
+                      </a:rPr>
+                      <m:t>=</m:t>
+                    </m:r>
+                    <m:func>
+                      <m:funcPr>
+                        <m:ctrlPr>
+                          <a:rPr lang="en-US" b="0" i="1" smtClean="0">
+                            <a:latin typeface="Cambria Math" panose="02040503050406030204" pitchFamily="18" charset="0"/>
+                            <a:sym typeface="Symbol" charset="2"/>
+                          </a:rPr>
+                        </m:ctrlPr>
+                      </m:funcPr>
+                      <m:fName>
+                        <m:sSub>
+                          <m:sSubPr>
+                            <m:ctrlPr>
+                              <a:rPr lang="en-US" b="0" i="1" smtClean="0">
+                                <a:latin typeface="Cambria Math" panose="02040503050406030204" pitchFamily="18" charset="0"/>
+                                <a:sym typeface="Symbol" charset="2"/>
+                              </a:rPr>
+                            </m:ctrlPr>
+                          </m:sSubPr>
+                          <m:e>
+                            <m:r>
+                              <m:rPr>
+                                <m:sty m:val="p"/>
+                              </m:rPr>
+                              <a:rPr lang="en-US" b="0" i="0" smtClean="0">
+                                <a:latin typeface="Cambria Math" panose="02040503050406030204" pitchFamily="18" charset="0"/>
+                                <a:sym typeface="Symbol" charset="2"/>
+                              </a:rPr>
+                              <m:t>log</m:t>
+                            </m:r>
+                          </m:e>
+                          <m:sub>
+                            <m:r>
+                              <a:rPr lang="en-US" b="0" i="1" smtClean="0">
+                                <a:latin typeface="Cambria Math" panose="02040503050406030204" pitchFamily="18" charset="0"/>
+                                <a:sym typeface="Symbol" charset="2"/>
+                              </a:rPr>
+                              <m:t>2</m:t>
+                            </m:r>
+                          </m:sub>
+                        </m:sSub>
+                      </m:fName>
+                      <m:e>
+                        <m:d>
+                          <m:dPr>
+                            <m:ctrlPr>
+                              <a:rPr lang="en-US" b="0" i="1" smtClean="0">
+                                <a:latin typeface="Cambria Math" panose="02040503050406030204" pitchFamily="18" charset="0"/>
+                                <a:sym typeface="Symbol" charset="2"/>
+                              </a:rPr>
+                            </m:ctrlPr>
+                          </m:dPr>
+                          <m:e>
+                            <m:r>
+                              <a:rPr lang="en-US" b="0" i="1" smtClean="0">
+                                <a:latin typeface="Cambria Math" panose="02040503050406030204" pitchFamily="18" charset="0"/>
+                                <a:sym typeface="Symbol" charset="2"/>
+                              </a:rPr>
+                              <m:t>2</m:t>
+                            </m:r>
+                          </m:e>
+                        </m:d>
+                        <m:r>
+                          <a:rPr lang="en-US" b="0" i="1" smtClean="0">
+                            <a:latin typeface="Cambria Math" panose="02040503050406030204" pitchFamily="18" charset="0"/>
+                            <a:sym typeface="Symbol" charset="2"/>
+                          </a:rPr>
+                          <m:t>=1</m:t>
+                        </m:r>
+                      </m:e>
+                    </m:func>
+                  </m:oMath>
+                </a14:m>
+                <a:endParaRPr lang="en-US" dirty="0">
+                  <a:sym typeface="Symbol" charset="2"/>
+                </a:endParaRPr>
+              </a:p>
+              <a:p>
+                <a:pPr lvl="1"/>
+                <a14:m>
+                  <m:oMath xmlns:m="http://schemas.openxmlformats.org/officeDocument/2006/math">
+                    <m:sSup>
+                      <m:sSupPr>
+                        <m:ctrlPr>
+                          <a:rPr lang="en-US" b="0" i="1" smtClean="0">
+                            <a:latin typeface="Cambria Math" panose="02040503050406030204" pitchFamily="18" charset="0"/>
+                            <a:sym typeface="Symbol" charset="2"/>
+                          </a:rPr>
+                        </m:ctrlPr>
+                      </m:sSupPr>
+                      <m:e>
+                        <m:r>
+                          <a:rPr lang="en-US" b="0" i="1" smtClean="0">
+                            <a:latin typeface="Cambria Math" panose="02040503050406030204" pitchFamily="18" charset="0"/>
+                            <a:sym typeface="Symbol" charset="2"/>
+                          </a:rPr>
+                          <m:t>𝑛</m:t>
+                        </m:r>
+                      </m:e>
+                      <m:sup>
+                        <m:r>
+                          <a:rPr lang="en-US" b="0" i="1" smtClean="0">
+                            <a:latin typeface="Cambria Math" panose="02040503050406030204" pitchFamily="18" charset="0"/>
+                            <a:sym typeface="Symbol" charset="2"/>
+                          </a:rPr>
+                          <m:t>1</m:t>
+                        </m:r>
+                      </m:sup>
+                    </m:sSup>
+                  </m:oMath>
+                </a14:m>
+                <a:r>
+                  <a:rPr lang="en-US" dirty="0">
+                    <a:sym typeface="Symbol" charset="2"/>
+                  </a:rPr>
+                  <a:t>				</a:t>
+                </a:r>
+                <a14:m>
+                  <m:oMath xmlns:m="http://schemas.openxmlformats.org/officeDocument/2006/math">
+                    <m:r>
+                      <a:rPr lang="en-US" b="0" i="1" smtClean="0">
+                        <a:latin typeface="Cambria Math" panose="02040503050406030204" pitchFamily="18" charset="0"/>
+                        <a:sym typeface="Symbol" charset="2"/>
+                      </a:rPr>
+                      <m:t>𝑓</m:t>
+                    </m:r>
+                    <m:d>
+                      <m:dPr>
+                        <m:ctrlPr>
+                          <a:rPr lang="en-US" b="0" i="1" smtClean="0">
+                            <a:latin typeface="Cambria Math" panose="02040503050406030204" pitchFamily="18" charset="0"/>
+                            <a:sym typeface="Symbol" charset="2"/>
+                          </a:rPr>
+                        </m:ctrlPr>
+                      </m:dPr>
+                      <m:e>
+                        <m:r>
+                          <a:rPr lang="en-US" b="0" i="1" smtClean="0">
+                            <a:latin typeface="Cambria Math" panose="02040503050406030204" pitchFamily="18" charset="0"/>
+                            <a:sym typeface="Symbol" charset="2"/>
+                          </a:rPr>
+                          <m:t>𝑛</m:t>
+                        </m:r>
+                      </m:e>
+                    </m:d>
+                    <m:r>
+                      <a:rPr lang="en-US" b="0" i="1" smtClean="0">
+                        <a:latin typeface="Cambria Math" panose="02040503050406030204" pitchFamily="18" charset="0"/>
+                        <a:sym typeface="Symbol" charset="2"/>
+                      </a:rPr>
+                      <m:t>=</m:t>
+                    </m:r>
+                    <m:r>
+                      <a:rPr lang="en-US" b="0" i="1" smtClean="0">
+                        <a:latin typeface="Cambria Math" panose="02040503050406030204" pitchFamily="18" charset="0"/>
+                        <a:sym typeface="Symbol" charset="2"/>
+                      </a:rPr>
+                      <m:t>𝑛</m:t>
+                    </m:r>
+                  </m:oMath>
+                </a14:m>
+                <a:endParaRPr lang="en-US" dirty="0">
+                  <a:sym typeface="Symbol" charset="2"/>
+                </a:endParaRPr>
+              </a:p>
+              <a:p>
+                <a:pPr lvl="1"/>
+                <a:endParaRPr lang="en-US" dirty="0">
+                  <a:sym typeface="Symbol" charset="2"/>
+                </a:endParaRPr>
+              </a:p>
+              <a:p>
+                <a:pPr lvl="1"/>
+                <a:r>
+                  <a:rPr lang="en-US" dirty="0">
+                    <a:sym typeface="Symbol" charset="2"/>
+                  </a:rPr>
+                  <a:t>Case 2:  </a:t>
+                </a:r>
+                <a14:m>
+                  <m:oMath xmlns:m="http://schemas.openxmlformats.org/officeDocument/2006/math">
+                    <m:r>
+                      <a:rPr lang="en-US" b="0" i="1" smtClean="0">
+                        <a:latin typeface="Cambria Math" panose="02040503050406030204" pitchFamily="18" charset="0"/>
+                        <a:sym typeface="Symbol" charset="2"/>
+                      </a:rPr>
+                      <m:t>𝑇</m:t>
+                    </m:r>
+                    <m:d>
+                      <m:dPr>
+                        <m:ctrlPr>
+                          <a:rPr lang="en-US" b="0" i="1" smtClean="0">
+                            <a:latin typeface="Cambria Math" panose="02040503050406030204" pitchFamily="18" charset="0"/>
+                            <a:sym typeface="Symbol" charset="2"/>
+                          </a:rPr>
+                        </m:ctrlPr>
+                      </m:dPr>
+                      <m:e>
+                        <m:r>
+                          <a:rPr lang="en-US" b="0" i="1" smtClean="0">
+                            <a:latin typeface="Cambria Math" panose="02040503050406030204" pitchFamily="18" charset="0"/>
+                            <a:sym typeface="Symbol" charset="2"/>
+                          </a:rPr>
+                          <m:t>𝑛</m:t>
+                        </m:r>
+                      </m:e>
+                    </m:d>
+                    <m:r>
+                      <a:rPr lang="en-US" b="0" i="1" smtClean="0">
+                        <a:latin typeface="Cambria Math" panose="02040503050406030204" pitchFamily="18" charset="0"/>
+                        <a:sym typeface="Symbol" charset="2"/>
+                      </a:rPr>
+                      <m:t>=</m:t>
+                    </m:r>
+                    <m:r>
+                      <m:rPr>
+                        <m:sty m:val="p"/>
+                      </m:rPr>
+                      <a:rPr lang="en-US" b="0" i="0" smtClean="0">
+                        <a:latin typeface="Cambria Math" panose="02040503050406030204" pitchFamily="18" charset="0"/>
+                        <a:sym typeface="Symbol" charset="2"/>
+                      </a:rPr>
+                      <m:t>Θ</m:t>
+                    </m:r>
+                    <m:r>
+                      <a:rPr lang="en-US" b="0" i="1" smtClean="0">
+                        <a:latin typeface="Cambria Math" panose="02040503050406030204" pitchFamily="18" charset="0"/>
+                        <a:sym typeface="Symbol" charset="2"/>
+                      </a:rPr>
+                      <m:t>(</m:t>
+                    </m:r>
+                    <m:r>
+                      <a:rPr lang="en-US" b="0" i="1" smtClean="0">
+                        <a:latin typeface="Cambria Math" panose="02040503050406030204" pitchFamily="18" charset="0"/>
+                        <a:sym typeface="Symbol" charset="2"/>
+                      </a:rPr>
+                      <m:t>𝑛𝑙𝑜𝑔</m:t>
+                    </m:r>
+                    <m:d>
+                      <m:dPr>
+                        <m:ctrlPr>
+                          <a:rPr lang="en-US" b="0" i="1" smtClean="0">
+                            <a:latin typeface="Cambria Math" panose="02040503050406030204" pitchFamily="18" charset="0"/>
+                            <a:sym typeface="Symbol" charset="2"/>
+                          </a:rPr>
+                        </m:ctrlPr>
+                      </m:dPr>
+                      <m:e>
+                        <m:r>
+                          <a:rPr lang="en-US" b="0" i="1" smtClean="0">
+                            <a:latin typeface="Cambria Math" panose="02040503050406030204" pitchFamily="18" charset="0"/>
+                            <a:sym typeface="Symbol" charset="2"/>
+                          </a:rPr>
+                          <m:t>𝑛</m:t>
+                        </m:r>
+                      </m:e>
+                    </m:d>
+                    <m:r>
+                      <a:rPr lang="en-US" b="0" i="1" smtClean="0">
+                        <a:latin typeface="Cambria Math" panose="02040503050406030204" pitchFamily="18" charset="0"/>
+                        <a:sym typeface="Symbol" charset="2"/>
+                      </a:rPr>
+                      <m:t>)</m:t>
+                    </m:r>
+                  </m:oMath>
+                </a14:m>
+                <a:endParaRPr lang="en-US" dirty="0">
+                  <a:sym typeface="Symbol" charset="2"/>
+                </a:endParaRPr>
+              </a:p>
+              <a:p>
+                <a:endParaRPr lang="en-US" dirty="0">
+                  <a:sym typeface="Symbol" charset="2"/>
+                </a:endParaRPr>
+              </a:p>
+              <a:p>
+                <a14:m>
+                  <m:oMath xmlns:m="http://schemas.openxmlformats.org/officeDocument/2006/math">
+                    <m:r>
+                      <a:rPr lang="en-US" b="0" i="1" smtClean="0">
+                        <a:latin typeface="Cambria Math" panose="02040503050406030204" pitchFamily="18" charset="0"/>
+                        <a:sym typeface="Symbol" charset="2"/>
+                      </a:rPr>
+                      <m:t>𝑇</m:t>
+                    </m:r>
+                    <m:d>
+                      <m:dPr>
+                        <m:ctrlPr>
+                          <a:rPr lang="en-US" b="0" i="1" smtClean="0">
+                            <a:latin typeface="Cambria Math" panose="02040503050406030204" pitchFamily="18" charset="0"/>
+                            <a:sym typeface="Symbol" charset="2"/>
+                          </a:rPr>
+                        </m:ctrlPr>
+                      </m:dPr>
+                      <m:e>
+                        <m:r>
+                          <a:rPr lang="en-US" b="0" i="1" smtClean="0">
+                            <a:latin typeface="Cambria Math" panose="02040503050406030204" pitchFamily="18" charset="0"/>
+                            <a:sym typeface="Symbol" charset="2"/>
+                          </a:rPr>
+                          <m:t>𝑛</m:t>
+                        </m:r>
+                      </m:e>
+                    </m:d>
+                    <m:r>
+                      <a:rPr lang="en-US" b="0" i="1" smtClean="0">
+                        <a:latin typeface="Cambria Math" panose="02040503050406030204" pitchFamily="18" charset="0"/>
+                        <a:sym typeface="Symbol" charset="2"/>
+                      </a:rPr>
+                      <m:t>=2</m:t>
+                    </m:r>
+                    <m:r>
+                      <a:rPr lang="en-US" b="0" i="1" smtClean="0">
+                        <a:latin typeface="Cambria Math" panose="02040503050406030204" pitchFamily="18" charset="0"/>
+                        <a:sym typeface="Symbol" charset="2"/>
+                      </a:rPr>
+                      <m:t>𝑇</m:t>
+                    </m:r>
+                    <m:d>
+                      <m:dPr>
+                        <m:ctrlPr>
+                          <a:rPr lang="en-US" b="0" i="1" smtClean="0">
+                            <a:latin typeface="Cambria Math" panose="02040503050406030204" pitchFamily="18" charset="0"/>
+                            <a:sym typeface="Symbol" charset="2"/>
+                          </a:rPr>
+                        </m:ctrlPr>
+                      </m:dPr>
+                      <m:e>
+                        <m:f>
+                          <m:fPr>
+                            <m:ctrlPr>
+                              <a:rPr lang="en-US" b="0" i="1" smtClean="0">
+                                <a:latin typeface="Cambria Math" panose="02040503050406030204" pitchFamily="18" charset="0"/>
+                                <a:sym typeface="Symbol" charset="2"/>
+                              </a:rPr>
+                            </m:ctrlPr>
+                          </m:fPr>
+                          <m:num>
+                            <m:r>
+                              <a:rPr lang="en-US" b="0" i="1" smtClean="0">
+                                <a:latin typeface="Cambria Math" panose="02040503050406030204" pitchFamily="18" charset="0"/>
+                                <a:sym typeface="Symbol" charset="2"/>
+                              </a:rPr>
+                              <m:t>𝑛</m:t>
+                            </m:r>
+                          </m:num>
+                          <m:den>
+                            <m:r>
+                              <a:rPr lang="en-US" b="0" i="1" smtClean="0">
+                                <a:latin typeface="Cambria Math" panose="02040503050406030204" pitchFamily="18" charset="0"/>
+                                <a:sym typeface="Symbol" charset="2"/>
+                              </a:rPr>
+                              <m:t>2</m:t>
+                            </m:r>
+                          </m:den>
+                        </m:f>
+                      </m:e>
+                    </m:d>
+                    <m:r>
+                      <a:rPr lang="en-US" b="0" i="1" smtClean="0">
+                        <a:latin typeface="Cambria Math" panose="02040503050406030204" pitchFamily="18" charset="0"/>
+                        <a:sym typeface="Symbol" charset="2"/>
+                      </a:rPr>
+                      <m:t>+</m:t>
+                    </m:r>
+                    <m:r>
+                      <a:rPr lang="en-US" b="0" i="1" smtClean="0">
+                        <a:latin typeface="Cambria Math" panose="02040503050406030204" pitchFamily="18" charset="0"/>
+                        <a:sym typeface="Symbol" charset="2"/>
+                      </a:rPr>
+                      <m:t>𝑛𝑙𝑜𝑔</m:t>
+                    </m:r>
+                    <m:r>
+                      <a:rPr lang="en-US" b="0" i="1" smtClean="0">
+                        <a:latin typeface="Cambria Math" panose="02040503050406030204" pitchFamily="18" charset="0"/>
+                        <a:sym typeface="Symbol" charset="2"/>
+                      </a:rPr>
+                      <m:t>(</m:t>
+                    </m:r>
+                    <m:r>
+                      <a:rPr lang="en-US" b="0" i="1" smtClean="0">
+                        <a:latin typeface="Cambria Math" panose="02040503050406030204" pitchFamily="18" charset="0"/>
+                        <a:sym typeface="Symbol" charset="2"/>
+                      </a:rPr>
+                      <m:t>𝑛</m:t>
+                    </m:r>
+                    <m:r>
+                      <a:rPr lang="en-US" b="0" i="1" smtClean="0">
+                        <a:latin typeface="Cambria Math" panose="02040503050406030204" pitchFamily="18" charset="0"/>
+                        <a:sym typeface="Symbol" charset="2"/>
+                      </a:rPr>
+                      <m:t>)</m:t>
+                    </m:r>
+                  </m:oMath>
+                </a14:m>
+                <a:endParaRPr lang="en-US" dirty="0">
+                  <a:sym typeface="Symbol" charset="2"/>
+                </a:endParaRPr>
+              </a:p>
+              <a:p>
+                <a:pPr lvl="1"/>
+                <a:r>
+                  <a:rPr lang="en-US" dirty="0">
+                    <a:sym typeface="Symbol" charset="2"/>
+                  </a:rPr>
+                  <a:t>k = 1</a:t>
+                </a:r>
+              </a:p>
+              <a:p>
+                <a:pPr lvl="1"/>
+                <a14:m>
+                  <m:oMath xmlns:m="http://schemas.openxmlformats.org/officeDocument/2006/math">
+                    <m:sSup>
+                      <m:sSupPr>
+                        <m:ctrlPr>
+                          <a:rPr lang="en-US" b="0" i="1" smtClean="0">
+                            <a:latin typeface="Cambria Math" panose="02040503050406030204" pitchFamily="18" charset="0"/>
+                            <a:sym typeface="Symbol" charset="2"/>
+                          </a:rPr>
+                        </m:ctrlPr>
+                      </m:sSupPr>
+                      <m:e>
+                        <m:r>
+                          <a:rPr lang="en-US" b="0" i="1" smtClean="0">
+                            <a:latin typeface="Cambria Math" panose="02040503050406030204" pitchFamily="18" charset="0"/>
+                            <a:sym typeface="Symbol" charset="2"/>
+                          </a:rPr>
+                          <m:t>𝑛</m:t>
+                        </m:r>
+                      </m:e>
+                      <m:sup>
+                        <m:r>
+                          <a:rPr lang="en-US" b="0" i="1" smtClean="0">
+                            <a:latin typeface="Cambria Math" panose="02040503050406030204" pitchFamily="18" charset="0"/>
+                            <a:sym typeface="Symbol" charset="2"/>
+                          </a:rPr>
+                          <m:t>1</m:t>
+                        </m:r>
+                      </m:sup>
+                    </m:sSup>
+                  </m:oMath>
+                </a14:m>
+                <a:r>
+                  <a:rPr lang="en-US" dirty="0">
+                    <a:sym typeface="Symbol" charset="2"/>
+                  </a:rPr>
+                  <a:t>				</a:t>
+                </a:r>
+                <a14:m>
+                  <m:oMath xmlns:m="http://schemas.openxmlformats.org/officeDocument/2006/math">
+                    <m:r>
+                      <a:rPr lang="en-US" b="0" i="1" smtClean="0">
+                        <a:latin typeface="Cambria Math" panose="02040503050406030204" pitchFamily="18" charset="0"/>
+                        <a:sym typeface="Symbol" charset="2"/>
+                      </a:rPr>
+                      <m:t>𝑓</m:t>
+                    </m:r>
+                    <m:d>
+                      <m:dPr>
+                        <m:ctrlPr>
+                          <a:rPr lang="en-US" b="0" i="1" smtClean="0">
+                            <a:latin typeface="Cambria Math" panose="02040503050406030204" pitchFamily="18" charset="0"/>
+                            <a:sym typeface="Symbol" charset="2"/>
+                          </a:rPr>
+                        </m:ctrlPr>
+                      </m:dPr>
+                      <m:e>
+                        <m:r>
+                          <a:rPr lang="en-US" b="0" i="1" smtClean="0">
+                            <a:latin typeface="Cambria Math" panose="02040503050406030204" pitchFamily="18" charset="0"/>
+                            <a:sym typeface="Symbol" charset="2"/>
+                          </a:rPr>
+                          <m:t>𝑛</m:t>
+                        </m:r>
+                      </m:e>
+                    </m:d>
+                    <m:r>
+                      <a:rPr lang="en-US" b="0" i="1" smtClean="0">
+                        <a:latin typeface="Cambria Math" panose="02040503050406030204" pitchFamily="18" charset="0"/>
+                        <a:sym typeface="Symbol" charset="2"/>
+                      </a:rPr>
+                      <m:t>=</m:t>
+                    </m:r>
+                    <m:r>
+                      <a:rPr lang="en-US" b="0" i="1" smtClean="0">
+                        <a:latin typeface="Cambria Math" panose="02040503050406030204" pitchFamily="18" charset="0"/>
+                        <a:sym typeface="Symbol" charset="2"/>
+                      </a:rPr>
+                      <m:t>𝑛𝑙𝑜𝑔</m:t>
+                    </m:r>
+                    <m:r>
+                      <a:rPr lang="en-US" b="0" i="1" smtClean="0">
+                        <a:latin typeface="Cambria Math" panose="02040503050406030204" pitchFamily="18" charset="0"/>
+                        <a:sym typeface="Symbol" charset="2"/>
+                      </a:rPr>
+                      <m:t>(</m:t>
+                    </m:r>
+                    <m:r>
+                      <a:rPr lang="en-US" b="0" i="1" smtClean="0">
+                        <a:latin typeface="Cambria Math" panose="02040503050406030204" pitchFamily="18" charset="0"/>
+                        <a:sym typeface="Symbol" charset="2"/>
+                      </a:rPr>
+                      <m:t>𝑛</m:t>
+                    </m:r>
+                    <m:r>
+                      <a:rPr lang="en-US" b="0" i="1" smtClean="0">
+                        <a:latin typeface="Cambria Math" panose="02040503050406030204" pitchFamily="18" charset="0"/>
+                        <a:sym typeface="Symbol" charset="2"/>
+                      </a:rPr>
+                      <m:t>)</m:t>
+                    </m:r>
+                  </m:oMath>
+                </a14:m>
+                <a:endParaRPr lang="en-US" dirty="0">
+                  <a:sym typeface="Symbol" charset="2"/>
+                </a:endParaRPr>
+              </a:p>
+              <a:p>
+                <a:pPr lvl="1"/>
+                <a14:m>
+                  <m:oMath xmlns:m="http://schemas.openxmlformats.org/officeDocument/2006/math">
+                    <m:r>
+                      <a:rPr lang="en-US" b="0" i="1" smtClean="0">
+                        <a:latin typeface="Cambria Math" panose="02040503050406030204" pitchFamily="18" charset="0"/>
+                        <a:sym typeface="Symbol" charset="2"/>
+                      </a:rPr>
+                      <m:t>𝑛𝑙𝑜𝑔</m:t>
+                    </m:r>
+                    <m:d>
+                      <m:dPr>
+                        <m:ctrlPr>
+                          <a:rPr lang="en-US" b="0" i="1" smtClean="0">
+                            <a:latin typeface="Cambria Math" panose="02040503050406030204" pitchFamily="18" charset="0"/>
+                            <a:sym typeface="Symbol" charset="2"/>
+                          </a:rPr>
+                        </m:ctrlPr>
+                      </m:dPr>
+                      <m:e>
+                        <m:r>
+                          <a:rPr lang="en-US" b="0" i="1" smtClean="0">
+                            <a:latin typeface="Cambria Math" panose="02040503050406030204" pitchFamily="18" charset="0"/>
+                            <a:sym typeface="Symbol" charset="2"/>
+                          </a:rPr>
+                          <m:t>𝑛</m:t>
+                        </m:r>
+                      </m:e>
+                    </m:d>
+                    <m:r>
+                      <a:rPr lang="en-US" b="0" i="1" smtClean="0">
+                        <a:latin typeface="Cambria Math" panose="02040503050406030204" pitchFamily="18" charset="0"/>
+                        <a:sym typeface="Symbol" charset="2"/>
+                      </a:rPr>
+                      <m:t>≥</m:t>
+                    </m:r>
+                    <m:r>
+                      <a:rPr lang="en-US" b="0" i="1" smtClean="0">
+                        <a:latin typeface="Cambria Math" panose="02040503050406030204" pitchFamily="18" charset="0"/>
+                        <a:sym typeface="Symbol" charset="2"/>
+                      </a:rPr>
+                      <m:t>𝑐</m:t>
+                    </m:r>
+                    <m:r>
+                      <a:rPr lang="en-US" b="0" i="1" smtClean="0">
+                        <a:latin typeface="Cambria Math" panose="02040503050406030204" pitchFamily="18" charset="0"/>
+                        <a:sym typeface="Symbol" charset="2"/>
+                      </a:rPr>
+                      <m:t>∗</m:t>
+                    </m:r>
+                    <m:sSup>
+                      <m:sSupPr>
+                        <m:ctrlPr>
+                          <a:rPr lang="en-US" b="0" i="1" smtClean="0">
+                            <a:latin typeface="Cambria Math" panose="02040503050406030204" pitchFamily="18" charset="0"/>
+                            <a:sym typeface="Symbol" charset="2"/>
+                          </a:rPr>
+                        </m:ctrlPr>
+                      </m:sSupPr>
+                      <m:e>
+                        <m:r>
+                          <a:rPr lang="en-US" b="0" i="1" smtClean="0">
+                            <a:latin typeface="Cambria Math" panose="02040503050406030204" pitchFamily="18" charset="0"/>
+                            <a:sym typeface="Symbol" charset="2"/>
+                          </a:rPr>
+                          <m:t>𝑛</m:t>
+                        </m:r>
+                      </m:e>
+                      <m:sup>
+                        <m:r>
+                          <a:rPr lang="en-US" b="0" i="1" smtClean="0">
+                            <a:latin typeface="Cambria Math" panose="02040503050406030204" pitchFamily="18" charset="0"/>
+                            <a:sym typeface="Symbol" charset="2"/>
+                          </a:rPr>
+                          <m:t>1+</m:t>
+                        </m:r>
+                        <m:r>
+                          <a:rPr lang="en-US" b="0" i="1" smtClean="0">
+                            <a:latin typeface="Cambria Math" panose="02040503050406030204" pitchFamily="18" charset="0"/>
+                            <a:sym typeface="Symbol" charset="2"/>
+                          </a:rPr>
+                          <m:t>𝜖</m:t>
+                        </m:r>
+                      </m:sup>
+                    </m:sSup>
+                  </m:oMath>
+                </a14:m>
+                <a:r>
+                  <a:rPr lang="en-US" dirty="0">
+                    <a:sym typeface="Symbol" charset="2"/>
+                  </a:rPr>
+                  <a:t>	//NO! not </a:t>
+                </a:r>
+                <a:r>
+                  <a:rPr lang="en-US" dirty="0" err="1">
+                    <a:sym typeface="Symbol" charset="2"/>
+                  </a:rPr>
+                  <a:t>polynomially</a:t>
+                </a:r>
+                <a:r>
+                  <a:rPr lang="en-US" dirty="0">
+                    <a:sym typeface="Symbol" charset="2"/>
+                  </a:rPr>
+                  <a:t> smaller!</a:t>
+                </a:r>
+              </a:p>
+              <a:p>
+                <a:pPr lvl="1"/>
+                <a:r>
+                  <a:rPr lang="en-US" dirty="0">
+                    <a:sym typeface="Symbol" charset="2"/>
+                  </a:rPr>
+                  <a:t>Master theorem cannot be used</a:t>
+                </a:r>
+              </a:p>
+            </p:txBody>
+          </p:sp>
+        </mc:Choice>
+        <mc:Fallback>
+          <p:sp>
+            <p:nvSpPr>
+              <p:cNvPr id="45059" name="Rectangle 3"/>
+              <p:cNvSpPr>
+                <a:spLocks noGrp="1" noRot="1" noChangeAspect="1" noMove="1" noResize="1" noEditPoints="1" noAdjustHandles="1" noChangeArrowheads="1" noChangeShapeType="1" noTextEdit="1"/>
+              </p:cNvSpPr>
+              <p:nvPr>
+                <p:ph sz="quarter" idx="1"/>
+                <p:custDataLst>
+                  <p:tags r:id="rId2"/>
+                </p:custDataLst>
+              </p:nvPr>
+            </p:nvSpPr>
+            <p:spPr>
+              <a:blipFill>
+                <a:blip r:embed="rId4"/>
+                <a:stretch>
+                  <a:fillRect l="-772" t="-257"/>
+                </a:stretch>
+              </a:blipFill>
+            </p:spPr>
+            <p:txBody>
+              <a:bodyPr/>
+              <a:lstStyle/>
+              <a:p>
+                <a:r>
+                  <a:rPr lang="en-US">
+                    <a:noFill/>
+                  </a:rPr>
+                  <a:t> </a:t>
+                </a:r>
+              </a:p>
+            </p:txBody>
+          </p:sp>
+        </mc:Fallback>
+      </mc:AlternateContent>
+    </p:spTree>
+    <p:extLst>
+      <p:ext uri="{BB962C8B-B14F-4D97-AF65-F5344CB8AC3E}">
+        <p14:creationId xmlns:p14="http://schemas.microsoft.com/office/powerpoint/2010/main" val="1078549715"/>
+      </p:ext>
+    </p:extLst>
+  </p:cSld>
+  <p:clrMapOvr>
+    <a:masterClrMapping/>
+  </p:clrMapOvr>
+  <p:timing>
+    <p:tnLst>
+      <p:par>
+        <p:cTn id="1" dur="indefinite" restart="never" nodeType="tmRoot">
+          <p:childTnLst>
+            <p:seq concurrent="1" nextAc="seek">
+              <p:cTn id="2" dur="indefinite" nodeType="mainSeq">
+                <p:childTnLst>
+                  <p:par>
+                    <p:cTn id="3" fill="hold">
+                      <p:stCondLst>
+                        <p:cond delay="indefinite"/>
+                      </p:stCondLst>
+                      <p:childTnLst>
+                        <p:par>
+                          <p:cTn id="4" fill="hold">
+                            <p:stCondLst>
+                              <p:cond delay="0"/>
+                            </p:stCondLst>
+                            <p:childTnLst>
+                              <p:par>
+                                <p:cTn id="5" presetID="1" presetClass="entr" presetSubtype="0" fill="hold" grpId="0" nodeType="clickEffect">
+                                  <p:stCondLst>
+                                    <p:cond delay="0"/>
+                                  </p:stCondLst>
+                                  <p:childTnLst>
+                                    <p:set>
+                                      <p:cBhvr>
+                                        <p:cTn id="6" dur="1" fill="hold">
+                                          <p:stCondLst>
+                                            <p:cond delay="0"/>
+                                          </p:stCondLst>
+                                        </p:cTn>
+                                        <p:tgtEl>
+                                          <p:spTgt spid="45059">
+                                            <p:txEl>
+                                              <p:pRg st="0" end="0"/>
+                                            </p:txEl>
+                                          </p:spTgt>
+                                        </p:tgtEl>
+                                        <p:attrNameLst>
+                                          <p:attrName>style.visibility</p:attrName>
+                                        </p:attrNameLst>
+                                      </p:cBhvr>
+                                      <p:to>
+                                        <p:strVal val="visible"/>
+                                      </p:to>
+                                    </p:set>
+                                  </p:childTnLst>
+                                </p:cTn>
+                              </p:par>
+                            </p:childTnLst>
+                          </p:cTn>
+                        </p:par>
+                      </p:childTnLst>
+                    </p:cTn>
+                  </p:par>
+                  <p:par>
+                    <p:cTn id="7" fill="hold">
+                      <p:stCondLst>
+                        <p:cond delay="indefinite"/>
+                      </p:stCondLst>
+                      <p:childTnLst>
+                        <p:par>
+                          <p:cTn id="8" fill="hold">
+                            <p:stCondLst>
+                              <p:cond delay="0"/>
+                            </p:stCondLst>
+                            <p:childTnLst>
+                              <p:par>
+                                <p:cTn id="9" presetID="1" presetClass="entr" presetSubtype="0" fill="hold" grpId="0" nodeType="clickEffect">
+                                  <p:stCondLst>
+                                    <p:cond delay="0"/>
+                                  </p:stCondLst>
+                                  <p:childTnLst>
+                                    <p:set>
+                                      <p:cBhvr>
+                                        <p:cTn id="10" dur="1" fill="hold">
+                                          <p:stCondLst>
+                                            <p:cond delay="0"/>
+                                          </p:stCondLst>
+                                        </p:cTn>
+                                        <p:tgtEl>
+                                          <p:spTgt spid="45059">
+                                            <p:txEl>
+                                              <p:pRg st="1" end="1"/>
+                                            </p:txEl>
+                                          </p:spTgt>
+                                        </p:tgtEl>
+                                        <p:attrNameLst>
+                                          <p:attrName>style.visibility</p:attrName>
+                                        </p:attrNameLst>
+                                      </p:cBhvr>
+                                      <p:to>
+                                        <p:strVal val="visible"/>
+                                      </p:to>
+                                    </p:set>
+                                  </p:childTnLst>
+                                </p:cTn>
+                              </p:par>
+                            </p:childTnLst>
+                          </p:cTn>
+                        </p:par>
+                      </p:childTnLst>
+                    </p:cTn>
+                  </p:par>
+                  <p:par>
+                    <p:cTn id="11" fill="hold">
+                      <p:stCondLst>
+                        <p:cond delay="indefinite"/>
+                      </p:stCondLst>
+                      <p:childTnLst>
+                        <p:par>
+                          <p:cTn id="12" fill="hold">
+                            <p:stCondLst>
+                              <p:cond delay="0"/>
+                            </p:stCondLst>
+                            <p:childTnLst>
+                              <p:par>
+                                <p:cTn id="13" presetID="1" presetClass="entr" presetSubtype="0" fill="hold" grpId="0" nodeType="clickEffect">
+                                  <p:stCondLst>
+                                    <p:cond delay="0"/>
+                                  </p:stCondLst>
+                                  <p:childTnLst>
+                                    <p:set>
+                                      <p:cBhvr>
+                                        <p:cTn id="14" dur="1" fill="hold">
+                                          <p:stCondLst>
+                                            <p:cond delay="0"/>
+                                          </p:stCondLst>
+                                        </p:cTn>
+                                        <p:tgtEl>
+                                          <p:spTgt spid="45059">
+                                            <p:txEl>
+                                              <p:pRg st="2" end="2"/>
+                                            </p:txEl>
+                                          </p:spTgt>
+                                        </p:tgtEl>
+                                        <p:attrNameLst>
+                                          <p:attrName>style.visibility</p:attrName>
+                                        </p:attrNameLst>
+                                      </p:cBhvr>
+                                      <p:to>
+                                        <p:strVal val="visible"/>
+                                      </p:to>
+                                    </p:set>
+                                  </p:childTnLst>
+                                </p:cTn>
+                              </p:par>
+                            </p:childTnLst>
+                          </p:cTn>
+                        </p:par>
+                      </p:childTnLst>
+                    </p:cTn>
+                  </p:par>
+                  <p:par>
+                    <p:cTn id="15" fill="hold">
+                      <p:stCondLst>
+                        <p:cond delay="indefinite"/>
+                      </p:stCondLst>
+                      <p:childTnLst>
+                        <p:par>
+                          <p:cTn id="16" fill="hold">
+                            <p:stCondLst>
+                              <p:cond delay="0"/>
+                            </p:stCondLst>
+                            <p:childTnLst>
+                              <p:par>
+                                <p:cTn id="17" presetID="1" presetClass="entr" presetSubtype="0" fill="hold" grpId="0" nodeType="clickEffect">
+                                  <p:stCondLst>
+                                    <p:cond delay="0"/>
+                                  </p:stCondLst>
+                                  <p:childTnLst>
+                                    <p:set>
+                                      <p:cBhvr>
+                                        <p:cTn id="18" dur="1" fill="hold">
+                                          <p:stCondLst>
+                                            <p:cond delay="0"/>
+                                          </p:stCondLst>
+                                        </p:cTn>
+                                        <p:tgtEl>
+                                          <p:spTgt spid="45059">
+                                            <p:txEl>
+                                              <p:pRg st="4" end="4"/>
+                                            </p:txEl>
+                                          </p:spTgt>
+                                        </p:tgtEl>
+                                        <p:attrNameLst>
+                                          <p:attrName>style.visibility</p:attrName>
+                                        </p:attrNameLst>
+                                      </p:cBhvr>
+                                      <p:to>
+                                        <p:strVal val="visible"/>
+                                      </p:to>
+                                    </p:set>
+                                  </p:childTnLst>
+                                </p:cTn>
+                              </p:par>
+                            </p:childTnLst>
+                          </p:cTn>
+                        </p:par>
+                      </p:childTnLst>
+                    </p:cTn>
+                  </p:par>
+                  <p:par>
+                    <p:cTn id="19" fill="hold">
+                      <p:stCondLst>
+                        <p:cond delay="indefinite"/>
+                      </p:stCondLst>
+                      <p:childTnLst>
+                        <p:par>
+                          <p:cTn id="20" fill="hold">
+                            <p:stCondLst>
+                              <p:cond delay="0"/>
+                            </p:stCondLst>
+                            <p:childTnLst>
+                              <p:par>
+                                <p:cTn id="21" presetID="1" presetClass="entr" presetSubtype="0" fill="hold" grpId="0" nodeType="clickEffect">
+                                  <p:stCondLst>
+                                    <p:cond delay="0"/>
+                                  </p:stCondLst>
+                                  <p:childTnLst>
+                                    <p:set>
+                                      <p:cBhvr>
+                                        <p:cTn id="22" dur="1" fill="hold">
+                                          <p:stCondLst>
+                                            <p:cond delay="0"/>
+                                          </p:stCondLst>
+                                        </p:cTn>
+                                        <p:tgtEl>
+                                          <p:spTgt spid="45059">
+                                            <p:txEl>
+                                              <p:pRg st="6" end="6"/>
+                                            </p:txEl>
+                                          </p:spTgt>
+                                        </p:tgtEl>
+                                        <p:attrNameLst>
+                                          <p:attrName>style.visibility</p:attrName>
+                                        </p:attrNameLst>
+                                      </p:cBhvr>
+                                      <p:to>
+                                        <p:strVal val="visible"/>
+                                      </p:to>
+                                    </p:set>
+                                  </p:childTnLst>
+                                </p:cTn>
+                              </p:par>
+                            </p:childTnLst>
+                          </p:cTn>
+                        </p:par>
+                      </p:childTnLst>
+                    </p:cTn>
+                  </p:par>
+                  <p:par>
+                    <p:cTn id="23" fill="hold">
+                      <p:stCondLst>
+                        <p:cond delay="indefinite"/>
+                      </p:stCondLst>
+                      <p:childTnLst>
+                        <p:par>
+                          <p:cTn id="24" fill="hold">
+                            <p:stCondLst>
+                              <p:cond delay="0"/>
+                            </p:stCondLst>
+                            <p:childTnLst>
+                              <p:par>
+                                <p:cTn id="25" presetID="1" presetClass="entr" presetSubtype="0" fill="hold" grpId="0" nodeType="clickEffect">
+                                  <p:stCondLst>
+                                    <p:cond delay="0"/>
+                                  </p:stCondLst>
+                                  <p:childTnLst>
+                                    <p:set>
+                                      <p:cBhvr>
+                                        <p:cTn id="26" dur="1" fill="hold">
+                                          <p:stCondLst>
+                                            <p:cond delay="0"/>
+                                          </p:stCondLst>
+                                        </p:cTn>
+                                        <p:tgtEl>
+                                          <p:spTgt spid="45059">
+                                            <p:txEl>
+                                              <p:pRg st="7" end="7"/>
+                                            </p:txEl>
+                                          </p:spTgt>
+                                        </p:tgtEl>
+                                        <p:attrNameLst>
+                                          <p:attrName>style.visibility</p:attrName>
+                                        </p:attrNameLst>
+                                      </p:cBhvr>
+                                      <p:to>
+                                        <p:strVal val="visible"/>
+                                      </p:to>
+                                    </p:set>
+                                  </p:childTnLst>
+                                </p:cTn>
+                              </p:par>
+                            </p:childTnLst>
+                          </p:cTn>
+                        </p:par>
+                      </p:childTnLst>
+                    </p:cTn>
+                  </p:par>
+                  <p:par>
+                    <p:cTn id="27" fill="hold">
+                      <p:stCondLst>
+                        <p:cond delay="indefinite"/>
+                      </p:stCondLst>
+                      <p:childTnLst>
+                        <p:par>
+                          <p:cTn id="28" fill="hold">
+                            <p:stCondLst>
+                              <p:cond delay="0"/>
+                            </p:stCondLst>
+                            <p:childTnLst>
+                              <p:par>
+                                <p:cTn id="29" presetID="1" presetClass="entr" presetSubtype="0" fill="hold" grpId="0" nodeType="clickEffect">
+                                  <p:stCondLst>
+                                    <p:cond delay="0"/>
+                                  </p:stCondLst>
+                                  <p:childTnLst>
+                                    <p:set>
+                                      <p:cBhvr>
+                                        <p:cTn id="30" dur="1" fill="hold">
+                                          <p:stCondLst>
+                                            <p:cond delay="0"/>
+                                          </p:stCondLst>
+                                        </p:cTn>
+                                        <p:tgtEl>
+                                          <p:spTgt spid="45059">
+                                            <p:txEl>
+                                              <p:pRg st="8" end="8"/>
+                                            </p:txEl>
+                                          </p:spTgt>
+                                        </p:tgtEl>
+                                        <p:attrNameLst>
+                                          <p:attrName>style.visibility</p:attrName>
+                                        </p:attrNameLst>
+                                      </p:cBhvr>
+                                      <p:to>
+                                        <p:strVal val="visible"/>
+                                      </p:to>
+                                    </p:set>
+                                  </p:childTnLst>
+                                </p:cTn>
+                              </p:par>
+                            </p:childTnLst>
+                          </p:cTn>
+                        </p:par>
+                      </p:childTnLst>
+                    </p:cTn>
+                  </p:par>
+                  <p:par>
+                    <p:cTn id="31" fill="hold">
+                      <p:stCondLst>
+                        <p:cond delay="indefinite"/>
+                      </p:stCondLst>
+                      <p:childTnLst>
+                        <p:par>
+                          <p:cTn id="32" fill="hold">
+                            <p:stCondLst>
+                              <p:cond delay="0"/>
+                            </p:stCondLst>
+                            <p:childTnLst>
+                              <p:par>
+                                <p:cTn id="33" presetID="1" presetClass="entr" presetSubtype="0" fill="hold" grpId="0" nodeType="clickEffect">
+                                  <p:stCondLst>
+                                    <p:cond delay="0"/>
+                                  </p:stCondLst>
+                                  <p:childTnLst>
+                                    <p:set>
+                                      <p:cBhvr>
+                                        <p:cTn id="34" dur="1" fill="hold">
+                                          <p:stCondLst>
+                                            <p:cond delay="0"/>
+                                          </p:stCondLst>
+                                        </p:cTn>
+                                        <p:tgtEl>
+                                          <p:spTgt spid="45059">
+                                            <p:txEl>
+                                              <p:pRg st="9" end="9"/>
+                                            </p:txEl>
+                                          </p:spTgt>
+                                        </p:tgtEl>
+                                        <p:attrNameLst>
+                                          <p:attrName>style.visibility</p:attrName>
+                                        </p:attrNameLst>
+                                      </p:cBhvr>
+                                      <p:to>
+                                        <p:strVal val="visible"/>
+                                      </p:to>
+                                    </p:set>
+                                  </p:childTnLst>
+                                </p:cTn>
+                              </p:par>
+                            </p:childTnLst>
+                          </p:cTn>
+                        </p:par>
+                      </p:childTnLst>
+                    </p:cTn>
+                  </p:par>
+                  <p:par>
+                    <p:cTn id="35" fill="hold">
+                      <p:stCondLst>
+                        <p:cond delay="indefinite"/>
+                      </p:stCondLst>
+                      <p:childTnLst>
+                        <p:par>
+                          <p:cTn id="36" fill="hold">
+                            <p:stCondLst>
+                              <p:cond delay="0"/>
+                            </p:stCondLst>
+                            <p:childTnLst>
+                              <p:par>
+                                <p:cTn id="37" presetID="1" presetClass="entr" presetSubtype="0" fill="hold" grpId="0" nodeType="clickEffect">
+                                  <p:stCondLst>
+                                    <p:cond delay="0"/>
+                                  </p:stCondLst>
+                                  <p:childTnLst>
+                                    <p:set>
+                                      <p:cBhvr>
+                                        <p:cTn id="38" dur="1" fill="hold">
+                                          <p:stCondLst>
+                                            <p:cond delay="0"/>
+                                          </p:stCondLst>
+                                        </p:cTn>
+                                        <p:tgtEl>
+                                          <p:spTgt spid="45059">
+                                            <p:txEl>
+                                              <p:pRg st="10" end="10"/>
+                                            </p:txEl>
+                                          </p:spTgt>
+                                        </p:tgtEl>
+                                        <p:attrNameLst>
+                                          <p:attrName>style.visibility</p:attrName>
+                                        </p:attrNameLst>
+                                      </p:cBhvr>
+                                      <p:to>
+                                        <p:strVal val="visible"/>
+                                      </p:to>
+                                    </p:set>
+                                  </p:childTnLst>
+                                </p:cTn>
+                              </p:par>
+                            </p:childTnLst>
+                          </p:cTn>
+                        </p:par>
+                      </p:childTnLst>
+                    </p:cTn>
+                  </p:par>
+                </p:childTnLst>
+              </p:cTn>
+              <p:prevCondLst>
+                <p:cond evt="onPrev" delay="0">
+                  <p:tgtEl>
+                    <p:sldTgt/>
+                  </p:tgtEl>
+                </p:cond>
+              </p:prevCondLst>
+              <p:nextCondLst>
+                <p:cond evt="onNext" delay="0">
+                  <p:tgtEl>
+                    <p:sldTgt/>
+                  </p:tgtEl>
+                </p:cond>
+              </p:nextCondLst>
+            </p:seq>
+          </p:childTnLst>
+        </p:cTn>
+      </p:par>
+    </p:tnLst>
+    <p:bldLst>
+      <p:bldP spid="45059" grpId="0" build="p"/>
     </p:bldLst>
   </p:timing>
 </p:sld>
@@ -18370,6 +22851,42 @@
 </file>
 
 <file path=ppt/tags/tag70.xml><?xml version="1.0" encoding="utf-8"?>
+<p:tagLst xmlns:a="http://schemas.openxmlformats.org/drawingml/2006/main" xmlns:r="http://schemas.openxmlformats.org/officeDocument/2006/relationships" xmlns:p="http://schemas.openxmlformats.org/presentationml/2006/main">
+  <p:tag name="_INSTRUCTOR VIEW19C14C36-AC8E-43BC-9DB6-C2AAF774C7DC|PANE__TAG" val="_"/>
+</p:tagLst>
+</file>
+
+<file path=ppt/tags/tag71.xml><?xml version="1.0" encoding="utf-8"?>
+<p:tagLst xmlns:a="http://schemas.openxmlformats.org/drawingml/2006/main" xmlns:r="http://schemas.openxmlformats.org/officeDocument/2006/relationships" xmlns:p="http://schemas.openxmlformats.org/presentationml/2006/main">
+  <p:tag name="_INSTRUCTOR VIEW19C14C36-AC8E-43BC-9DB6-C2AAF774C7DC|PANE__TAG" val="_"/>
+</p:tagLst>
+</file>
+
+<file path=ppt/tags/tag72.xml><?xml version="1.0" encoding="utf-8"?>
+<p:tagLst xmlns:a="http://schemas.openxmlformats.org/drawingml/2006/main" xmlns:r="http://schemas.openxmlformats.org/officeDocument/2006/relationships" xmlns:p="http://schemas.openxmlformats.org/presentationml/2006/main">
+  <p:tag name="_INSTRUCTOR VIEW19C14C36-AC8E-43BC-9DB6-C2AAF774C7DC|PANE__TAG" val="_"/>
+</p:tagLst>
+</file>
+
+<file path=ppt/tags/tag73.xml><?xml version="1.0" encoding="utf-8"?>
+<p:tagLst xmlns:a="http://schemas.openxmlformats.org/drawingml/2006/main" xmlns:r="http://schemas.openxmlformats.org/officeDocument/2006/relationships" xmlns:p="http://schemas.openxmlformats.org/presentationml/2006/main">
+  <p:tag name="_INSTRUCTOR VIEW19C14C36-AC8E-43BC-9DB6-C2AAF774C7DC|PANE__TAG" val="_"/>
+</p:tagLst>
+</file>
+
+<file path=ppt/tags/tag74.xml><?xml version="1.0" encoding="utf-8"?>
+<p:tagLst xmlns:a="http://schemas.openxmlformats.org/drawingml/2006/main" xmlns:r="http://schemas.openxmlformats.org/officeDocument/2006/relationships" xmlns:p="http://schemas.openxmlformats.org/presentationml/2006/main">
+  <p:tag name="_INSTRUCTOR VIEW19C14C36-AC8E-43BC-9DB6-C2AAF774C7DC|PANE__TAG" val="_"/>
+</p:tagLst>
+</file>
+
+<file path=ppt/tags/tag75.xml><?xml version="1.0" encoding="utf-8"?>
+<p:tagLst xmlns:a="http://schemas.openxmlformats.org/drawingml/2006/main" xmlns:r="http://schemas.openxmlformats.org/officeDocument/2006/relationships" xmlns:p="http://schemas.openxmlformats.org/presentationml/2006/main">
+  <p:tag name="_INSTRUCTOR VIEW19C14C36-AC8E-43BC-9DB6-C2AAF774C7DC|PANE__TAG" val="_"/>
+</p:tagLst>
+</file>
+
+<file path=ppt/tags/tag76.xml><?xml version="1.0" encoding="utf-8"?>
 <p:tagLst xmlns:a="http://schemas.openxmlformats.org/drawingml/2006/main" xmlns:r="http://schemas.openxmlformats.org/officeDocument/2006/relationships" xmlns:p="http://schemas.openxmlformats.org/presentationml/2006/main">
   <p:tag name="_INSTRUCTOR VIEW19C14C36-AC8E-43BC-9DB6-C2AAF774C7DC|PANE__TAG" val="_"/>
 </p:tagLst>

--- a/slides/recurrences.pptx
+++ b/slides/recurrences.pptx
@@ -7683,7 +7683,7 @@
           <a:graphicData uri="http://schemas.openxmlformats.org/presentationml/2006/ole">
             <mc:AlternateContent xmlns:mc="http://schemas.openxmlformats.org/markup-compatibility/2006">
               <mc:Choice xmlns:v="urn:schemas-microsoft-com:vml" Requires="v">
-                <p:oleObj spid="_x0000_s39022" name="Photo Editor Photo" r:id="rId6" imgW="7658764" imgH="4031329" progId="">
+                <p:oleObj spid="_x0000_s39023" name="Photo Editor Photo" r:id="rId6" imgW="7658764" imgH="4031329" progId="">
                   <p:embed/>
                 </p:oleObj>
               </mc:Choice>
@@ -10521,135 +10521,889 @@
           </a:p>
         </p:txBody>
       </p:sp>
-      <p:sp>
-        <p:nvSpPr>
-          <p:cNvPr id="45059" name="Rectangle 3"/>
-          <p:cNvSpPr>
-            <a:spLocks noGrp="1" noChangeArrowheads="1"/>
-          </p:cNvSpPr>
-          <p:nvPr>
-            <p:ph sz="quarter" idx="1"/>
-            <p:custDataLst>
-              <p:tags r:id="rId2"/>
-            </p:custDataLst>
-          </p:nvPr>
-        </p:nvSpPr>
-        <p:spPr/>
-        <p:txBody>
-          <a:bodyPr>
-            <a:normAutofit/>
-          </a:bodyPr>
-          <a:lstStyle/>
-          <a:p>
-            <a:endParaRPr lang="en-US" dirty="0">
-              <a:sym typeface="Symbol" charset="2"/>
-            </a:endParaRPr>
-          </a:p>
-          <a:p>
-            <a:r>
-              <a:rPr lang="en-US" dirty="0">
-                <a:sym typeface="Symbol" charset="2"/>
-              </a:rPr>
-              <a:t>T(n) = 7T(n/3) + n^2</a:t>
-            </a:r>
-          </a:p>
-          <a:p>
-            <a:pPr lvl="1"/>
-            <a:r>
-              <a:rPr lang="en-US" dirty="0">
-                <a:sym typeface="Symbol" charset="2"/>
-              </a:rPr>
-              <a:t>k = log3(7) = 1.77</a:t>
-            </a:r>
-          </a:p>
-          <a:p>
-            <a:pPr lvl="1"/>
-            <a:r>
-              <a:rPr lang="en-US" dirty="0" err="1">
-                <a:sym typeface="Symbol" charset="2"/>
-              </a:rPr>
-              <a:t>n^k</a:t>
-            </a:r>
-            <a:r>
-              <a:rPr lang="en-US" dirty="0">
-                <a:sym typeface="Symbol" charset="2"/>
-              </a:rPr>
-              <a:t> = n^1.77		n^2</a:t>
-            </a:r>
-          </a:p>
-          <a:p>
-            <a:pPr lvl="1"/>
-            <a:r>
-              <a:rPr lang="en-US" dirty="0">
-                <a:sym typeface="Symbol" charset="2"/>
-              </a:rPr>
-              <a:t>Case 3:   n^2</a:t>
-            </a:r>
-          </a:p>
-          <a:p>
-            <a:pPr marL="274320" lvl="1" indent="0">
-              <a:buNone/>
-            </a:pPr>
-            <a:r>
-              <a:rPr lang="en-US" dirty="0">
-                <a:sym typeface="Symbol" charset="2"/>
-              </a:rPr>
-              <a:t>				</a:t>
-            </a:r>
-          </a:p>
-          <a:p>
-            <a:pPr marL="274320" lvl="1" indent="0">
-              <a:buNone/>
-            </a:pPr>
-            <a:endParaRPr lang="en-US" dirty="0">
-              <a:sym typeface="Symbol" charset="2"/>
-            </a:endParaRPr>
-          </a:p>
-          <a:p>
-            <a:pPr marL="274320" lvl="1" indent="0">
-              <a:buNone/>
-            </a:pPr>
-            <a:r>
-              <a:rPr lang="en-US" dirty="0">
-                <a:sym typeface="Symbol" charset="2"/>
-              </a:rPr>
-              <a:t>				regularity: 7*f(n/3) &lt;= c*f(n)</a:t>
-            </a:r>
-          </a:p>
-          <a:p>
-            <a:pPr marL="274320" lvl="1" indent="0">
-              <a:buNone/>
-            </a:pPr>
-            <a:r>
-              <a:rPr lang="en-US" dirty="0">
-                <a:sym typeface="Symbol" charset="2"/>
-              </a:rPr>
-              <a:t>				7*n^2/9 &lt;= c*n^2</a:t>
-            </a:r>
-          </a:p>
-          <a:p>
-            <a:pPr marL="274320" lvl="1" indent="0">
-              <a:buNone/>
-            </a:pPr>
-            <a:r>
-              <a:rPr lang="en-US" dirty="0">
-                <a:sym typeface="Symbol" charset="2"/>
-              </a:rPr>
-              <a:t>				(7/9)n^2 &lt;= cn^2       //YES</a:t>
-            </a:r>
-          </a:p>
-          <a:p>
-            <a:endParaRPr lang="en-US" dirty="0">
-              <a:sym typeface="Symbol" charset="2"/>
-            </a:endParaRPr>
-          </a:p>
-          <a:p>
-            <a:endParaRPr lang="en-US" dirty="0">
-              <a:sym typeface="Symbol" charset="2"/>
-            </a:endParaRPr>
-          </a:p>
-        </p:txBody>
-      </p:sp>
+      <mc:AlternateContent xmlns:mc="http://schemas.openxmlformats.org/markup-compatibility/2006">
+        <mc:Choice xmlns:a14="http://schemas.microsoft.com/office/drawing/2010/main" Requires="a14">
+          <p:sp>
+            <p:nvSpPr>
+              <p:cNvPr id="45059" name="Rectangle 3"/>
+              <p:cNvSpPr>
+                <a:spLocks noGrp="1" noChangeArrowheads="1"/>
+              </p:cNvSpPr>
+              <p:nvPr>
+                <p:ph sz="quarter" idx="1"/>
+                <p:custDataLst>
+                  <p:tags r:id="rId2"/>
+                </p:custDataLst>
+              </p:nvPr>
+            </p:nvSpPr>
+            <p:spPr/>
+            <p:txBody>
+              <a:bodyPr>
+                <a:normAutofit fontScale="92500" lnSpcReduction="10000"/>
+              </a:bodyPr>
+              <a:lstStyle/>
+              <a:p>
+                <a:endParaRPr lang="en-US" dirty="0">
+                  <a:sym typeface="Symbol" charset="2"/>
+                </a:endParaRPr>
+              </a:p>
+              <a:p>
+                <a14:m>
+                  <m:oMath xmlns:m="http://schemas.openxmlformats.org/officeDocument/2006/math">
+                    <m:r>
+                      <a:rPr lang="en-US" b="0" i="1" smtClean="0">
+                        <a:latin typeface="Cambria Math" panose="02040503050406030204" pitchFamily="18" charset="0"/>
+                        <a:sym typeface="Symbol" charset="2"/>
+                      </a:rPr>
+                      <m:t>𝑇</m:t>
+                    </m:r>
+                    <m:d>
+                      <m:dPr>
+                        <m:ctrlPr>
+                          <a:rPr lang="en-US" b="0" i="1" smtClean="0">
+                            <a:latin typeface="Cambria Math" panose="02040503050406030204" pitchFamily="18" charset="0"/>
+                            <a:sym typeface="Symbol" charset="2"/>
+                          </a:rPr>
+                        </m:ctrlPr>
+                      </m:dPr>
+                      <m:e>
+                        <m:r>
+                          <a:rPr lang="en-US" b="0" i="1" smtClean="0">
+                            <a:latin typeface="Cambria Math" panose="02040503050406030204" pitchFamily="18" charset="0"/>
+                            <a:sym typeface="Symbol" charset="2"/>
+                          </a:rPr>
+                          <m:t>𝑛</m:t>
+                        </m:r>
+                      </m:e>
+                    </m:d>
+                    <m:r>
+                      <a:rPr lang="en-US" b="0" i="1" smtClean="0">
+                        <a:latin typeface="Cambria Math" panose="02040503050406030204" pitchFamily="18" charset="0"/>
+                        <a:sym typeface="Symbol" charset="2"/>
+                      </a:rPr>
+                      <m:t>=7</m:t>
+                    </m:r>
+                    <m:r>
+                      <a:rPr lang="en-US" b="0" i="1" smtClean="0">
+                        <a:latin typeface="Cambria Math" panose="02040503050406030204" pitchFamily="18" charset="0"/>
+                        <a:sym typeface="Symbol" charset="2"/>
+                      </a:rPr>
+                      <m:t>𝑇</m:t>
+                    </m:r>
+                    <m:d>
+                      <m:dPr>
+                        <m:ctrlPr>
+                          <a:rPr lang="en-US" b="0" i="1" smtClean="0">
+                            <a:latin typeface="Cambria Math" panose="02040503050406030204" pitchFamily="18" charset="0"/>
+                            <a:sym typeface="Symbol" charset="2"/>
+                          </a:rPr>
+                        </m:ctrlPr>
+                      </m:dPr>
+                      <m:e>
+                        <m:f>
+                          <m:fPr>
+                            <m:ctrlPr>
+                              <a:rPr lang="en-US" b="0" i="1" smtClean="0">
+                                <a:latin typeface="Cambria Math" panose="02040503050406030204" pitchFamily="18" charset="0"/>
+                                <a:sym typeface="Symbol" charset="2"/>
+                              </a:rPr>
+                            </m:ctrlPr>
+                          </m:fPr>
+                          <m:num>
+                            <m:r>
+                              <a:rPr lang="en-US" b="0" i="1" smtClean="0">
+                                <a:latin typeface="Cambria Math" panose="02040503050406030204" pitchFamily="18" charset="0"/>
+                                <a:sym typeface="Symbol" charset="2"/>
+                              </a:rPr>
+                              <m:t>𝑛</m:t>
+                            </m:r>
+                          </m:num>
+                          <m:den>
+                            <m:r>
+                              <a:rPr lang="en-US" b="0" i="1" smtClean="0">
+                                <a:latin typeface="Cambria Math" panose="02040503050406030204" pitchFamily="18" charset="0"/>
+                                <a:sym typeface="Symbol" charset="2"/>
+                              </a:rPr>
+                              <m:t>3</m:t>
+                            </m:r>
+                          </m:den>
+                        </m:f>
+                      </m:e>
+                    </m:d>
+                    <m:r>
+                      <a:rPr lang="en-US" b="0" i="1" smtClean="0">
+                        <a:latin typeface="Cambria Math" panose="02040503050406030204" pitchFamily="18" charset="0"/>
+                        <a:sym typeface="Symbol" charset="2"/>
+                      </a:rPr>
+                      <m:t>+</m:t>
+                    </m:r>
+                    <m:sSup>
+                      <m:sSupPr>
+                        <m:ctrlPr>
+                          <a:rPr lang="en-US" b="0" i="1" smtClean="0">
+                            <a:latin typeface="Cambria Math" panose="02040503050406030204" pitchFamily="18" charset="0"/>
+                            <a:sym typeface="Symbol" charset="2"/>
+                          </a:rPr>
+                        </m:ctrlPr>
+                      </m:sSupPr>
+                      <m:e>
+                        <m:r>
+                          <a:rPr lang="en-US" b="0" i="1" smtClean="0">
+                            <a:latin typeface="Cambria Math" panose="02040503050406030204" pitchFamily="18" charset="0"/>
+                            <a:sym typeface="Symbol" charset="2"/>
+                          </a:rPr>
+                          <m:t>𝑛</m:t>
+                        </m:r>
+                      </m:e>
+                      <m:sup>
+                        <m:r>
+                          <a:rPr lang="en-US" b="0" i="1" smtClean="0">
+                            <a:latin typeface="Cambria Math" panose="02040503050406030204" pitchFamily="18" charset="0"/>
+                            <a:sym typeface="Symbol" charset="2"/>
+                          </a:rPr>
+                          <m:t>2</m:t>
+                        </m:r>
+                      </m:sup>
+                    </m:sSup>
+                  </m:oMath>
+                </a14:m>
+                <a:endParaRPr lang="en-US" dirty="0">
+                  <a:sym typeface="Symbol" charset="2"/>
+                </a:endParaRPr>
+              </a:p>
+              <a:p>
+                <a:pPr lvl="1"/>
+                <a14:m>
+                  <m:oMath xmlns:m="http://schemas.openxmlformats.org/officeDocument/2006/math">
+                    <m:r>
+                      <a:rPr lang="en-US" b="0" i="1" smtClean="0">
+                        <a:latin typeface="Cambria Math" panose="02040503050406030204" pitchFamily="18" charset="0"/>
+                        <a:sym typeface="Symbol" charset="2"/>
+                      </a:rPr>
+                      <m:t>𝑘</m:t>
+                    </m:r>
+                    <m:r>
+                      <a:rPr lang="en-US" b="0" i="1" smtClean="0">
+                        <a:latin typeface="Cambria Math" panose="02040503050406030204" pitchFamily="18" charset="0"/>
+                        <a:sym typeface="Symbol" charset="2"/>
+                      </a:rPr>
+                      <m:t>=</m:t>
+                    </m:r>
+                    <m:func>
+                      <m:funcPr>
+                        <m:ctrlPr>
+                          <a:rPr lang="en-US" b="0" i="1" smtClean="0">
+                            <a:latin typeface="Cambria Math" panose="02040503050406030204" pitchFamily="18" charset="0"/>
+                            <a:sym typeface="Symbol" charset="2"/>
+                          </a:rPr>
+                        </m:ctrlPr>
+                      </m:funcPr>
+                      <m:fName>
+                        <m:sSub>
+                          <m:sSubPr>
+                            <m:ctrlPr>
+                              <a:rPr lang="en-US" b="0" i="1" smtClean="0">
+                                <a:latin typeface="Cambria Math" panose="02040503050406030204" pitchFamily="18" charset="0"/>
+                                <a:sym typeface="Symbol" charset="2"/>
+                              </a:rPr>
+                            </m:ctrlPr>
+                          </m:sSubPr>
+                          <m:e>
+                            <m:r>
+                              <m:rPr>
+                                <m:sty m:val="p"/>
+                              </m:rPr>
+                              <a:rPr lang="en-US" b="0" i="0" smtClean="0">
+                                <a:latin typeface="Cambria Math" panose="02040503050406030204" pitchFamily="18" charset="0"/>
+                                <a:sym typeface="Symbol" charset="2"/>
+                              </a:rPr>
+                              <m:t>log</m:t>
+                            </m:r>
+                          </m:e>
+                          <m:sub>
+                            <m:r>
+                              <a:rPr lang="en-US" b="0" i="1" smtClean="0">
+                                <a:latin typeface="Cambria Math" panose="02040503050406030204" pitchFamily="18" charset="0"/>
+                                <a:sym typeface="Symbol" charset="2"/>
+                              </a:rPr>
+                              <m:t>3</m:t>
+                            </m:r>
+                          </m:sub>
+                        </m:sSub>
+                      </m:fName>
+                      <m:e>
+                        <m:d>
+                          <m:dPr>
+                            <m:ctrlPr>
+                              <a:rPr lang="en-US" b="0" i="1" smtClean="0">
+                                <a:latin typeface="Cambria Math" panose="02040503050406030204" pitchFamily="18" charset="0"/>
+                                <a:sym typeface="Symbol" charset="2"/>
+                              </a:rPr>
+                            </m:ctrlPr>
+                          </m:dPr>
+                          <m:e>
+                            <m:r>
+                              <a:rPr lang="en-US" b="0" i="1" smtClean="0">
+                                <a:latin typeface="Cambria Math" panose="02040503050406030204" pitchFamily="18" charset="0"/>
+                                <a:sym typeface="Symbol" charset="2"/>
+                              </a:rPr>
+                              <m:t>7</m:t>
+                            </m:r>
+                          </m:e>
+                        </m:d>
+                        <m:r>
+                          <a:rPr lang="en-US" b="0" i="1" smtClean="0">
+                            <a:latin typeface="Cambria Math" panose="02040503050406030204" pitchFamily="18" charset="0"/>
+                            <a:sym typeface="Symbol" charset="2"/>
+                          </a:rPr>
+                          <m:t>=1.77</m:t>
+                        </m:r>
+                      </m:e>
+                    </m:func>
+                  </m:oMath>
+                </a14:m>
+                <a:r>
+                  <a:rPr lang="en-US" dirty="0">
+                    <a:sym typeface="Symbol" charset="2"/>
+                  </a:rPr>
+                  <a:t>  </a:t>
+                </a:r>
+              </a:p>
+              <a:p>
+                <a:pPr lvl="1"/>
+                <a14:m>
+                  <m:oMath xmlns:m="http://schemas.openxmlformats.org/officeDocument/2006/math">
+                    <m:sSup>
+                      <m:sSupPr>
+                        <m:ctrlPr>
+                          <a:rPr lang="en-US" b="0" i="1" smtClean="0">
+                            <a:latin typeface="Cambria Math" panose="02040503050406030204" pitchFamily="18" charset="0"/>
+                            <a:sym typeface="Symbol" charset="2"/>
+                          </a:rPr>
+                        </m:ctrlPr>
+                      </m:sSupPr>
+                      <m:e>
+                        <m:r>
+                          <a:rPr lang="en-US" b="0" i="1" smtClean="0">
+                            <a:latin typeface="Cambria Math" panose="02040503050406030204" pitchFamily="18" charset="0"/>
+                            <a:sym typeface="Symbol" charset="2"/>
+                          </a:rPr>
+                          <m:t>𝑛</m:t>
+                        </m:r>
+                      </m:e>
+                      <m:sup>
+                        <m:r>
+                          <a:rPr lang="en-US" b="0" i="1" smtClean="0">
+                            <a:latin typeface="Cambria Math" panose="02040503050406030204" pitchFamily="18" charset="0"/>
+                            <a:sym typeface="Symbol" charset="2"/>
+                          </a:rPr>
+                          <m:t>𝑘</m:t>
+                        </m:r>
+                      </m:sup>
+                    </m:sSup>
+                    <m:r>
+                      <a:rPr lang="en-US" b="0" i="1" smtClean="0">
+                        <a:latin typeface="Cambria Math" panose="02040503050406030204" pitchFamily="18" charset="0"/>
+                        <a:sym typeface="Symbol" charset="2"/>
+                      </a:rPr>
+                      <m:t>=</m:t>
+                    </m:r>
+                    <m:sSup>
+                      <m:sSupPr>
+                        <m:ctrlPr>
+                          <a:rPr lang="en-US" b="0" i="1" smtClean="0">
+                            <a:latin typeface="Cambria Math" panose="02040503050406030204" pitchFamily="18" charset="0"/>
+                            <a:sym typeface="Symbol" charset="2"/>
+                          </a:rPr>
+                        </m:ctrlPr>
+                      </m:sSupPr>
+                      <m:e>
+                        <m:r>
+                          <a:rPr lang="en-US" b="0" i="1" smtClean="0">
+                            <a:latin typeface="Cambria Math" panose="02040503050406030204" pitchFamily="18" charset="0"/>
+                            <a:sym typeface="Symbol" charset="2"/>
+                          </a:rPr>
+                          <m:t>𝑛</m:t>
+                        </m:r>
+                      </m:e>
+                      <m:sup>
+                        <m:r>
+                          <a:rPr lang="en-US" b="0" i="1" smtClean="0">
+                            <a:latin typeface="Cambria Math" panose="02040503050406030204" pitchFamily="18" charset="0"/>
+                            <a:sym typeface="Symbol" charset="2"/>
+                          </a:rPr>
+                          <m:t>1.77</m:t>
+                        </m:r>
+                      </m:sup>
+                    </m:sSup>
+                  </m:oMath>
+                </a14:m>
+                <a:r>
+                  <a:rPr lang="en-US" dirty="0">
+                    <a:sym typeface="Symbol" charset="2"/>
+                  </a:rPr>
+                  <a:t>  			</a:t>
+                </a:r>
+                <a14:m>
+                  <m:oMath xmlns:m="http://schemas.openxmlformats.org/officeDocument/2006/math">
+                    <m:r>
+                      <a:rPr lang="en-US" b="0" i="1" smtClean="0">
+                        <a:latin typeface="Cambria Math" panose="02040503050406030204" pitchFamily="18" charset="0"/>
+                        <a:sym typeface="Symbol" charset="2"/>
+                      </a:rPr>
+                      <m:t>𝑓</m:t>
+                    </m:r>
+                    <m:d>
+                      <m:dPr>
+                        <m:ctrlPr>
+                          <a:rPr lang="en-US" b="0" i="1" smtClean="0">
+                            <a:latin typeface="Cambria Math" panose="02040503050406030204" pitchFamily="18" charset="0"/>
+                            <a:sym typeface="Symbol" charset="2"/>
+                          </a:rPr>
+                        </m:ctrlPr>
+                      </m:dPr>
+                      <m:e>
+                        <m:r>
+                          <a:rPr lang="en-US" b="0" i="1" smtClean="0">
+                            <a:latin typeface="Cambria Math" panose="02040503050406030204" pitchFamily="18" charset="0"/>
+                            <a:sym typeface="Symbol" charset="2"/>
+                          </a:rPr>
+                          <m:t>𝑛</m:t>
+                        </m:r>
+                      </m:e>
+                    </m:d>
+                    <m:r>
+                      <a:rPr lang="en-US" b="0" i="1" smtClean="0">
+                        <a:latin typeface="Cambria Math" panose="02040503050406030204" pitchFamily="18" charset="0"/>
+                        <a:sym typeface="Symbol" charset="2"/>
+                      </a:rPr>
+                      <m:t>=</m:t>
+                    </m:r>
+                    <m:sSup>
+                      <m:sSupPr>
+                        <m:ctrlPr>
+                          <a:rPr lang="en-US" b="0" i="1" smtClean="0">
+                            <a:latin typeface="Cambria Math" panose="02040503050406030204" pitchFamily="18" charset="0"/>
+                            <a:sym typeface="Symbol" charset="2"/>
+                          </a:rPr>
+                        </m:ctrlPr>
+                      </m:sSupPr>
+                      <m:e>
+                        <m:r>
+                          <a:rPr lang="en-US" b="0" i="1" smtClean="0">
+                            <a:latin typeface="Cambria Math" panose="02040503050406030204" pitchFamily="18" charset="0"/>
+                            <a:sym typeface="Symbol" charset="2"/>
+                          </a:rPr>
+                          <m:t>𝑛</m:t>
+                        </m:r>
+                      </m:e>
+                      <m:sup>
+                        <m:r>
+                          <a:rPr lang="en-US" b="0" i="1" smtClean="0">
+                            <a:latin typeface="Cambria Math" panose="02040503050406030204" pitchFamily="18" charset="0"/>
+                            <a:sym typeface="Symbol" charset="2"/>
+                          </a:rPr>
+                          <m:t>2</m:t>
+                        </m:r>
+                      </m:sup>
+                    </m:sSup>
+                  </m:oMath>
+                </a14:m>
+                <a:endParaRPr lang="en-US" dirty="0">
+                  <a:sym typeface="Symbol" charset="2"/>
+                </a:endParaRPr>
+              </a:p>
+              <a:p>
+                <a:pPr lvl="1"/>
+                <a:r>
+                  <a:rPr lang="en-US" dirty="0">
+                    <a:sym typeface="Symbol" charset="2"/>
+                  </a:rPr>
+                  <a:t>Case 3:  </a:t>
+                </a:r>
+                <a14:m>
+                  <m:oMath xmlns:m="http://schemas.openxmlformats.org/officeDocument/2006/math">
+                    <m:sSup>
+                      <m:sSupPr>
+                        <m:ctrlPr>
+                          <a:rPr lang="en-US" b="0" i="1" smtClean="0">
+                            <a:latin typeface="Cambria Math" panose="02040503050406030204" pitchFamily="18" charset="0"/>
+                            <a:sym typeface="Symbol" charset="2"/>
+                          </a:rPr>
+                        </m:ctrlPr>
+                      </m:sSupPr>
+                      <m:e>
+                        <m:r>
+                          <a:rPr lang="en-US" b="0" i="1" smtClean="0">
+                            <a:latin typeface="Cambria Math" panose="02040503050406030204" pitchFamily="18" charset="0"/>
+                            <a:sym typeface="Symbol" charset="2"/>
+                          </a:rPr>
+                          <m:t>𝑛</m:t>
+                        </m:r>
+                      </m:e>
+                      <m:sup>
+                        <m:r>
+                          <a:rPr lang="en-US" b="0" i="1" smtClean="0">
+                            <a:latin typeface="Cambria Math" panose="02040503050406030204" pitchFamily="18" charset="0"/>
+                            <a:sym typeface="Symbol" charset="2"/>
+                          </a:rPr>
+                          <m:t>2</m:t>
+                        </m:r>
+                      </m:sup>
+                    </m:sSup>
+                  </m:oMath>
+                </a14:m>
+                <a:endParaRPr lang="en-US" dirty="0">
+                  <a:sym typeface="Symbol" charset="2"/>
+                </a:endParaRPr>
+              </a:p>
+              <a:p>
+                <a:pPr marL="274320" lvl="1" indent="0">
+                  <a:buNone/>
+                </a:pPr>
+                <a:r>
+                  <a:rPr lang="en-US" dirty="0">
+                    <a:sym typeface="Symbol" charset="2"/>
+                  </a:rPr>
+                  <a:t>				</a:t>
+                </a:r>
+              </a:p>
+              <a:p>
+                <a:pPr marL="274320" lvl="1" indent="0">
+                  <a:buNone/>
+                </a:pPr>
+                <a:endParaRPr lang="en-US" dirty="0">
+                  <a:sym typeface="Symbol" charset="2"/>
+                </a:endParaRPr>
+              </a:p>
+              <a:p>
+                <a:pPr marL="274320" lvl="1" indent="0">
+                  <a:buNone/>
+                </a:pPr>
+                <a:r>
+                  <a:rPr lang="en-US" dirty="0">
+                    <a:sym typeface="Symbol" charset="2"/>
+                  </a:rPr>
+                  <a:t>				regularity: </a:t>
+                </a:r>
+                <a14:m>
+                  <m:oMath xmlns:m="http://schemas.openxmlformats.org/officeDocument/2006/math">
+                    <m:r>
+                      <a:rPr lang="en-US" b="0" i="1" smtClean="0">
+                        <a:latin typeface="Cambria Math" panose="02040503050406030204" pitchFamily="18" charset="0"/>
+                        <a:sym typeface="Symbol" charset="2"/>
+                      </a:rPr>
+                      <m:t>7∗</m:t>
+                    </m:r>
+                    <m:r>
+                      <a:rPr lang="en-US" b="0" i="1" smtClean="0">
+                        <a:latin typeface="Cambria Math" panose="02040503050406030204" pitchFamily="18" charset="0"/>
+                        <a:sym typeface="Symbol" charset="2"/>
+                      </a:rPr>
+                      <m:t>𝑓</m:t>
+                    </m:r>
+                    <m:d>
+                      <m:dPr>
+                        <m:ctrlPr>
+                          <a:rPr lang="en-US" b="0" i="1" smtClean="0">
+                            <a:latin typeface="Cambria Math" panose="02040503050406030204" pitchFamily="18" charset="0"/>
+                            <a:sym typeface="Symbol" charset="2"/>
+                          </a:rPr>
+                        </m:ctrlPr>
+                      </m:dPr>
+                      <m:e>
+                        <m:f>
+                          <m:fPr>
+                            <m:ctrlPr>
+                              <a:rPr lang="en-US" b="0" i="1" smtClean="0">
+                                <a:latin typeface="Cambria Math" panose="02040503050406030204" pitchFamily="18" charset="0"/>
+                                <a:sym typeface="Symbol" charset="2"/>
+                              </a:rPr>
+                            </m:ctrlPr>
+                          </m:fPr>
+                          <m:num>
+                            <m:r>
+                              <a:rPr lang="en-US" b="0" i="1" smtClean="0">
+                                <a:latin typeface="Cambria Math" panose="02040503050406030204" pitchFamily="18" charset="0"/>
+                                <a:sym typeface="Symbol" charset="2"/>
+                              </a:rPr>
+                              <m:t>𝑛</m:t>
+                            </m:r>
+                          </m:num>
+                          <m:den>
+                            <m:r>
+                              <a:rPr lang="en-US" b="0" i="1" smtClean="0">
+                                <a:latin typeface="Cambria Math" panose="02040503050406030204" pitchFamily="18" charset="0"/>
+                                <a:sym typeface="Symbol" charset="2"/>
+                              </a:rPr>
+                              <m:t>3</m:t>
+                            </m:r>
+                          </m:den>
+                        </m:f>
+                      </m:e>
+                    </m:d>
+                    <m:r>
+                      <a:rPr lang="en-US" b="0" i="1" smtClean="0">
+                        <a:latin typeface="Cambria Math" panose="02040503050406030204" pitchFamily="18" charset="0"/>
+                        <a:sym typeface="Symbol" charset="2"/>
+                      </a:rPr>
+                      <m:t>≤</m:t>
+                    </m:r>
+                    <m:r>
+                      <a:rPr lang="en-US" b="0" i="1" smtClean="0">
+                        <a:latin typeface="Cambria Math" panose="02040503050406030204" pitchFamily="18" charset="0"/>
+                        <a:sym typeface="Symbol" charset="2"/>
+                      </a:rPr>
+                      <m:t>𝑐</m:t>
+                    </m:r>
+                    <m:r>
+                      <a:rPr lang="en-US" b="0" i="1" smtClean="0">
+                        <a:latin typeface="Cambria Math" panose="02040503050406030204" pitchFamily="18" charset="0"/>
+                        <a:sym typeface="Symbol" charset="2"/>
+                      </a:rPr>
+                      <m:t>∗</m:t>
+                    </m:r>
+                    <m:sSup>
+                      <m:sSupPr>
+                        <m:ctrlPr>
+                          <a:rPr lang="en-US" b="0" i="1" smtClean="0">
+                            <a:latin typeface="Cambria Math" panose="02040503050406030204" pitchFamily="18" charset="0"/>
+                            <a:sym typeface="Symbol" charset="2"/>
+                          </a:rPr>
+                        </m:ctrlPr>
+                      </m:sSupPr>
+                      <m:e>
+                        <m:r>
+                          <a:rPr lang="en-US" b="0" i="1" smtClean="0">
+                            <a:latin typeface="Cambria Math" panose="02040503050406030204" pitchFamily="18" charset="0"/>
+                            <a:sym typeface="Symbol" charset="2"/>
+                          </a:rPr>
+                          <m:t>𝑛</m:t>
+                        </m:r>
+                      </m:e>
+                      <m:sup>
+                        <m:r>
+                          <a:rPr lang="en-US" b="0" i="1" smtClean="0">
+                            <a:latin typeface="Cambria Math" panose="02040503050406030204" pitchFamily="18" charset="0"/>
+                            <a:sym typeface="Symbol" charset="2"/>
+                          </a:rPr>
+                          <m:t>2</m:t>
+                        </m:r>
+                      </m:sup>
+                    </m:sSup>
+                  </m:oMath>
+                </a14:m>
+                <a:endParaRPr lang="en-US" dirty="0">
+                  <a:sym typeface="Symbol" charset="2"/>
+                </a:endParaRPr>
+              </a:p>
+              <a:p>
+                <a:pPr marL="274320" lvl="1" indent="0">
+                  <a:buNone/>
+                </a:pPr>
+                <a:r>
+                  <a:rPr lang="en-US" dirty="0">
+                    <a:sym typeface="Symbol" charset="2"/>
+                  </a:rPr>
+                  <a:t>				 </a:t>
+                </a:r>
+                <a14:m>
+                  <m:oMath xmlns:m="http://schemas.openxmlformats.org/officeDocument/2006/math">
+                    <m:r>
+                      <a:rPr lang="en-US" i="1">
+                        <a:latin typeface="Cambria Math" panose="02040503050406030204" pitchFamily="18" charset="0"/>
+                        <a:sym typeface="Symbol" charset="2"/>
+                      </a:rPr>
+                      <m:t>7∗</m:t>
+                    </m:r>
+                    <m:f>
+                      <m:fPr>
+                        <m:ctrlPr>
+                          <a:rPr lang="en-US" b="0" i="1" smtClean="0">
+                            <a:latin typeface="Cambria Math" panose="02040503050406030204" pitchFamily="18" charset="0"/>
+                            <a:sym typeface="Symbol" charset="2"/>
+                          </a:rPr>
+                        </m:ctrlPr>
+                      </m:fPr>
+                      <m:num>
+                        <m:sSup>
+                          <m:sSupPr>
+                            <m:ctrlPr>
+                              <a:rPr lang="en-US" b="0" i="1" smtClean="0">
+                                <a:latin typeface="Cambria Math" panose="02040503050406030204" pitchFamily="18" charset="0"/>
+                                <a:sym typeface="Symbol" charset="2"/>
+                              </a:rPr>
+                            </m:ctrlPr>
+                          </m:sSupPr>
+                          <m:e>
+                            <m:r>
+                              <a:rPr lang="en-US" b="0" i="1" smtClean="0">
+                                <a:latin typeface="Cambria Math" panose="02040503050406030204" pitchFamily="18" charset="0"/>
+                                <a:sym typeface="Symbol" charset="2"/>
+                              </a:rPr>
+                              <m:t>𝑛</m:t>
+                            </m:r>
+                          </m:e>
+                          <m:sup>
+                            <m:r>
+                              <a:rPr lang="en-US" b="0" i="1" smtClean="0">
+                                <a:latin typeface="Cambria Math" panose="02040503050406030204" pitchFamily="18" charset="0"/>
+                                <a:sym typeface="Symbol" charset="2"/>
+                              </a:rPr>
+                              <m:t>2</m:t>
+                            </m:r>
+                          </m:sup>
+                        </m:sSup>
+                      </m:num>
+                      <m:den>
+                        <m:r>
+                          <a:rPr lang="en-US" b="0" i="1" smtClean="0">
+                            <a:latin typeface="Cambria Math" panose="02040503050406030204" pitchFamily="18" charset="0"/>
+                            <a:sym typeface="Symbol" charset="2"/>
+                          </a:rPr>
+                          <m:t>9</m:t>
+                        </m:r>
+                      </m:den>
+                    </m:f>
+                    <m:r>
+                      <a:rPr lang="en-US" i="1">
+                        <a:latin typeface="Cambria Math" panose="02040503050406030204" pitchFamily="18" charset="0"/>
+                        <a:sym typeface="Symbol" charset="2"/>
+                      </a:rPr>
+                      <m:t>≤</m:t>
+                    </m:r>
+                    <m:r>
+                      <a:rPr lang="en-US" i="1">
+                        <a:latin typeface="Cambria Math" panose="02040503050406030204" pitchFamily="18" charset="0"/>
+                        <a:sym typeface="Symbol" charset="2"/>
+                      </a:rPr>
+                      <m:t>𝑐</m:t>
+                    </m:r>
+                    <m:r>
+                      <a:rPr lang="en-US" i="1">
+                        <a:latin typeface="Cambria Math" panose="02040503050406030204" pitchFamily="18" charset="0"/>
+                        <a:sym typeface="Symbol" charset="2"/>
+                      </a:rPr>
+                      <m:t>∗</m:t>
+                    </m:r>
+                    <m:sSup>
+                      <m:sSupPr>
+                        <m:ctrlPr>
+                          <a:rPr lang="en-US" i="1">
+                            <a:latin typeface="Cambria Math" panose="02040503050406030204" pitchFamily="18" charset="0"/>
+                            <a:sym typeface="Symbol" charset="2"/>
+                          </a:rPr>
+                        </m:ctrlPr>
+                      </m:sSupPr>
+                      <m:e>
+                        <m:r>
+                          <a:rPr lang="en-US" i="1">
+                            <a:latin typeface="Cambria Math" panose="02040503050406030204" pitchFamily="18" charset="0"/>
+                            <a:sym typeface="Symbol" charset="2"/>
+                          </a:rPr>
+                          <m:t>𝑛</m:t>
+                        </m:r>
+                      </m:e>
+                      <m:sup>
+                        <m:r>
+                          <a:rPr lang="en-US" i="1">
+                            <a:latin typeface="Cambria Math" panose="02040503050406030204" pitchFamily="18" charset="0"/>
+                            <a:sym typeface="Symbol" charset="2"/>
+                          </a:rPr>
+                          <m:t>2</m:t>
+                        </m:r>
+                      </m:sup>
+                    </m:sSup>
+                  </m:oMath>
+                </a14:m>
+                <a:endParaRPr lang="en-US" dirty="0">
+                  <a:sym typeface="Symbol" charset="2"/>
+                </a:endParaRPr>
+              </a:p>
+              <a:p>
+                <a:pPr marL="274320" lvl="1" indent="0">
+                  <a:buNone/>
+                </a:pPr>
+                <a:r>
+                  <a:rPr lang="en-US" dirty="0">
+                    <a:sym typeface="Symbol" charset="2"/>
+                  </a:rPr>
+                  <a:t>				</a:t>
+                </a:r>
+                <a14:m>
+                  <m:oMath xmlns:m="http://schemas.openxmlformats.org/officeDocument/2006/math">
+                    <m:f>
+                      <m:fPr>
+                        <m:ctrlPr>
+                          <a:rPr lang="en-US" b="0" i="1" smtClean="0">
+                            <a:latin typeface="Cambria Math" panose="02040503050406030204" pitchFamily="18" charset="0"/>
+                            <a:sym typeface="Symbol" charset="2"/>
+                          </a:rPr>
+                        </m:ctrlPr>
+                      </m:fPr>
+                      <m:num>
+                        <m:r>
+                          <a:rPr lang="en-US" b="0" i="1" smtClean="0">
+                            <a:latin typeface="Cambria Math" panose="02040503050406030204" pitchFamily="18" charset="0"/>
+                            <a:sym typeface="Symbol" charset="2"/>
+                          </a:rPr>
+                          <m:t>7</m:t>
+                        </m:r>
+                      </m:num>
+                      <m:den>
+                        <m:r>
+                          <a:rPr lang="en-US" b="0" i="1" smtClean="0">
+                            <a:latin typeface="Cambria Math" panose="02040503050406030204" pitchFamily="18" charset="0"/>
+                            <a:sym typeface="Symbol" charset="2"/>
+                          </a:rPr>
+                          <m:t>9</m:t>
+                        </m:r>
+                      </m:den>
+                    </m:f>
+                    <m:sSup>
+                      <m:sSupPr>
+                        <m:ctrlPr>
+                          <a:rPr lang="en-US" b="0" i="1" smtClean="0">
+                            <a:latin typeface="Cambria Math" panose="02040503050406030204" pitchFamily="18" charset="0"/>
+                            <a:sym typeface="Symbol" charset="2"/>
+                          </a:rPr>
+                        </m:ctrlPr>
+                      </m:sSupPr>
+                      <m:e>
+                        <m:r>
+                          <a:rPr lang="en-US" b="0" i="1" smtClean="0">
+                            <a:latin typeface="Cambria Math" panose="02040503050406030204" pitchFamily="18" charset="0"/>
+                            <a:sym typeface="Symbol" charset="2"/>
+                          </a:rPr>
+                          <m:t>𝑛</m:t>
+                        </m:r>
+                      </m:e>
+                      <m:sup>
+                        <m:r>
+                          <a:rPr lang="en-US" b="0" i="1" smtClean="0">
+                            <a:latin typeface="Cambria Math" panose="02040503050406030204" pitchFamily="18" charset="0"/>
+                            <a:sym typeface="Symbol" charset="2"/>
+                          </a:rPr>
+                          <m:t>2</m:t>
+                        </m:r>
+                      </m:sup>
+                    </m:sSup>
+                    <m:r>
+                      <a:rPr lang="en-US" b="0" i="1" smtClean="0">
+                        <a:latin typeface="Cambria Math" panose="02040503050406030204" pitchFamily="18" charset="0"/>
+                        <a:sym typeface="Symbol" charset="2"/>
+                      </a:rPr>
+                      <m:t>≤</m:t>
+                    </m:r>
+                    <m:r>
+                      <a:rPr lang="en-US" b="0" i="1" smtClean="0">
+                        <a:latin typeface="Cambria Math" panose="02040503050406030204" pitchFamily="18" charset="0"/>
+                        <a:sym typeface="Symbol" charset="2"/>
+                      </a:rPr>
+                      <m:t>𝑐</m:t>
+                    </m:r>
+                    <m:r>
+                      <a:rPr lang="en-US" b="0" i="1" smtClean="0">
+                        <a:latin typeface="Cambria Math" panose="02040503050406030204" pitchFamily="18" charset="0"/>
+                        <a:sym typeface="Symbol" charset="2"/>
+                      </a:rPr>
+                      <m:t>∗</m:t>
+                    </m:r>
+                    <m:sSup>
+                      <m:sSupPr>
+                        <m:ctrlPr>
+                          <a:rPr lang="en-US" b="0" i="1" smtClean="0">
+                            <a:latin typeface="Cambria Math" panose="02040503050406030204" pitchFamily="18" charset="0"/>
+                            <a:sym typeface="Symbol" charset="2"/>
+                          </a:rPr>
+                        </m:ctrlPr>
+                      </m:sSupPr>
+                      <m:e>
+                        <m:r>
+                          <a:rPr lang="en-US" b="0" i="1" smtClean="0">
+                            <a:latin typeface="Cambria Math" panose="02040503050406030204" pitchFamily="18" charset="0"/>
+                            <a:sym typeface="Symbol" charset="2"/>
+                          </a:rPr>
+                          <m:t>𝑛</m:t>
+                        </m:r>
+                      </m:e>
+                      <m:sup>
+                        <m:r>
+                          <a:rPr lang="en-US" b="0" i="1" smtClean="0">
+                            <a:latin typeface="Cambria Math" panose="02040503050406030204" pitchFamily="18" charset="0"/>
+                            <a:sym typeface="Symbol" charset="2"/>
+                          </a:rPr>
+                          <m:t>2</m:t>
+                        </m:r>
+                      </m:sup>
+                    </m:sSup>
+                  </m:oMath>
+                </a14:m>
+                <a:endParaRPr lang="en-US" dirty="0">
+                  <a:sym typeface="Symbol" charset="2"/>
+                </a:endParaRPr>
+              </a:p>
+              <a:p>
+                <a:pPr marL="274320" lvl="1" indent="0">
+                  <a:buNone/>
+                </a:pPr>
+                <a:r>
+                  <a:rPr lang="en-US" dirty="0">
+                    <a:sym typeface="Symbol" charset="2"/>
+                  </a:rPr>
+                  <a:t>				       				//YES</a:t>
+                </a:r>
+              </a:p>
+              <a:p>
+                <a:endParaRPr lang="en-US" dirty="0">
+                  <a:sym typeface="Symbol" charset="2"/>
+                </a:endParaRPr>
+              </a:p>
+              <a:p>
+                <a:endParaRPr lang="en-US" dirty="0">
+                  <a:sym typeface="Symbol" charset="2"/>
+                </a:endParaRPr>
+              </a:p>
+            </p:txBody>
+          </p:sp>
+        </mc:Choice>
+        <mc:Fallback>
+          <p:sp>
+            <p:nvSpPr>
+              <p:cNvPr id="45059" name="Rectangle 3"/>
+              <p:cNvSpPr>
+                <a:spLocks noGrp="1" noRot="1" noChangeAspect="1" noMove="1" noResize="1" noEditPoints="1" noAdjustHandles="1" noChangeArrowheads="1" noChangeShapeType="1" noTextEdit="1"/>
+              </p:cNvSpPr>
+              <p:nvPr>
+                <p:ph sz="quarter" idx="1"/>
+                <p:custDataLst>
+                  <p:tags r:id="rId2"/>
+                </p:custDataLst>
+              </p:nvPr>
+            </p:nvSpPr>
+            <p:spPr>
+              <a:blipFill>
+                <a:blip r:embed="rId4"/>
+                <a:stretch>
+                  <a:fillRect l="-617"/>
+                </a:stretch>
+              </a:blipFill>
+            </p:spPr>
+            <p:txBody>
+              <a:bodyPr/>
+              <a:lstStyle/>
+              <a:p>
+                <a:r>
+                  <a:rPr lang="en-US">
+                    <a:noFill/>
+                  </a:rPr>
+                  <a:t> </a:t>
+                </a:r>
+              </a:p>
+            </p:txBody>
+          </p:sp>
+        </mc:Fallback>
+      </mc:AlternateContent>
     </p:spTree>
     <p:extLst>
       <p:ext uri="{BB962C8B-B14F-4D97-AF65-F5344CB8AC3E}">
@@ -11060,6 +11814,55 @@
                       </p:childTnLst>
                     </p:cTn>
                   </p:par>
+                  <p:par>
+                    <p:cTn id="35" fill="hold">
+                      <p:stCondLst>
+                        <p:cond delay="indefinite"/>
+                      </p:stCondLst>
+                      <p:childTnLst>
+                        <p:par>
+                          <p:cTn id="36" fill="hold">
+                            <p:stCondLst>
+                              <p:cond delay="0"/>
+                            </p:stCondLst>
+                            <p:childTnLst>
+                              <p:par>
+                                <p:cTn id="37" presetID="1" presetClass="entr" presetSubtype="0" fill="hold" grpId="0" nodeType="clickEffect">
+                                  <p:stCondLst>
+                                    <p:cond delay="0"/>
+                                  </p:stCondLst>
+                                  <p:childTnLst>
+                                    <p:set>
+                                      <p:cBhvr>
+                                        <p:cTn id="38" dur="1" fill="hold">
+                                          <p:stCondLst>
+                                            <p:cond delay="0"/>
+                                          </p:stCondLst>
+                                        </p:cTn>
+                                        <p:tgtEl>
+                                          <p:spTgt spid="45059">
+                                            <p:txEl>
+                                              <p:pRg st="10" end="10"/>
+                                            </p:txEl>
+                                          </p:spTgt>
+                                        </p:tgtEl>
+                                        <p:attrNameLst>
+                                          <p:attrName>style.visibility</p:attrName>
+                                        </p:attrNameLst>
+                                      </p:cBhvr>
+                                      <p:to>
+                                        <p:strVal val="visible"/>
+                                      </p:to>
+                                    </p:set>
+                                  </p:childTnLst>
+                                </p:cTn>
+                              </p:par>
+                            </p:childTnLst>
+                          </p:cTn>
+                        </p:par>
+                      </p:childTnLst>
+                    </p:cTn>
+                  </p:par>
                 </p:childTnLst>
               </p:cTn>
               <p:prevCondLst>
@@ -11156,104 +11959,454 @@
           </a:p>
         </p:txBody>
       </p:sp>
-      <p:sp>
-        <p:nvSpPr>
-          <p:cNvPr id="45059" name="Rectangle 3"/>
-          <p:cNvSpPr>
-            <a:spLocks noGrp="1" noChangeArrowheads="1"/>
-          </p:cNvSpPr>
-          <p:nvPr>
-            <p:ph sz="quarter" idx="1"/>
-            <p:custDataLst>
-              <p:tags r:id="rId2"/>
-            </p:custDataLst>
-          </p:nvPr>
-        </p:nvSpPr>
-        <p:spPr/>
-        <p:txBody>
-          <a:bodyPr>
-            <a:normAutofit/>
-          </a:bodyPr>
-          <a:lstStyle/>
-          <a:p>
-            <a:endParaRPr lang="en-US" dirty="0">
-              <a:sym typeface="Symbol" charset="2"/>
-            </a:endParaRPr>
-          </a:p>
-          <a:p>
-            <a:r>
-              <a:rPr lang="en-US" dirty="0">
-                <a:sym typeface="Symbol" charset="2"/>
-              </a:rPr>
-              <a:t>T(n) = 3T(n/3) + n/2</a:t>
-            </a:r>
-          </a:p>
-          <a:p>
-            <a:pPr lvl="1"/>
-            <a:r>
-              <a:rPr lang="en-US" dirty="0">
-                <a:sym typeface="Symbol" charset="2"/>
-              </a:rPr>
-              <a:t>k = log3(3) = 1</a:t>
-            </a:r>
-          </a:p>
-          <a:p>
-            <a:pPr lvl="1"/>
-            <a:endParaRPr lang="en-US" dirty="0">
-              <a:sym typeface="Symbol" charset="2"/>
-            </a:endParaRPr>
-          </a:p>
-          <a:p>
-            <a:pPr lvl="1"/>
-            <a:r>
-              <a:rPr lang="en-US" dirty="0" err="1">
-                <a:sym typeface="Symbol" charset="2"/>
-              </a:rPr>
-              <a:t>n^k</a:t>
-            </a:r>
-            <a:r>
-              <a:rPr lang="en-US" dirty="0">
-                <a:sym typeface="Symbol" charset="2"/>
-              </a:rPr>
-              <a:t> = n			n/2</a:t>
-            </a:r>
-          </a:p>
-          <a:p>
-            <a:pPr lvl="1"/>
-            <a:endParaRPr lang="en-US" dirty="0">
-              <a:sym typeface="Symbol" charset="2"/>
-            </a:endParaRPr>
-          </a:p>
-          <a:p>
-            <a:pPr lvl="1"/>
-            <a:r>
-              <a:rPr lang="en-US" dirty="0">
-                <a:sym typeface="Symbol" charset="2"/>
-              </a:rPr>
-              <a:t>Case 2: </a:t>
-            </a:r>
-            <a:r>
-              <a:rPr lang="en-US" dirty="0" err="1">
-                <a:sym typeface="Symbol" charset="2"/>
-              </a:rPr>
-              <a:t>nlogn</a:t>
-            </a:r>
-            <a:endParaRPr lang="en-US" dirty="0">
-              <a:sym typeface="Symbol" charset="2"/>
-            </a:endParaRPr>
-          </a:p>
-          <a:p>
-            <a:endParaRPr lang="en-US" dirty="0">
-              <a:sym typeface="Symbol" charset="2"/>
-            </a:endParaRPr>
-          </a:p>
-          <a:p>
-            <a:endParaRPr lang="en-US" dirty="0">
-              <a:sym typeface="Symbol" charset="2"/>
-            </a:endParaRPr>
-          </a:p>
-        </p:txBody>
-      </p:sp>
+      <mc:AlternateContent xmlns:mc="http://schemas.openxmlformats.org/markup-compatibility/2006">
+        <mc:Choice xmlns:a14="http://schemas.microsoft.com/office/drawing/2010/main" Requires="a14">
+          <p:sp>
+            <p:nvSpPr>
+              <p:cNvPr id="45059" name="Rectangle 3"/>
+              <p:cNvSpPr>
+                <a:spLocks noGrp="1" noChangeArrowheads="1"/>
+              </p:cNvSpPr>
+              <p:nvPr>
+                <p:ph sz="quarter" idx="1"/>
+                <p:custDataLst>
+                  <p:tags r:id="rId2"/>
+                </p:custDataLst>
+              </p:nvPr>
+            </p:nvSpPr>
+            <p:spPr/>
+            <p:txBody>
+              <a:bodyPr>
+                <a:normAutofit/>
+              </a:bodyPr>
+              <a:lstStyle/>
+              <a:p>
+                <a:endParaRPr lang="en-US" dirty="0">
+                  <a:sym typeface="Symbol" charset="2"/>
+                </a:endParaRPr>
+              </a:p>
+              <a:p>
+                <a14:m>
+                  <m:oMath xmlns:m="http://schemas.openxmlformats.org/officeDocument/2006/math">
+                    <m:r>
+                      <a:rPr lang="en-US" b="0" i="1" smtClean="0">
+                        <a:latin typeface="Cambria Math" panose="02040503050406030204" pitchFamily="18" charset="0"/>
+                        <a:sym typeface="Symbol" charset="2"/>
+                      </a:rPr>
+                      <m:t>𝑇</m:t>
+                    </m:r>
+                    <m:d>
+                      <m:dPr>
+                        <m:ctrlPr>
+                          <a:rPr lang="en-US" b="0" i="1" smtClean="0">
+                            <a:latin typeface="Cambria Math" panose="02040503050406030204" pitchFamily="18" charset="0"/>
+                            <a:sym typeface="Symbol" charset="2"/>
+                          </a:rPr>
+                        </m:ctrlPr>
+                      </m:dPr>
+                      <m:e>
+                        <m:r>
+                          <a:rPr lang="en-US" b="0" i="1" smtClean="0">
+                            <a:latin typeface="Cambria Math" panose="02040503050406030204" pitchFamily="18" charset="0"/>
+                            <a:sym typeface="Symbol" charset="2"/>
+                          </a:rPr>
+                          <m:t>𝑛</m:t>
+                        </m:r>
+                      </m:e>
+                    </m:d>
+                    <m:r>
+                      <a:rPr lang="en-US" b="0" i="1" smtClean="0">
+                        <a:latin typeface="Cambria Math" panose="02040503050406030204" pitchFamily="18" charset="0"/>
+                        <a:sym typeface="Symbol" charset="2"/>
+                      </a:rPr>
+                      <m:t>=3</m:t>
+                    </m:r>
+                    <m:r>
+                      <a:rPr lang="en-US" b="0" i="1" smtClean="0">
+                        <a:latin typeface="Cambria Math" panose="02040503050406030204" pitchFamily="18" charset="0"/>
+                        <a:sym typeface="Symbol" charset="2"/>
+                      </a:rPr>
+                      <m:t>𝑇</m:t>
+                    </m:r>
+                    <m:d>
+                      <m:dPr>
+                        <m:ctrlPr>
+                          <a:rPr lang="en-US" b="0" i="1" smtClean="0">
+                            <a:latin typeface="Cambria Math" panose="02040503050406030204" pitchFamily="18" charset="0"/>
+                            <a:sym typeface="Symbol" charset="2"/>
+                          </a:rPr>
+                        </m:ctrlPr>
+                      </m:dPr>
+                      <m:e>
+                        <m:f>
+                          <m:fPr>
+                            <m:ctrlPr>
+                              <a:rPr lang="en-US" b="0" i="1" smtClean="0">
+                                <a:latin typeface="Cambria Math" panose="02040503050406030204" pitchFamily="18" charset="0"/>
+                                <a:sym typeface="Symbol" charset="2"/>
+                              </a:rPr>
+                            </m:ctrlPr>
+                          </m:fPr>
+                          <m:num>
+                            <m:r>
+                              <a:rPr lang="en-US" b="0" i="1" smtClean="0">
+                                <a:latin typeface="Cambria Math" panose="02040503050406030204" pitchFamily="18" charset="0"/>
+                                <a:sym typeface="Symbol" charset="2"/>
+                              </a:rPr>
+                              <m:t>𝑛</m:t>
+                            </m:r>
+                          </m:num>
+                          <m:den>
+                            <m:r>
+                              <a:rPr lang="en-US" b="0" i="1" smtClean="0">
+                                <a:latin typeface="Cambria Math" panose="02040503050406030204" pitchFamily="18" charset="0"/>
+                                <a:sym typeface="Symbol" charset="2"/>
+                              </a:rPr>
+                              <m:t>3</m:t>
+                            </m:r>
+                          </m:den>
+                        </m:f>
+                      </m:e>
+                    </m:d>
+                    <m:r>
+                      <a:rPr lang="en-US" b="0" i="1" smtClean="0">
+                        <a:latin typeface="Cambria Math" panose="02040503050406030204" pitchFamily="18" charset="0"/>
+                        <a:sym typeface="Symbol" charset="2"/>
+                      </a:rPr>
+                      <m:t>+</m:t>
+                    </m:r>
+                    <m:f>
+                      <m:fPr>
+                        <m:ctrlPr>
+                          <a:rPr lang="en-US" b="0" i="1" smtClean="0">
+                            <a:latin typeface="Cambria Math" panose="02040503050406030204" pitchFamily="18" charset="0"/>
+                            <a:sym typeface="Symbol" charset="2"/>
+                          </a:rPr>
+                        </m:ctrlPr>
+                      </m:fPr>
+                      <m:num>
+                        <m:r>
+                          <a:rPr lang="en-US" b="0" i="1" smtClean="0">
+                            <a:latin typeface="Cambria Math" panose="02040503050406030204" pitchFamily="18" charset="0"/>
+                            <a:sym typeface="Symbol" charset="2"/>
+                          </a:rPr>
+                          <m:t>𝑛</m:t>
+                        </m:r>
+                      </m:num>
+                      <m:den>
+                        <m:r>
+                          <a:rPr lang="en-US" b="0" i="1" smtClean="0">
+                            <a:latin typeface="Cambria Math" panose="02040503050406030204" pitchFamily="18" charset="0"/>
+                            <a:sym typeface="Symbol" charset="2"/>
+                          </a:rPr>
+                          <m:t>2</m:t>
+                        </m:r>
+                      </m:den>
+                    </m:f>
+                  </m:oMath>
+                </a14:m>
+                <a:endParaRPr lang="en-US" dirty="0">
+                  <a:sym typeface="Symbol" charset="2"/>
+                </a:endParaRPr>
+              </a:p>
+              <a:p>
+                <a:pPr lvl="1"/>
+                <a14:m>
+                  <m:oMath xmlns:m="http://schemas.openxmlformats.org/officeDocument/2006/math">
+                    <m:r>
+                      <a:rPr lang="en-US" b="0" i="1" smtClean="0">
+                        <a:latin typeface="Cambria Math" panose="02040503050406030204" pitchFamily="18" charset="0"/>
+                        <a:sym typeface="Symbol" charset="2"/>
+                      </a:rPr>
+                      <m:t>𝑘</m:t>
+                    </m:r>
+                    <m:r>
+                      <a:rPr lang="en-US" b="0" i="1" smtClean="0">
+                        <a:latin typeface="Cambria Math" panose="02040503050406030204" pitchFamily="18" charset="0"/>
+                        <a:sym typeface="Symbol" charset="2"/>
+                      </a:rPr>
+                      <m:t>=</m:t>
+                    </m:r>
+                    <m:func>
+                      <m:funcPr>
+                        <m:ctrlPr>
+                          <a:rPr lang="en-US" b="0" i="1" smtClean="0">
+                            <a:latin typeface="Cambria Math" panose="02040503050406030204" pitchFamily="18" charset="0"/>
+                            <a:sym typeface="Symbol" charset="2"/>
+                          </a:rPr>
+                        </m:ctrlPr>
+                      </m:funcPr>
+                      <m:fName>
+                        <m:sSub>
+                          <m:sSubPr>
+                            <m:ctrlPr>
+                              <a:rPr lang="en-US" b="0" i="1" smtClean="0">
+                                <a:latin typeface="Cambria Math" panose="02040503050406030204" pitchFamily="18" charset="0"/>
+                                <a:sym typeface="Symbol" charset="2"/>
+                              </a:rPr>
+                            </m:ctrlPr>
+                          </m:sSubPr>
+                          <m:e>
+                            <m:r>
+                              <m:rPr>
+                                <m:sty m:val="p"/>
+                              </m:rPr>
+                              <a:rPr lang="en-US" b="0" i="0" smtClean="0">
+                                <a:latin typeface="Cambria Math" panose="02040503050406030204" pitchFamily="18" charset="0"/>
+                                <a:sym typeface="Symbol" charset="2"/>
+                              </a:rPr>
+                              <m:t>log</m:t>
+                            </m:r>
+                          </m:e>
+                          <m:sub>
+                            <m:r>
+                              <a:rPr lang="en-US" b="0" i="1" smtClean="0">
+                                <a:latin typeface="Cambria Math" panose="02040503050406030204" pitchFamily="18" charset="0"/>
+                                <a:sym typeface="Symbol" charset="2"/>
+                              </a:rPr>
+                              <m:t>3</m:t>
+                            </m:r>
+                          </m:sub>
+                        </m:sSub>
+                      </m:fName>
+                      <m:e>
+                        <m:d>
+                          <m:dPr>
+                            <m:ctrlPr>
+                              <a:rPr lang="en-US" b="0" i="1" smtClean="0">
+                                <a:latin typeface="Cambria Math" panose="02040503050406030204" pitchFamily="18" charset="0"/>
+                                <a:sym typeface="Symbol" charset="2"/>
+                              </a:rPr>
+                            </m:ctrlPr>
+                          </m:dPr>
+                          <m:e>
+                            <m:r>
+                              <a:rPr lang="en-US" b="0" i="1" smtClean="0">
+                                <a:latin typeface="Cambria Math" panose="02040503050406030204" pitchFamily="18" charset="0"/>
+                                <a:sym typeface="Symbol" charset="2"/>
+                              </a:rPr>
+                              <m:t>3</m:t>
+                            </m:r>
+                          </m:e>
+                        </m:d>
+                        <m:r>
+                          <a:rPr lang="en-US" b="0" i="1" smtClean="0">
+                            <a:latin typeface="Cambria Math" panose="02040503050406030204" pitchFamily="18" charset="0"/>
+                            <a:sym typeface="Symbol" charset="2"/>
+                          </a:rPr>
+                          <m:t>=1</m:t>
+                        </m:r>
+                      </m:e>
+                    </m:func>
+                  </m:oMath>
+                </a14:m>
+                <a:endParaRPr lang="en-US" dirty="0">
+                  <a:sym typeface="Symbol" charset="2"/>
+                </a:endParaRPr>
+              </a:p>
+              <a:p>
+                <a:pPr lvl="1"/>
+                <a:endParaRPr lang="en-US" dirty="0">
+                  <a:sym typeface="Symbol" charset="2"/>
+                </a:endParaRPr>
+              </a:p>
+              <a:p>
+                <a:pPr lvl="1"/>
+                <a14:m>
+                  <m:oMath xmlns:m="http://schemas.openxmlformats.org/officeDocument/2006/math">
+                    <m:sSup>
+                      <m:sSupPr>
+                        <m:ctrlPr>
+                          <a:rPr lang="en-US" b="0" i="1" smtClean="0">
+                            <a:latin typeface="Cambria Math" panose="02040503050406030204" pitchFamily="18" charset="0"/>
+                            <a:sym typeface="Symbol" charset="2"/>
+                          </a:rPr>
+                        </m:ctrlPr>
+                      </m:sSupPr>
+                      <m:e>
+                        <m:r>
+                          <a:rPr lang="en-US" b="0" i="1" smtClean="0">
+                            <a:latin typeface="Cambria Math" panose="02040503050406030204" pitchFamily="18" charset="0"/>
+                            <a:sym typeface="Symbol" charset="2"/>
+                          </a:rPr>
+                          <m:t>𝑛</m:t>
+                        </m:r>
+                      </m:e>
+                      <m:sup>
+                        <m:r>
+                          <a:rPr lang="en-US" b="0" i="1" smtClean="0">
+                            <a:latin typeface="Cambria Math" panose="02040503050406030204" pitchFamily="18" charset="0"/>
+                            <a:sym typeface="Symbol" charset="2"/>
+                          </a:rPr>
+                          <m:t>𝑘</m:t>
+                        </m:r>
+                      </m:sup>
+                    </m:sSup>
+                    <m:r>
+                      <a:rPr lang="en-US" b="0" i="1" smtClean="0">
+                        <a:latin typeface="Cambria Math" panose="02040503050406030204" pitchFamily="18" charset="0"/>
+                        <a:sym typeface="Symbol" charset="2"/>
+                      </a:rPr>
+                      <m:t>=</m:t>
+                    </m:r>
+                    <m:r>
+                      <a:rPr lang="en-US" b="0" i="1" smtClean="0">
+                        <a:latin typeface="Cambria Math" panose="02040503050406030204" pitchFamily="18" charset="0"/>
+                        <a:sym typeface="Symbol" charset="2"/>
+                      </a:rPr>
+                      <m:t>𝑛</m:t>
+                    </m:r>
+                  </m:oMath>
+                </a14:m>
+                <a:r>
+                  <a:rPr lang="en-US" dirty="0">
+                    <a:sym typeface="Symbol" charset="2"/>
+                  </a:rPr>
+                  <a:t>				</a:t>
+                </a:r>
+                <a14:m>
+                  <m:oMath xmlns:m="http://schemas.openxmlformats.org/officeDocument/2006/math">
+                    <m:r>
+                      <a:rPr lang="en-US" b="0" i="1" smtClean="0">
+                        <a:latin typeface="Cambria Math" panose="02040503050406030204" pitchFamily="18" charset="0"/>
+                        <a:sym typeface="Symbol" charset="2"/>
+                      </a:rPr>
+                      <m:t>𝑓</m:t>
+                    </m:r>
+                    <m:d>
+                      <m:dPr>
+                        <m:ctrlPr>
+                          <a:rPr lang="en-US" b="0" i="1" smtClean="0">
+                            <a:latin typeface="Cambria Math" panose="02040503050406030204" pitchFamily="18" charset="0"/>
+                            <a:sym typeface="Symbol" charset="2"/>
+                          </a:rPr>
+                        </m:ctrlPr>
+                      </m:dPr>
+                      <m:e>
+                        <m:r>
+                          <a:rPr lang="en-US" b="0" i="1" smtClean="0">
+                            <a:latin typeface="Cambria Math" panose="02040503050406030204" pitchFamily="18" charset="0"/>
+                            <a:sym typeface="Symbol" charset="2"/>
+                          </a:rPr>
+                          <m:t>𝑛</m:t>
+                        </m:r>
+                      </m:e>
+                    </m:d>
+                    <m:r>
+                      <a:rPr lang="en-US" b="0" i="1" smtClean="0">
+                        <a:latin typeface="Cambria Math" panose="02040503050406030204" pitchFamily="18" charset="0"/>
+                        <a:sym typeface="Symbol" charset="2"/>
+                      </a:rPr>
+                      <m:t>=</m:t>
+                    </m:r>
+                    <m:f>
+                      <m:fPr>
+                        <m:ctrlPr>
+                          <a:rPr lang="en-US" b="0" i="1" smtClean="0">
+                            <a:latin typeface="Cambria Math" panose="02040503050406030204" pitchFamily="18" charset="0"/>
+                            <a:sym typeface="Symbol" charset="2"/>
+                          </a:rPr>
+                        </m:ctrlPr>
+                      </m:fPr>
+                      <m:num>
+                        <m:r>
+                          <a:rPr lang="en-US" b="0" i="1" smtClean="0">
+                            <a:latin typeface="Cambria Math" panose="02040503050406030204" pitchFamily="18" charset="0"/>
+                            <a:sym typeface="Symbol" charset="2"/>
+                          </a:rPr>
+                          <m:t>𝑛</m:t>
+                        </m:r>
+                      </m:num>
+                      <m:den>
+                        <m:r>
+                          <a:rPr lang="en-US" b="0" i="1" smtClean="0">
+                            <a:latin typeface="Cambria Math" panose="02040503050406030204" pitchFamily="18" charset="0"/>
+                            <a:sym typeface="Symbol" charset="2"/>
+                          </a:rPr>
+                          <m:t>2</m:t>
+                        </m:r>
+                      </m:den>
+                    </m:f>
+                  </m:oMath>
+                </a14:m>
+                <a:endParaRPr lang="en-US" dirty="0">
+                  <a:sym typeface="Symbol" charset="2"/>
+                </a:endParaRPr>
+              </a:p>
+              <a:p>
+                <a:pPr lvl="1"/>
+                <a:endParaRPr lang="en-US" dirty="0">
+                  <a:sym typeface="Symbol" charset="2"/>
+                </a:endParaRPr>
+              </a:p>
+              <a:p>
+                <a:pPr lvl="1"/>
+                <a:r>
+                  <a:rPr lang="en-US" dirty="0">
+                    <a:sym typeface="Symbol" charset="2"/>
+                  </a:rPr>
+                  <a:t>Case 2: </a:t>
+                </a:r>
+                <a:r>
+                  <a:rPr lang="en-US" dirty="0" err="1">
+                    <a:sym typeface="Symbol" charset="2"/>
+                  </a:rPr>
+                  <a:t>nlogn</a:t>
+                </a:r>
+                <a:endParaRPr lang="en-US" dirty="0">
+                  <a:sym typeface="Symbol" charset="2"/>
+                </a:endParaRPr>
+              </a:p>
+              <a:p>
+                <a:endParaRPr lang="en-US" dirty="0">
+                  <a:sym typeface="Symbol" charset="2"/>
+                </a:endParaRPr>
+              </a:p>
+              <a:p>
+                <a:endParaRPr lang="en-US" dirty="0">
+                  <a:sym typeface="Symbol" charset="2"/>
+                </a:endParaRPr>
+              </a:p>
+            </p:txBody>
+          </p:sp>
+        </mc:Choice>
+        <mc:Fallback>
+          <p:sp>
+            <p:nvSpPr>
+              <p:cNvPr id="45059" name="Rectangle 3"/>
+              <p:cNvSpPr>
+                <a:spLocks noGrp="1" noRot="1" noChangeAspect="1" noMove="1" noResize="1" noEditPoints="1" noAdjustHandles="1" noChangeArrowheads="1" noChangeShapeType="1" noTextEdit="1"/>
+              </p:cNvSpPr>
+              <p:nvPr>
+                <p:ph sz="quarter" idx="1"/>
+                <p:custDataLst>
+                  <p:tags r:id="rId2"/>
+                </p:custDataLst>
+              </p:nvPr>
+            </p:nvSpPr>
+            <p:spPr>
+              <a:blipFill>
+                <a:blip r:embed="rId4"/>
+                <a:stretch>
+                  <a:fillRect l="-772"/>
+                </a:stretch>
+              </a:blipFill>
+            </p:spPr>
+            <p:txBody>
+              <a:bodyPr/>
+              <a:lstStyle/>
+              <a:p>
+                <a:r>
+                  <a:rPr lang="en-US">
+                    <a:noFill/>
+                  </a:rPr>
+                  <a:t> </a:t>
+                </a:r>
+              </a:p>
+            </p:txBody>
+          </p:sp>
+        </mc:Fallback>
+      </mc:AlternateContent>
     </p:spTree>
     <p:extLst>
       <p:ext uri="{BB962C8B-B14F-4D97-AF65-F5344CB8AC3E}">
@@ -11564,90 +12717,516 @@
           </a:p>
         </p:txBody>
       </p:sp>
-      <p:sp>
-        <p:nvSpPr>
-          <p:cNvPr id="45059" name="Rectangle 3"/>
-          <p:cNvSpPr>
-            <a:spLocks noGrp="1" noChangeArrowheads="1"/>
-          </p:cNvSpPr>
-          <p:nvPr>
-            <p:ph sz="quarter" idx="1"/>
-            <p:custDataLst>
-              <p:tags r:id="rId2"/>
-            </p:custDataLst>
-          </p:nvPr>
-        </p:nvSpPr>
-        <p:spPr/>
-        <p:txBody>
-          <a:bodyPr>
-            <a:normAutofit/>
-          </a:bodyPr>
-          <a:lstStyle/>
-          <a:p>
-            <a:pPr marL="0" indent="0">
-              <a:buNone/>
-            </a:pPr>
-            <a:endParaRPr lang="en-US" dirty="0">
-              <a:sym typeface="Symbol" charset="2"/>
-            </a:endParaRPr>
-          </a:p>
-          <a:p>
-            <a:r>
-              <a:rPr lang="en-US" dirty="0">
-                <a:sym typeface="Symbol" charset="2"/>
-              </a:rPr>
-              <a:t>T(n) = 4T(n/2) + n / log(n)</a:t>
-            </a:r>
-          </a:p>
-          <a:p>
-            <a:pPr lvl="1"/>
-            <a:r>
-              <a:rPr lang="en-US" dirty="0">
-                <a:sym typeface="Symbol" charset="2"/>
-              </a:rPr>
-              <a:t>k = log2(4) = 2</a:t>
-            </a:r>
-          </a:p>
-          <a:p>
-            <a:pPr lvl="1"/>
-            <a:endParaRPr lang="en-US" dirty="0">
-              <a:sym typeface="Symbol" charset="2"/>
-            </a:endParaRPr>
-          </a:p>
-          <a:p>
-            <a:pPr lvl="1"/>
-            <a:r>
-              <a:rPr lang="en-US" dirty="0">
-                <a:sym typeface="Symbol" charset="2"/>
-              </a:rPr>
-              <a:t>n^2		n / log(n)</a:t>
-            </a:r>
-          </a:p>
-          <a:p>
-            <a:pPr lvl="1"/>
-            <a:endParaRPr lang="en-US" dirty="0">
-              <a:sym typeface="Symbol" charset="2"/>
-            </a:endParaRPr>
-          </a:p>
-          <a:p>
-            <a:pPr lvl="1"/>
-            <a:r>
-              <a:rPr lang="en-US" dirty="0">
-                <a:sym typeface="Symbol" charset="2"/>
-              </a:rPr>
-              <a:t>Case 1: n^2</a:t>
-            </a:r>
-          </a:p>
-          <a:p>
-            <a:pPr marL="0" indent="0">
-              <a:buNone/>
-            </a:pPr>
-            <a:endParaRPr lang="en-US" dirty="0">
-              <a:sym typeface="Symbol" charset="2"/>
-            </a:endParaRPr>
-          </a:p>
-        </p:txBody>
-      </p:sp>
+      <mc:AlternateContent xmlns:mc="http://schemas.openxmlformats.org/markup-compatibility/2006">
+        <mc:Choice xmlns:a14="http://schemas.microsoft.com/office/drawing/2010/main" Requires="a14">
+          <p:sp>
+            <p:nvSpPr>
+              <p:cNvPr id="45059" name="Rectangle 3"/>
+              <p:cNvSpPr>
+                <a:spLocks noGrp="1" noChangeArrowheads="1"/>
+              </p:cNvSpPr>
+              <p:nvPr>
+                <p:ph sz="quarter" idx="1"/>
+                <p:custDataLst>
+                  <p:tags r:id="rId2"/>
+                </p:custDataLst>
+              </p:nvPr>
+            </p:nvSpPr>
+            <p:spPr/>
+            <p:txBody>
+              <a:bodyPr>
+                <a:normAutofit/>
+              </a:bodyPr>
+              <a:lstStyle/>
+              <a:p>
+                <a:pPr marL="0" indent="0">
+                  <a:buNone/>
+                </a:pPr>
+                <a:endParaRPr lang="en-US" dirty="0">
+                  <a:sym typeface="Symbol" charset="2"/>
+                </a:endParaRPr>
+              </a:p>
+              <a:p>
+                <a14:m>
+                  <m:oMath xmlns:m="http://schemas.openxmlformats.org/officeDocument/2006/math">
+                    <m:r>
+                      <a:rPr lang="en-US" b="0" i="1" smtClean="0">
+                        <a:latin typeface="Cambria Math" panose="02040503050406030204" pitchFamily="18" charset="0"/>
+                        <a:sym typeface="Symbol" charset="2"/>
+                      </a:rPr>
+                      <m:t>𝑇</m:t>
+                    </m:r>
+                    <m:d>
+                      <m:dPr>
+                        <m:ctrlPr>
+                          <a:rPr lang="en-US" b="0" i="1" smtClean="0">
+                            <a:latin typeface="Cambria Math" panose="02040503050406030204" pitchFamily="18" charset="0"/>
+                            <a:sym typeface="Symbol" charset="2"/>
+                          </a:rPr>
+                        </m:ctrlPr>
+                      </m:dPr>
+                      <m:e>
+                        <m:r>
+                          <a:rPr lang="en-US" b="0" i="1" smtClean="0">
+                            <a:latin typeface="Cambria Math" panose="02040503050406030204" pitchFamily="18" charset="0"/>
+                            <a:sym typeface="Symbol" charset="2"/>
+                          </a:rPr>
+                          <m:t>𝑛</m:t>
+                        </m:r>
+                      </m:e>
+                    </m:d>
+                    <m:r>
+                      <a:rPr lang="en-US" b="0" i="1" smtClean="0">
+                        <a:latin typeface="Cambria Math" panose="02040503050406030204" pitchFamily="18" charset="0"/>
+                        <a:sym typeface="Symbol" charset="2"/>
+                      </a:rPr>
+                      <m:t>=4</m:t>
+                    </m:r>
+                    <m:r>
+                      <a:rPr lang="en-US" b="0" i="1" smtClean="0">
+                        <a:latin typeface="Cambria Math" panose="02040503050406030204" pitchFamily="18" charset="0"/>
+                        <a:sym typeface="Symbol" charset="2"/>
+                      </a:rPr>
+                      <m:t>𝑇</m:t>
+                    </m:r>
+                    <m:d>
+                      <m:dPr>
+                        <m:ctrlPr>
+                          <a:rPr lang="en-US" b="0" i="1" smtClean="0">
+                            <a:latin typeface="Cambria Math" panose="02040503050406030204" pitchFamily="18" charset="0"/>
+                            <a:sym typeface="Symbol" charset="2"/>
+                          </a:rPr>
+                        </m:ctrlPr>
+                      </m:dPr>
+                      <m:e>
+                        <m:f>
+                          <m:fPr>
+                            <m:ctrlPr>
+                              <a:rPr lang="en-US" b="0" i="1" smtClean="0">
+                                <a:latin typeface="Cambria Math" panose="02040503050406030204" pitchFamily="18" charset="0"/>
+                                <a:sym typeface="Symbol" charset="2"/>
+                              </a:rPr>
+                            </m:ctrlPr>
+                          </m:fPr>
+                          <m:num>
+                            <m:r>
+                              <a:rPr lang="en-US" b="0" i="1" smtClean="0">
+                                <a:latin typeface="Cambria Math" panose="02040503050406030204" pitchFamily="18" charset="0"/>
+                                <a:sym typeface="Symbol" charset="2"/>
+                              </a:rPr>
+                              <m:t>𝑛</m:t>
+                            </m:r>
+                          </m:num>
+                          <m:den>
+                            <m:r>
+                              <a:rPr lang="en-US" b="0" i="1" smtClean="0">
+                                <a:latin typeface="Cambria Math" panose="02040503050406030204" pitchFamily="18" charset="0"/>
+                                <a:sym typeface="Symbol" charset="2"/>
+                              </a:rPr>
+                              <m:t>2</m:t>
+                            </m:r>
+                          </m:den>
+                        </m:f>
+                      </m:e>
+                    </m:d>
+                    <m:r>
+                      <a:rPr lang="en-US" b="0" i="1" smtClean="0">
+                        <a:latin typeface="Cambria Math" panose="02040503050406030204" pitchFamily="18" charset="0"/>
+                        <a:sym typeface="Symbol" charset="2"/>
+                      </a:rPr>
+                      <m:t>+</m:t>
+                    </m:r>
+                    <m:f>
+                      <m:fPr>
+                        <m:ctrlPr>
+                          <a:rPr lang="en-US" b="0" i="1" smtClean="0">
+                            <a:latin typeface="Cambria Math" panose="02040503050406030204" pitchFamily="18" charset="0"/>
+                            <a:sym typeface="Symbol" charset="2"/>
+                          </a:rPr>
+                        </m:ctrlPr>
+                      </m:fPr>
+                      <m:num>
+                        <m:r>
+                          <a:rPr lang="en-US" b="0" i="1" smtClean="0">
+                            <a:latin typeface="Cambria Math" panose="02040503050406030204" pitchFamily="18" charset="0"/>
+                            <a:sym typeface="Symbol" charset="2"/>
+                          </a:rPr>
+                          <m:t>𝑛</m:t>
+                        </m:r>
+                      </m:num>
+                      <m:den>
+                        <m:r>
+                          <m:rPr>
+                            <m:sty m:val="p"/>
+                          </m:rPr>
+                          <a:rPr lang="en-US" b="0" i="0" smtClean="0">
+                            <a:latin typeface="Cambria Math" panose="02040503050406030204" pitchFamily="18" charset="0"/>
+                            <a:sym typeface="Symbol" charset="2"/>
+                          </a:rPr>
+                          <m:t>log</m:t>
+                        </m:r>
+                        <m:r>
+                          <a:rPr lang="en-US" b="0" i="1" smtClean="0">
+                            <a:latin typeface="Cambria Math" panose="02040503050406030204" pitchFamily="18" charset="0"/>
+                            <a:sym typeface="Symbol" charset="2"/>
+                          </a:rPr>
+                          <m:t>⁡(</m:t>
+                        </m:r>
+                        <m:r>
+                          <a:rPr lang="en-US" b="0" i="1" smtClean="0">
+                            <a:latin typeface="Cambria Math" panose="02040503050406030204" pitchFamily="18" charset="0"/>
+                            <a:sym typeface="Symbol" charset="2"/>
+                          </a:rPr>
+                          <m:t>𝑛</m:t>
+                        </m:r>
+                        <m:r>
+                          <a:rPr lang="en-US" b="0" i="1" smtClean="0">
+                            <a:latin typeface="Cambria Math" panose="02040503050406030204" pitchFamily="18" charset="0"/>
+                            <a:sym typeface="Symbol" charset="2"/>
+                          </a:rPr>
+                          <m:t>)</m:t>
+                        </m:r>
+                      </m:den>
+                    </m:f>
+                  </m:oMath>
+                </a14:m>
+                <a:r>
+                  <a:rPr lang="en-US" dirty="0">
+                    <a:sym typeface="Symbol" charset="2"/>
+                  </a:rPr>
+                  <a:t>  </a:t>
+                </a:r>
+              </a:p>
+              <a:p>
+                <a14:m>
+                  <m:oMath xmlns:m="http://schemas.openxmlformats.org/officeDocument/2006/math">
+                    <m:r>
+                      <a:rPr lang="en-US" b="0" i="1" smtClean="0">
+                        <a:latin typeface="Cambria Math" panose="02040503050406030204" pitchFamily="18" charset="0"/>
+                        <a:sym typeface="Symbol" charset="2"/>
+                      </a:rPr>
+                      <m:t>𝑘</m:t>
+                    </m:r>
+                    <m:r>
+                      <a:rPr lang="en-US" b="0" i="1" smtClean="0">
+                        <a:latin typeface="Cambria Math" panose="02040503050406030204" pitchFamily="18" charset="0"/>
+                        <a:sym typeface="Symbol" charset="2"/>
+                      </a:rPr>
+                      <m:t>=</m:t>
+                    </m:r>
+                    <m:func>
+                      <m:funcPr>
+                        <m:ctrlPr>
+                          <a:rPr lang="en-US" b="0" i="1" smtClean="0">
+                            <a:latin typeface="Cambria Math" panose="02040503050406030204" pitchFamily="18" charset="0"/>
+                            <a:sym typeface="Symbol" charset="2"/>
+                          </a:rPr>
+                        </m:ctrlPr>
+                      </m:funcPr>
+                      <m:fName>
+                        <m:sSub>
+                          <m:sSubPr>
+                            <m:ctrlPr>
+                              <a:rPr lang="en-US" b="0" i="1" smtClean="0">
+                                <a:latin typeface="Cambria Math" panose="02040503050406030204" pitchFamily="18" charset="0"/>
+                                <a:sym typeface="Symbol" charset="2"/>
+                              </a:rPr>
+                            </m:ctrlPr>
+                          </m:sSubPr>
+                          <m:e>
+                            <m:r>
+                              <m:rPr>
+                                <m:sty m:val="p"/>
+                              </m:rPr>
+                              <a:rPr lang="en-US" b="0" i="0" smtClean="0">
+                                <a:latin typeface="Cambria Math" panose="02040503050406030204" pitchFamily="18" charset="0"/>
+                                <a:sym typeface="Symbol" charset="2"/>
+                              </a:rPr>
+                              <m:t>log</m:t>
+                            </m:r>
+                          </m:e>
+                          <m:sub>
+                            <m:r>
+                              <a:rPr lang="en-US" b="0" i="1" smtClean="0">
+                                <a:latin typeface="Cambria Math" panose="02040503050406030204" pitchFamily="18" charset="0"/>
+                                <a:sym typeface="Symbol" charset="2"/>
+                              </a:rPr>
+                              <m:t>2</m:t>
+                            </m:r>
+                          </m:sub>
+                        </m:sSub>
+                      </m:fName>
+                      <m:e>
+                        <m:d>
+                          <m:dPr>
+                            <m:ctrlPr>
+                              <a:rPr lang="en-US" b="0" i="1" smtClean="0">
+                                <a:latin typeface="Cambria Math" panose="02040503050406030204" pitchFamily="18" charset="0"/>
+                                <a:sym typeface="Symbol" charset="2"/>
+                              </a:rPr>
+                            </m:ctrlPr>
+                          </m:dPr>
+                          <m:e>
+                            <m:r>
+                              <a:rPr lang="en-US" b="0" i="1" smtClean="0">
+                                <a:latin typeface="Cambria Math" panose="02040503050406030204" pitchFamily="18" charset="0"/>
+                                <a:sym typeface="Symbol" charset="2"/>
+                              </a:rPr>
+                              <m:t>4</m:t>
+                            </m:r>
+                          </m:e>
+                        </m:d>
+                        <m:r>
+                          <a:rPr lang="en-US" b="0" i="1" smtClean="0">
+                            <a:latin typeface="Cambria Math" panose="02040503050406030204" pitchFamily="18" charset="0"/>
+                            <a:sym typeface="Symbol" charset="2"/>
+                          </a:rPr>
+                          <m:t>=2</m:t>
+                        </m:r>
+                      </m:e>
+                    </m:func>
+                  </m:oMath>
+                </a14:m>
+                <a:endParaRPr lang="en-US" dirty="0">
+                  <a:sym typeface="Symbol" charset="2"/>
+                </a:endParaRPr>
+              </a:p>
+              <a:p>
+                <a:endParaRPr lang="en-US" dirty="0">
+                  <a:sym typeface="Symbol" charset="2"/>
+                </a:endParaRPr>
+              </a:p>
+              <a:p>
+                <a:pPr lvl="1"/>
+                <a14:m>
+                  <m:oMath xmlns:m="http://schemas.openxmlformats.org/officeDocument/2006/math">
+                    <m:sSup>
+                      <m:sSupPr>
+                        <m:ctrlPr>
+                          <a:rPr lang="en-US" b="0" i="1" smtClean="0">
+                            <a:latin typeface="Cambria Math" panose="02040503050406030204" pitchFamily="18" charset="0"/>
+                            <a:sym typeface="Symbol" charset="2"/>
+                          </a:rPr>
+                        </m:ctrlPr>
+                      </m:sSupPr>
+                      <m:e>
+                        <m:r>
+                          <a:rPr lang="en-US" b="0" i="1" smtClean="0">
+                            <a:latin typeface="Cambria Math" panose="02040503050406030204" pitchFamily="18" charset="0"/>
+                            <a:sym typeface="Symbol" charset="2"/>
+                          </a:rPr>
+                          <m:t>𝑛</m:t>
+                        </m:r>
+                      </m:e>
+                      <m:sup>
+                        <m:r>
+                          <a:rPr lang="en-US" b="0" i="1" smtClean="0">
+                            <a:latin typeface="Cambria Math" panose="02040503050406030204" pitchFamily="18" charset="0"/>
+                            <a:sym typeface="Symbol" charset="2"/>
+                          </a:rPr>
+                          <m:t>𝑘</m:t>
+                        </m:r>
+                      </m:sup>
+                    </m:sSup>
+                    <m:r>
+                      <a:rPr lang="en-US" b="0" i="1" smtClean="0">
+                        <a:latin typeface="Cambria Math" panose="02040503050406030204" pitchFamily="18" charset="0"/>
+                        <a:sym typeface="Symbol" charset="2"/>
+                      </a:rPr>
+                      <m:t>=</m:t>
+                    </m:r>
+                    <m:sSup>
+                      <m:sSupPr>
+                        <m:ctrlPr>
+                          <a:rPr lang="en-US" b="0" i="1" smtClean="0">
+                            <a:latin typeface="Cambria Math" panose="02040503050406030204" pitchFamily="18" charset="0"/>
+                            <a:sym typeface="Symbol" charset="2"/>
+                          </a:rPr>
+                        </m:ctrlPr>
+                      </m:sSupPr>
+                      <m:e>
+                        <m:r>
+                          <a:rPr lang="en-US" b="0" i="1" smtClean="0">
+                            <a:latin typeface="Cambria Math" panose="02040503050406030204" pitchFamily="18" charset="0"/>
+                            <a:sym typeface="Symbol" charset="2"/>
+                          </a:rPr>
+                          <m:t>𝑛</m:t>
+                        </m:r>
+                      </m:e>
+                      <m:sup>
+                        <m:r>
+                          <a:rPr lang="en-US" b="0" i="1" smtClean="0">
+                            <a:latin typeface="Cambria Math" panose="02040503050406030204" pitchFamily="18" charset="0"/>
+                            <a:sym typeface="Symbol" charset="2"/>
+                          </a:rPr>
+                          <m:t>2</m:t>
+                        </m:r>
+                      </m:sup>
+                    </m:sSup>
+                  </m:oMath>
+                </a14:m>
+                <a:r>
+                  <a:rPr lang="en-US" dirty="0">
+                    <a:sym typeface="Symbol" charset="2"/>
+                  </a:rPr>
+                  <a:t>			</a:t>
+                </a:r>
+                <a14:m>
+                  <m:oMath xmlns:m="http://schemas.openxmlformats.org/officeDocument/2006/math">
+                    <m:r>
+                      <a:rPr lang="en-US" b="0" i="1" smtClean="0">
+                        <a:latin typeface="Cambria Math" panose="02040503050406030204" pitchFamily="18" charset="0"/>
+                        <a:sym typeface="Symbol" charset="2"/>
+                      </a:rPr>
+                      <m:t>𝑓</m:t>
+                    </m:r>
+                    <m:d>
+                      <m:dPr>
+                        <m:ctrlPr>
+                          <a:rPr lang="en-US" b="0" i="1" smtClean="0">
+                            <a:latin typeface="Cambria Math" panose="02040503050406030204" pitchFamily="18" charset="0"/>
+                            <a:sym typeface="Symbol" charset="2"/>
+                          </a:rPr>
+                        </m:ctrlPr>
+                      </m:dPr>
+                      <m:e>
+                        <m:r>
+                          <a:rPr lang="en-US" b="0" i="1" smtClean="0">
+                            <a:latin typeface="Cambria Math" panose="02040503050406030204" pitchFamily="18" charset="0"/>
+                            <a:sym typeface="Symbol" charset="2"/>
+                          </a:rPr>
+                          <m:t>𝑛</m:t>
+                        </m:r>
+                      </m:e>
+                    </m:d>
+                    <m:r>
+                      <a:rPr lang="en-US" b="0" i="1" smtClean="0">
+                        <a:latin typeface="Cambria Math" panose="02040503050406030204" pitchFamily="18" charset="0"/>
+                        <a:sym typeface="Symbol" charset="2"/>
+                      </a:rPr>
+                      <m:t>=</m:t>
+                    </m:r>
+                    <m:f>
+                      <m:fPr>
+                        <m:ctrlPr>
+                          <a:rPr lang="en-US" b="0" i="1" smtClean="0">
+                            <a:latin typeface="Cambria Math" panose="02040503050406030204" pitchFamily="18" charset="0"/>
+                            <a:sym typeface="Symbol" charset="2"/>
+                          </a:rPr>
+                        </m:ctrlPr>
+                      </m:fPr>
+                      <m:num>
+                        <m:r>
+                          <a:rPr lang="en-US" b="0" i="1" smtClean="0">
+                            <a:latin typeface="Cambria Math" panose="02040503050406030204" pitchFamily="18" charset="0"/>
+                            <a:sym typeface="Symbol" charset="2"/>
+                          </a:rPr>
+                          <m:t>𝑛</m:t>
+                        </m:r>
+                      </m:num>
+                      <m:den>
+                        <m:r>
+                          <m:rPr>
+                            <m:sty m:val="p"/>
+                          </m:rPr>
+                          <a:rPr lang="en-US" b="0" i="0" smtClean="0">
+                            <a:latin typeface="Cambria Math" panose="02040503050406030204" pitchFamily="18" charset="0"/>
+                            <a:sym typeface="Symbol" charset="2"/>
+                          </a:rPr>
+                          <m:t>log</m:t>
+                        </m:r>
+                        <m:r>
+                          <a:rPr lang="en-US" b="0" i="1" smtClean="0">
+                            <a:latin typeface="Cambria Math" panose="02040503050406030204" pitchFamily="18" charset="0"/>
+                            <a:sym typeface="Symbol" charset="2"/>
+                          </a:rPr>
+                          <m:t>⁡(</m:t>
+                        </m:r>
+                        <m:r>
+                          <a:rPr lang="en-US" b="0" i="1" smtClean="0">
+                            <a:latin typeface="Cambria Math" panose="02040503050406030204" pitchFamily="18" charset="0"/>
+                            <a:sym typeface="Symbol" charset="2"/>
+                          </a:rPr>
+                          <m:t>𝑛</m:t>
+                        </m:r>
+                        <m:r>
+                          <a:rPr lang="en-US" b="0" i="1" smtClean="0">
+                            <a:latin typeface="Cambria Math" panose="02040503050406030204" pitchFamily="18" charset="0"/>
+                            <a:sym typeface="Symbol" charset="2"/>
+                          </a:rPr>
+                          <m:t>)</m:t>
+                        </m:r>
+                      </m:den>
+                    </m:f>
+                  </m:oMath>
+                </a14:m>
+                <a:endParaRPr lang="en-US" dirty="0">
+                  <a:sym typeface="Symbol" charset="2"/>
+                </a:endParaRPr>
+              </a:p>
+              <a:p>
+                <a:pPr lvl="1"/>
+                <a:endParaRPr lang="en-US" dirty="0">
+                  <a:sym typeface="Symbol" charset="2"/>
+                </a:endParaRPr>
+              </a:p>
+              <a:p>
+                <a:pPr lvl="1"/>
+                <a:r>
+                  <a:rPr lang="en-US" dirty="0">
+                    <a:sym typeface="Symbol" charset="2"/>
+                  </a:rPr>
+                  <a:t>Case 1: n^2</a:t>
+                </a:r>
+              </a:p>
+              <a:p>
+                <a:pPr marL="0" indent="0">
+                  <a:buNone/>
+                </a:pPr>
+                <a:endParaRPr lang="en-US" dirty="0">
+                  <a:sym typeface="Symbol" charset="2"/>
+                </a:endParaRPr>
+              </a:p>
+            </p:txBody>
+          </p:sp>
+        </mc:Choice>
+        <mc:Fallback>
+          <p:sp>
+            <p:nvSpPr>
+              <p:cNvPr id="45059" name="Rectangle 3"/>
+              <p:cNvSpPr>
+                <a:spLocks noGrp="1" noRot="1" noChangeAspect="1" noMove="1" noResize="1" noEditPoints="1" noAdjustHandles="1" noChangeArrowheads="1" noChangeShapeType="1" noTextEdit="1"/>
+              </p:cNvSpPr>
+              <p:nvPr>
+                <p:ph sz="quarter" idx="1"/>
+                <p:custDataLst>
+                  <p:tags r:id="rId2"/>
+                </p:custDataLst>
+              </p:nvPr>
+            </p:nvSpPr>
+            <p:spPr>
+              <a:blipFill>
+                <a:blip r:embed="rId4"/>
+                <a:stretch>
+                  <a:fillRect l="-772"/>
+                </a:stretch>
+              </a:blipFill>
+            </p:spPr>
+            <p:txBody>
+              <a:bodyPr/>
+              <a:lstStyle/>
+              <a:p>
+                <a:r>
+                  <a:rPr lang="en-US">
+                    <a:noFill/>
+                  </a:rPr>
+                  <a:t> </a:t>
+                </a:r>
+              </a:p>
+            </p:txBody>
+          </p:sp>
+        </mc:Fallback>
+      </mc:AlternateContent>
     </p:spTree>
     <p:extLst>
       <p:ext uri="{BB962C8B-B14F-4D97-AF65-F5344CB8AC3E}">
@@ -11958,103 +13537,507 @@
           </a:p>
         </p:txBody>
       </p:sp>
-      <p:sp>
-        <p:nvSpPr>
-          <p:cNvPr id="45059" name="Rectangle 3"/>
-          <p:cNvSpPr>
-            <a:spLocks noGrp="1" noChangeArrowheads="1"/>
-          </p:cNvSpPr>
-          <p:nvPr>
-            <p:ph sz="quarter" idx="1"/>
-            <p:custDataLst>
-              <p:tags r:id="rId2"/>
-            </p:custDataLst>
-          </p:nvPr>
-        </p:nvSpPr>
-        <p:spPr/>
-        <p:txBody>
-          <a:bodyPr>
-            <a:normAutofit/>
-          </a:bodyPr>
-          <a:lstStyle/>
-          <a:p>
-            <a:pPr marL="0" indent="0">
-              <a:buNone/>
-            </a:pPr>
-            <a:endParaRPr lang="en-US" dirty="0">
-              <a:sym typeface="Symbol" charset="2"/>
-            </a:endParaRPr>
-          </a:p>
-          <a:p>
-            <a:r>
-              <a:rPr lang="en-US" dirty="0">
-                <a:sym typeface="Symbol" charset="2"/>
-              </a:rPr>
-              <a:t>T(n) = 3T(n/3) + n / log(n)</a:t>
-            </a:r>
-          </a:p>
-          <a:p>
-            <a:pPr lvl="1"/>
-            <a:r>
-              <a:rPr lang="en-US" dirty="0">
-                <a:sym typeface="Symbol" charset="2"/>
-              </a:rPr>
-              <a:t>k = log3(3) = 1</a:t>
-            </a:r>
-          </a:p>
-          <a:p>
-            <a:pPr lvl="1"/>
-            <a:endParaRPr lang="en-US" dirty="0">
-              <a:sym typeface="Symbol" charset="2"/>
-            </a:endParaRPr>
-          </a:p>
-          <a:p>
-            <a:pPr lvl="1"/>
-            <a:r>
-              <a:rPr lang="en-US" dirty="0">
-                <a:sym typeface="Symbol" charset="2"/>
-              </a:rPr>
-              <a:t>n			n / log(n)</a:t>
-            </a:r>
-          </a:p>
-          <a:p>
-            <a:pPr lvl="1"/>
-            <a:endParaRPr lang="en-US" dirty="0">
-              <a:sym typeface="Symbol" charset="2"/>
-            </a:endParaRPr>
-          </a:p>
-          <a:p>
-            <a:pPr lvl="1"/>
-            <a:r>
-              <a:rPr lang="en-US" dirty="0">
-                <a:sym typeface="Symbol" charset="2"/>
-              </a:rPr>
-              <a:t>Case 1 doesn’t apply because f(n) not </a:t>
-            </a:r>
-            <a:r>
-              <a:rPr lang="en-US" dirty="0" err="1">
-                <a:sym typeface="Symbol" charset="2"/>
-              </a:rPr>
-              <a:t>polynomially</a:t>
-            </a:r>
-            <a:r>
-              <a:rPr lang="en-US" dirty="0">
-                <a:sym typeface="Symbol" charset="2"/>
-              </a:rPr>
-              <a:t> smaller</a:t>
-            </a:r>
-          </a:p>
-          <a:p>
-            <a:pPr lvl="1"/>
-            <a:r>
-              <a:rPr lang="en-US" dirty="0">
-                <a:sym typeface="Symbol" charset="2"/>
-              </a:rPr>
-              <a:t>e.g.,  n / log(n) !&lt;= n^0.99 for large n</a:t>
-            </a:r>
-          </a:p>
-        </p:txBody>
-      </p:sp>
+      <mc:AlternateContent xmlns:mc="http://schemas.openxmlformats.org/markup-compatibility/2006">
+        <mc:Choice xmlns:a14="http://schemas.microsoft.com/office/drawing/2010/main" Requires="a14">
+          <p:sp>
+            <p:nvSpPr>
+              <p:cNvPr id="45059" name="Rectangle 3"/>
+              <p:cNvSpPr>
+                <a:spLocks noGrp="1" noChangeArrowheads="1"/>
+              </p:cNvSpPr>
+              <p:nvPr>
+                <p:ph sz="quarter" idx="1"/>
+                <p:custDataLst>
+                  <p:tags r:id="rId2"/>
+                </p:custDataLst>
+              </p:nvPr>
+            </p:nvSpPr>
+            <p:spPr/>
+            <p:txBody>
+              <a:bodyPr>
+                <a:normAutofit/>
+              </a:bodyPr>
+              <a:lstStyle/>
+              <a:p>
+                <a:pPr marL="0" indent="0">
+                  <a:buNone/>
+                </a:pPr>
+                <a:endParaRPr lang="en-US" dirty="0">
+                  <a:sym typeface="Symbol" charset="2"/>
+                </a:endParaRPr>
+              </a:p>
+              <a:p>
+                <a14:m>
+                  <m:oMath xmlns:m="http://schemas.openxmlformats.org/officeDocument/2006/math">
+                    <m:r>
+                      <a:rPr lang="en-US" b="0" i="1" smtClean="0">
+                        <a:latin typeface="Cambria Math" panose="02040503050406030204" pitchFamily="18" charset="0"/>
+                        <a:sym typeface="Symbol" charset="2"/>
+                      </a:rPr>
+                      <m:t>𝑇</m:t>
+                    </m:r>
+                    <m:d>
+                      <m:dPr>
+                        <m:ctrlPr>
+                          <a:rPr lang="en-US" b="0" i="1" smtClean="0">
+                            <a:latin typeface="Cambria Math" panose="02040503050406030204" pitchFamily="18" charset="0"/>
+                            <a:sym typeface="Symbol" charset="2"/>
+                          </a:rPr>
+                        </m:ctrlPr>
+                      </m:dPr>
+                      <m:e>
+                        <m:r>
+                          <a:rPr lang="en-US" b="0" i="1" smtClean="0">
+                            <a:latin typeface="Cambria Math" panose="02040503050406030204" pitchFamily="18" charset="0"/>
+                            <a:sym typeface="Symbol" charset="2"/>
+                          </a:rPr>
+                          <m:t>𝑛</m:t>
+                        </m:r>
+                      </m:e>
+                    </m:d>
+                    <m:r>
+                      <a:rPr lang="en-US" b="0" i="1" smtClean="0">
+                        <a:latin typeface="Cambria Math" panose="02040503050406030204" pitchFamily="18" charset="0"/>
+                        <a:sym typeface="Symbol" charset="2"/>
+                      </a:rPr>
+                      <m:t>=3</m:t>
+                    </m:r>
+                    <m:r>
+                      <a:rPr lang="en-US" b="0" i="1" smtClean="0">
+                        <a:latin typeface="Cambria Math" panose="02040503050406030204" pitchFamily="18" charset="0"/>
+                        <a:sym typeface="Symbol" charset="2"/>
+                      </a:rPr>
+                      <m:t>𝑇</m:t>
+                    </m:r>
+                    <m:d>
+                      <m:dPr>
+                        <m:ctrlPr>
+                          <a:rPr lang="en-US" b="0" i="1" smtClean="0">
+                            <a:latin typeface="Cambria Math" panose="02040503050406030204" pitchFamily="18" charset="0"/>
+                            <a:sym typeface="Symbol" charset="2"/>
+                          </a:rPr>
+                        </m:ctrlPr>
+                      </m:dPr>
+                      <m:e>
+                        <m:f>
+                          <m:fPr>
+                            <m:ctrlPr>
+                              <a:rPr lang="en-US" b="0" i="1" smtClean="0">
+                                <a:latin typeface="Cambria Math" panose="02040503050406030204" pitchFamily="18" charset="0"/>
+                                <a:sym typeface="Symbol" charset="2"/>
+                              </a:rPr>
+                            </m:ctrlPr>
+                          </m:fPr>
+                          <m:num>
+                            <m:r>
+                              <a:rPr lang="en-US" b="0" i="1" smtClean="0">
+                                <a:latin typeface="Cambria Math" panose="02040503050406030204" pitchFamily="18" charset="0"/>
+                                <a:sym typeface="Symbol" charset="2"/>
+                              </a:rPr>
+                              <m:t>𝑛</m:t>
+                            </m:r>
+                          </m:num>
+                          <m:den>
+                            <m:r>
+                              <a:rPr lang="en-US" b="0" i="1" smtClean="0">
+                                <a:latin typeface="Cambria Math" panose="02040503050406030204" pitchFamily="18" charset="0"/>
+                                <a:sym typeface="Symbol" charset="2"/>
+                              </a:rPr>
+                              <m:t>3</m:t>
+                            </m:r>
+                          </m:den>
+                        </m:f>
+                      </m:e>
+                    </m:d>
+                    <m:r>
+                      <a:rPr lang="en-US" b="0" i="1" smtClean="0">
+                        <a:latin typeface="Cambria Math" panose="02040503050406030204" pitchFamily="18" charset="0"/>
+                        <a:sym typeface="Symbol" charset="2"/>
+                      </a:rPr>
+                      <m:t>+</m:t>
+                    </m:r>
+                    <m:f>
+                      <m:fPr>
+                        <m:ctrlPr>
+                          <a:rPr lang="en-US" b="0" i="1" smtClean="0">
+                            <a:latin typeface="Cambria Math" panose="02040503050406030204" pitchFamily="18" charset="0"/>
+                            <a:sym typeface="Symbol" charset="2"/>
+                          </a:rPr>
+                        </m:ctrlPr>
+                      </m:fPr>
+                      <m:num>
+                        <m:r>
+                          <a:rPr lang="en-US" b="0" i="1" smtClean="0">
+                            <a:latin typeface="Cambria Math" panose="02040503050406030204" pitchFamily="18" charset="0"/>
+                            <a:sym typeface="Symbol" charset="2"/>
+                          </a:rPr>
+                          <m:t>𝑛</m:t>
+                        </m:r>
+                      </m:num>
+                      <m:den>
+                        <m:r>
+                          <m:rPr>
+                            <m:sty m:val="p"/>
+                          </m:rPr>
+                          <a:rPr lang="en-US" b="0" i="0" smtClean="0">
+                            <a:latin typeface="Cambria Math" panose="02040503050406030204" pitchFamily="18" charset="0"/>
+                            <a:sym typeface="Symbol" charset="2"/>
+                          </a:rPr>
+                          <m:t>log</m:t>
+                        </m:r>
+                        <m:r>
+                          <a:rPr lang="en-US" b="0" i="1" smtClean="0">
+                            <a:latin typeface="Cambria Math" panose="02040503050406030204" pitchFamily="18" charset="0"/>
+                            <a:sym typeface="Symbol" charset="2"/>
+                          </a:rPr>
+                          <m:t>⁡(</m:t>
+                        </m:r>
+                        <m:r>
+                          <a:rPr lang="en-US" b="0" i="1" smtClean="0">
+                            <a:latin typeface="Cambria Math" panose="02040503050406030204" pitchFamily="18" charset="0"/>
+                            <a:sym typeface="Symbol" charset="2"/>
+                          </a:rPr>
+                          <m:t>𝑛</m:t>
+                        </m:r>
+                        <m:r>
+                          <a:rPr lang="en-US" b="0" i="1" smtClean="0">
+                            <a:latin typeface="Cambria Math" panose="02040503050406030204" pitchFamily="18" charset="0"/>
+                            <a:sym typeface="Symbol" charset="2"/>
+                          </a:rPr>
+                          <m:t>)</m:t>
+                        </m:r>
+                      </m:den>
+                    </m:f>
+                  </m:oMath>
+                </a14:m>
+                <a:endParaRPr lang="en-US" dirty="0">
+                  <a:sym typeface="Symbol" charset="2"/>
+                </a:endParaRPr>
+              </a:p>
+              <a:p>
+                <a:pPr lvl="1"/>
+                <a14:m>
+                  <m:oMath xmlns:m="http://schemas.openxmlformats.org/officeDocument/2006/math">
+                    <m:r>
+                      <a:rPr lang="en-US" b="0" i="1" smtClean="0">
+                        <a:latin typeface="Cambria Math" panose="02040503050406030204" pitchFamily="18" charset="0"/>
+                        <a:sym typeface="Symbol" charset="2"/>
+                      </a:rPr>
+                      <m:t>𝑘</m:t>
+                    </m:r>
+                    <m:r>
+                      <a:rPr lang="en-US" b="0" i="1" smtClean="0">
+                        <a:latin typeface="Cambria Math" panose="02040503050406030204" pitchFamily="18" charset="0"/>
+                        <a:sym typeface="Symbol" charset="2"/>
+                      </a:rPr>
+                      <m:t>=</m:t>
+                    </m:r>
+                    <m:func>
+                      <m:funcPr>
+                        <m:ctrlPr>
+                          <a:rPr lang="en-US" b="0" i="1" smtClean="0">
+                            <a:latin typeface="Cambria Math" panose="02040503050406030204" pitchFamily="18" charset="0"/>
+                            <a:sym typeface="Symbol" charset="2"/>
+                          </a:rPr>
+                        </m:ctrlPr>
+                      </m:funcPr>
+                      <m:fName>
+                        <m:sSub>
+                          <m:sSubPr>
+                            <m:ctrlPr>
+                              <a:rPr lang="en-US" b="0" i="1" smtClean="0">
+                                <a:latin typeface="Cambria Math" panose="02040503050406030204" pitchFamily="18" charset="0"/>
+                                <a:sym typeface="Symbol" charset="2"/>
+                              </a:rPr>
+                            </m:ctrlPr>
+                          </m:sSubPr>
+                          <m:e>
+                            <m:r>
+                              <m:rPr>
+                                <m:sty m:val="p"/>
+                              </m:rPr>
+                              <a:rPr lang="en-US" b="0" i="0" smtClean="0">
+                                <a:latin typeface="Cambria Math" panose="02040503050406030204" pitchFamily="18" charset="0"/>
+                                <a:sym typeface="Symbol" charset="2"/>
+                              </a:rPr>
+                              <m:t>log</m:t>
+                            </m:r>
+                          </m:e>
+                          <m:sub>
+                            <m:r>
+                              <a:rPr lang="en-US" b="0" i="1" smtClean="0">
+                                <a:latin typeface="Cambria Math" panose="02040503050406030204" pitchFamily="18" charset="0"/>
+                                <a:sym typeface="Symbol" charset="2"/>
+                              </a:rPr>
+                              <m:t>3</m:t>
+                            </m:r>
+                          </m:sub>
+                        </m:sSub>
+                      </m:fName>
+                      <m:e>
+                        <m:d>
+                          <m:dPr>
+                            <m:ctrlPr>
+                              <a:rPr lang="en-US" b="0" i="1" smtClean="0">
+                                <a:latin typeface="Cambria Math" panose="02040503050406030204" pitchFamily="18" charset="0"/>
+                                <a:sym typeface="Symbol" charset="2"/>
+                              </a:rPr>
+                            </m:ctrlPr>
+                          </m:dPr>
+                          <m:e>
+                            <m:r>
+                              <a:rPr lang="en-US" b="0" i="1" smtClean="0">
+                                <a:latin typeface="Cambria Math" panose="02040503050406030204" pitchFamily="18" charset="0"/>
+                                <a:sym typeface="Symbol" charset="2"/>
+                              </a:rPr>
+                              <m:t>3</m:t>
+                            </m:r>
+                          </m:e>
+                        </m:d>
+                        <m:r>
+                          <a:rPr lang="en-US" b="0" i="1" smtClean="0">
+                            <a:latin typeface="Cambria Math" panose="02040503050406030204" pitchFamily="18" charset="0"/>
+                            <a:sym typeface="Symbol" charset="2"/>
+                          </a:rPr>
+                          <m:t>=1</m:t>
+                        </m:r>
+                      </m:e>
+                    </m:func>
+                  </m:oMath>
+                </a14:m>
+                <a:endParaRPr lang="en-US" dirty="0">
+                  <a:sym typeface="Symbol" charset="2"/>
+                </a:endParaRPr>
+              </a:p>
+              <a:p>
+                <a:pPr lvl="1"/>
+                <a:endParaRPr lang="en-US" dirty="0">
+                  <a:sym typeface="Symbol" charset="2"/>
+                </a:endParaRPr>
+              </a:p>
+              <a:p>
+                <a:pPr lvl="1"/>
+                <a14:m>
+                  <m:oMath xmlns:m="http://schemas.openxmlformats.org/officeDocument/2006/math">
+                    <m:sSup>
+                      <m:sSupPr>
+                        <m:ctrlPr>
+                          <a:rPr lang="en-US" b="0" i="1" smtClean="0">
+                            <a:latin typeface="Cambria Math" panose="02040503050406030204" pitchFamily="18" charset="0"/>
+                            <a:sym typeface="Symbol" charset="2"/>
+                          </a:rPr>
+                        </m:ctrlPr>
+                      </m:sSupPr>
+                      <m:e>
+                        <m:r>
+                          <a:rPr lang="en-US" b="0" i="1" smtClean="0">
+                            <a:latin typeface="Cambria Math" panose="02040503050406030204" pitchFamily="18" charset="0"/>
+                            <a:sym typeface="Symbol" charset="2"/>
+                          </a:rPr>
+                          <m:t>𝑛</m:t>
+                        </m:r>
+                      </m:e>
+                      <m:sup>
+                        <m:r>
+                          <a:rPr lang="en-US" b="0" i="1" smtClean="0">
+                            <a:latin typeface="Cambria Math" panose="02040503050406030204" pitchFamily="18" charset="0"/>
+                            <a:sym typeface="Symbol" charset="2"/>
+                          </a:rPr>
+                          <m:t>𝑘</m:t>
+                        </m:r>
+                      </m:sup>
+                    </m:sSup>
+                    <m:r>
+                      <a:rPr lang="en-US" b="0" i="1" smtClean="0">
+                        <a:latin typeface="Cambria Math" panose="02040503050406030204" pitchFamily="18" charset="0"/>
+                        <a:sym typeface="Symbol" charset="2"/>
+                      </a:rPr>
+                      <m:t>=</m:t>
+                    </m:r>
+                    <m:r>
+                      <a:rPr lang="en-US" b="0" i="1" smtClean="0">
+                        <a:latin typeface="Cambria Math" panose="02040503050406030204" pitchFamily="18" charset="0"/>
+                        <a:sym typeface="Symbol" charset="2"/>
+                      </a:rPr>
+                      <m:t>𝑛</m:t>
+                    </m:r>
+                  </m:oMath>
+                </a14:m>
+                <a:r>
+                  <a:rPr lang="en-US" dirty="0">
+                    <a:sym typeface="Symbol" charset="2"/>
+                  </a:rPr>
+                  <a:t>			</a:t>
+                </a:r>
+                <a14:m>
+                  <m:oMath xmlns:m="http://schemas.openxmlformats.org/officeDocument/2006/math">
+                    <m:r>
+                      <a:rPr lang="en-US" b="0" i="1" smtClean="0">
+                        <a:latin typeface="Cambria Math" panose="02040503050406030204" pitchFamily="18" charset="0"/>
+                        <a:sym typeface="Symbol" charset="2"/>
+                      </a:rPr>
+                      <m:t>𝑓</m:t>
+                    </m:r>
+                    <m:d>
+                      <m:dPr>
+                        <m:ctrlPr>
+                          <a:rPr lang="en-US" b="0" i="1" smtClean="0">
+                            <a:latin typeface="Cambria Math" panose="02040503050406030204" pitchFamily="18" charset="0"/>
+                            <a:sym typeface="Symbol" charset="2"/>
+                          </a:rPr>
+                        </m:ctrlPr>
+                      </m:dPr>
+                      <m:e>
+                        <m:r>
+                          <a:rPr lang="en-US" b="0" i="1" smtClean="0">
+                            <a:latin typeface="Cambria Math" panose="02040503050406030204" pitchFamily="18" charset="0"/>
+                            <a:sym typeface="Symbol" charset="2"/>
+                          </a:rPr>
+                          <m:t>𝑛</m:t>
+                        </m:r>
+                      </m:e>
+                    </m:d>
+                    <m:r>
+                      <a:rPr lang="en-US" b="0" i="1" smtClean="0">
+                        <a:latin typeface="Cambria Math" panose="02040503050406030204" pitchFamily="18" charset="0"/>
+                        <a:sym typeface="Symbol" charset="2"/>
+                      </a:rPr>
+                      <m:t>=</m:t>
+                    </m:r>
+                    <m:f>
+                      <m:fPr>
+                        <m:ctrlPr>
+                          <a:rPr lang="en-US" b="0" i="1" smtClean="0">
+                            <a:latin typeface="Cambria Math" panose="02040503050406030204" pitchFamily="18" charset="0"/>
+                            <a:sym typeface="Symbol" charset="2"/>
+                          </a:rPr>
+                        </m:ctrlPr>
+                      </m:fPr>
+                      <m:num>
+                        <m:r>
+                          <a:rPr lang="en-US" b="0" i="1" smtClean="0">
+                            <a:latin typeface="Cambria Math" panose="02040503050406030204" pitchFamily="18" charset="0"/>
+                            <a:sym typeface="Symbol" charset="2"/>
+                          </a:rPr>
+                          <m:t>𝑛</m:t>
+                        </m:r>
+                      </m:num>
+                      <m:den>
+                        <m:r>
+                          <m:rPr>
+                            <m:sty m:val="p"/>
+                          </m:rPr>
+                          <a:rPr lang="en-US" b="0" i="0" smtClean="0">
+                            <a:latin typeface="Cambria Math" panose="02040503050406030204" pitchFamily="18" charset="0"/>
+                            <a:sym typeface="Symbol" charset="2"/>
+                          </a:rPr>
+                          <m:t>log</m:t>
+                        </m:r>
+                        <m:r>
+                          <a:rPr lang="en-US" b="0" i="1" smtClean="0">
+                            <a:latin typeface="Cambria Math" panose="02040503050406030204" pitchFamily="18" charset="0"/>
+                            <a:sym typeface="Symbol" charset="2"/>
+                          </a:rPr>
+                          <m:t>⁡(</m:t>
+                        </m:r>
+                        <m:r>
+                          <a:rPr lang="en-US" b="0" i="1" smtClean="0">
+                            <a:latin typeface="Cambria Math" panose="02040503050406030204" pitchFamily="18" charset="0"/>
+                            <a:sym typeface="Symbol" charset="2"/>
+                          </a:rPr>
+                          <m:t>𝑛</m:t>
+                        </m:r>
+                        <m:r>
+                          <a:rPr lang="en-US" b="0" i="1" smtClean="0">
+                            <a:latin typeface="Cambria Math" panose="02040503050406030204" pitchFamily="18" charset="0"/>
+                            <a:sym typeface="Symbol" charset="2"/>
+                          </a:rPr>
+                          <m:t>)</m:t>
+                        </m:r>
+                      </m:den>
+                    </m:f>
+                  </m:oMath>
+                </a14:m>
+                <a:endParaRPr lang="en-US" dirty="0">
+                  <a:sym typeface="Symbol" charset="2"/>
+                </a:endParaRPr>
+              </a:p>
+              <a:p>
+                <a:pPr lvl="1"/>
+                <a:endParaRPr lang="en-US" dirty="0">
+                  <a:sym typeface="Symbol" charset="2"/>
+                </a:endParaRPr>
+              </a:p>
+              <a:p>
+                <a:pPr lvl="1"/>
+                <a:r>
+                  <a:rPr lang="en-US" dirty="0">
+                    <a:sym typeface="Symbol" charset="2"/>
+                  </a:rPr>
+                  <a:t>Case 1 doesn’t apply because f(n) not </a:t>
+                </a:r>
+                <a:r>
+                  <a:rPr lang="en-US" dirty="0" err="1">
+                    <a:sym typeface="Symbol" charset="2"/>
+                  </a:rPr>
+                  <a:t>polynomially</a:t>
+                </a:r>
+                <a:r>
+                  <a:rPr lang="en-US" dirty="0">
+                    <a:sym typeface="Symbol" charset="2"/>
+                  </a:rPr>
+                  <a:t> smaller</a:t>
+                </a:r>
+              </a:p>
+              <a:p>
+                <a:pPr lvl="1"/>
+                <a:r>
+                  <a:rPr lang="en-US" dirty="0">
+                    <a:sym typeface="Symbol" charset="2"/>
+                  </a:rPr>
+                  <a:t>e.g.,  n / log(n) !&lt;= n^0.99 for large n</a:t>
+                </a:r>
+              </a:p>
+            </p:txBody>
+          </p:sp>
+        </mc:Choice>
+        <mc:Fallback>
+          <p:sp>
+            <p:nvSpPr>
+              <p:cNvPr id="45059" name="Rectangle 3"/>
+              <p:cNvSpPr>
+                <a:spLocks noGrp="1" noRot="1" noChangeAspect="1" noMove="1" noResize="1" noEditPoints="1" noAdjustHandles="1" noChangeArrowheads="1" noChangeShapeType="1" noTextEdit="1"/>
+              </p:cNvSpPr>
+              <p:nvPr>
+                <p:ph sz="quarter" idx="1"/>
+                <p:custDataLst>
+                  <p:tags r:id="rId2"/>
+                </p:custDataLst>
+              </p:nvPr>
+            </p:nvSpPr>
+            <p:spPr>
+              <a:blipFill>
+                <a:blip r:embed="rId4"/>
+                <a:stretch>
+                  <a:fillRect l="-772"/>
+                </a:stretch>
+              </a:blipFill>
+            </p:spPr>
+            <p:txBody>
+              <a:bodyPr/>
+              <a:lstStyle/>
+              <a:p>
+                <a:r>
+                  <a:rPr lang="en-US">
+                    <a:noFill/>
+                  </a:rPr>
+                  <a:t> </a:t>
+                </a:r>
+              </a:p>
+            </p:txBody>
+          </p:sp>
+        </mc:Fallback>
+      </mc:AlternateContent>
     </p:spTree>
     <p:extLst>
       <p:ext uri="{BB962C8B-B14F-4D97-AF65-F5344CB8AC3E}">
@@ -12065,284 +14048,6 @@
   <p:clrMapOvr>
     <a:masterClrMapping/>
   </p:clrMapOvr>
-  <p:timing>
-    <p:tnLst>
-      <p:par>
-        <p:cTn id="1" dur="indefinite" restart="never" nodeType="tmRoot">
-          <p:childTnLst>
-            <p:seq concurrent="1" nextAc="seek">
-              <p:cTn id="2" dur="indefinite" nodeType="mainSeq">
-                <p:childTnLst>
-                  <p:par>
-                    <p:cTn id="3" fill="hold">
-                      <p:stCondLst>
-                        <p:cond delay="indefinite"/>
-                      </p:stCondLst>
-                      <p:childTnLst>
-                        <p:par>
-                          <p:cTn id="4" fill="hold">
-                            <p:stCondLst>
-                              <p:cond delay="0"/>
-                            </p:stCondLst>
-                            <p:childTnLst>
-                              <p:par>
-                                <p:cTn id="5" presetID="1" presetClass="entr" presetSubtype="0" fill="hold" grpId="0" nodeType="clickEffect">
-                                  <p:stCondLst>
-                                    <p:cond delay="0"/>
-                                  </p:stCondLst>
-                                  <p:childTnLst>
-                                    <p:set>
-                                      <p:cBhvr>
-                                        <p:cTn id="6" dur="1" fill="hold">
-                                          <p:stCondLst>
-                                            <p:cond delay="0"/>
-                                          </p:stCondLst>
-                                        </p:cTn>
-                                        <p:tgtEl>
-                                          <p:spTgt spid="45059">
-                                            <p:txEl>
-                                              <p:pRg st="1" end="1"/>
-                                            </p:txEl>
-                                          </p:spTgt>
-                                        </p:tgtEl>
-                                        <p:attrNameLst>
-                                          <p:attrName>style.visibility</p:attrName>
-                                        </p:attrNameLst>
-                                      </p:cBhvr>
-                                      <p:to>
-                                        <p:strVal val="visible"/>
-                                      </p:to>
-                                    </p:set>
-                                  </p:childTnLst>
-                                </p:cTn>
-                              </p:par>
-                            </p:childTnLst>
-                          </p:cTn>
-                        </p:par>
-                      </p:childTnLst>
-                    </p:cTn>
-                  </p:par>
-                  <p:par>
-                    <p:cTn id="7" fill="hold">
-                      <p:stCondLst>
-                        <p:cond delay="indefinite"/>
-                      </p:stCondLst>
-                      <p:childTnLst>
-                        <p:par>
-                          <p:cTn id="8" fill="hold">
-                            <p:stCondLst>
-                              <p:cond delay="0"/>
-                            </p:stCondLst>
-                            <p:childTnLst>
-                              <p:par>
-                                <p:cTn id="9" presetID="1" presetClass="entr" presetSubtype="0" fill="hold" grpId="0" nodeType="clickEffect">
-                                  <p:stCondLst>
-                                    <p:cond delay="0"/>
-                                  </p:stCondLst>
-                                  <p:childTnLst>
-                                    <p:set>
-                                      <p:cBhvr>
-                                        <p:cTn id="10" dur="1" fill="hold">
-                                          <p:stCondLst>
-                                            <p:cond delay="0"/>
-                                          </p:stCondLst>
-                                        </p:cTn>
-                                        <p:tgtEl>
-                                          <p:spTgt spid="45059">
-                                            <p:txEl>
-                                              <p:pRg st="2" end="2"/>
-                                            </p:txEl>
-                                          </p:spTgt>
-                                        </p:tgtEl>
-                                        <p:attrNameLst>
-                                          <p:attrName>style.visibility</p:attrName>
-                                        </p:attrNameLst>
-                                      </p:cBhvr>
-                                      <p:to>
-                                        <p:strVal val="visible"/>
-                                      </p:to>
-                                    </p:set>
-                                  </p:childTnLst>
-                                </p:cTn>
-                              </p:par>
-                            </p:childTnLst>
-                          </p:cTn>
-                        </p:par>
-                      </p:childTnLst>
-                    </p:cTn>
-                  </p:par>
-                  <p:par>
-                    <p:cTn id="11" fill="hold">
-                      <p:stCondLst>
-                        <p:cond delay="indefinite"/>
-                      </p:stCondLst>
-                      <p:childTnLst>
-                        <p:par>
-                          <p:cTn id="12" fill="hold">
-                            <p:stCondLst>
-                              <p:cond delay="0"/>
-                            </p:stCondLst>
-                            <p:childTnLst>
-                              <p:par>
-                                <p:cTn id="13" presetID="1" presetClass="entr" presetSubtype="0" fill="hold" grpId="0" nodeType="clickEffect">
-                                  <p:stCondLst>
-                                    <p:cond delay="0"/>
-                                  </p:stCondLst>
-                                  <p:childTnLst>
-                                    <p:set>
-                                      <p:cBhvr>
-                                        <p:cTn id="14" dur="1" fill="hold">
-                                          <p:stCondLst>
-                                            <p:cond delay="0"/>
-                                          </p:stCondLst>
-                                        </p:cTn>
-                                        <p:tgtEl>
-                                          <p:spTgt spid="45059">
-                                            <p:txEl>
-                                              <p:pRg st="4" end="4"/>
-                                            </p:txEl>
-                                          </p:spTgt>
-                                        </p:tgtEl>
-                                        <p:attrNameLst>
-                                          <p:attrName>style.visibility</p:attrName>
-                                        </p:attrNameLst>
-                                      </p:cBhvr>
-                                      <p:to>
-                                        <p:strVal val="visible"/>
-                                      </p:to>
-                                    </p:set>
-                                  </p:childTnLst>
-                                </p:cTn>
-                              </p:par>
-                            </p:childTnLst>
-                          </p:cTn>
-                        </p:par>
-                      </p:childTnLst>
-                    </p:cTn>
-                  </p:par>
-                  <p:par>
-                    <p:cTn id="15" fill="hold">
-                      <p:stCondLst>
-                        <p:cond delay="indefinite"/>
-                      </p:stCondLst>
-                      <p:childTnLst>
-                        <p:par>
-                          <p:cTn id="16" fill="hold">
-                            <p:stCondLst>
-                              <p:cond delay="0"/>
-                            </p:stCondLst>
-                            <p:childTnLst>
-                              <p:par>
-                                <p:cTn id="17" presetID="1" presetClass="entr" presetSubtype="0" fill="hold" grpId="0" nodeType="clickEffect">
-                                  <p:stCondLst>
-                                    <p:cond delay="0"/>
-                                  </p:stCondLst>
-                                  <p:childTnLst>
-                                    <p:set>
-                                      <p:cBhvr>
-                                        <p:cTn id="18" dur="1" fill="hold">
-                                          <p:stCondLst>
-                                            <p:cond delay="0"/>
-                                          </p:stCondLst>
-                                        </p:cTn>
-                                        <p:tgtEl>
-                                          <p:spTgt spid="45059">
-                                            <p:txEl>
-                                              <p:pRg st="6" end="6"/>
-                                            </p:txEl>
-                                          </p:spTgt>
-                                        </p:tgtEl>
-                                        <p:attrNameLst>
-                                          <p:attrName>style.visibility</p:attrName>
-                                        </p:attrNameLst>
-                                      </p:cBhvr>
-                                      <p:to>
-                                        <p:strVal val="visible"/>
-                                      </p:to>
-                                    </p:set>
-                                  </p:childTnLst>
-                                </p:cTn>
-                              </p:par>
-                            </p:childTnLst>
-                          </p:cTn>
-                        </p:par>
-                      </p:childTnLst>
-                    </p:cTn>
-                  </p:par>
-                  <p:par>
-                    <p:cTn id="19" fill="hold">
-                      <p:stCondLst>
-                        <p:cond delay="indefinite"/>
-                      </p:stCondLst>
-                      <p:childTnLst>
-                        <p:par>
-                          <p:cTn id="20" fill="hold">
-                            <p:stCondLst>
-                              <p:cond delay="0"/>
-                            </p:stCondLst>
-                            <p:childTnLst>
-                              <p:par>
-                                <p:cTn id="21" presetID="1" presetClass="entr" presetSubtype="0" fill="hold" grpId="0" nodeType="clickEffect">
-                                  <p:stCondLst>
-                                    <p:cond delay="0"/>
-                                  </p:stCondLst>
-                                  <p:childTnLst>
-                                    <p:set>
-                                      <p:cBhvr>
-                                        <p:cTn id="22" dur="1" fill="hold">
-                                          <p:stCondLst>
-                                            <p:cond delay="0"/>
-                                          </p:stCondLst>
-                                        </p:cTn>
-                                        <p:tgtEl>
-                                          <p:spTgt spid="45059">
-                                            <p:txEl>
-                                              <p:pRg st="7" end="7"/>
-                                            </p:txEl>
-                                          </p:spTgt>
-                                        </p:tgtEl>
-                                        <p:attrNameLst>
-                                          <p:attrName>style.visibility</p:attrName>
-                                        </p:attrNameLst>
-                                      </p:cBhvr>
-                                      <p:to>
-                                        <p:strVal val="visible"/>
-                                      </p:to>
-                                    </p:set>
-                                  </p:childTnLst>
-                                </p:cTn>
-                              </p:par>
-                            </p:childTnLst>
-                          </p:cTn>
-                        </p:par>
-                      </p:childTnLst>
-                    </p:cTn>
-                  </p:par>
-                </p:childTnLst>
-              </p:cTn>
-              <p:prevCondLst>
-                <p:cond evt="onPrev" delay="0">
-                  <p:tgtEl>
-                    <p:sldTgt/>
-                  </p:tgtEl>
-                </p:cond>
-              </p:prevCondLst>
-              <p:nextCondLst>
-                <p:cond evt="onNext" delay="0">
-                  <p:tgtEl>
-                    <p:sldTgt/>
-                  </p:tgtEl>
-                </p:cond>
-              </p:nextCondLst>
-            </p:seq>
-          </p:childTnLst>
-        </p:cTn>
-      </p:par>
-    </p:tnLst>
-    <p:bldLst>
-      <p:bldP spid="45059" grpId="0" build="p"/>
-    </p:bldLst>
-  </p:timing>
 </p:sld>
 </file>
 

--- a/slides/recurrences.pptx
+++ b/slides/recurrences.pptx
@@ -7683,7 +7683,7 @@
           <a:graphicData uri="http://schemas.openxmlformats.org/presentationml/2006/ole">
             <mc:AlternateContent xmlns:mc="http://schemas.openxmlformats.org/markup-compatibility/2006">
               <mc:Choice xmlns:v="urn:schemas-microsoft-com:vml" Requires="v">
-                <p:oleObj spid="_x0000_s39023" name="Photo Editor Photo" r:id="rId6" imgW="7658764" imgH="4031329" progId="">
+                <p:oleObj spid="_x0000_s39024" name="Photo Editor Photo" r:id="rId6" imgW="7658764" imgH="4031329" progId="">
                   <p:embed/>
                 </p:oleObj>
               </mc:Choice>

--- a/slides/recurrences.pptx
+++ b/slides/recurrences.pptx
@@ -6299,8 +6299,13 @@
             <a:pPr lvl="1"/>
             <a:r>
               <a:rPr lang="en-US" dirty="0"/>
-              <a:t>T(n) &lt;= c*n -2d + 1 &lt;= c*n		//as long as d &gt;= 1/2</a:t>
-            </a:r>
+              <a:t>T(n) &lt;= c*n -2d + 1 &lt;= c*n - d		//as long as </a:t>
+            </a:r>
+            <a:r>
+              <a:rPr lang="en-US"/>
+              <a:t>d &gt;= 1</a:t>
+            </a:r>
+            <a:endParaRPr lang="en-US" dirty="0"/>
           </a:p>
           <a:p>
             <a:pPr lvl="1"/>
@@ -7683,7 +7688,7 @@
           <a:graphicData uri="http://schemas.openxmlformats.org/presentationml/2006/ole">
             <mc:AlternateContent xmlns:mc="http://schemas.openxmlformats.org/markup-compatibility/2006">
               <mc:Choice xmlns:v="urn:schemas-microsoft-com:vml" Requires="v">
-                <p:oleObj spid="_x0000_s39024" name="Photo Editor Photo" r:id="rId6" imgW="7658764" imgH="4031329" progId="">
+                <p:oleObj spid="_x0000_s39025" name="Photo Editor Photo" r:id="rId6" imgW="7658764" imgH="4031329" progId="">
                   <p:embed/>
                 </p:oleObj>
               </mc:Choice>
